--- a/courseMaterial/Objective-2-Simple Java Program/Basics_Of_A_Java_Program.pptx
+++ b/courseMaterial/Objective-2-Simple Java Program/Basics_Of_A_Java_Program.pptx
@@ -123,10 +123,10 @@
   </p:defaultTextStyle>
   <p:extLst>
     <p:ext uri="{EFAFB233-063F-42B5-8137-9DF3F51BA10A}">
-      <p15:sldGuideLst xmlns:p15="http://schemas.microsoft.com/office/powerpoint/2012/main" xmlns=""/>
+      <p15:sldGuideLst xmlns="" xmlns:p15="http://schemas.microsoft.com/office/powerpoint/2012/main"/>
     </p:ext>
     <p:ext uri="{2D200454-40CA-4A62-9FC3-DE9A4176ACB9}">
-      <p15:notesGuideLst xmlns:p15="http://schemas.microsoft.com/office/powerpoint/2012/main" xmlns=""/>
+      <p15:notesGuideLst xmlns="" xmlns:p15="http://schemas.microsoft.com/office/powerpoint/2012/main"/>
     </p:ext>
   </p:extLst>
 </p:presentation>
@@ -159,7 +159,7 @@
           <p:cNvPr id="2" name="Header Placeholder 1">
             <a:extLst>
               <a:ext uri="{FF2B5EF4-FFF2-40B4-BE49-F238E27FC236}">
-                <a16:creationId xmlns:a16="http://schemas.microsoft.com/office/drawing/2014/main" xmlns="" id="{2BC10188-DC2C-458D-AB41-143A0BE9A310}"/>
+                <a16:creationId xmlns="" xmlns:a16="http://schemas.microsoft.com/office/drawing/2014/main" id="{2BC10188-DC2C-458D-AB41-143A0BE9A310}"/>
               </a:ext>
             </a:extLst>
           </p:cNvPr>
@@ -196,7 +196,7 @@
           <p:cNvPr id="3" name="Date Placeholder 2">
             <a:extLst>
               <a:ext uri="{FF2B5EF4-FFF2-40B4-BE49-F238E27FC236}">
-                <a16:creationId xmlns:a16="http://schemas.microsoft.com/office/drawing/2014/main" xmlns="" id="{C9634E15-7196-43FC-B912-C4D8B4A2CE79}"/>
+                <a16:creationId xmlns="" xmlns:a16="http://schemas.microsoft.com/office/drawing/2014/main" id="{C9634E15-7196-43FC-B912-C4D8B4A2CE79}"/>
               </a:ext>
             </a:extLst>
           </p:cNvPr>
@@ -227,7 +227,7 @@
             <a:fld id="{68416927-5E9C-4E77-85FE-EE4C81C1DE39}" type="datetimeFigureOut">
               <a:rPr lang="en-US" smtClean="0"/>
               <a:pPr/>
-              <a:t>4/19/2020</a:t>
+              <a:t>4/26/2020</a:t>
             </a:fld>
             <a:endParaRPr lang="en-US" dirty="0"/>
           </a:p>
@@ -238,7 +238,7 @@
           <p:cNvPr id="4" name="Footer Placeholder 3">
             <a:extLst>
               <a:ext uri="{FF2B5EF4-FFF2-40B4-BE49-F238E27FC236}">
-                <a16:creationId xmlns:a16="http://schemas.microsoft.com/office/drawing/2014/main" xmlns="" id="{89EA2570-D5B6-41CB-96C2-FFC9944668E5}"/>
+                <a16:creationId xmlns="" xmlns:a16="http://schemas.microsoft.com/office/drawing/2014/main" id="{89EA2570-D5B6-41CB-96C2-FFC9944668E5}"/>
               </a:ext>
             </a:extLst>
           </p:cNvPr>
@@ -275,7 +275,7 @@
           <p:cNvPr id="5" name="Slide Number Placeholder 4">
             <a:extLst>
               <a:ext uri="{FF2B5EF4-FFF2-40B4-BE49-F238E27FC236}">
-                <a16:creationId xmlns:a16="http://schemas.microsoft.com/office/drawing/2014/main" xmlns="" id="{15C31B37-7A69-4C30-9B63-29F8242FC246}"/>
+                <a16:creationId xmlns="" xmlns:a16="http://schemas.microsoft.com/office/drawing/2014/main" id="{15C31B37-7A69-4C30-9B63-29F8242FC246}"/>
               </a:ext>
             </a:extLst>
           </p:cNvPr>
@@ -315,7 +315,7 @@
     </p:spTree>
     <p:extLst>
       <p:ext uri="{BB962C8B-B14F-4D97-AF65-F5344CB8AC3E}">
-        <p14:creationId xmlns:p14="http://schemas.microsoft.com/office/powerpoint/2010/main" xmlns="" val="2413100067"/>
+        <p14:creationId xmlns="" xmlns:p14="http://schemas.microsoft.com/office/powerpoint/2010/main" val="2413100067"/>
       </p:ext>
     </p:extLst>
   </p:cSld>
@@ -406,7 +406,7 @@
             <a:fld id="{FA798B7E-6604-4F74-86DB-B30627D56244}" type="datetimeFigureOut">
               <a:rPr lang="en-US" smtClean="0"/>
               <a:pPr/>
-              <a:t>4/19/2020</a:t>
+              <a:t>4/26/2020</a:t>
             </a:fld>
             <a:endParaRPr lang="en-US" dirty="0"/>
           </a:p>
@@ -574,7 +574,7 @@
     </p:spTree>
     <p:extLst>
       <p:ext uri="{BB962C8B-B14F-4D97-AF65-F5344CB8AC3E}">
-        <p14:creationId xmlns:p14="http://schemas.microsoft.com/office/powerpoint/2010/main" xmlns="" val="2075933273"/>
+        <p14:creationId xmlns="" xmlns:p14="http://schemas.microsoft.com/office/powerpoint/2010/main" val="2075933273"/>
       </p:ext>
     </p:extLst>
   </p:cSld>
@@ -696,7 +696,7 @@
           <p:cNvPr id="2" name="Title 1">
             <a:extLst>
               <a:ext uri="{FF2B5EF4-FFF2-40B4-BE49-F238E27FC236}">
-                <a16:creationId xmlns:a16="http://schemas.microsoft.com/office/drawing/2014/main" xmlns="" id="{E5798B13-3B32-4354-B2B5-3165F2F6E65F}"/>
+                <a16:creationId xmlns="" xmlns:a16="http://schemas.microsoft.com/office/drawing/2014/main" id="{E5798B13-3B32-4354-B2B5-3165F2F6E65F}"/>
               </a:ext>
             </a:extLst>
           </p:cNvPr>
@@ -739,7 +739,7 @@
           <p:cNvPr id="4" name="Text Placeholder 3">
             <a:extLst>
               <a:ext uri="{FF2B5EF4-FFF2-40B4-BE49-F238E27FC236}">
-                <a16:creationId xmlns:a16="http://schemas.microsoft.com/office/drawing/2014/main" xmlns="" id="{16BB88CF-DF4F-4857-8602-72BCF5DDCDA1}"/>
+                <a16:creationId xmlns="" xmlns:a16="http://schemas.microsoft.com/office/drawing/2014/main" id="{16BB88CF-DF4F-4857-8602-72BCF5DDCDA1}"/>
               </a:ext>
             </a:extLst>
           </p:cNvPr>
@@ -810,7 +810,7 @@
           <p:cNvPr id="12" name="Straight Connector 11">
             <a:extLst>
               <a:ext uri="{FF2B5EF4-FFF2-40B4-BE49-F238E27FC236}">
-                <a16:creationId xmlns:a16="http://schemas.microsoft.com/office/drawing/2014/main" xmlns="" id="{A7EEBB7C-1679-4665-8688-1FA973E73DC1}"/>
+                <a16:creationId xmlns="" xmlns:a16="http://schemas.microsoft.com/office/drawing/2014/main" id="{A7EEBB7C-1679-4665-8688-1FA973E73DC1}"/>
               </a:ext>
             </a:extLst>
           </p:cNvPr>
@@ -862,7 +862,7 @@
           <p:cNvPr id="7" name="Rectangle 6">
             <a:extLst>
               <a:ext uri="{FF2B5EF4-FFF2-40B4-BE49-F238E27FC236}">
-                <a16:creationId xmlns:a16="http://schemas.microsoft.com/office/drawing/2014/main" xmlns="" id="{F1E3214F-3A93-4A1C-920D-D86BE35A58FB}"/>
+                <a16:creationId xmlns="" xmlns:a16="http://schemas.microsoft.com/office/drawing/2014/main" id="{F1E3214F-3A93-4A1C-920D-D86BE35A58FB}"/>
               </a:ext>
             </a:extLst>
           </p:cNvPr>
@@ -917,7 +917,7 @@
           <p:cNvPr id="3" name="Slide Number Placeholder 2">
             <a:extLst>
               <a:ext uri="{FF2B5EF4-FFF2-40B4-BE49-F238E27FC236}">
-                <a16:creationId xmlns:a16="http://schemas.microsoft.com/office/drawing/2014/main" xmlns="" id="{213E97E5-C83B-444A-8C07-35D699E7C342}"/>
+                <a16:creationId xmlns="" xmlns:a16="http://schemas.microsoft.com/office/drawing/2014/main" id="{213E97E5-C83B-444A-8C07-35D699E7C342}"/>
               </a:ext>
             </a:extLst>
           </p:cNvPr>
@@ -949,7 +949,7 @@
     </p:spTree>
     <p:extLst>
       <p:ext uri="{BB962C8B-B14F-4D97-AF65-F5344CB8AC3E}">
-        <p14:creationId xmlns:p14="http://schemas.microsoft.com/office/powerpoint/2010/main" xmlns="" val="2226532245"/>
+        <p14:creationId xmlns="" xmlns:p14="http://schemas.microsoft.com/office/powerpoint/2010/main" val="2226532245"/>
       </p:ext>
     </p:extLst>
   </p:cSld>
@@ -981,7 +981,7 @@
           <p:cNvPr id="2" name="Title 1">
             <a:extLst>
               <a:ext uri="{FF2B5EF4-FFF2-40B4-BE49-F238E27FC236}">
-                <a16:creationId xmlns:a16="http://schemas.microsoft.com/office/drawing/2014/main" xmlns="" id="{0D1AB651-5612-4E6A-9B35-A555D082EC2F}"/>
+                <a16:creationId xmlns="" xmlns:a16="http://schemas.microsoft.com/office/drawing/2014/main" id="{0D1AB651-5612-4E6A-9B35-A555D082EC2F}"/>
               </a:ext>
             </a:extLst>
           </p:cNvPr>
@@ -1010,7 +1010,7 @@
           <p:cNvPr id="3" name="Content Placeholder 2">
             <a:extLst>
               <a:ext uri="{FF2B5EF4-FFF2-40B4-BE49-F238E27FC236}">
-                <a16:creationId xmlns:a16="http://schemas.microsoft.com/office/drawing/2014/main" xmlns="" id="{881389A2-D77B-40CA-AD1E-0178AEFAD15A}"/>
+                <a16:creationId xmlns="" xmlns:a16="http://schemas.microsoft.com/office/drawing/2014/main" id="{881389A2-D77B-40CA-AD1E-0178AEFAD15A}"/>
               </a:ext>
             </a:extLst>
           </p:cNvPr>
@@ -1091,7 +1091,7 @@
           <p:cNvPr id="4" name="Content Placeholder 3">
             <a:extLst>
               <a:ext uri="{FF2B5EF4-FFF2-40B4-BE49-F238E27FC236}">
-                <a16:creationId xmlns:a16="http://schemas.microsoft.com/office/drawing/2014/main" xmlns="" id="{A1DCA993-CBEA-48C5-BD35-50ABDFF64065}"/>
+                <a16:creationId xmlns="" xmlns:a16="http://schemas.microsoft.com/office/drawing/2014/main" id="{A1DCA993-CBEA-48C5-BD35-50ABDFF64065}"/>
               </a:ext>
             </a:extLst>
           </p:cNvPr>
@@ -1172,7 +1172,7 @@
           <p:cNvPr id="5" name="Slide Number Placeholder 4">
             <a:extLst>
               <a:ext uri="{FF2B5EF4-FFF2-40B4-BE49-F238E27FC236}">
-                <a16:creationId xmlns:a16="http://schemas.microsoft.com/office/drawing/2014/main" xmlns="" id="{B88ED8E0-95EC-469F-9B7E-562FBDFDE6CC}"/>
+                <a16:creationId xmlns="" xmlns:a16="http://schemas.microsoft.com/office/drawing/2014/main" id="{B88ED8E0-95EC-469F-9B7E-562FBDFDE6CC}"/>
               </a:ext>
             </a:extLst>
           </p:cNvPr>
@@ -1204,7 +1204,7 @@
     </p:spTree>
     <p:extLst>
       <p:ext uri="{BB962C8B-B14F-4D97-AF65-F5344CB8AC3E}">
-        <p14:creationId xmlns:p14="http://schemas.microsoft.com/office/powerpoint/2010/main" xmlns="" val="646344805"/>
+        <p14:creationId xmlns="" xmlns:p14="http://schemas.microsoft.com/office/powerpoint/2010/main" val="646344805"/>
       </p:ext>
     </p:extLst>
   </p:cSld>
@@ -1236,7 +1236,7 @@
           <p:cNvPr id="2" name="Title 1">
             <a:extLst>
               <a:ext uri="{FF2B5EF4-FFF2-40B4-BE49-F238E27FC236}">
-                <a16:creationId xmlns:a16="http://schemas.microsoft.com/office/drawing/2014/main" xmlns="" id="{EF776F88-2A37-410D-A685-E455AF3D07B4}"/>
+                <a16:creationId xmlns="" xmlns:a16="http://schemas.microsoft.com/office/drawing/2014/main" id="{EF776F88-2A37-410D-A685-E455AF3D07B4}"/>
               </a:ext>
             </a:extLst>
           </p:cNvPr>
@@ -1270,7 +1270,7 @@
           <p:cNvPr id="3" name="Text Placeholder 2">
             <a:extLst>
               <a:ext uri="{FF2B5EF4-FFF2-40B4-BE49-F238E27FC236}">
-                <a16:creationId xmlns:a16="http://schemas.microsoft.com/office/drawing/2014/main" xmlns="" id="{6C764B46-B015-44F7-8DC0-AFB8D275E486}"/>
+                <a16:creationId xmlns="" xmlns:a16="http://schemas.microsoft.com/office/drawing/2014/main" id="{6C764B46-B015-44F7-8DC0-AFB8D275E486}"/>
               </a:ext>
             </a:extLst>
           </p:cNvPr>
@@ -1341,7 +1341,7 @@
           <p:cNvPr id="4" name="Content Placeholder 3">
             <a:extLst>
               <a:ext uri="{FF2B5EF4-FFF2-40B4-BE49-F238E27FC236}">
-                <a16:creationId xmlns:a16="http://schemas.microsoft.com/office/drawing/2014/main" xmlns="" id="{2D3C8232-2077-497A-9142-B787E2B03A73}"/>
+                <a16:creationId xmlns="" xmlns:a16="http://schemas.microsoft.com/office/drawing/2014/main" id="{2D3C8232-2077-497A-9142-B787E2B03A73}"/>
               </a:ext>
             </a:extLst>
           </p:cNvPr>
@@ -1422,7 +1422,7 @@
           <p:cNvPr id="5" name="Text Placeholder 4">
             <a:extLst>
               <a:ext uri="{FF2B5EF4-FFF2-40B4-BE49-F238E27FC236}">
-                <a16:creationId xmlns:a16="http://schemas.microsoft.com/office/drawing/2014/main" xmlns="" id="{AAF6077C-D913-4FD0-B6E0-6D70BEFD40E6}"/>
+                <a16:creationId xmlns="" xmlns:a16="http://schemas.microsoft.com/office/drawing/2014/main" id="{AAF6077C-D913-4FD0-B6E0-6D70BEFD40E6}"/>
               </a:ext>
             </a:extLst>
           </p:cNvPr>
@@ -1493,7 +1493,7 @@
           <p:cNvPr id="6" name="Content Placeholder 5">
             <a:extLst>
               <a:ext uri="{FF2B5EF4-FFF2-40B4-BE49-F238E27FC236}">
-                <a16:creationId xmlns:a16="http://schemas.microsoft.com/office/drawing/2014/main" xmlns="" id="{43905DBB-3AA9-4435-AC97-732293FDE7EF}"/>
+                <a16:creationId xmlns="" xmlns:a16="http://schemas.microsoft.com/office/drawing/2014/main" id="{43905DBB-3AA9-4435-AC97-732293FDE7EF}"/>
               </a:ext>
             </a:extLst>
           </p:cNvPr>
@@ -1574,7 +1574,7 @@
           <p:cNvPr id="7" name="Slide Number Placeholder 6">
             <a:extLst>
               <a:ext uri="{FF2B5EF4-FFF2-40B4-BE49-F238E27FC236}">
-                <a16:creationId xmlns:a16="http://schemas.microsoft.com/office/drawing/2014/main" xmlns="" id="{1954C901-FCAF-4DFB-A621-6A969641CA73}"/>
+                <a16:creationId xmlns="" xmlns:a16="http://schemas.microsoft.com/office/drawing/2014/main" id="{1954C901-FCAF-4DFB-A621-6A969641CA73}"/>
               </a:ext>
             </a:extLst>
           </p:cNvPr>
@@ -1606,7 +1606,7 @@
     </p:spTree>
     <p:extLst>
       <p:ext uri="{BB962C8B-B14F-4D97-AF65-F5344CB8AC3E}">
-        <p14:creationId xmlns:p14="http://schemas.microsoft.com/office/powerpoint/2010/main" xmlns="" val="2292145525"/>
+        <p14:creationId xmlns="" xmlns:p14="http://schemas.microsoft.com/office/powerpoint/2010/main" val="2292145525"/>
       </p:ext>
     </p:extLst>
   </p:cSld>
@@ -1638,7 +1638,7 @@
           <p:cNvPr id="2" name="Title 1">
             <a:extLst>
               <a:ext uri="{FF2B5EF4-FFF2-40B4-BE49-F238E27FC236}">
-                <a16:creationId xmlns:a16="http://schemas.microsoft.com/office/drawing/2014/main" xmlns="" id="{99AF2623-2255-4BBA-9577-B3A3FD2AE8E8}"/>
+                <a16:creationId xmlns="" xmlns:a16="http://schemas.microsoft.com/office/drawing/2014/main" id="{99AF2623-2255-4BBA-9577-B3A3FD2AE8E8}"/>
               </a:ext>
             </a:extLst>
           </p:cNvPr>
@@ -1667,7 +1667,7 @@
           <p:cNvPr id="3" name="Slide Number Placeholder 2">
             <a:extLst>
               <a:ext uri="{FF2B5EF4-FFF2-40B4-BE49-F238E27FC236}">
-                <a16:creationId xmlns:a16="http://schemas.microsoft.com/office/drawing/2014/main" xmlns="" id="{5259F0F0-5E7C-4FC9-8E90-6ADCD7A714B6}"/>
+                <a16:creationId xmlns="" xmlns:a16="http://schemas.microsoft.com/office/drawing/2014/main" id="{5259F0F0-5E7C-4FC9-8E90-6ADCD7A714B6}"/>
               </a:ext>
             </a:extLst>
           </p:cNvPr>
@@ -1699,7 +1699,7 @@
     </p:spTree>
     <p:extLst>
       <p:ext uri="{BB962C8B-B14F-4D97-AF65-F5344CB8AC3E}">
-        <p14:creationId xmlns:p14="http://schemas.microsoft.com/office/powerpoint/2010/main" xmlns="" val="3105532259"/>
+        <p14:creationId xmlns="" xmlns:p14="http://schemas.microsoft.com/office/powerpoint/2010/main" val="3105532259"/>
       </p:ext>
     </p:extLst>
   </p:cSld>
@@ -1731,7 +1731,7 @@
           <p:cNvPr id="2" name="Slide Number Placeholder 1">
             <a:extLst>
               <a:ext uri="{FF2B5EF4-FFF2-40B4-BE49-F238E27FC236}">
-                <a16:creationId xmlns:a16="http://schemas.microsoft.com/office/drawing/2014/main" xmlns="" id="{0A9D3FFB-BE14-4D90-A515-10EDD1BEE6F1}"/>
+                <a16:creationId xmlns="" xmlns:a16="http://schemas.microsoft.com/office/drawing/2014/main" id="{0A9D3FFB-BE14-4D90-A515-10EDD1BEE6F1}"/>
               </a:ext>
             </a:extLst>
           </p:cNvPr>
@@ -1763,7 +1763,7 @@
     </p:spTree>
     <p:extLst>
       <p:ext uri="{BB962C8B-B14F-4D97-AF65-F5344CB8AC3E}">
-        <p14:creationId xmlns:p14="http://schemas.microsoft.com/office/powerpoint/2010/main" xmlns="" val="3627673970"/>
+        <p14:creationId xmlns="" xmlns:p14="http://schemas.microsoft.com/office/powerpoint/2010/main" val="3627673970"/>
       </p:ext>
     </p:extLst>
   </p:cSld>
@@ -1795,7 +1795,7 @@
           <p:cNvPr id="2" name="Title 1">
             <a:extLst>
               <a:ext uri="{FF2B5EF4-FFF2-40B4-BE49-F238E27FC236}">
-                <a16:creationId xmlns:a16="http://schemas.microsoft.com/office/drawing/2014/main" xmlns="" id="{A2451E51-BE82-4B1B-9CB6-89C26464DBE2}"/>
+                <a16:creationId xmlns="" xmlns:a16="http://schemas.microsoft.com/office/drawing/2014/main" id="{A2451E51-BE82-4B1B-9CB6-89C26464DBE2}"/>
               </a:ext>
             </a:extLst>
           </p:cNvPr>
@@ -1833,7 +1833,7 @@
           <p:cNvPr id="3" name="Content Placeholder 2">
             <a:extLst>
               <a:ext uri="{FF2B5EF4-FFF2-40B4-BE49-F238E27FC236}">
-                <a16:creationId xmlns:a16="http://schemas.microsoft.com/office/drawing/2014/main" xmlns="" id="{04CCBF8C-3CF7-47E6-9AB0-15584178B449}"/>
+                <a16:creationId xmlns="" xmlns:a16="http://schemas.microsoft.com/office/drawing/2014/main" id="{04CCBF8C-3CF7-47E6-9AB0-15584178B449}"/>
               </a:ext>
             </a:extLst>
           </p:cNvPr>
@@ -1924,7 +1924,7 @@
           <p:cNvPr id="4" name="Text Placeholder 3">
             <a:extLst>
               <a:ext uri="{FF2B5EF4-FFF2-40B4-BE49-F238E27FC236}">
-                <a16:creationId xmlns:a16="http://schemas.microsoft.com/office/drawing/2014/main" xmlns="" id="{3D07DA3C-0298-45CF-AFC3-41031C0763E3}"/>
+                <a16:creationId xmlns="" xmlns:a16="http://schemas.microsoft.com/office/drawing/2014/main" id="{3D07DA3C-0298-45CF-AFC3-41031C0763E3}"/>
               </a:ext>
             </a:extLst>
           </p:cNvPr>
@@ -1995,7 +1995,7 @@
           <p:cNvPr id="5" name="Slide Number Placeholder 4">
             <a:extLst>
               <a:ext uri="{FF2B5EF4-FFF2-40B4-BE49-F238E27FC236}">
-                <a16:creationId xmlns:a16="http://schemas.microsoft.com/office/drawing/2014/main" xmlns="" id="{F7C4FF87-D01E-416B-9EF8-E107C4EDDC42}"/>
+                <a16:creationId xmlns="" xmlns:a16="http://schemas.microsoft.com/office/drawing/2014/main" id="{F7C4FF87-D01E-416B-9EF8-E107C4EDDC42}"/>
               </a:ext>
             </a:extLst>
           </p:cNvPr>
@@ -2027,7 +2027,7 @@
     </p:spTree>
     <p:extLst>
       <p:ext uri="{BB962C8B-B14F-4D97-AF65-F5344CB8AC3E}">
-        <p14:creationId xmlns:p14="http://schemas.microsoft.com/office/powerpoint/2010/main" xmlns="" val="398533459"/>
+        <p14:creationId xmlns="" xmlns:p14="http://schemas.microsoft.com/office/powerpoint/2010/main" val="398533459"/>
       </p:ext>
     </p:extLst>
   </p:cSld>
@@ -2059,7 +2059,7 @@
           <p:cNvPr id="2" name="Title 1">
             <a:extLst>
               <a:ext uri="{FF2B5EF4-FFF2-40B4-BE49-F238E27FC236}">
-                <a16:creationId xmlns:a16="http://schemas.microsoft.com/office/drawing/2014/main" xmlns="" id="{E5798B13-3B32-4354-B2B5-3165F2F6E65F}"/>
+                <a16:creationId xmlns="" xmlns:a16="http://schemas.microsoft.com/office/drawing/2014/main" id="{E5798B13-3B32-4354-B2B5-3165F2F6E65F}"/>
               </a:ext>
             </a:extLst>
           </p:cNvPr>
@@ -2102,7 +2102,7 @@
           <p:cNvPr id="4" name="Text Placeholder 3">
             <a:extLst>
               <a:ext uri="{FF2B5EF4-FFF2-40B4-BE49-F238E27FC236}">
-                <a16:creationId xmlns:a16="http://schemas.microsoft.com/office/drawing/2014/main" xmlns="" id="{16BB88CF-DF4F-4857-8602-72BCF5DDCDA1}"/>
+                <a16:creationId xmlns="" xmlns:a16="http://schemas.microsoft.com/office/drawing/2014/main" id="{16BB88CF-DF4F-4857-8602-72BCF5DDCDA1}"/>
               </a:ext>
             </a:extLst>
           </p:cNvPr>
@@ -2173,7 +2173,7 @@
           <p:cNvPr id="12" name="Straight Connector 11">
             <a:extLst>
               <a:ext uri="{FF2B5EF4-FFF2-40B4-BE49-F238E27FC236}">
-                <a16:creationId xmlns:a16="http://schemas.microsoft.com/office/drawing/2014/main" xmlns="" id="{A7EEBB7C-1679-4665-8688-1FA973E73DC1}"/>
+                <a16:creationId xmlns="" xmlns:a16="http://schemas.microsoft.com/office/drawing/2014/main" id="{A7EEBB7C-1679-4665-8688-1FA973E73DC1}"/>
               </a:ext>
             </a:extLst>
           </p:cNvPr>
@@ -2225,7 +2225,7 @@
           <p:cNvPr id="7" name="Rectangle 6">
             <a:extLst>
               <a:ext uri="{FF2B5EF4-FFF2-40B4-BE49-F238E27FC236}">
-                <a16:creationId xmlns:a16="http://schemas.microsoft.com/office/drawing/2014/main" xmlns="" id="{F1E3214F-3A93-4A1C-920D-D86BE35A58FB}"/>
+                <a16:creationId xmlns="" xmlns:a16="http://schemas.microsoft.com/office/drawing/2014/main" id="{F1E3214F-3A93-4A1C-920D-D86BE35A58FB}"/>
               </a:ext>
             </a:extLst>
           </p:cNvPr>
@@ -2280,7 +2280,7 @@
           <p:cNvPr id="3" name="Slide Number Placeholder 2">
             <a:extLst>
               <a:ext uri="{FF2B5EF4-FFF2-40B4-BE49-F238E27FC236}">
-                <a16:creationId xmlns:a16="http://schemas.microsoft.com/office/drawing/2014/main" xmlns="" id="{213E97E5-C83B-444A-8C07-35D699E7C342}"/>
+                <a16:creationId xmlns="" xmlns:a16="http://schemas.microsoft.com/office/drawing/2014/main" id="{213E97E5-C83B-444A-8C07-35D699E7C342}"/>
               </a:ext>
             </a:extLst>
           </p:cNvPr>
@@ -2314,7 +2314,7 @@
           <p:cNvPr id="8" name="Picture Placeholder 2">
             <a:extLst>
               <a:ext uri="{FF2B5EF4-FFF2-40B4-BE49-F238E27FC236}">
-                <a16:creationId xmlns:a16="http://schemas.microsoft.com/office/drawing/2014/main" xmlns="" id="{2641ECAC-0557-4843-8433-067E4414E2F5}"/>
+                <a16:creationId xmlns="" xmlns:a16="http://schemas.microsoft.com/office/drawing/2014/main" id="{2641ECAC-0557-4843-8433-067E4414E2F5}"/>
               </a:ext>
             </a:extLst>
           </p:cNvPr>
@@ -2390,7 +2390,7 @@
     </p:spTree>
     <p:extLst>
       <p:ext uri="{BB962C8B-B14F-4D97-AF65-F5344CB8AC3E}">
-        <p14:creationId xmlns:p14="http://schemas.microsoft.com/office/powerpoint/2010/main" xmlns="" val="3394383312"/>
+        <p14:creationId xmlns="" xmlns:p14="http://schemas.microsoft.com/office/powerpoint/2010/main" val="3394383312"/>
       </p:ext>
     </p:extLst>
   </p:cSld>
@@ -2433,7 +2433,7 @@
           <p:cNvPr id="2" name="Title 1">
             <a:extLst>
               <a:ext uri="{FF2B5EF4-FFF2-40B4-BE49-F238E27FC236}">
-                <a16:creationId xmlns:a16="http://schemas.microsoft.com/office/drawing/2014/main" xmlns="" id="{FE91AD08-4E28-4191-9B62-EAD61608E5CF}"/>
+                <a16:creationId xmlns="" xmlns:a16="http://schemas.microsoft.com/office/drawing/2014/main" id="{FE91AD08-4E28-4191-9B62-EAD61608E5CF}"/>
               </a:ext>
             </a:extLst>
           </p:cNvPr>
@@ -2481,7 +2481,7 @@
           <p:cNvPr id="3" name="Content Placeholder 2">
             <a:extLst>
               <a:ext uri="{FF2B5EF4-FFF2-40B4-BE49-F238E27FC236}">
-                <a16:creationId xmlns:a16="http://schemas.microsoft.com/office/drawing/2014/main" xmlns="" id="{90BF853D-76DB-46F3-AF6C-1E77C8E06AA9}"/>
+                <a16:creationId xmlns="" xmlns:a16="http://schemas.microsoft.com/office/drawing/2014/main" id="{90BF853D-76DB-46F3-AF6C-1E77C8E06AA9}"/>
               </a:ext>
             </a:extLst>
           </p:cNvPr>
@@ -2562,7 +2562,7 @@
           <p:cNvPr id="4" name="Slide Number Placeholder 3">
             <a:extLst>
               <a:ext uri="{FF2B5EF4-FFF2-40B4-BE49-F238E27FC236}">
-                <a16:creationId xmlns:a16="http://schemas.microsoft.com/office/drawing/2014/main" xmlns="" id="{0660D61A-B9FD-4DFF-AC42-4069DAFE238C}"/>
+                <a16:creationId xmlns="" xmlns:a16="http://schemas.microsoft.com/office/drawing/2014/main" id="{0660D61A-B9FD-4DFF-AC42-4069DAFE238C}"/>
               </a:ext>
             </a:extLst>
           </p:cNvPr>
@@ -2594,7 +2594,7 @@
     </p:spTree>
     <p:extLst>
       <p:ext uri="{BB962C8B-B14F-4D97-AF65-F5344CB8AC3E}">
-        <p14:creationId xmlns:p14="http://schemas.microsoft.com/office/powerpoint/2010/main" xmlns="" val="3839236654"/>
+        <p14:creationId xmlns="" xmlns:p14="http://schemas.microsoft.com/office/powerpoint/2010/main" val="3839236654"/>
       </p:ext>
     </p:extLst>
   </p:cSld>
@@ -2637,7 +2637,7 @@
           <p:cNvPr id="2" name="Title 1">
             <a:extLst>
               <a:ext uri="{FF2B5EF4-FFF2-40B4-BE49-F238E27FC236}">
-                <a16:creationId xmlns:a16="http://schemas.microsoft.com/office/drawing/2014/main" xmlns="" id="{FE91AD08-4E28-4191-9B62-EAD61608E5CF}"/>
+                <a16:creationId xmlns="" xmlns:a16="http://schemas.microsoft.com/office/drawing/2014/main" id="{FE91AD08-4E28-4191-9B62-EAD61608E5CF}"/>
               </a:ext>
             </a:extLst>
           </p:cNvPr>
@@ -2687,7 +2687,7 @@
           <p:cNvPr id="3" name="Content Placeholder 2">
             <a:extLst>
               <a:ext uri="{FF2B5EF4-FFF2-40B4-BE49-F238E27FC236}">
-                <a16:creationId xmlns:a16="http://schemas.microsoft.com/office/drawing/2014/main" xmlns="" id="{90BF853D-76DB-46F3-AF6C-1E77C8E06AA9}"/>
+                <a16:creationId xmlns="" xmlns:a16="http://schemas.microsoft.com/office/drawing/2014/main" id="{90BF853D-76DB-46F3-AF6C-1E77C8E06AA9}"/>
               </a:ext>
             </a:extLst>
           </p:cNvPr>
@@ -2768,7 +2768,7 @@
           <p:cNvPr id="4" name="Slide Number Placeholder 3">
             <a:extLst>
               <a:ext uri="{FF2B5EF4-FFF2-40B4-BE49-F238E27FC236}">
-                <a16:creationId xmlns:a16="http://schemas.microsoft.com/office/drawing/2014/main" xmlns="" id="{0660D61A-B9FD-4DFF-AC42-4069DAFE238C}"/>
+                <a16:creationId xmlns="" xmlns:a16="http://schemas.microsoft.com/office/drawing/2014/main" id="{0660D61A-B9FD-4DFF-AC42-4069DAFE238C}"/>
               </a:ext>
             </a:extLst>
           </p:cNvPr>
@@ -2800,7 +2800,7 @@
     </p:spTree>
     <p:extLst>
       <p:ext uri="{BB962C8B-B14F-4D97-AF65-F5344CB8AC3E}">
-        <p14:creationId xmlns:p14="http://schemas.microsoft.com/office/powerpoint/2010/main" xmlns="" val="1594571051"/>
+        <p14:creationId xmlns="" xmlns:p14="http://schemas.microsoft.com/office/powerpoint/2010/main" val="1594571051"/>
       </p:ext>
     </p:extLst>
   </p:cSld>
@@ -2832,7 +2832,7 @@
           <p:cNvPr id="7" name="Picture Placeholder 2">
             <a:extLst>
               <a:ext uri="{FF2B5EF4-FFF2-40B4-BE49-F238E27FC236}">
-                <a16:creationId xmlns:a16="http://schemas.microsoft.com/office/drawing/2014/main" xmlns="" id="{6D3C5ED2-B01D-4104-B193-BC78D76A4646}"/>
+                <a16:creationId xmlns="" xmlns:a16="http://schemas.microsoft.com/office/drawing/2014/main" id="{6D3C5ED2-B01D-4104-B193-BC78D76A4646}"/>
               </a:ext>
             </a:extLst>
           </p:cNvPr>
@@ -2905,7 +2905,7 @@
           <p:cNvPr id="2" name="Title 1">
             <a:extLst>
               <a:ext uri="{FF2B5EF4-FFF2-40B4-BE49-F238E27FC236}">
-                <a16:creationId xmlns:a16="http://schemas.microsoft.com/office/drawing/2014/main" xmlns="" id="{FE91AD08-4E28-4191-9B62-EAD61608E5CF}"/>
+                <a16:creationId xmlns="" xmlns:a16="http://schemas.microsoft.com/office/drawing/2014/main" id="{FE91AD08-4E28-4191-9B62-EAD61608E5CF}"/>
               </a:ext>
             </a:extLst>
           </p:cNvPr>
@@ -2952,7 +2952,7 @@
           <p:cNvPr id="3" name="Content Placeholder 2">
             <a:extLst>
               <a:ext uri="{FF2B5EF4-FFF2-40B4-BE49-F238E27FC236}">
-                <a16:creationId xmlns:a16="http://schemas.microsoft.com/office/drawing/2014/main" xmlns="" id="{90BF853D-76DB-46F3-AF6C-1E77C8E06AA9}"/>
+                <a16:creationId xmlns="" xmlns:a16="http://schemas.microsoft.com/office/drawing/2014/main" id="{90BF853D-76DB-46F3-AF6C-1E77C8E06AA9}"/>
               </a:ext>
             </a:extLst>
           </p:cNvPr>
@@ -3033,7 +3033,7 @@
           <p:cNvPr id="4" name="Slide Number Placeholder 3">
             <a:extLst>
               <a:ext uri="{FF2B5EF4-FFF2-40B4-BE49-F238E27FC236}">
-                <a16:creationId xmlns:a16="http://schemas.microsoft.com/office/drawing/2014/main" xmlns="" id="{0660D61A-B9FD-4DFF-AC42-4069DAFE238C}"/>
+                <a16:creationId xmlns="" xmlns:a16="http://schemas.microsoft.com/office/drawing/2014/main" id="{0660D61A-B9FD-4DFF-AC42-4069DAFE238C}"/>
               </a:ext>
             </a:extLst>
           </p:cNvPr>
@@ -3070,7 +3070,7 @@
     </p:spTree>
     <p:extLst>
       <p:ext uri="{BB962C8B-B14F-4D97-AF65-F5344CB8AC3E}">
-        <p14:creationId xmlns:p14="http://schemas.microsoft.com/office/powerpoint/2010/main" xmlns="" val="1797904098"/>
+        <p14:creationId xmlns="" xmlns:p14="http://schemas.microsoft.com/office/powerpoint/2010/main" val="1797904098"/>
       </p:ext>
     </p:extLst>
   </p:cSld>
@@ -3102,7 +3102,7 @@
           <p:cNvPr id="2" name="Title 1">
             <a:extLst>
               <a:ext uri="{FF2B5EF4-FFF2-40B4-BE49-F238E27FC236}">
-                <a16:creationId xmlns:a16="http://schemas.microsoft.com/office/drawing/2014/main" xmlns="" id="{FE91AD08-4E28-4191-9B62-EAD61608E5CF}"/>
+                <a16:creationId xmlns="" xmlns:a16="http://schemas.microsoft.com/office/drawing/2014/main" id="{FE91AD08-4E28-4191-9B62-EAD61608E5CF}"/>
               </a:ext>
             </a:extLst>
           </p:cNvPr>
@@ -3162,7 +3162,7 @@
           <p:cNvPr id="3" name="Content Placeholder 2">
             <a:extLst>
               <a:ext uri="{FF2B5EF4-FFF2-40B4-BE49-F238E27FC236}">
-                <a16:creationId xmlns:a16="http://schemas.microsoft.com/office/drawing/2014/main" xmlns="" id="{90BF853D-76DB-46F3-AF6C-1E77C8E06AA9}"/>
+                <a16:creationId xmlns="" xmlns:a16="http://schemas.microsoft.com/office/drawing/2014/main" id="{90BF853D-76DB-46F3-AF6C-1E77C8E06AA9}"/>
               </a:ext>
             </a:extLst>
           </p:cNvPr>
@@ -3243,7 +3243,7 @@
           <p:cNvPr id="14" name="Slide Number Placeholder 13">
             <a:extLst>
               <a:ext uri="{FF2B5EF4-FFF2-40B4-BE49-F238E27FC236}">
-                <a16:creationId xmlns:a16="http://schemas.microsoft.com/office/drawing/2014/main" xmlns="" id="{7746CAFB-2B99-470B-B55B-9BF378E3A04B}"/>
+                <a16:creationId xmlns="" xmlns:a16="http://schemas.microsoft.com/office/drawing/2014/main" id="{7746CAFB-2B99-470B-B55B-9BF378E3A04B}"/>
               </a:ext>
             </a:extLst>
           </p:cNvPr>
@@ -3275,7 +3275,7 @@
     </p:spTree>
     <p:extLst>
       <p:ext uri="{BB962C8B-B14F-4D97-AF65-F5344CB8AC3E}">
-        <p14:creationId xmlns:p14="http://schemas.microsoft.com/office/powerpoint/2010/main" xmlns="" val="1160496352"/>
+        <p14:creationId xmlns="" xmlns:p14="http://schemas.microsoft.com/office/powerpoint/2010/main" val="1160496352"/>
       </p:ext>
     </p:extLst>
   </p:cSld>
@@ -3307,7 +3307,7 @@
           <p:cNvPr id="17" name="Title 16">
             <a:extLst>
               <a:ext uri="{FF2B5EF4-FFF2-40B4-BE49-F238E27FC236}">
-                <a16:creationId xmlns:a16="http://schemas.microsoft.com/office/drawing/2014/main" xmlns="" id="{65237DA4-112F-40B2-8C8C-EB23506D9C45}"/>
+                <a16:creationId xmlns="" xmlns:a16="http://schemas.microsoft.com/office/drawing/2014/main" id="{65237DA4-112F-40B2-8C8C-EB23506D9C45}"/>
               </a:ext>
             </a:extLst>
           </p:cNvPr>
@@ -3366,7 +3366,7 @@
           <p:cNvPr id="3" name="Content Placeholder 2">
             <a:extLst>
               <a:ext uri="{FF2B5EF4-FFF2-40B4-BE49-F238E27FC236}">
-                <a16:creationId xmlns:a16="http://schemas.microsoft.com/office/drawing/2014/main" xmlns="" id="{90BF853D-76DB-46F3-AF6C-1E77C8E06AA9}"/>
+                <a16:creationId xmlns="" xmlns:a16="http://schemas.microsoft.com/office/drawing/2014/main" id="{90BF853D-76DB-46F3-AF6C-1E77C8E06AA9}"/>
               </a:ext>
             </a:extLst>
           </p:cNvPr>
@@ -3429,7 +3429,7 @@
           <p:cNvPr id="14" name="Slide Number Placeholder 13">
             <a:extLst>
               <a:ext uri="{FF2B5EF4-FFF2-40B4-BE49-F238E27FC236}">
-                <a16:creationId xmlns:a16="http://schemas.microsoft.com/office/drawing/2014/main" xmlns="" id="{7746CAFB-2B99-470B-B55B-9BF378E3A04B}"/>
+                <a16:creationId xmlns="" xmlns:a16="http://schemas.microsoft.com/office/drawing/2014/main" id="{7746CAFB-2B99-470B-B55B-9BF378E3A04B}"/>
               </a:ext>
             </a:extLst>
           </p:cNvPr>
@@ -3478,7 +3478,7 @@
     </p:spTree>
     <p:extLst>
       <p:ext uri="{BB962C8B-B14F-4D97-AF65-F5344CB8AC3E}">
-        <p14:creationId xmlns:p14="http://schemas.microsoft.com/office/powerpoint/2010/main" xmlns="" val="364498605"/>
+        <p14:creationId xmlns="" xmlns:p14="http://schemas.microsoft.com/office/powerpoint/2010/main" val="364498605"/>
       </p:ext>
     </p:extLst>
   </p:cSld>
@@ -3510,7 +3510,7 @@
           <p:cNvPr id="4" name="Slide Number Placeholder 3">
             <a:extLst>
               <a:ext uri="{FF2B5EF4-FFF2-40B4-BE49-F238E27FC236}">
-                <a16:creationId xmlns:a16="http://schemas.microsoft.com/office/drawing/2014/main" xmlns="" id="{0660D61A-B9FD-4DFF-AC42-4069DAFE238C}"/>
+                <a16:creationId xmlns="" xmlns:a16="http://schemas.microsoft.com/office/drawing/2014/main" id="{0660D61A-B9FD-4DFF-AC42-4069DAFE238C}"/>
               </a:ext>
             </a:extLst>
           </p:cNvPr>
@@ -3544,7 +3544,7 @@
           <p:cNvPr id="5" name="Content Placeholder 2">
             <a:extLst>
               <a:ext uri="{FF2B5EF4-FFF2-40B4-BE49-F238E27FC236}">
-                <a16:creationId xmlns:a16="http://schemas.microsoft.com/office/drawing/2014/main" xmlns="" id="{D68E6EF2-4B2F-4D0D-9505-CE92872972F7}"/>
+                <a16:creationId xmlns="" xmlns:a16="http://schemas.microsoft.com/office/drawing/2014/main" id="{D68E6EF2-4B2F-4D0D-9505-CE92872972F7}"/>
               </a:ext>
             </a:extLst>
           </p:cNvPr>
@@ -3607,7 +3607,7 @@
           <p:cNvPr id="6" name="Title 1">
             <a:extLst>
               <a:ext uri="{FF2B5EF4-FFF2-40B4-BE49-F238E27FC236}">
-                <a16:creationId xmlns:a16="http://schemas.microsoft.com/office/drawing/2014/main" xmlns="" id="{D91A21B9-BA54-413B-940E-027C32E4D429}"/>
+                <a16:creationId xmlns="" xmlns:a16="http://schemas.microsoft.com/office/drawing/2014/main" id="{D91A21B9-BA54-413B-940E-027C32E4D429}"/>
               </a:ext>
             </a:extLst>
           </p:cNvPr>
@@ -3653,7 +3653,7 @@
     </p:spTree>
     <p:extLst>
       <p:ext uri="{BB962C8B-B14F-4D97-AF65-F5344CB8AC3E}">
-        <p14:creationId xmlns:p14="http://schemas.microsoft.com/office/powerpoint/2010/main" xmlns="" val="3610051244"/>
+        <p14:creationId xmlns="" xmlns:p14="http://schemas.microsoft.com/office/powerpoint/2010/main" val="3610051244"/>
       </p:ext>
     </p:extLst>
   </p:cSld>
@@ -3685,7 +3685,7 @@
           <p:cNvPr id="2" name="Title 1">
             <a:extLst>
               <a:ext uri="{FF2B5EF4-FFF2-40B4-BE49-F238E27FC236}">
-                <a16:creationId xmlns:a16="http://schemas.microsoft.com/office/drawing/2014/main" xmlns="" id="{9722BDA7-8BE9-42D5-ACF1-0F51423A206E}"/>
+                <a16:creationId xmlns="" xmlns:a16="http://schemas.microsoft.com/office/drawing/2014/main" id="{9722BDA7-8BE9-42D5-ACF1-0F51423A206E}"/>
               </a:ext>
             </a:extLst>
           </p:cNvPr>
@@ -3723,7 +3723,7 @@
           <p:cNvPr id="3" name="Text Placeholder 2">
             <a:extLst>
               <a:ext uri="{FF2B5EF4-FFF2-40B4-BE49-F238E27FC236}">
-                <a16:creationId xmlns:a16="http://schemas.microsoft.com/office/drawing/2014/main" xmlns="" id="{71CEF73F-3CCA-4312-8E9C-2B4629DA1F66}"/>
+                <a16:creationId xmlns="" xmlns:a16="http://schemas.microsoft.com/office/drawing/2014/main" id="{71CEF73F-3CCA-4312-8E9C-2B4629DA1F66}"/>
               </a:ext>
             </a:extLst>
           </p:cNvPr>
@@ -3848,7 +3848,7 @@
           <p:cNvPr id="4" name="Slide Number Placeholder 3">
             <a:extLst>
               <a:ext uri="{FF2B5EF4-FFF2-40B4-BE49-F238E27FC236}">
-                <a16:creationId xmlns:a16="http://schemas.microsoft.com/office/drawing/2014/main" xmlns="" id="{293BF716-502C-4821-A3A0-19C2C508EED1}"/>
+                <a16:creationId xmlns="" xmlns:a16="http://schemas.microsoft.com/office/drawing/2014/main" id="{293BF716-502C-4821-A3A0-19C2C508EED1}"/>
               </a:ext>
             </a:extLst>
           </p:cNvPr>
@@ -3880,7 +3880,7 @@
     </p:spTree>
     <p:extLst>
       <p:ext uri="{BB962C8B-B14F-4D97-AF65-F5344CB8AC3E}">
-        <p14:creationId xmlns:p14="http://schemas.microsoft.com/office/powerpoint/2010/main" xmlns="" val="2665983131"/>
+        <p14:creationId xmlns="" xmlns:p14="http://schemas.microsoft.com/office/powerpoint/2010/main" val="2665983131"/>
       </p:ext>
     </p:extLst>
   </p:cSld>
@@ -3923,7 +3923,7 @@
           <p:cNvPr id="5" name="Picture 4">
             <a:extLst>
               <a:ext uri="{FF2B5EF4-FFF2-40B4-BE49-F238E27FC236}">
-                <a16:creationId xmlns:a16="http://schemas.microsoft.com/office/drawing/2014/main" xmlns="" id="{448E4AFE-E166-4B84-B0C8-9205038D8033}"/>
+                <a16:creationId xmlns="" xmlns:a16="http://schemas.microsoft.com/office/drawing/2014/main" id="{448E4AFE-E166-4B84-B0C8-9205038D8033}"/>
               </a:ext>
             </a:extLst>
           </p:cNvPr>
@@ -3936,7 +3936,7 @@
           <a:blip r:embed="rId16" cstate="screen">
             <a:extLst>
               <a:ext uri="{28A0092B-C50C-407E-A947-70E740481C1C}">
-                <a14:useLocalDpi xmlns:a14="http://schemas.microsoft.com/office/drawing/2010/main" xmlns=""/>
+                <a14:useLocalDpi xmlns="" xmlns:a14="http://schemas.microsoft.com/office/drawing/2010/main"/>
               </a:ext>
             </a:extLst>
           </a:blip>
@@ -3959,7 +3959,7 @@
           <p:cNvPr id="2" name="Title Placeholder 1">
             <a:extLst>
               <a:ext uri="{FF2B5EF4-FFF2-40B4-BE49-F238E27FC236}">
-                <a16:creationId xmlns:a16="http://schemas.microsoft.com/office/drawing/2014/main" xmlns="" id="{6C617517-B672-49BA-AC6E-AB66D0639A58}"/>
+                <a16:creationId xmlns="" xmlns:a16="http://schemas.microsoft.com/office/drawing/2014/main" id="{6C617517-B672-49BA-AC6E-AB66D0639A58}"/>
               </a:ext>
             </a:extLst>
           </p:cNvPr>
@@ -3998,7 +3998,7 @@
           <p:cNvPr id="3" name="Text Placeholder 2">
             <a:extLst>
               <a:ext uri="{FF2B5EF4-FFF2-40B4-BE49-F238E27FC236}">
-                <a16:creationId xmlns:a16="http://schemas.microsoft.com/office/drawing/2014/main" xmlns="" id="{6EC92C27-7843-4B22-9200-B7304E6AE4CD}"/>
+                <a16:creationId xmlns="" xmlns:a16="http://schemas.microsoft.com/office/drawing/2014/main" id="{6EC92C27-7843-4B22-9200-B7304E6AE4CD}"/>
               </a:ext>
             </a:extLst>
           </p:cNvPr>
@@ -4066,7 +4066,7 @@
           <p:cNvPr id="6" name="Slide Number Placeholder 5">
             <a:extLst>
               <a:ext uri="{FF2B5EF4-FFF2-40B4-BE49-F238E27FC236}">
-                <a16:creationId xmlns:a16="http://schemas.microsoft.com/office/drawing/2014/main" xmlns="" id="{52DB4F10-F75B-41A8-B994-BFF68949E59A}"/>
+                <a16:creationId xmlns="" xmlns:a16="http://schemas.microsoft.com/office/drawing/2014/main" id="{52DB4F10-F75B-41A8-B994-BFF68949E59A}"/>
               </a:ext>
             </a:extLst>
           </p:cNvPr>
@@ -4122,7 +4122,7 @@
           <p:cNvPr id="7" name="Rectangle 6">
             <a:extLst>
               <a:ext uri="{FF2B5EF4-FFF2-40B4-BE49-F238E27FC236}">
-                <a16:creationId xmlns:a16="http://schemas.microsoft.com/office/drawing/2014/main" xmlns="" id="{512D21E2-8DEB-4F43-A26E-B8DA900A9230}"/>
+                <a16:creationId xmlns="" xmlns:a16="http://schemas.microsoft.com/office/drawing/2014/main" id="{512D21E2-8DEB-4F43-A26E-B8DA900A9230}"/>
               </a:ext>
             </a:extLst>
           </p:cNvPr>
@@ -4185,7 +4185,7 @@
           <p:cNvPr id="8" name="Rectangle 7">
             <a:extLst>
               <a:ext uri="{FF2B5EF4-FFF2-40B4-BE49-F238E27FC236}">
-                <a16:creationId xmlns:a16="http://schemas.microsoft.com/office/drawing/2014/main" xmlns="" id="{35CD3143-7FD1-40EA-AA4A-47C72380AEC2}"/>
+                <a16:creationId xmlns="" xmlns:a16="http://schemas.microsoft.com/office/drawing/2014/main" id="{35CD3143-7FD1-40EA-AA4A-47C72380AEC2}"/>
               </a:ext>
             </a:extLst>
           </p:cNvPr>
@@ -4235,7 +4235,7 @@
     </p:spTree>
     <p:extLst>
       <p:ext uri="{BB962C8B-B14F-4D97-AF65-F5344CB8AC3E}">
-        <p14:creationId xmlns:p14="http://schemas.microsoft.com/office/powerpoint/2010/main" xmlns="" val="3853920126"/>
+        <p14:creationId xmlns="" xmlns:p14="http://schemas.microsoft.com/office/powerpoint/2010/main" val="3853920126"/>
       </p:ext>
     </p:extLst>
   </p:cSld>
@@ -4565,7 +4565,7 @@
           <p:cNvPr id="4" name="Title 3">
             <a:extLst>
               <a:ext uri="{FF2B5EF4-FFF2-40B4-BE49-F238E27FC236}">
-                <a16:creationId xmlns:a16="http://schemas.microsoft.com/office/drawing/2014/main" xmlns="" id="{E10C5037-DA4A-44E2-A9FB-84B1498768A7}"/>
+                <a16:creationId xmlns="" xmlns:a16="http://schemas.microsoft.com/office/drawing/2014/main" id="{E10C5037-DA4A-44E2-A9FB-84B1498768A7}"/>
               </a:ext>
             </a:extLst>
           </p:cNvPr>
@@ -4593,11 +4593,7 @@
             </a:br>
             <a:r>
               <a:rPr lang="en-US" dirty="0" smtClean="0"/>
-              <a:t>Java                 </a:t>
-            </a:r>
-            <a:r>
-              <a:rPr lang="en-US" dirty="0" smtClean="0"/>
-              <a:t>Program     </a:t>
+              <a:t>Java                 Program     </a:t>
             </a:r>
             <a:endParaRPr lang="en-US" dirty="0"/>
           </a:p>
@@ -4608,7 +4604,7 @@
           <p:cNvPr id="15" name="Slide Number Placeholder 14">
             <a:extLst>
               <a:ext uri="{FF2B5EF4-FFF2-40B4-BE49-F238E27FC236}">
-                <a16:creationId xmlns:a16="http://schemas.microsoft.com/office/drawing/2014/main" xmlns="" id="{26F5C050-EB87-421A-8A5C-E6CB30102699}"/>
+                <a16:creationId xmlns="" xmlns:a16="http://schemas.microsoft.com/office/drawing/2014/main" id="{26F5C050-EB87-421A-8A5C-E6CB30102699}"/>
               </a:ext>
             </a:extLst>
           </p:cNvPr>
@@ -4642,7 +4638,7 @@
           <p:cNvPr id="29" name="Picture Placeholder 28" descr="Young student drawing on a whiteboard">
             <a:extLst>
               <a:ext uri="{FF2B5EF4-FFF2-40B4-BE49-F238E27FC236}">
-                <a16:creationId xmlns:a16="http://schemas.microsoft.com/office/drawing/2014/main" xmlns="" id="{AE2FE2E9-1D1E-404B-A659-DD19B5D66B5B}"/>
+                <a16:creationId xmlns="" xmlns:a16="http://schemas.microsoft.com/office/drawing/2014/main" id="{AE2FE2E9-1D1E-404B-A659-DD19B5D66B5B}"/>
               </a:ext>
             </a:extLst>
           </p:cNvPr>
@@ -4657,7 +4653,7 @@
           <a:blip r:embed="rId2" cstate="screen">
             <a:extLst>
               <a:ext uri="{28A0092B-C50C-407E-A947-70E740481C1C}">
-                <a14:useLocalDpi xmlns:a14="http://schemas.microsoft.com/office/drawing/2010/main" xmlns=""/>
+                <a14:useLocalDpi xmlns="" xmlns:a14="http://schemas.microsoft.com/office/drawing/2010/main"/>
               </a:ext>
             </a:extLst>
           </a:blip>
@@ -4676,7 +4672,7 @@
     </p:spTree>
     <p:extLst>
       <p:ext uri="{BB962C8B-B14F-4D97-AF65-F5344CB8AC3E}">
-        <p14:creationId xmlns:p14="http://schemas.microsoft.com/office/powerpoint/2010/main" xmlns="" val="1136250268"/>
+        <p14:creationId xmlns="" xmlns:p14="http://schemas.microsoft.com/office/powerpoint/2010/main" val="1136250268"/>
       </p:ext>
     </p:extLst>
   </p:cSld>
@@ -4715,7 +4711,7 @@
           <p:cNvPr id="2" name="Title 1">
             <a:extLst>
               <a:ext uri="{FF2B5EF4-FFF2-40B4-BE49-F238E27FC236}">
-                <a16:creationId xmlns:a16="http://schemas.microsoft.com/office/drawing/2014/main" xmlns="" id="{E199600F-A17E-4354-A7AB-0CC2A43A9354}"/>
+                <a16:creationId xmlns="" xmlns:a16="http://schemas.microsoft.com/office/drawing/2014/main" id="{E199600F-A17E-4354-A7AB-0CC2A43A9354}"/>
               </a:ext>
             </a:extLst>
           </p:cNvPr>
@@ -4739,11 +4735,7 @@
             <a:pPr algn="ctr"/>
             <a:r>
               <a:rPr lang="en-US" dirty="0" smtClean="0"/>
-              <a:t>Command </a:t>
-            </a:r>
-            <a:r>
-              <a:rPr lang="en-US" dirty="0" smtClean="0"/>
-              <a:t>Line Arguments</a:t>
+              <a:t>Command Line Arguments</a:t>
             </a:r>
             <a:endParaRPr lang="en-US" dirty="0"/>
           </a:p>
@@ -4754,7 +4746,7 @@
           <p:cNvPr id="3" name="Content Placeholder 2">
             <a:extLst>
               <a:ext uri="{FF2B5EF4-FFF2-40B4-BE49-F238E27FC236}">
-                <a16:creationId xmlns:a16="http://schemas.microsoft.com/office/drawing/2014/main" xmlns="" id="{FA6A4B49-27C8-46B6-8B11-AD7E8F615E2C}"/>
+                <a16:creationId xmlns="" xmlns:a16="http://schemas.microsoft.com/office/drawing/2014/main" id="{FA6A4B49-27C8-46B6-8B11-AD7E8F615E2C}"/>
               </a:ext>
             </a:extLst>
           </p:cNvPr>
@@ -4840,7 +4832,7 @@
           <p:cNvPr id="4" name="Slide Number Placeholder 3">
             <a:extLst>
               <a:ext uri="{FF2B5EF4-FFF2-40B4-BE49-F238E27FC236}">
-                <a16:creationId xmlns:a16="http://schemas.microsoft.com/office/drawing/2014/main" xmlns="" id="{62B4CE3A-8C88-45AA-A849-57E5A7AC22C1}"/>
+                <a16:creationId xmlns="" xmlns:a16="http://schemas.microsoft.com/office/drawing/2014/main" id="{62B4CE3A-8C88-45AA-A849-57E5A7AC22C1}"/>
               </a:ext>
             </a:extLst>
           </p:cNvPr>
@@ -4879,10 +4871,10 @@
           <p:cNvPr id="11" name="Rectangle 10">
             <a:extLst>
               <a:ext uri="{FF2B5EF4-FFF2-40B4-BE49-F238E27FC236}">
-                <a16:creationId xmlns:a16="http://schemas.microsoft.com/office/drawing/2014/main" xmlns="" id="{5F253864-26FA-4AB1-9F0A-4F57D870EE85}"/>
+                <a16:creationId xmlns="" xmlns:a16="http://schemas.microsoft.com/office/drawing/2014/main" id="{5F253864-26FA-4AB1-9F0A-4F57D870EE85}"/>
               </a:ext>
               <a:ext uri="{C183D7F6-B498-43B3-948B-1728B52AA6E4}">
-                <adec:decorative xmlns="" xmlns:adec="http://schemas.microsoft.com/office/drawing/2017/decorative" val="1"/>
+                <adec:decorative xmlns:adec="http://schemas.microsoft.com/office/drawing/2017/decorative" xmlns="" val="1"/>
               </a:ext>
             </a:extLst>
           </p:cNvPr>
@@ -4991,7 +4983,7 @@
     </p:spTree>
     <p:extLst>
       <p:ext uri="{BB962C8B-B14F-4D97-AF65-F5344CB8AC3E}">
-        <p14:creationId xmlns:p14="http://schemas.microsoft.com/office/powerpoint/2010/main" xmlns="" val="454014491"/>
+        <p14:creationId xmlns="" xmlns:p14="http://schemas.microsoft.com/office/powerpoint/2010/main" val="454014491"/>
       </p:ext>
     </p:extLst>
   </p:cSld>
@@ -5030,7 +5022,7 @@
           <p:cNvPr id="2" name="Title 1">
             <a:extLst>
               <a:ext uri="{FF2B5EF4-FFF2-40B4-BE49-F238E27FC236}">
-                <a16:creationId xmlns:a16="http://schemas.microsoft.com/office/drawing/2014/main" xmlns="" id="{E199600F-A17E-4354-A7AB-0CC2A43A9354}"/>
+                <a16:creationId xmlns="" xmlns:a16="http://schemas.microsoft.com/office/drawing/2014/main" id="{E199600F-A17E-4354-A7AB-0CC2A43A9354}"/>
               </a:ext>
             </a:extLst>
           </p:cNvPr>
@@ -5054,11 +5046,7 @@
             <a:pPr algn="ctr"/>
             <a:r>
               <a:rPr lang="en-US" dirty="0" smtClean="0"/>
-              <a:t>Compiling </a:t>
-            </a:r>
-            <a:r>
-              <a:rPr lang="en-US" dirty="0" smtClean="0"/>
-              <a:t>&amp; Running </a:t>
+              <a:t>Compiling &amp; Running </a:t>
             </a:r>
             <a:endParaRPr lang="en-US" dirty="0"/>
           </a:p>
@@ -5069,7 +5057,7 @@
           <p:cNvPr id="3" name="Content Placeholder 2">
             <a:extLst>
               <a:ext uri="{FF2B5EF4-FFF2-40B4-BE49-F238E27FC236}">
-                <a16:creationId xmlns:a16="http://schemas.microsoft.com/office/drawing/2014/main" xmlns="" id="{FA6A4B49-27C8-46B6-8B11-AD7E8F615E2C}"/>
+                <a16:creationId xmlns="" xmlns:a16="http://schemas.microsoft.com/office/drawing/2014/main" id="{FA6A4B49-27C8-46B6-8B11-AD7E8F615E2C}"/>
               </a:ext>
             </a:extLst>
           </p:cNvPr>
@@ -5175,7 +5163,7 @@
           <p:cNvPr id="4" name="Slide Number Placeholder 3">
             <a:extLst>
               <a:ext uri="{FF2B5EF4-FFF2-40B4-BE49-F238E27FC236}">
-                <a16:creationId xmlns:a16="http://schemas.microsoft.com/office/drawing/2014/main" xmlns="" id="{62B4CE3A-8C88-45AA-A849-57E5A7AC22C1}"/>
+                <a16:creationId xmlns="" xmlns:a16="http://schemas.microsoft.com/office/drawing/2014/main" id="{62B4CE3A-8C88-45AA-A849-57E5A7AC22C1}"/>
               </a:ext>
             </a:extLst>
           </p:cNvPr>
@@ -5214,10 +5202,10 @@
           <p:cNvPr id="11" name="Rectangle 10">
             <a:extLst>
               <a:ext uri="{FF2B5EF4-FFF2-40B4-BE49-F238E27FC236}">
-                <a16:creationId xmlns:a16="http://schemas.microsoft.com/office/drawing/2014/main" xmlns="" id="{5F253864-26FA-4AB1-9F0A-4F57D870EE85}"/>
+                <a16:creationId xmlns="" xmlns:a16="http://schemas.microsoft.com/office/drawing/2014/main" id="{5F253864-26FA-4AB1-9F0A-4F57D870EE85}"/>
               </a:ext>
               <a:ext uri="{C183D7F6-B498-43B3-948B-1728B52AA6E4}">
-                <adec:decorative xmlns="" xmlns:adec="http://schemas.microsoft.com/office/drawing/2017/decorative" val="1"/>
+                <adec:decorative xmlns:adec="http://schemas.microsoft.com/office/drawing/2017/decorative" xmlns="" val="1"/>
               </a:ext>
             </a:extLst>
           </p:cNvPr>
@@ -5323,7 +5311,7 @@
     </p:spTree>
     <p:extLst>
       <p:ext uri="{BB962C8B-B14F-4D97-AF65-F5344CB8AC3E}">
-        <p14:creationId xmlns:p14="http://schemas.microsoft.com/office/powerpoint/2010/main" xmlns="" val="732706058"/>
+        <p14:creationId xmlns="" xmlns:p14="http://schemas.microsoft.com/office/powerpoint/2010/main" val="732706058"/>
       </p:ext>
     </p:extLst>
   </p:cSld>
@@ -5362,7 +5350,7 @@
           <p:cNvPr id="2" name="Title 1">
             <a:extLst>
               <a:ext uri="{FF2B5EF4-FFF2-40B4-BE49-F238E27FC236}">
-                <a16:creationId xmlns:a16="http://schemas.microsoft.com/office/drawing/2014/main" xmlns="" id="{C8F58AE6-56F6-44E8-8BBF-23277B1773E4}"/>
+                <a16:creationId xmlns="" xmlns:a16="http://schemas.microsoft.com/office/drawing/2014/main" id="{C8F58AE6-56F6-44E8-8BBF-23277B1773E4}"/>
               </a:ext>
             </a:extLst>
           </p:cNvPr>
@@ -5401,7 +5389,7 @@
           <a:blip r:embed="rId2">
             <a:extLst>
               <a:ext uri="{28A0092B-C50C-407E-A947-70E740481C1C}">
-                <a14:useLocalDpi xmlns:a14="http://schemas.microsoft.com/office/drawing/2010/main" xmlns="" val="0"/>
+                <a14:useLocalDpi xmlns="" xmlns:a14="http://schemas.microsoft.com/office/drawing/2010/main" val="0"/>
               </a:ext>
             </a:extLst>
           </a:blip>
@@ -5421,7 +5409,7 @@
           <p:cNvPr id="20" name="Slide Number Placeholder 19">
             <a:extLst>
               <a:ext uri="{FF2B5EF4-FFF2-40B4-BE49-F238E27FC236}">
-                <a16:creationId xmlns:a16="http://schemas.microsoft.com/office/drawing/2014/main" xmlns="" id="{3AEC0301-E9AA-4478-9E23-C372DBDCE653}"/>
+                <a16:creationId xmlns="" xmlns:a16="http://schemas.microsoft.com/office/drawing/2014/main" id="{3AEC0301-E9AA-4478-9E23-C372DBDCE653}"/>
               </a:ext>
             </a:extLst>
           </p:cNvPr>
@@ -5460,10 +5448,10 @@
           <p:cNvPr id="10" name="Isosceles Triangle 9">
             <a:extLst>
               <a:ext uri="{FF2B5EF4-FFF2-40B4-BE49-F238E27FC236}">
-                <a16:creationId xmlns:a16="http://schemas.microsoft.com/office/drawing/2014/main" xmlns="" id="{792980D7-ED01-4955-83DB-59BA18C94FBA}"/>
+                <a16:creationId xmlns="" xmlns:a16="http://schemas.microsoft.com/office/drawing/2014/main" id="{792980D7-ED01-4955-83DB-59BA18C94FBA}"/>
               </a:ext>
               <a:ext uri="{C183D7F6-B498-43B3-948B-1728B52AA6E4}">
-                <adec:decorative xmlns="" xmlns:adec="http://schemas.microsoft.com/office/drawing/2017/decorative" val="1"/>
+                <adec:decorative xmlns:adec="http://schemas.microsoft.com/office/drawing/2017/decorative" xmlns="" val="1"/>
               </a:ext>
             </a:extLst>
           </p:cNvPr>
@@ -5541,7 +5529,7 @@
     </p:spTree>
     <p:extLst>
       <p:ext uri="{BB962C8B-B14F-4D97-AF65-F5344CB8AC3E}">
-        <p14:creationId xmlns:p14="http://schemas.microsoft.com/office/powerpoint/2010/main" xmlns="" val="1704949556"/>
+        <p14:creationId xmlns="" xmlns:p14="http://schemas.microsoft.com/office/powerpoint/2010/main" val="1704949556"/>
       </p:ext>
     </p:extLst>
   </p:cSld>
@@ -5580,7 +5568,7 @@
           <p:cNvPr id="2" name="Title 1">
             <a:extLst>
               <a:ext uri="{FF2B5EF4-FFF2-40B4-BE49-F238E27FC236}">
-                <a16:creationId xmlns:a16="http://schemas.microsoft.com/office/drawing/2014/main" xmlns="" id="{E199600F-A17E-4354-A7AB-0CC2A43A9354}"/>
+                <a16:creationId xmlns="" xmlns:a16="http://schemas.microsoft.com/office/drawing/2014/main" id="{E199600F-A17E-4354-A7AB-0CC2A43A9354}"/>
               </a:ext>
             </a:extLst>
           </p:cNvPr>
@@ -5604,11 +5592,7 @@
             <a:pPr algn="ctr"/>
             <a:r>
               <a:rPr lang="en-US" dirty="0" smtClean="0"/>
-              <a:t>Exam </a:t>
-            </a:r>
-            <a:r>
-              <a:rPr lang="en-US" dirty="0" smtClean="0"/>
-              <a:t>Objectives</a:t>
+              <a:t>Exam Objectives</a:t>
             </a:r>
             <a:endParaRPr lang="en-US" dirty="0"/>
           </a:p>
@@ -5619,7 +5603,7 @@
           <p:cNvPr id="3" name="Content Placeholder 2">
             <a:extLst>
               <a:ext uri="{FF2B5EF4-FFF2-40B4-BE49-F238E27FC236}">
-                <a16:creationId xmlns:a16="http://schemas.microsoft.com/office/drawing/2014/main" xmlns="" id="{FA6A4B49-27C8-46B6-8B11-AD7E8F615E2C}"/>
+                <a16:creationId xmlns="" xmlns:a16="http://schemas.microsoft.com/office/drawing/2014/main" id="{FA6A4B49-27C8-46B6-8B11-AD7E8F615E2C}"/>
               </a:ext>
             </a:extLst>
           </p:cNvPr>
@@ -5630,7 +5614,12 @@
             <p:ph idx="1"/>
           </p:nvPr>
         </p:nvSpPr>
-        <p:spPr/>
+        <p:spPr>
+          <a:xfrm>
+            <a:off x="838200" y="1825625"/>
+            <a:ext cx="5484223" cy="4351338"/>
+          </a:xfrm>
+        </p:spPr>
         <p:txBody>
           <a:bodyPr>
             <a:normAutofit/>
@@ -5669,7 +5658,7 @@
           <p:cNvPr id="4" name="Slide Number Placeholder 3">
             <a:extLst>
               <a:ext uri="{FF2B5EF4-FFF2-40B4-BE49-F238E27FC236}">
-                <a16:creationId xmlns:a16="http://schemas.microsoft.com/office/drawing/2014/main" xmlns="" id="{62B4CE3A-8C88-45AA-A849-57E5A7AC22C1}"/>
+                <a16:creationId xmlns="" xmlns:a16="http://schemas.microsoft.com/office/drawing/2014/main" id="{62B4CE3A-8C88-45AA-A849-57E5A7AC22C1}"/>
               </a:ext>
             </a:extLst>
           </p:cNvPr>
@@ -5708,10 +5697,10 @@
           <p:cNvPr id="11" name="Rectangle 10">
             <a:extLst>
               <a:ext uri="{FF2B5EF4-FFF2-40B4-BE49-F238E27FC236}">
-                <a16:creationId xmlns:a16="http://schemas.microsoft.com/office/drawing/2014/main" xmlns="" id="{5F253864-26FA-4AB1-9F0A-4F57D870EE85}"/>
+                <a16:creationId xmlns="" xmlns:a16="http://schemas.microsoft.com/office/drawing/2014/main" id="{5F253864-26FA-4AB1-9F0A-4F57D870EE85}"/>
               </a:ext>
               <a:ext uri="{C183D7F6-B498-43B3-948B-1728B52AA6E4}">
-                <adec:decorative xmlns="" xmlns:adec="http://schemas.microsoft.com/office/drawing/2017/decorative" val="1"/>
+                <adec:decorative xmlns:adec="http://schemas.microsoft.com/office/drawing/2017/decorative" xmlns="" val="1"/>
               </a:ext>
             </a:extLst>
           </p:cNvPr>
@@ -5763,28 +5752,22 @@
       </p:sp>
       <p:pic>
         <p:nvPicPr>
-          <p:cNvPr id="6" name="Picture 5"/>
+          <p:cNvPr id="7" name="Picture 6" descr="lesson-planning-1-638.png"/>
           <p:cNvPicPr>
             <a:picLocks noChangeAspect="1"/>
           </p:cNvPicPr>
           <p:nvPr/>
         </p:nvPicPr>
         <p:blipFill>
-          <a:blip r:embed="rId2" cstate="print">
-            <a:extLst>
-              <a:ext uri="{28A0092B-C50C-407E-A947-70E740481C1C}">
-                <a14:useLocalDpi xmlns:a14="http://schemas.microsoft.com/office/drawing/2010/main" xmlns="" val="0"/>
-              </a:ext>
-            </a:extLst>
-          </a:blip>
+          <a:blip r:embed="rId2"/>
           <a:stretch>
             <a:fillRect/>
           </a:stretch>
         </p:blipFill>
         <p:spPr>
           <a:xfrm>
-            <a:off x="7777018" y="1670939"/>
-            <a:ext cx="3576781" cy="4464339"/>
+            <a:off x="6518364" y="1683339"/>
+            <a:ext cx="4849857" cy="4562475"/>
           </a:xfrm>
           <a:prstGeom prst="rect">
             <a:avLst/>
@@ -5794,7 +5777,7 @@
     </p:spTree>
     <p:extLst>
       <p:ext uri="{BB962C8B-B14F-4D97-AF65-F5344CB8AC3E}">
-        <p14:creationId xmlns:p14="http://schemas.microsoft.com/office/powerpoint/2010/main" xmlns="" val="1281103274"/>
+        <p14:creationId xmlns="" xmlns:p14="http://schemas.microsoft.com/office/powerpoint/2010/main" val="1281103274"/>
       </p:ext>
     </p:extLst>
   </p:cSld>
@@ -5833,7 +5816,7 @@
           <p:cNvPr id="2" name="Title 1">
             <a:extLst>
               <a:ext uri="{FF2B5EF4-FFF2-40B4-BE49-F238E27FC236}">
-                <a16:creationId xmlns:a16="http://schemas.microsoft.com/office/drawing/2014/main" xmlns="" id="{E199600F-A17E-4354-A7AB-0CC2A43A9354}"/>
+                <a16:creationId xmlns="" xmlns:a16="http://schemas.microsoft.com/office/drawing/2014/main" id="{E199600F-A17E-4354-A7AB-0CC2A43A9354}"/>
               </a:ext>
             </a:extLst>
           </p:cNvPr>
@@ -5857,11 +5840,7 @@
             <a:pPr algn="ctr"/>
             <a:r>
               <a:rPr lang="en-US" dirty="0" smtClean="0"/>
-              <a:t>Writing </a:t>
-            </a:r>
-            <a:r>
-              <a:rPr lang="en-US" dirty="0" smtClean="0"/>
-              <a:t>the first Java program</a:t>
+              <a:t>Writing the first Java program</a:t>
             </a:r>
             <a:endParaRPr lang="en-US" dirty="0"/>
           </a:p>
@@ -5872,7 +5851,7 @@
           <p:cNvPr id="4" name="Slide Number Placeholder 3">
             <a:extLst>
               <a:ext uri="{FF2B5EF4-FFF2-40B4-BE49-F238E27FC236}">
-                <a16:creationId xmlns:a16="http://schemas.microsoft.com/office/drawing/2014/main" xmlns="" id="{62B4CE3A-8C88-45AA-A849-57E5A7AC22C1}"/>
+                <a16:creationId xmlns="" xmlns:a16="http://schemas.microsoft.com/office/drawing/2014/main" id="{62B4CE3A-8C88-45AA-A849-57E5A7AC22C1}"/>
               </a:ext>
             </a:extLst>
           </p:cNvPr>
@@ -5911,10 +5890,10 @@
           <p:cNvPr id="11" name="Rectangle 10">
             <a:extLst>
               <a:ext uri="{FF2B5EF4-FFF2-40B4-BE49-F238E27FC236}">
-                <a16:creationId xmlns:a16="http://schemas.microsoft.com/office/drawing/2014/main" xmlns="" id="{5F253864-26FA-4AB1-9F0A-4F57D870EE85}"/>
+                <a16:creationId xmlns="" xmlns:a16="http://schemas.microsoft.com/office/drawing/2014/main" id="{5F253864-26FA-4AB1-9F0A-4F57D870EE85}"/>
               </a:ext>
               <a:ext uri="{C183D7F6-B498-43B3-948B-1728B52AA6E4}">
-                <adec:decorative xmlns="" xmlns:adec="http://schemas.microsoft.com/office/drawing/2017/decorative" val="1"/>
+                <adec:decorative xmlns:adec="http://schemas.microsoft.com/office/drawing/2017/decorative" xmlns="" val="1"/>
               </a:ext>
             </a:extLst>
           </p:cNvPr>
@@ -5976,7 +5955,7 @@
           <a:blip r:embed="rId2">
             <a:extLst>
               <a:ext uri="{28A0092B-C50C-407E-A947-70E740481C1C}">
-                <a14:useLocalDpi xmlns:a14="http://schemas.microsoft.com/office/drawing/2010/main" xmlns="" val="0"/>
+                <a14:useLocalDpi xmlns="" xmlns:a14="http://schemas.microsoft.com/office/drawing/2010/main" val="0"/>
               </a:ext>
             </a:extLst>
           </a:blip>
@@ -5997,7 +5976,7 @@
     </p:spTree>
     <p:extLst>
       <p:ext uri="{BB962C8B-B14F-4D97-AF65-F5344CB8AC3E}">
-        <p14:creationId xmlns:p14="http://schemas.microsoft.com/office/powerpoint/2010/main" xmlns="" val="1287735390"/>
+        <p14:creationId xmlns="" xmlns:p14="http://schemas.microsoft.com/office/powerpoint/2010/main" val="1287735390"/>
       </p:ext>
     </p:extLst>
   </p:cSld>
@@ -6036,7 +6015,7 @@
           <p:cNvPr id="2" name="Title 1">
             <a:extLst>
               <a:ext uri="{FF2B5EF4-FFF2-40B4-BE49-F238E27FC236}">
-                <a16:creationId xmlns:a16="http://schemas.microsoft.com/office/drawing/2014/main" xmlns="" id="{E199600F-A17E-4354-A7AB-0CC2A43A9354}"/>
+                <a16:creationId xmlns="" xmlns:a16="http://schemas.microsoft.com/office/drawing/2014/main" id="{E199600F-A17E-4354-A7AB-0CC2A43A9354}"/>
               </a:ext>
             </a:extLst>
           </p:cNvPr>
@@ -6071,7 +6050,7 @@
           <p:cNvPr id="3" name="Content Placeholder 2">
             <a:extLst>
               <a:ext uri="{FF2B5EF4-FFF2-40B4-BE49-F238E27FC236}">
-                <a16:creationId xmlns:a16="http://schemas.microsoft.com/office/drawing/2014/main" xmlns="" id="{FA6A4B49-27C8-46B6-8B11-AD7E8F615E2C}"/>
+                <a16:creationId xmlns="" xmlns:a16="http://schemas.microsoft.com/office/drawing/2014/main" id="{FA6A4B49-27C8-46B6-8B11-AD7E8F615E2C}"/>
               </a:ext>
             </a:extLst>
           </p:cNvPr>
@@ -6177,7 +6156,7 @@
           <p:cNvPr id="4" name="Slide Number Placeholder 3">
             <a:extLst>
               <a:ext uri="{FF2B5EF4-FFF2-40B4-BE49-F238E27FC236}">
-                <a16:creationId xmlns:a16="http://schemas.microsoft.com/office/drawing/2014/main" xmlns="" id="{62B4CE3A-8C88-45AA-A849-57E5A7AC22C1}"/>
+                <a16:creationId xmlns="" xmlns:a16="http://schemas.microsoft.com/office/drawing/2014/main" id="{62B4CE3A-8C88-45AA-A849-57E5A7AC22C1}"/>
               </a:ext>
             </a:extLst>
           </p:cNvPr>
@@ -6216,10 +6195,10 @@
           <p:cNvPr id="11" name="Rectangle 10">
             <a:extLst>
               <a:ext uri="{FF2B5EF4-FFF2-40B4-BE49-F238E27FC236}">
-                <a16:creationId xmlns:a16="http://schemas.microsoft.com/office/drawing/2014/main" xmlns="" id="{5F253864-26FA-4AB1-9F0A-4F57D870EE85}"/>
+                <a16:creationId xmlns="" xmlns:a16="http://schemas.microsoft.com/office/drawing/2014/main" id="{5F253864-26FA-4AB1-9F0A-4F57D870EE85}"/>
               </a:ext>
               <a:ext uri="{C183D7F6-B498-43B3-948B-1728B52AA6E4}">
-                <adec:decorative xmlns="" xmlns:adec="http://schemas.microsoft.com/office/drawing/2017/decorative" val="1"/>
+                <adec:decorative xmlns:adec="http://schemas.microsoft.com/office/drawing/2017/decorative" xmlns="" val="1"/>
               </a:ext>
             </a:extLst>
           </p:cNvPr>
@@ -6281,7 +6260,7 @@
           <a:blip r:embed="rId2">
             <a:extLst>
               <a:ext uri="{28A0092B-C50C-407E-A947-70E740481C1C}">
-                <a14:useLocalDpi xmlns:a14="http://schemas.microsoft.com/office/drawing/2010/main" xmlns="" val="0"/>
+                <a14:useLocalDpi xmlns="" xmlns:a14="http://schemas.microsoft.com/office/drawing/2010/main" val="0"/>
               </a:ext>
             </a:extLst>
           </a:blip>
@@ -6302,7 +6281,7 @@
     </p:spTree>
     <p:extLst>
       <p:ext uri="{BB962C8B-B14F-4D97-AF65-F5344CB8AC3E}">
-        <p14:creationId xmlns:p14="http://schemas.microsoft.com/office/powerpoint/2010/main" xmlns="" val="1894288286"/>
+        <p14:creationId xmlns="" xmlns:p14="http://schemas.microsoft.com/office/powerpoint/2010/main" val="1894288286"/>
       </p:ext>
     </p:extLst>
   </p:cSld>
@@ -6341,7 +6320,7 @@
           <p:cNvPr id="2" name="Title 1">
             <a:extLst>
               <a:ext uri="{FF2B5EF4-FFF2-40B4-BE49-F238E27FC236}">
-                <a16:creationId xmlns:a16="http://schemas.microsoft.com/office/drawing/2014/main" xmlns="" id="{E199600F-A17E-4354-A7AB-0CC2A43A9354}"/>
+                <a16:creationId xmlns="" xmlns:a16="http://schemas.microsoft.com/office/drawing/2014/main" id="{E199600F-A17E-4354-A7AB-0CC2A43A9354}"/>
               </a:ext>
             </a:extLst>
           </p:cNvPr>
@@ -6365,11 +6344,7 @@
             <a:pPr algn="ctr"/>
             <a:r>
               <a:rPr lang="en-US" dirty="0" smtClean="0"/>
-              <a:t>More </a:t>
-            </a:r>
-            <a:r>
-              <a:rPr lang="en-US" dirty="0" smtClean="0"/>
-              <a:t>about packages…</a:t>
+              <a:t>More about packages…</a:t>
             </a:r>
             <a:endParaRPr lang="en-US" dirty="0"/>
           </a:p>
@@ -6380,7 +6355,7 @@
           <p:cNvPr id="3" name="Content Placeholder 2">
             <a:extLst>
               <a:ext uri="{FF2B5EF4-FFF2-40B4-BE49-F238E27FC236}">
-                <a16:creationId xmlns:a16="http://schemas.microsoft.com/office/drawing/2014/main" xmlns="" id="{FA6A4B49-27C8-46B6-8B11-AD7E8F615E2C}"/>
+                <a16:creationId xmlns="" xmlns:a16="http://schemas.microsoft.com/office/drawing/2014/main" id="{FA6A4B49-27C8-46B6-8B11-AD7E8F615E2C}"/>
               </a:ext>
             </a:extLst>
           </p:cNvPr>
@@ -6526,7 +6501,7 @@
           <p:cNvPr id="4" name="Slide Number Placeholder 3">
             <a:extLst>
               <a:ext uri="{FF2B5EF4-FFF2-40B4-BE49-F238E27FC236}">
-                <a16:creationId xmlns:a16="http://schemas.microsoft.com/office/drawing/2014/main" xmlns="" id="{62B4CE3A-8C88-45AA-A849-57E5A7AC22C1}"/>
+                <a16:creationId xmlns="" xmlns:a16="http://schemas.microsoft.com/office/drawing/2014/main" id="{62B4CE3A-8C88-45AA-A849-57E5A7AC22C1}"/>
               </a:ext>
             </a:extLst>
           </p:cNvPr>
@@ -6565,10 +6540,10 @@
           <p:cNvPr id="11" name="Rectangle 10">
             <a:extLst>
               <a:ext uri="{FF2B5EF4-FFF2-40B4-BE49-F238E27FC236}">
-                <a16:creationId xmlns:a16="http://schemas.microsoft.com/office/drawing/2014/main" xmlns="" id="{5F253864-26FA-4AB1-9F0A-4F57D870EE85}"/>
+                <a16:creationId xmlns="" xmlns:a16="http://schemas.microsoft.com/office/drawing/2014/main" id="{5F253864-26FA-4AB1-9F0A-4F57D870EE85}"/>
               </a:ext>
               <a:ext uri="{C183D7F6-B498-43B3-948B-1728B52AA6E4}">
-                <adec:decorative xmlns="" xmlns:adec="http://schemas.microsoft.com/office/drawing/2017/decorative" val="1"/>
+                <adec:decorative xmlns:adec="http://schemas.microsoft.com/office/drawing/2017/decorative" xmlns="" val="1"/>
               </a:ext>
             </a:extLst>
           </p:cNvPr>
@@ -6630,7 +6605,7 @@
           <a:blip r:embed="rId2">
             <a:extLst>
               <a:ext uri="{28A0092B-C50C-407E-A947-70E740481C1C}">
-                <a14:useLocalDpi xmlns:a14="http://schemas.microsoft.com/office/drawing/2010/main" xmlns="" val="0"/>
+                <a14:useLocalDpi xmlns="" xmlns:a14="http://schemas.microsoft.com/office/drawing/2010/main" val="0"/>
               </a:ext>
             </a:extLst>
           </a:blip>
@@ -6650,7 +6625,7 @@
           <a:noFill/>
           <a:extLst>
             <a:ext uri="{909E8E84-426E-40DD-AFC4-6F175D3DCCD1}">
-              <a14:hiddenFill xmlns:a14="http://schemas.microsoft.com/office/drawing/2010/main" xmlns="">
+              <a14:hiddenFill xmlns="" xmlns:a14="http://schemas.microsoft.com/office/drawing/2010/main">
                 <a:solidFill>
                   <a:srgbClr val="FFFFFF"/>
                 </a:solidFill>
@@ -6662,7 +6637,7 @@
     </p:spTree>
     <p:extLst>
       <p:ext uri="{BB962C8B-B14F-4D97-AF65-F5344CB8AC3E}">
-        <p14:creationId xmlns:p14="http://schemas.microsoft.com/office/powerpoint/2010/main" xmlns="" val="1533683092"/>
+        <p14:creationId xmlns="" xmlns:p14="http://schemas.microsoft.com/office/powerpoint/2010/main" val="1533683092"/>
       </p:ext>
     </p:extLst>
   </p:cSld>
@@ -6701,7 +6676,7 @@
           <p:cNvPr id="2" name="Title 1">
             <a:extLst>
               <a:ext uri="{FF2B5EF4-FFF2-40B4-BE49-F238E27FC236}">
-                <a16:creationId xmlns:a16="http://schemas.microsoft.com/office/drawing/2014/main" xmlns="" id="{E199600F-A17E-4354-A7AB-0CC2A43A9354}"/>
+                <a16:creationId xmlns="" xmlns:a16="http://schemas.microsoft.com/office/drawing/2014/main" id="{E199600F-A17E-4354-A7AB-0CC2A43A9354}"/>
               </a:ext>
             </a:extLst>
           </p:cNvPr>
@@ -6725,11 +6700,7 @@
             <a:pPr algn="ctr"/>
             <a:r>
               <a:rPr lang="en-US" dirty="0" smtClean="0"/>
-              <a:t>Static </a:t>
-            </a:r>
-            <a:r>
-              <a:rPr lang="en-US" dirty="0" smtClean="0"/>
-              <a:t>Imports</a:t>
+              <a:t>Static Imports</a:t>
             </a:r>
             <a:endParaRPr lang="en-US" dirty="0"/>
           </a:p>
@@ -6740,7 +6711,7 @@
           <p:cNvPr id="3" name="Content Placeholder 2">
             <a:extLst>
               <a:ext uri="{FF2B5EF4-FFF2-40B4-BE49-F238E27FC236}">
-                <a16:creationId xmlns:a16="http://schemas.microsoft.com/office/drawing/2014/main" xmlns="" id="{FA6A4B49-27C8-46B6-8B11-AD7E8F615E2C}"/>
+                <a16:creationId xmlns="" xmlns:a16="http://schemas.microsoft.com/office/drawing/2014/main" id="{FA6A4B49-27C8-46B6-8B11-AD7E8F615E2C}"/>
               </a:ext>
             </a:extLst>
           </p:cNvPr>
@@ -6807,7 +6778,7 @@
           <p:cNvPr id="4" name="Slide Number Placeholder 3">
             <a:extLst>
               <a:ext uri="{FF2B5EF4-FFF2-40B4-BE49-F238E27FC236}">
-                <a16:creationId xmlns:a16="http://schemas.microsoft.com/office/drawing/2014/main" xmlns="" id="{62B4CE3A-8C88-45AA-A849-57E5A7AC22C1}"/>
+                <a16:creationId xmlns="" xmlns:a16="http://schemas.microsoft.com/office/drawing/2014/main" id="{62B4CE3A-8C88-45AA-A849-57E5A7AC22C1}"/>
               </a:ext>
             </a:extLst>
           </p:cNvPr>
@@ -6846,10 +6817,10 @@
           <p:cNvPr id="11" name="Rectangle 10">
             <a:extLst>
               <a:ext uri="{FF2B5EF4-FFF2-40B4-BE49-F238E27FC236}">
-                <a16:creationId xmlns:a16="http://schemas.microsoft.com/office/drawing/2014/main" xmlns="" id="{5F253864-26FA-4AB1-9F0A-4F57D870EE85}"/>
+                <a16:creationId xmlns="" xmlns:a16="http://schemas.microsoft.com/office/drawing/2014/main" id="{5F253864-26FA-4AB1-9F0A-4F57D870EE85}"/>
               </a:ext>
               <a:ext uri="{C183D7F6-B498-43B3-948B-1728B52AA6E4}">
-                <adec:decorative xmlns="" xmlns:adec="http://schemas.microsoft.com/office/drawing/2017/decorative" val="1"/>
+                <adec:decorative xmlns:adec="http://schemas.microsoft.com/office/drawing/2017/decorative" xmlns="" val="1"/>
               </a:ext>
             </a:extLst>
           </p:cNvPr>
@@ -6911,7 +6882,7 @@
           <a:blip r:embed="rId2">
             <a:extLst>
               <a:ext uri="{28A0092B-C50C-407E-A947-70E740481C1C}">
-                <a14:useLocalDpi xmlns:a14="http://schemas.microsoft.com/office/drawing/2010/main" xmlns="" val="0"/>
+                <a14:useLocalDpi xmlns="" xmlns:a14="http://schemas.microsoft.com/office/drawing/2010/main" val="0"/>
               </a:ext>
             </a:extLst>
           </a:blip>
@@ -6931,7 +6902,7 @@
           <a:noFill/>
           <a:extLst>
             <a:ext uri="{909E8E84-426E-40DD-AFC4-6F175D3DCCD1}">
-              <a14:hiddenFill xmlns:a14="http://schemas.microsoft.com/office/drawing/2010/main" xmlns="">
+              <a14:hiddenFill xmlns="" xmlns:a14="http://schemas.microsoft.com/office/drawing/2010/main">
                 <a:solidFill>
                   <a:srgbClr val="FFFFFF"/>
                 </a:solidFill>
@@ -6943,7 +6914,7 @@
     </p:spTree>
     <p:extLst>
       <p:ext uri="{BB962C8B-B14F-4D97-AF65-F5344CB8AC3E}">
-        <p14:creationId xmlns:p14="http://schemas.microsoft.com/office/powerpoint/2010/main" xmlns="" val="650196804"/>
+        <p14:creationId xmlns="" xmlns:p14="http://schemas.microsoft.com/office/powerpoint/2010/main" val="650196804"/>
       </p:ext>
     </p:extLst>
   </p:cSld>
@@ -6982,7 +6953,7 @@
           <p:cNvPr id="2" name="Title 1">
             <a:extLst>
               <a:ext uri="{FF2B5EF4-FFF2-40B4-BE49-F238E27FC236}">
-                <a16:creationId xmlns:a16="http://schemas.microsoft.com/office/drawing/2014/main" xmlns="" id="{E199600F-A17E-4354-A7AB-0CC2A43A9354}"/>
+                <a16:creationId xmlns="" xmlns:a16="http://schemas.microsoft.com/office/drawing/2014/main" id="{E199600F-A17E-4354-A7AB-0CC2A43A9354}"/>
               </a:ext>
             </a:extLst>
           </p:cNvPr>
@@ -7006,11 +6977,7 @@
             <a:pPr algn="ctr"/>
             <a:r>
               <a:rPr lang="en-US" dirty="0" smtClean="0"/>
-              <a:t>Java </a:t>
-            </a:r>
-            <a:r>
-              <a:rPr lang="en-US" dirty="0" smtClean="0"/>
-              <a:t>File/Class Naming</a:t>
+              <a:t>Java File/Class Naming</a:t>
             </a:r>
             <a:endParaRPr lang="en-US" dirty="0"/>
           </a:p>
@@ -7021,7 +6988,7 @@
           <p:cNvPr id="3" name="Content Placeholder 2">
             <a:extLst>
               <a:ext uri="{FF2B5EF4-FFF2-40B4-BE49-F238E27FC236}">
-                <a16:creationId xmlns:a16="http://schemas.microsoft.com/office/drawing/2014/main" xmlns="" id="{FA6A4B49-27C8-46B6-8B11-AD7E8F615E2C}"/>
+                <a16:creationId xmlns="" xmlns:a16="http://schemas.microsoft.com/office/drawing/2014/main" id="{FA6A4B49-27C8-46B6-8B11-AD7E8F615E2C}"/>
               </a:ext>
             </a:extLst>
           </p:cNvPr>
@@ -7060,7 +7027,7 @@
           <p:cNvPr id="4" name="Slide Number Placeholder 3">
             <a:extLst>
               <a:ext uri="{FF2B5EF4-FFF2-40B4-BE49-F238E27FC236}">
-                <a16:creationId xmlns:a16="http://schemas.microsoft.com/office/drawing/2014/main" xmlns="" id="{62B4CE3A-8C88-45AA-A849-57E5A7AC22C1}"/>
+                <a16:creationId xmlns="" xmlns:a16="http://schemas.microsoft.com/office/drawing/2014/main" id="{62B4CE3A-8C88-45AA-A849-57E5A7AC22C1}"/>
               </a:ext>
             </a:extLst>
           </p:cNvPr>
@@ -7099,10 +7066,10 @@
           <p:cNvPr id="11" name="Rectangle 10">
             <a:extLst>
               <a:ext uri="{FF2B5EF4-FFF2-40B4-BE49-F238E27FC236}">
-                <a16:creationId xmlns:a16="http://schemas.microsoft.com/office/drawing/2014/main" xmlns="" id="{5F253864-26FA-4AB1-9F0A-4F57D870EE85}"/>
+                <a16:creationId xmlns="" xmlns:a16="http://schemas.microsoft.com/office/drawing/2014/main" id="{5F253864-26FA-4AB1-9F0A-4F57D870EE85}"/>
               </a:ext>
               <a:ext uri="{C183D7F6-B498-43B3-948B-1728B52AA6E4}">
-                <adec:decorative xmlns="" xmlns:adec="http://schemas.microsoft.com/office/drawing/2017/decorative" val="1"/>
+                <adec:decorative xmlns:adec="http://schemas.microsoft.com/office/drawing/2017/decorative" xmlns="" val="1"/>
               </a:ext>
             </a:extLst>
           </p:cNvPr>
@@ -7164,7 +7131,7 @@
           <a:blip r:embed="rId2">
             <a:extLst>
               <a:ext uri="{28A0092B-C50C-407E-A947-70E740481C1C}">
-                <a14:useLocalDpi xmlns:a14="http://schemas.microsoft.com/office/drawing/2010/main" xmlns="" val="0"/>
+                <a14:useLocalDpi xmlns="" xmlns:a14="http://schemas.microsoft.com/office/drawing/2010/main" val="0"/>
               </a:ext>
             </a:extLst>
           </a:blip>
@@ -7185,7 +7152,7 @@
     </p:spTree>
     <p:extLst>
       <p:ext uri="{BB962C8B-B14F-4D97-AF65-F5344CB8AC3E}">
-        <p14:creationId xmlns:p14="http://schemas.microsoft.com/office/powerpoint/2010/main" xmlns="" val="1136810995"/>
+        <p14:creationId xmlns="" xmlns:p14="http://schemas.microsoft.com/office/powerpoint/2010/main" val="1136810995"/>
       </p:ext>
     </p:extLst>
   </p:cSld>
@@ -7224,7 +7191,7 @@
           <p:cNvPr id="2" name="Title 1">
             <a:extLst>
               <a:ext uri="{FF2B5EF4-FFF2-40B4-BE49-F238E27FC236}">
-                <a16:creationId xmlns:a16="http://schemas.microsoft.com/office/drawing/2014/main" xmlns="" id="{E199600F-A17E-4354-A7AB-0CC2A43A9354}"/>
+                <a16:creationId xmlns="" xmlns:a16="http://schemas.microsoft.com/office/drawing/2014/main" id="{E199600F-A17E-4354-A7AB-0CC2A43A9354}"/>
               </a:ext>
             </a:extLst>
           </p:cNvPr>
@@ -7248,11 +7215,7 @@
             <a:pPr algn="ctr"/>
             <a:r>
               <a:rPr lang="en-US" dirty="0" smtClean="0"/>
-              <a:t>Entry </a:t>
-            </a:r>
-            <a:r>
-              <a:rPr lang="en-US" dirty="0" smtClean="0"/>
-              <a:t>Point to the World of JAVA : Main Method</a:t>
+              <a:t>Entry Point to the World of JAVA : Main Method</a:t>
             </a:r>
             <a:endParaRPr lang="en-US" dirty="0"/>
           </a:p>
@@ -7263,7 +7226,7 @@
           <p:cNvPr id="3" name="Content Placeholder 2">
             <a:extLst>
               <a:ext uri="{FF2B5EF4-FFF2-40B4-BE49-F238E27FC236}">
-                <a16:creationId xmlns:a16="http://schemas.microsoft.com/office/drawing/2014/main" xmlns="" id="{FA6A4B49-27C8-46B6-8B11-AD7E8F615E2C}"/>
+                <a16:creationId xmlns="" xmlns:a16="http://schemas.microsoft.com/office/drawing/2014/main" id="{FA6A4B49-27C8-46B6-8B11-AD7E8F615E2C}"/>
               </a:ext>
             </a:extLst>
           </p:cNvPr>
@@ -7317,7 +7280,7 @@
           <p:cNvPr id="4" name="Slide Number Placeholder 3">
             <a:extLst>
               <a:ext uri="{FF2B5EF4-FFF2-40B4-BE49-F238E27FC236}">
-                <a16:creationId xmlns:a16="http://schemas.microsoft.com/office/drawing/2014/main" xmlns="" id="{62B4CE3A-8C88-45AA-A849-57E5A7AC22C1}"/>
+                <a16:creationId xmlns="" xmlns:a16="http://schemas.microsoft.com/office/drawing/2014/main" id="{62B4CE3A-8C88-45AA-A849-57E5A7AC22C1}"/>
               </a:ext>
             </a:extLst>
           </p:cNvPr>
@@ -7356,10 +7319,10 @@
           <p:cNvPr id="11" name="Rectangle 10">
             <a:extLst>
               <a:ext uri="{FF2B5EF4-FFF2-40B4-BE49-F238E27FC236}">
-                <a16:creationId xmlns:a16="http://schemas.microsoft.com/office/drawing/2014/main" xmlns="" id="{5F253864-26FA-4AB1-9F0A-4F57D870EE85}"/>
+                <a16:creationId xmlns="" xmlns:a16="http://schemas.microsoft.com/office/drawing/2014/main" id="{5F253864-26FA-4AB1-9F0A-4F57D870EE85}"/>
               </a:ext>
               <a:ext uri="{C183D7F6-B498-43B3-948B-1728B52AA6E4}">
-                <adec:decorative xmlns="" xmlns:adec="http://schemas.microsoft.com/office/drawing/2017/decorative" val="1"/>
+                <adec:decorative xmlns:adec="http://schemas.microsoft.com/office/drawing/2017/decorative" xmlns="" val="1"/>
               </a:ext>
             </a:extLst>
           </p:cNvPr>
@@ -7421,7 +7384,7 @@
           <a:blip r:embed="rId2" cstate="print">
             <a:extLst>
               <a:ext uri="{28A0092B-C50C-407E-A947-70E740481C1C}">
-                <a14:useLocalDpi xmlns:a14="http://schemas.microsoft.com/office/drawing/2010/main" xmlns="" val="0"/>
+                <a14:useLocalDpi xmlns="" xmlns:a14="http://schemas.microsoft.com/office/drawing/2010/main" val="0"/>
               </a:ext>
             </a:extLst>
           </a:blip>
@@ -7442,7 +7405,7 @@
     </p:spTree>
     <p:extLst>
       <p:ext uri="{BB962C8B-B14F-4D97-AF65-F5344CB8AC3E}">
-        <p14:creationId xmlns:p14="http://schemas.microsoft.com/office/powerpoint/2010/main" xmlns="" val="2944664186"/>
+        <p14:creationId xmlns="" xmlns:p14="http://schemas.microsoft.com/office/powerpoint/2010/main" val="2944664186"/>
       </p:ext>
     </p:extLst>
   </p:cSld>
@@ -7481,7 +7444,7 @@
           <p:cNvPr id="2" name="Title 1">
             <a:extLst>
               <a:ext uri="{FF2B5EF4-FFF2-40B4-BE49-F238E27FC236}">
-                <a16:creationId xmlns:a16="http://schemas.microsoft.com/office/drawing/2014/main" xmlns="" id="{E199600F-A17E-4354-A7AB-0CC2A43A9354}"/>
+                <a16:creationId xmlns="" xmlns:a16="http://schemas.microsoft.com/office/drawing/2014/main" id="{E199600F-A17E-4354-A7AB-0CC2A43A9354}"/>
               </a:ext>
             </a:extLst>
           </p:cNvPr>
@@ -7505,11 +7468,7 @@
             <a:pPr algn="ctr"/>
             <a:r>
               <a:rPr lang="en-US" dirty="0" smtClean="0"/>
-              <a:t>Exam </a:t>
-            </a:r>
-            <a:r>
-              <a:rPr lang="en-US" dirty="0" smtClean="0"/>
-              <a:t>Perspective</a:t>
+              <a:t>Exam Perspective</a:t>
             </a:r>
             <a:endParaRPr lang="en-US" dirty="0"/>
           </a:p>
@@ -7520,7 +7479,7 @@
           <p:cNvPr id="3" name="Content Placeholder 2">
             <a:extLst>
               <a:ext uri="{FF2B5EF4-FFF2-40B4-BE49-F238E27FC236}">
-                <a16:creationId xmlns:a16="http://schemas.microsoft.com/office/drawing/2014/main" xmlns="" id="{FA6A4B49-27C8-46B6-8B11-AD7E8F615E2C}"/>
+                <a16:creationId xmlns="" xmlns:a16="http://schemas.microsoft.com/office/drawing/2014/main" id="{FA6A4B49-27C8-46B6-8B11-AD7E8F615E2C}"/>
               </a:ext>
             </a:extLst>
           </p:cNvPr>
@@ -7531,7 +7490,12 @@
             <p:ph idx="1"/>
           </p:nvPr>
         </p:nvSpPr>
-        <p:spPr/>
+        <p:spPr>
+          <a:xfrm>
+            <a:off x="838200" y="1825625"/>
+            <a:ext cx="5941423" cy="4351338"/>
+          </a:xfrm>
+        </p:spPr>
         <p:txBody>
           <a:bodyPr>
             <a:normAutofit/>
@@ -7558,15 +7522,7 @@
           <a:p>
             <a:r>
               <a:rPr lang="en-US" noProof="1" smtClean="0"/>
-              <a:t>In the exam there will be often be a case when the main method is not given.In those cases we </a:t>
-            </a:r>
-            <a:r>
-              <a:rPr lang="en-US" noProof="1" smtClean="0"/>
-              <a:t>need </a:t>
-            </a:r>
-            <a:r>
-              <a:rPr lang="en-US" noProof="1" smtClean="0"/>
-              <a:t>to assume the presence of a hidden main method.	</a:t>
+              <a:t>In the exam there will be often be a case when the main method is not given.In those cases we need to assume the presence of a hidden main method.	</a:t>
             </a:r>
           </a:p>
           <a:p>
@@ -7579,7 +7535,7 @@
           <p:cNvPr id="4" name="Slide Number Placeholder 3">
             <a:extLst>
               <a:ext uri="{FF2B5EF4-FFF2-40B4-BE49-F238E27FC236}">
-                <a16:creationId xmlns:a16="http://schemas.microsoft.com/office/drawing/2014/main" xmlns="" id="{62B4CE3A-8C88-45AA-A849-57E5A7AC22C1}"/>
+                <a16:creationId xmlns="" xmlns:a16="http://schemas.microsoft.com/office/drawing/2014/main" id="{62B4CE3A-8C88-45AA-A849-57E5A7AC22C1}"/>
               </a:ext>
             </a:extLst>
           </p:cNvPr>
@@ -7618,10 +7574,10 @@
           <p:cNvPr id="11" name="Rectangle 10">
             <a:extLst>
               <a:ext uri="{FF2B5EF4-FFF2-40B4-BE49-F238E27FC236}">
-                <a16:creationId xmlns:a16="http://schemas.microsoft.com/office/drawing/2014/main" xmlns="" id="{5F253864-26FA-4AB1-9F0A-4F57D870EE85}"/>
+                <a16:creationId xmlns="" xmlns:a16="http://schemas.microsoft.com/office/drawing/2014/main" id="{5F253864-26FA-4AB1-9F0A-4F57D870EE85}"/>
               </a:ext>
               <a:ext uri="{C183D7F6-B498-43B3-948B-1728B52AA6E4}">
-                <adec:decorative xmlns="" xmlns:adec="http://schemas.microsoft.com/office/drawing/2017/decorative" val="1"/>
+                <adec:decorative xmlns:adec="http://schemas.microsoft.com/office/drawing/2017/decorative" xmlns="" val="1"/>
               </a:ext>
             </a:extLst>
           </p:cNvPr>
@@ -7683,7 +7639,7 @@
           <a:blip r:embed="rId2">
             <a:extLst>
               <a:ext uri="{28A0092B-C50C-407E-A947-70E740481C1C}">
-                <a14:useLocalDpi xmlns:a14="http://schemas.microsoft.com/office/drawing/2010/main" xmlns="" val="0"/>
+                <a14:useLocalDpi xmlns="" xmlns:a14="http://schemas.microsoft.com/office/drawing/2010/main" val="0"/>
               </a:ext>
             </a:extLst>
           </a:blip>
@@ -7704,7 +7660,7 @@
     </p:spTree>
     <p:extLst>
       <p:ext uri="{BB962C8B-B14F-4D97-AF65-F5344CB8AC3E}">
-        <p14:creationId xmlns:p14="http://schemas.microsoft.com/office/powerpoint/2010/main" xmlns="" val="3527059924"/>
+        <p14:creationId xmlns="" xmlns:p14="http://schemas.microsoft.com/office/powerpoint/2010/main" val="3527059924"/>
       </p:ext>
     </p:extLst>
   </p:cSld>
@@ -7916,7 +7872,7 @@
   <a:extraClrSchemeLst/>
   <a:extLst>
     <a:ext uri="{05A4C25C-085E-4340-85A3-A5531E510DB2}">
-      <thm15:themeFamily xmlns:thm15="http://schemas.microsoft.com/office/thememl/2012/main" xmlns="" name="Classic-Corporate_Teach a Course_Win32_SB - v2" id="{AAA48AC2-5F99-4B13-8624-B64D50F70391}" vid="{7E93EDBA-CDC2-40D2-AD59-7619D791F782}"/>
+      <thm15:themeFamily xmlns="" xmlns:thm15="http://schemas.microsoft.com/office/thememl/2012/main" name="Classic-Corporate_Teach a Course_Win32_SB - v2" id="{AAA48AC2-5F99-4B13-8624-B64D50F70391}" vid="{7E93EDBA-CDC2-40D2-AD59-7619D791F782}"/>
     </a:ext>
   </a:extLst>
 </a:theme>
@@ -8211,7 +8167,7 @@
   <a:extraClrSchemeLst/>
   <a:extLst>
     <a:ext uri="{05A4C25C-085E-4340-85A3-A5531E510DB2}">
-      <thm15:themeFamily xmlns:thm15="http://schemas.microsoft.com/office/thememl/2012/main" xmlns="" name="Office Theme" id="{62F939B6-93AF-4DB8-9C6B-D6C7DFDC589F}" vid="{4A3C46E8-61CC-4603-A589-7422A47A8E4A}"/>
+      <thm15:themeFamily xmlns="" xmlns:thm15="http://schemas.microsoft.com/office/thememl/2012/main" name="Office Theme" id="{62F939B6-93AF-4DB8-9C6B-D6C7DFDC589F}" vid="{4A3C46E8-61CC-4603-A589-7422A47A8E4A}"/>
     </a:ext>
   </a:extLst>
 </a:theme>
@@ -8506,7 +8462,7 @@
   <a:extraClrSchemeLst/>
   <a:extLst>
     <a:ext uri="{05A4C25C-085E-4340-85A3-A5531E510DB2}">
-      <thm15:themeFamily xmlns:thm15="http://schemas.microsoft.com/office/thememl/2012/main" xmlns="" name="Office Theme" id="{62F939B6-93AF-4DB8-9C6B-D6C7DFDC589F}" vid="{4A3C46E8-61CC-4603-A589-7422A47A8E4A}"/>
+      <thm15:themeFamily xmlns="" xmlns:thm15="http://schemas.microsoft.com/office/thememl/2012/main" name="Office Theme" id="{62F939B6-93AF-4DB8-9C6B-D6C7DFDC589F}" vid="{4A3C46E8-61CC-4603-A589-7422A47A8E4A}"/>
     </a:ext>
   </a:extLst>
 </a:theme>
@@ -8599,24 +8555,6 @@
 </file>
 
 <file path=customXml/item1.xml><?xml version="1.0" encoding="utf-8"?>
-<p:properties xmlns:p="http://schemas.microsoft.com/office/2006/metadata/properties" xmlns:xsi="http://www.w3.org/2001/XMLSchema-instance" xmlns:pc="http://schemas.microsoft.com/office/infopath/2007/PartnerControls">
-  <documentManagement>
-    <Status xmlns="71af3243-3dd4-4a8d-8c0d-dd76da1f02a5">Not started</Status>
-    <MediaServiceKeyPoints xmlns="71af3243-3dd4-4a8d-8c0d-dd76da1f02a5" xsi:nil="true"/>
-  </documentManagement>
-</p:properties>
-</file>
-
-<file path=customXml/item2.xml><?xml version="1.0" encoding="utf-8"?>
-<?mso-contentType ?>
-<FormTemplates xmlns="http://schemas.microsoft.com/sharepoint/v3/contenttype/forms">
-  <Display>DocumentLibraryForm</Display>
-  <Edit>DocumentLibraryForm</Edit>
-  <New>DocumentLibraryForm</New>
-</FormTemplates>
-</file>
-
-<file path=customXml/item3.xml><?xml version="1.0" encoding="utf-8"?>
 <ct:contentTypeSchema xmlns:ct="http://schemas.microsoft.com/office/2006/metadata/contentType" xmlns:ma="http://schemas.microsoft.com/office/2006/metadata/properties/metaAttributes" ct:_="" ma:_="" ma:contentTypeName="Document" ma:contentTypeID="0x01010079F111ED35F8CC479449609E8A0923A6" ma:contentTypeVersion="12" ma:contentTypeDescription="Create a new document." ma:contentTypeScope="" ma:versionID="fa6e671f1cd7e4d96ff9652be322dd5e">
   <xsd:schema xmlns:xsd="http://www.w3.org/2001/XMLSchema" xmlns:xs="http://www.w3.org/2001/XMLSchema" xmlns:p="http://schemas.microsoft.com/office/2006/metadata/properties" xmlns:ns2="71af3243-3dd4-4a8d-8c0d-dd76da1f02a5" xmlns:ns3="16c05727-aa75-4e4a-9b5f-8a80a1165891" targetNamespace="http://schemas.microsoft.com/office/2006/metadata/properties" ma:root="true" ma:fieldsID="4e2496f70b101db0b8013f30a071bbf7" ns2:_="" ns3:_="">
     <xsd:import namespace="71af3243-3dd4-4a8d-8c0d-dd76da1f02a5"/>
@@ -8837,25 +8775,25 @@
 </ct:contentTypeSchema>
 </file>
 
-<file path=customXml/itemProps1.xml><?xml version="1.0" encoding="utf-8"?>
-<ds:datastoreItem xmlns:ds="http://schemas.openxmlformats.org/officeDocument/2006/customXml" ds:itemID="{F4E32C0B-4052-44CB-9341-8AD8B2CC4712}">
-  <ds:schemaRefs>
-    <ds:schemaRef ds:uri="http://schemas.microsoft.com/office/2006/metadata/properties"/>
-    <ds:schemaRef ds:uri="http://schemas.microsoft.com/office/infopath/2007/PartnerControls"/>
-    <ds:schemaRef ds:uri="71af3243-3dd4-4a8d-8c0d-dd76da1f02a5"/>
-  </ds:schemaRefs>
-</ds:datastoreItem>
+<file path=customXml/item2.xml><?xml version="1.0" encoding="utf-8"?>
+<?mso-contentType ?>
+<FormTemplates xmlns="http://schemas.microsoft.com/sharepoint/v3/contenttype/forms">
+  <Display>DocumentLibraryForm</Display>
+  <Edit>DocumentLibraryForm</Edit>
+  <New>DocumentLibraryForm</New>
+</FormTemplates>
 </file>
 
-<file path=customXml/itemProps2.xml><?xml version="1.0" encoding="utf-8"?>
-<ds:datastoreItem xmlns:ds="http://schemas.openxmlformats.org/officeDocument/2006/customXml" ds:itemID="{EBB7C387-AFDC-4FE3-A658-984B7F35F155}">
-  <ds:schemaRefs>
-    <ds:schemaRef ds:uri="http://schemas.microsoft.com/sharepoint/v3/contenttype/forms"/>
-  </ds:schemaRefs>
-</ds:datastoreItem>
+<file path=customXml/item3.xml><?xml version="1.0" encoding="utf-8"?>
+<p:properties xmlns:p="http://schemas.microsoft.com/office/2006/metadata/properties" xmlns:xsi="http://www.w3.org/2001/XMLSchema-instance" xmlns:pc="http://schemas.microsoft.com/office/infopath/2007/PartnerControls">
+  <documentManagement>
+    <Status xmlns="71af3243-3dd4-4a8d-8c0d-dd76da1f02a5">Not started</Status>
+    <MediaServiceKeyPoints xmlns="71af3243-3dd4-4a8d-8c0d-dd76da1f02a5" xsi:nil="true"/>
+  </documentManagement>
+</p:properties>
 </file>
 
-<file path=customXml/itemProps3.xml><?xml version="1.0" encoding="utf-8"?>
+<file path=customXml/itemProps1.xml><?xml version="1.0" encoding="utf-8"?>
 <ds:datastoreItem xmlns:ds="http://schemas.openxmlformats.org/officeDocument/2006/customXml" ds:itemID="{D6766BD6-F648-49AA-B7EC-13E75CECB99A}">
   <ds:schemaRefs>
     <ds:schemaRef ds:uri="http://schemas.microsoft.com/office/2006/metadata/contentType"/>
@@ -8872,4 +8810,22 @@
     <ds:schemaRef ds:uri="http://schemas.microsoft.com/internal/obd"/>
   </ds:schemaRefs>
 </ds:datastoreItem>
+</file>
+
+<file path=customXml/itemProps2.xml><?xml version="1.0" encoding="utf-8"?>
+<ds:datastoreItem xmlns:ds="http://schemas.openxmlformats.org/officeDocument/2006/customXml" ds:itemID="{EBB7C387-AFDC-4FE3-A658-984B7F35F155}">
+  <ds:schemaRefs>
+    <ds:schemaRef ds:uri="http://schemas.microsoft.com/sharepoint/v3/contenttype/forms"/>
+  </ds:schemaRefs>
+</ds:datastoreItem>
+</file>
+
+<file path=customXml/itemProps3.xml><?xml version="1.0" encoding="utf-8"?>
+<ds:datastoreItem xmlns:ds="http://schemas.openxmlformats.org/officeDocument/2006/customXml" ds:itemID="{F4E32C0B-4052-44CB-9341-8AD8B2CC4712}">
+  <ds:schemaRefs>
+    <ds:schemaRef ds:uri="http://schemas.microsoft.com/office/2006/metadata/properties"/>
+    <ds:schemaRef ds:uri="http://schemas.microsoft.com/office/infopath/2007/PartnerControls"/>
+    <ds:schemaRef ds:uri="71af3243-3dd4-4a8d-8c0d-dd76da1f02a5"/>
+  </ds:schemaRefs>
+</ds:datastoreItem>
 </file>
--- a/courseMaterial/Objective-2-Simple Java Program/Basics_Of_A_Java_Program.pptx
+++ b/courseMaterial/Objective-2-Simple Java Program/Basics_Of_A_Java_Program.pptx
@@ -13,13 +13,13 @@
   <p:sldIdLst>
     <p:sldId id="256" r:id="rId5"/>
     <p:sldId id="261" r:id="rId6"/>
-    <p:sldId id="257" r:id="rId7"/>
-    <p:sldId id="258" r:id="rId8"/>
-    <p:sldId id="259" r:id="rId9"/>
-    <p:sldId id="263" r:id="rId10"/>
-    <p:sldId id="264" r:id="rId11"/>
-    <p:sldId id="265" r:id="rId12"/>
-    <p:sldId id="266" r:id="rId13"/>
+    <p:sldId id="270" r:id="rId7"/>
+    <p:sldId id="271" r:id="rId8"/>
+    <p:sldId id="274" r:id="rId9"/>
+    <p:sldId id="272" r:id="rId10"/>
+    <p:sldId id="273" r:id="rId11"/>
+    <p:sldId id="275" r:id="rId12"/>
+    <p:sldId id="265" r:id="rId13"/>
     <p:sldId id="267" r:id="rId14"/>
     <p:sldId id="269" r:id="rId15"/>
     <p:sldId id="268" r:id="rId16"/>
@@ -123,10 +123,21 @@
   </p:defaultTextStyle>
   <p:extLst>
     <p:ext uri="{EFAFB233-063F-42B5-8137-9DF3F51BA10A}">
-      <p15:sldGuideLst xmlns="" xmlns:p15="http://schemas.microsoft.com/office/powerpoint/2012/main"/>
+      <p15:sldGuideLst xmlns:p15="http://schemas.microsoft.com/office/powerpoint/2012/main">
+        <p15:guide id="1" orient="horz" pos="2160">
+          <p15:clr>
+            <a:srgbClr val="A4A3A4"/>
+          </p15:clr>
+        </p15:guide>
+        <p15:guide id="2" pos="3840">
+          <p15:clr>
+            <a:srgbClr val="A4A3A4"/>
+          </p15:clr>
+        </p15:guide>
+      </p15:sldGuideLst>
     </p:ext>
     <p:ext uri="{2D200454-40CA-4A62-9FC3-DE9A4176ACB9}">
-      <p15:notesGuideLst xmlns="" xmlns:p15="http://schemas.microsoft.com/office/powerpoint/2012/main"/>
+      <p15:notesGuideLst xmlns:p15="http://schemas.microsoft.com/office/powerpoint/2012/main"/>
     </p:ext>
   </p:extLst>
 </p:presentation>
@@ -159,7 +170,7 @@
           <p:cNvPr id="2" name="Header Placeholder 1">
             <a:extLst>
               <a:ext uri="{FF2B5EF4-FFF2-40B4-BE49-F238E27FC236}">
-                <a16:creationId xmlns="" xmlns:a16="http://schemas.microsoft.com/office/drawing/2014/main" id="{2BC10188-DC2C-458D-AB41-143A0BE9A310}"/>
+                <a16:creationId xmlns:a16="http://schemas.microsoft.com/office/drawing/2014/main" id="{2BC10188-DC2C-458D-AB41-143A0BE9A310}"/>
               </a:ext>
             </a:extLst>
           </p:cNvPr>
@@ -196,7 +207,7 @@
           <p:cNvPr id="3" name="Date Placeholder 2">
             <a:extLst>
               <a:ext uri="{FF2B5EF4-FFF2-40B4-BE49-F238E27FC236}">
-                <a16:creationId xmlns="" xmlns:a16="http://schemas.microsoft.com/office/drawing/2014/main" id="{C9634E15-7196-43FC-B912-C4D8B4A2CE79}"/>
+                <a16:creationId xmlns:a16="http://schemas.microsoft.com/office/drawing/2014/main" id="{C9634E15-7196-43FC-B912-C4D8B4A2CE79}"/>
               </a:ext>
             </a:extLst>
           </p:cNvPr>
@@ -227,7 +238,7 @@
             <a:fld id="{68416927-5E9C-4E77-85FE-EE4C81C1DE39}" type="datetimeFigureOut">
               <a:rPr lang="en-US" smtClean="0"/>
               <a:pPr/>
-              <a:t>4/26/2020</a:t>
+              <a:t>5/9/2020</a:t>
             </a:fld>
             <a:endParaRPr lang="en-US" dirty="0"/>
           </a:p>
@@ -238,7 +249,7 @@
           <p:cNvPr id="4" name="Footer Placeholder 3">
             <a:extLst>
               <a:ext uri="{FF2B5EF4-FFF2-40B4-BE49-F238E27FC236}">
-                <a16:creationId xmlns="" xmlns:a16="http://schemas.microsoft.com/office/drawing/2014/main" id="{89EA2570-D5B6-41CB-96C2-FFC9944668E5}"/>
+                <a16:creationId xmlns:a16="http://schemas.microsoft.com/office/drawing/2014/main" id="{89EA2570-D5B6-41CB-96C2-FFC9944668E5}"/>
               </a:ext>
             </a:extLst>
           </p:cNvPr>
@@ -275,7 +286,7 @@
           <p:cNvPr id="5" name="Slide Number Placeholder 4">
             <a:extLst>
               <a:ext uri="{FF2B5EF4-FFF2-40B4-BE49-F238E27FC236}">
-                <a16:creationId xmlns="" xmlns:a16="http://schemas.microsoft.com/office/drawing/2014/main" id="{15C31B37-7A69-4C30-9B63-29F8242FC246}"/>
+                <a16:creationId xmlns:a16="http://schemas.microsoft.com/office/drawing/2014/main" id="{15C31B37-7A69-4C30-9B63-29F8242FC246}"/>
               </a:ext>
             </a:extLst>
           </p:cNvPr>
@@ -315,7 +326,7 @@
     </p:spTree>
     <p:extLst>
       <p:ext uri="{BB962C8B-B14F-4D97-AF65-F5344CB8AC3E}">
-        <p14:creationId xmlns="" xmlns:p14="http://schemas.microsoft.com/office/powerpoint/2010/main" val="2413100067"/>
+        <p14:creationId xmlns:p14="http://schemas.microsoft.com/office/powerpoint/2010/main" val="2413100067"/>
       </p:ext>
     </p:extLst>
   </p:cSld>
@@ -406,7 +417,7 @@
             <a:fld id="{FA798B7E-6604-4F74-86DB-B30627D56244}" type="datetimeFigureOut">
               <a:rPr lang="en-US" smtClean="0"/>
               <a:pPr/>
-              <a:t>4/26/2020</a:t>
+              <a:t>5/9/2020</a:t>
             </a:fld>
             <a:endParaRPr lang="en-US" dirty="0"/>
           </a:p>
@@ -574,7 +585,7 @@
     </p:spTree>
     <p:extLst>
       <p:ext uri="{BB962C8B-B14F-4D97-AF65-F5344CB8AC3E}">
-        <p14:creationId xmlns="" xmlns:p14="http://schemas.microsoft.com/office/powerpoint/2010/main" val="2075933273"/>
+        <p14:creationId xmlns:p14="http://schemas.microsoft.com/office/powerpoint/2010/main" val="2075933273"/>
       </p:ext>
     </p:extLst>
   </p:cSld>
@@ -696,7 +707,7 @@
           <p:cNvPr id="2" name="Title 1">
             <a:extLst>
               <a:ext uri="{FF2B5EF4-FFF2-40B4-BE49-F238E27FC236}">
-                <a16:creationId xmlns="" xmlns:a16="http://schemas.microsoft.com/office/drawing/2014/main" id="{E5798B13-3B32-4354-B2B5-3165F2F6E65F}"/>
+                <a16:creationId xmlns:a16="http://schemas.microsoft.com/office/drawing/2014/main" id="{E5798B13-3B32-4354-B2B5-3165F2F6E65F}"/>
               </a:ext>
             </a:extLst>
           </p:cNvPr>
@@ -739,7 +750,7 @@
           <p:cNvPr id="4" name="Text Placeholder 3">
             <a:extLst>
               <a:ext uri="{FF2B5EF4-FFF2-40B4-BE49-F238E27FC236}">
-                <a16:creationId xmlns="" xmlns:a16="http://schemas.microsoft.com/office/drawing/2014/main" id="{16BB88CF-DF4F-4857-8602-72BCF5DDCDA1}"/>
+                <a16:creationId xmlns:a16="http://schemas.microsoft.com/office/drawing/2014/main" id="{16BB88CF-DF4F-4857-8602-72BCF5DDCDA1}"/>
               </a:ext>
             </a:extLst>
           </p:cNvPr>
@@ -810,7 +821,7 @@
           <p:cNvPr id="12" name="Straight Connector 11">
             <a:extLst>
               <a:ext uri="{FF2B5EF4-FFF2-40B4-BE49-F238E27FC236}">
-                <a16:creationId xmlns="" xmlns:a16="http://schemas.microsoft.com/office/drawing/2014/main" id="{A7EEBB7C-1679-4665-8688-1FA973E73DC1}"/>
+                <a16:creationId xmlns:a16="http://schemas.microsoft.com/office/drawing/2014/main" id="{A7EEBB7C-1679-4665-8688-1FA973E73DC1}"/>
               </a:ext>
             </a:extLst>
           </p:cNvPr>
@@ -862,7 +873,7 @@
           <p:cNvPr id="7" name="Rectangle 6">
             <a:extLst>
               <a:ext uri="{FF2B5EF4-FFF2-40B4-BE49-F238E27FC236}">
-                <a16:creationId xmlns="" xmlns:a16="http://schemas.microsoft.com/office/drawing/2014/main" id="{F1E3214F-3A93-4A1C-920D-D86BE35A58FB}"/>
+                <a16:creationId xmlns:a16="http://schemas.microsoft.com/office/drawing/2014/main" id="{F1E3214F-3A93-4A1C-920D-D86BE35A58FB}"/>
               </a:ext>
             </a:extLst>
           </p:cNvPr>
@@ -917,7 +928,7 @@
           <p:cNvPr id="3" name="Slide Number Placeholder 2">
             <a:extLst>
               <a:ext uri="{FF2B5EF4-FFF2-40B4-BE49-F238E27FC236}">
-                <a16:creationId xmlns="" xmlns:a16="http://schemas.microsoft.com/office/drawing/2014/main" id="{213E97E5-C83B-444A-8C07-35D699E7C342}"/>
+                <a16:creationId xmlns:a16="http://schemas.microsoft.com/office/drawing/2014/main" id="{213E97E5-C83B-444A-8C07-35D699E7C342}"/>
               </a:ext>
             </a:extLst>
           </p:cNvPr>
@@ -949,7 +960,7 @@
     </p:spTree>
     <p:extLst>
       <p:ext uri="{BB962C8B-B14F-4D97-AF65-F5344CB8AC3E}">
-        <p14:creationId xmlns="" xmlns:p14="http://schemas.microsoft.com/office/powerpoint/2010/main" val="2226532245"/>
+        <p14:creationId xmlns:p14="http://schemas.microsoft.com/office/powerpoint/2010/main" val="2226532245"/>
       </p:ext>
     </p:extLst>
   </p:cSld>
@@ -981,7 +992,7 @@
           <p:cNvPr id="2" name="Title 1">
             <a:extLst>
               <a:ext uri="{FF2B5EF4-FFF2-40B4-BE49-F238E27FC236}">
-                <a16:creationId xmlns="" xmlns:a16="http://schemas.microsoft.com/office/drawing/2014/main" id="{0D1AB651-5612-4E6A-9B35-A555D082EC2F}"/>
+                <a16:creationId xmlns:a16="http://schemas.microsoft.com/office/drawing/2014/main" id="{0D1AB651-5612-4E6A-9B35-A555D082EC2F}"/>
               </a:ext>
             </a:extLst>
           </p:cNvPr>
@@ -1010,7 +1021,7 @@
           <p:cNvPr id="3" name="Content Placeholder 2">
             <a:extLst>
               <a:ext uri="{FF2B5EF4-FFF2-40B4-BE49-F238E27FC236}">
-                <a16:creationId xmlns="" xmlns:a16="http://schemas.microsoft.com/office/drawing/2014/main" id="{881389A2-D77B-40CA-AD1E-0178AEFAD15A}"/>
+                <a16:creationId xmlns:a16="http://schemas.microsoft.com/office/drawing/2014/main" id="{881389A2-D77B-40CA-AD1E-0178AEFAD15A}"/>
               </a:ext>
             </a:extLst>
           </p:cNvPr>
@@ -1091,7 +1102,7 @@
           <p:cNvPr id="4" name="Content Placeholder 3">
             <a:extLst>
               <a:ext uri="{FF2B5EF4-FFF2-40B4-BE49-F238E27FC236}">
-                <a16:creationId xmlns="" xmlns:a16="http://schemas.microsoft.com/office/drawing/2014/main" id="{A1DCA993-CBEA-48C5-BD35-50ABDFF64065}"/>
+                <a16:creationId xmlns:a16="http://schemas.microsoft.com/office/drawing/2014/main" id="{A1DCA993-CBEA-48C5-BD35-50ABDFF64065}"/>
               </a:ext>
             </a:extLst>
           </p:cNvPr>
@@ -1172,7 +1183,7 @@
           <p:cNvPr id="5" name="Slide Number Placeholder 4">
             <a:extLst>
               <a:ext uri="{FF2B5EF4-FFF2-40B4-BE49-F238E27FC236}">
-                <a16:creationId xmlns="" xmlns:a16="http://schemas.microsoft.com/office/drawing/2014/main" id="{B88ED8E0-95EC-469F-9B7E-562FBDFDE6CC}"/>
+                <a16:creationId xmlns:a16="http://schemas.microsoft.com/office/drawing/2014/main" id="{B88ED8E0-95EC-469F-9B7E-562FBDFDE6CC}"/>
               </a:ext>
             </a:extLst>
           </p:cNvPr>
@@ -1204,7 +1215,7 @@
     </p:spTree>
     <p:extLst>
       <p:ext uri="{BB962C8B-B14F-4D97-AF65-F5344CB8AC3E}">
-        <p14:creationId xmlns="" xmlns:p14="http://schemas.microsoft.com/office/powerpoint/2010/main" val="646344805"/>
+        <p14:creationId xmlns:p14="http://schemas.microsoft.com/office/powerpoint/2010/main" val="646344805"/>
       </p:ext>
     </p:extLst>
   </p:cSld>
@@ -1236,7 +1247,7 @@
           <p:cNvPr id="2" name="Title 1">
             <a:extLst>
               <a:ext uri="{FF2B5EF4-FFF2-40B4-BE49-F238E27FC236}">
-                <a16:creationId xmlns="" xmlns:a16="http://schemas.microsoft.com/office/drawing/2014/main" id="{EF776F88-2A37-410D-A685-E455AF3D07B4}"/>
+                <a16:creationId xmlns:a16="http://schemas.microsoft.com/office/drawing/2014/main" id="{EF776F88-2A37-410D-A685-E455AF3D07B4}"/>
               </a:ext>
             </a:extLst>
           </p:cNvPr>
@@ -1270,7 +1281,7 @@
           <p:cNvPr id="3" name="Text Placeholder 2">
             <a:extLst>
               <a:ext uri="{FF2B5EF4-FFF2-40B4-BE49-F238E27FC236}">
-                <a16:creationId xmlns="" xmlns:a16="http://schemas.microsoft.com/office/drawing/2014/main" id="{6C764B46-B015-44F7-8DC0-AFB8D275E486}"/>
+                <a16:creationId xmlns:a16="http://schemas.microsoft.com/office/drawing/2014/main" id="{6C764B46-B015-44F7-8DC0-AFB8D275E486}"/>
               </a:ext>
             </a:extLst>
           </p:cNvPr>
@@ -1341,7 +1352,7 @@
           <p:cNvPr id="4" name="Content Placeholder 3">
             <a:extLst>
               <a:ext uri="{FF2B5EF4-FFF2-40B4-BE49-F238E27FC236}">
-                <a16:creationId xmlns="" xmlns:a16="http://schemas.microsoft.com/office/drawing/2014/main" id="{2D3C8232-2077-497A-9142-B787E2B03A73}"/>
+                <a16:creationId xmlns:a16="http://schemas.microsoft.com/office/drawing/2014/main" id="{2D3C8232-2077-497A-9142-B787E2B03A73}"/>
               </a:ext>
             </a:extLst>
           </p:cNvPr>
@@ -1422,7 +1433,7 @@
           <p:cNvPr id="5" name="Text Placeholder 4">
             <a:extLst>
               <a:ext uri="{FF2B5EF4-FFF2-40B4-BE49-F238E27FC236}">
-                <a16:creationId xmlns="" xmlns:a16="http://schemas.microsoft.com/office/drawing/2014/main" id="{AAF6077C-D913-4FD0-B6E0-6D70BEFD40E6}"/>
+                <a16:creationId xmlns:a16="http://schemas.microsoft.com/office/drawing/2014/main" id="{AAF6077C-D913-4FD0-B6E0-6D70BEFD40E6}"/>
               </a:ext>
             </a:extLst>
           </p:cNvPr>
@@ -1493,7 +1504,7 @@
           <p:cNvPr id="6" name="Content Placeholder 5">
             <a:extLst>
               <a:ext uri="{FF2B5EF4-FFF2-40B4-BE49-F238E27FC236}">
-                <a16:creationId xmlns="" xmlns:a16="http://schemas.microsoft.com/office/drawing/2014/main" id="{43905DBB-3AA9-4435-AC97-732293FDE7EF}"/>
+                <a16:creationId xmlns:a16="http://schemas.microsoft.com/office/drawing/2014/main" id="{43905DBB-3AA9-4435-AC97-732293FDE7EF}"/>
               </a:ext>
             </a:extLst>
           </p:cNvPr>
@@ -1574,7 +1585,7 @@
           <p:cNvPr id="7" name="Slide Number Placeholder 6">
             <a:extLst>
               <a:ext uri="{FF2B5EF4-FFF2-40B4-BE49-F238E27FC236}">
-                <a16:creationId xmlns="" xmlns:a16="http://schemas.microsoft.com/office/drawing/2014/main" id="{1954C901-FCAF-4DFB-A621-6A969641CA73}"/>
+                <a16:creationId xmlns:a16="http://schemas.microsoft.com/office/drawing/2014/main" id="{1954C901-FCAF-4DFB-A621-6A969641CA73}"/>
               </a:ext>
             </a:extLst>
           </p:cNvPr>
@@ -1606,7 +1617,7 @@
     </p:spTree>
     <p:extLst>
       <p:ext uri="{BB962C8B-B14F-4D97-AF65-F5344CB8AC3E}">
-        <p14:creationId xmlns="" xmlns:p14="http://schemas.microsoft.com/office/powerpoint/2010/main" val="2292145525"/>
+        <p14:creationId xmlns:p14="http://schemas.microsoft.com/office/powerpoint/2010/main" val="2292145525"/>
       </p:ext>
     </p:extLst>
   </p:cSld>
@@ -1638,7 +1649,7 @@
           <p:cNvPr id="2" name="Title 1">
             <a:extLst>
               <a:ext uri="{FF2B5EF4-FFF2-40B4-BE49-F238E27FC236}">
-                <a16:creationId xmlns="" xmlns:a16="http://schemas.microsoft.com/office/drawing/2014/main" id="{99AF2623-2255-4BBA-9577-B3A3FD2AE8E8}"/>
+                <a16:creationId xmlns:a16="http://schemas.microsoft.com/office/drawing/2014/main" id="{99AF2623-2255-4BBA-9577-B3A3FD2AE8E8}"/>
               </a:ext>
             </a:extLst>
           </p:cNvPr>
@@ -1667,7 +1678,7 @@
           <p:cNvPr id="3" name="Slide Number Placeholder 2">
             <a:extLst>
               <a:ext uri="{FF2B5EF4-FFF2-40B4-BE49-F238E27FC236}">
-                <a16:creationId xmlns="" xmlns:a16="http://schemas.microsoft.com/office/drawing/2014/main" id="{5259F0F0-5E7C-4FC9-8E90-6ADCD7A714B6}"/>
+                <a16:creationId xmlns:a16="http://schemas.microsoft.com/office/drawing/2014/main" id="{5259F0F0-5E7C-4FC9-8E90-6ADCD7A714B6}"/>
               </a:ext>
             </a:extLst>
           </p:cNvPr>
@@ -1699,7 +1710,7 @@
     </p:spTree>
     <p:extLst>
       <p:ext uri="{BB962C8B-B14F-4D97-AF65-F5344CB8AC3E}">
-        <p14:creationId xmlns="" xmlns:p14="http://schemas.microsoft.com/office/powerpoint/2010/main" val="3105532259"/>
+        <p14:creationId xmlns:p14="http://schemas.microsoft.com/office/powerpoint/2010/main" val="3105532259"/>
       </p:ext>
     </p:extLst>
   </p:cSld>
@@ -1731,7 +1742,7 @@
           <p:cNvPr id="2" name="Slide Number Placeholder 1">
             <a:extLst>
               <a:ext uri="{FF2B5EF4-FFF2-40B4-BE49-F238E27FC236}">
-                <a16:creationId xmlns="" xmlns:a16="http://schemas.microsoft.com/office/drawing/2014/main" id="{0A9D3FFB-BE14-4D90-A515-10EDD1BEE6F1}"/>
+                <a16:creationId xmlns:a16="http://schemas.microsoft.com/office/drawing/2014/main" id="{0A9D3FFB-BE14-4D90-A515-10EDD1BEE6F1}"/>
               </a:ext>
             </a:extLst>
           </p:cNvPr>
@@ -1763,7 +1774,7 @@
     </p:spTree>
     <p:extLst>
       <p:ext uri="{BB962C8B-B14F-4D97-AF65-F5344CB8AC3E}">
-        <p14:creationId xmlns="" xmlns:p14="http://schemas.microsoft.com/office/powerpoint/2010/main" val="3627673970"/>
+        <p14:creationId xmlns:p14="http://schemas.microsoft.com/office/powerpoint/2010/main" val="3627673970"/>
       </p:ext>
     </p:extLst>
   </p:cSld>
@@ -1795,7 +1806,7 @@
           <p:cNvPr id="2" name="Title 1">
             <a:extLst>
               <a:ext uri="{FF2B5EF4-FFF2-40B4-BE49-F238E27FC236}">
-                <a16:creationId xmlns="" xmlns:a16="http://schemas.microsoft.com/office/drawing/2014/main" id="{A2451E51-BE82-4B1B-9CB6-89C26464DBE2}"/>
+                <a16:creationId xmlns:a16="http://schemas.microsoft.com/office/drawing/2014/main" id="{A2451E51-BE82-4B1B-9CB6-89C26464DBE2}"/>
               </a:ext>
             </a:extLst>
           </p:cNvPr>
@@ -1833,7 +1844,7 @@
           <p:cNvPr id="3" name="Content Placeholder 2">
             <a:extLst>
               <a:ext uri="{FF2B5EF4-FFF2-40B4-BE49-F238E27FC236}">
-                <a16:creationId xmlns="" xmlns:a16="http://schemas.microsoft.com/office/drawing/2014/main" id="{04CCBF8C-3CF7-47E6-9AB0-15584178B449}"/>
+                <a16:creationId xmlns:a16="http://schemas.microsoft.com/office/drawing/2014/main" id="{04CCBF8C-3CF7-47E6-9AB0-15584178B449}"/>
               </a:ext>
             </a:extLst>
           </p:cNvPr>
@@ -1924,7 +1935,7 @@
           <p:cNvPr id="4" name="Text Placeholder 3">
             <a:extLst>
               <a:ext uri="{FF2B5EF4-FFF2-40B4-BE49-F238E27FC236}">
-                <a16:creationId xmlns="" xmlns:a16="http://schemas.microsoft.com/office/drawing/2014/main" id="{3D07DA3C-0298-45CF-AFC3-41031C0763E3}"/>
+                <a16:creationId xmlns:a16="http://schemas.microsoft.com/office/drawing/2014/main" id="{3D07DA3C-0298-45CF-AFC3-41031C0763E3}"/>
               </a:ext>
             </a:extLst>
           </p:cNvPr>
@@ -1995,7 +2006,7 @@
           <p:cNvPr id="5" name="Slide Number Placeholder 4">
             <a:extLst>
               <a:ext uri="{FF2B5EF4-FFF2-40B4-BE49-F238E27FC236}">
-                <a16:creationId xmlns="" xmlns:a16="http://schemas.microsoft.com/office/drawing/2014/main" id="{F7C4FF87-D01E-416B-9EF8-E107C4EDDC42}"/>
+                <a16:creationId xmlns:a16="http://schemas.microsoft.com/office/drawing/2014/main" id="{F7C4FF87-D01E-416B-9EF8-E107C4EDDC42}"/>
               </a:ext>
             </a:extLst>
           </p:cNvPr>
@@ -2027,7 +2038,7 @@
     </p:spTree>
     <p:extLst>
       <p:ext uri="{BB962C8B-B14F-4D97-AF65-F5344CB8AC3E}">
-        <p14:creationId xmlns="" xmlns:p14="http://schemas.microsoft.com/office/powerpoint/2010/main" val="398533459"/>
+        <p14:creationId xmlns:p14="http://schemas.microsoft.com/office/powerpoint/2010/main" val="398533459"/>
       </p:ext>
     </p:extLst>
   </p:cSld>
@@ -2059,7 +2070,7 @@
           <p:cNvPr id="2" name="Title 1">
             <a:extLst>
               <a:ext uri="{FF2B5EF4-FFF2-40B4-BE49-F238E27FC236}">
-                <a16:creationId xmlns="" xmlns:a16="http://schemas.microsoft.com/office/drawing/2014/main" id="{E5798B13-3B32-4354-B2B5-3165F2F6E65F}"/>
+                <a16:creationId xmlns:a16="http://schemas.microsoft.com/office/drawing/2014/main" id="{E5798B13-3B32-4354-B2B5-3165F2F6E65F}"/>
               </a:ext>
             </a:extLst>
           </p:cNvPr>
@@ -2102,7 +2113,7 @@
           <p:cNvPr id="4" name="Text Placeholder 3">
             <a:extLst>
               <a:ext uri="{FF2B5EF4-FFF2-40B4-BE49-F238E27FC236}">
-                <a16:creationId xmlns="" xmlns:a16="http://schemas.microsoft.com/office/drawing/2014/main" id="{16BB88CF-DF4F-4857-8602-72BCF5DDCDA1}"/>
+                <a16:creationId xmlns:a16="http://schemas.microsoft.com/office/drawing/2014/main" id="{16BB88CF-DF4F-4857-8602-72BCF5DDCDA1}"/>
               </a:ext>
             </a:extLst>
           </p:cNvPr>
@@ -2173,7 +2184,7 @@
           <p:cNvPr id="12" name="Straight Connector 11">
             <a:extLst>
               <a:ext uri="{FF2B5EF4-FFF2-40B4-BE49-F238E27FC236}">
-                <a16:creationId xmlns="" xmlns:a16="http://schemas.microsoft.com/office/drawing/2014/main" id="{A7EEBB7C-1679-4665-8688-1FA973E73DC1}"/>
+                <a16:creationId xmlns:a16="http://schemas.microsoft.com/office/drawing/2014/main" id="{A7EEBB7C-1679-4665-8688-1FA973E73DC1}"/>
               </a:ext>
             </a:extLst>
           </p:cNvPr>
@@ -2225,7 +2236,7 @@
           <p:cNvPr id="7" name="Rectangle 6">
             <a:extLst>
               <a:ext uri="{FF2B5EF4-FFF2-40B4-BE49-F238E27FC236}">
-                <a16:creationId xmlns="" xmlns:a16="http://schemas.microsoft.com/office/drawing/2014/main" id="{F1E3214F-3A93-4A1C-920D-D86BE35A58FB}"/>
+                <a16:creationId xmlns:a16="http://schemas.microsoft.com/office/drawing/2014/main" id="{F1E3214F-3A93-4A1C-920D-D86BE35A58FB}"/>
               </a:ext>
             </a:extLst>
           </p:cNvPr>
@@ -2280,7 +2291,7 @@
           <p:cNvPr id="3" name="Slide Number Placeholder 2">
             <a:extLst>
               <a:ext uri="{FF2B5EF4-FFF2-40B4-BE49-F238E27FC236}">
-                <a16:creationId xmlns="" xmlns:a16="http://schemas.microsoft.com/office/drawing/2014/main" id="{213E97E5-C83B-444A-8C07-35D699E7C342}"/>
+                <a16:creationId xmlns:a16="http://schemas.microsoft.com/office/drawing/2014/main" id="{213E97E5-C83B-444A-8C07-35D699E7C342}"/>
               </a:ext>
             </a:extLst>
           </p:cNvPr>
@@ -2314,7 +2325,7 @@
           <p:cNvPr id="8" name="Picture Placeholder 2">
             <a:extLst>
               <a:ext uri="{FF2B5EF4-FFF2-40B4-BE49-F238E27FC236}">
-                <a16:creationId xmlns="" xmlns:a16="http://schemas.microsoft.com/office/drawing/2014/main" id="{2641ECAC-0557-4843-8433-067E4414E2F5}"/>
+                <a16:creationId xmlns:a16="http://schemas.microsoft.com/office/drawing/2014/main" id="{2641ECAC-0557-4843-8433-067E4414E2F5}"/>
               </a:ext>
             </a:extLst>
           </p:cNvPr>
@@ -2390,7 +2401,7 @@
     </p:spTree>
     <p:extLst>
       <p:ext uri="{BB962C8B-B14F-4D97-AF65-F5344CB8AC3E}">
-        <p14:creationId xmlns="" xmlns:p14="http://schemas.microsoft.com/office/powerpoint/2010/main" val="3394383312"/>
+        <p14:creationId xmlns:p14="http://schemas.microsoft.com/office/powerpoint/2010/main" val="3394383312"/>
       </p:ext>
     </p:extLst>
   </p:cSld>
@@ -2433,7 +2444,7 @@
           <p:cNvPr id="2" name="Title 1">
             <a:extLst>
               <a:ext uri="{FF2B5EF4-FFF2-40B4-BE49-F238E27FC236}">
-                <a16:creationId xmlns="" xmlns:a16="http://schemas.microsoft.com/office/drawing/2014/main" id="{FE91AD08-4E28-4191-9B62-EAD61608E5CF}"/>
+                <a16:creationId xmlns:a16="http://schemas.microsoft.com/office/drawing/2014/main" id="{FE91AD08-4E28-4191-9B62-EAD61608E5CF}"/>
               </a:ext>
             </a:extLst>
           </p:cNvPr>
@@ -2481,7 +2492,7 @@
           <p:cNvPr id="3" name="Content Placeholder 2">
             <a:extLst>
               <a:ext uri="{FF2B5EF4-FFF2-40B4-BE49-F238E27FC236}">
-                <a16:creationId xmlns="" xmlns:a16="http://schemas.microsoft.com/office/drawing/2014/main" id="{90BF853D-76DB-46F3-AF6C-1E77C8E06AA9}"/>
+                <a16:creationId xmlns:a16="http://schemas.microsoft.com/office/drawing/2014/main" id="{90BF853D-76DB-46F3-AF6C-1E77C8E06AA9}"/>
               </a:ext>
             </a:extLst>
           </p:cNvPr>
@@ -2562,7 +2573,7 @@
           <p:cNvPr id="4" name="Slide Number Placeholder 3">
             <a:extLst>
               <a:ext uri="{FF2B5EF4-FFF2-40B4-BE49-F238E27FC236}">
-                <a16:creationId xmlns="" xmlns:a16="http://schemas.microsoft.com/office/drawing/2014/main" id="{0660D61A-B9FD-4DFF-AC42-4069DAFE238C}"/>
+                <a16:creationId xmlns:a16="http://schemas.microsoft.com/office/drawing/2014/main" id="{0660D61A-B9FD-4DFF-AC42-4069DAFE238C}"/>
               </a:ext>
             </a:extLst>
           </p:cNvPr>
@@ -2594,7 +2605,7 @@
     </p:spTree>
     <p:extLst>
       <p:ext uri="{BB962C8B-B14F-4D97-AF65-F5344CB8AC3E}">
-        <p14:creationId xmlns="" xmlns:p14="http://schemas.microsoft.com/office/powerpoint/2010/main" val="3839236654"/>
+        <p14:creationId xmlns:p14="http://schemas.microsoft.com/office/powerpoint/2010/main" val="3839236654"/>
       </p:ext>
     </p:extLst>
   </p:cSld>
@@ -2637,7 +2648,7 @@
           <p:cNvPr id="2" name="Title 1">
             <a:extLst>
               <a:ext uri="{FF2B5EF4-FFF2-40B4-BE49-F238E27FC236}">
-                <a16:creationId xmlns="" xmlns:a16="http://schemas.microsoft.com/office/drawing/2014/main" id="{FE91AD08-4E28-4191-9B62-EAD61608E5CF}"/>
+                <a16:creationId xmlns:a16="http://schemas.microsoft.com/office/drawing/2014/main" id="{FE91AD08-4E28-4191-9B62-EAD61608E5CF}"/>
               </a:ext>
             </a:extLst>
           </p:cNvPr>
@@ -2687,7 +2698,7 @@
           <p:cNvPr id="3" name="Content Placeholder 2">
             <a:extLst>
               <a:ext uri="{FF2B5EF4-FFF2-40B4-BE49-F238E27FC236}">
-                <a16:creationId xmlns="" xmlns:a16="http://schemas.microsoft.com/office/drawing/2014/main" id="{90BF853D-76DB-46F3-AF6C-1E77C8E06AA9}"/>
+                <a16:creationId xmlns:a16="http://schemas.microsoft.com/office/drawing/2014/main" id="{90BF853D-76DB-46F3-AF6C-1E77C8E06AA9}"/>
               </a:ext>
             </a:extLst>
           </p:cNvPr>
@@ -2768,7 +2779,7 @@
           <p:cNvPr id="4" name="Slide Number Placeholder 3">
             <a:extLst>
               <a:ext uri="{FF2B5EF4-FFF2-40B4-BE49-F238E27FC236}">
-                <a16:creationId xmlns="" xmlns:a16="http://schemas.microsoft.com/office/drawing/2014/main" id="{0660D61A-B9FD-4DFF-AC42-4069DAFE238C}"/>
+                <a16:creationId xmlns:a16="http://schemas.microsoft.com/office/drawing/2014/main" id="{0660D61A-B9FD-4DFF-AC42-4069DAFE238C}"/>
               </a:ext>
             </a:extLst>
           </p:cNvPr>
@@ -2800,7 +2811,7 @@
     </p:spTree>
     <p:extLst>
       <p:ext uri="{BB962C8B-B14F-4D97-AF65-F5344CB8AC3E}">
-        <p14:creationId xmlns="" xmlns:p14="http://schemas.microsoft.com/office/powerpoint/2010/main" val="1594571051"/>
+        <p14:creationId xmlns:p14="http://schemas.microsoft.com/office/powerpoint/2010/main" val="1594571051"/>
       </p:ext>
     </p:extLst>
   </p:cSld>
@@ -2832,7 +2843,7 @@
           <p:cNvPr id="7" name="Picture Placeholder 2">
             <a:extLst>
               <a:ext uri="{FF2B5EF4-FFF2-40B4-BE49-F238E27FC236}">
-                <a16:creationId xmlns="" xmlns:a16="http://schemas.microsoft.com/office/drawing/2014/main" id="{6D3C5ED2-B01D-4104-B193-BC78D76A4646}"/>
+                <a16:creationId xmlns:a16="http://schemas.microsoft.com/office/drawing/2014/main" id="{6D3C5ED2-B01D-4104-B193-BC78D76A4646}"/>
               </a:ext>
             </a:extLst>
           </p:cNvPr>
@@ -2905,7 +2916,7 @@
           <p:cNvPr id="2" name="Title 1">
             <a:extLst>
               <a:ext uri="{FF2B5EF4-FFF2-40B4-BE49-F238E27FC236}">
-                <a16:creationId xmlns="" xmlns:a16="http://schemas.microsoft.com/office/drawing/2014/main" id="{FE91AD08-4E28-4191-9B62-EAD61608E5CF}"/>
+                <a16:creationId xmlns:a16="http://schemas.microsoft.com/office/drawing/2014/main" id="{FE91AD08-4E28-4191-9B62-EAD61608E5CF}"/>
               </a:ext>
             </a:extLst>
           </p:cNvPr>
@@ -2952,7 +2963,7 @@
           <p:cNvPr id="3" name="Content Placeholder 2">
             <a:extLst>
               <a:ext uri="{FF2B5EF4-FFF2-40B4-BE49-F238E27FC236}">
-                <a16:creationId xmlns="" xmlns:a16="http://schemas.microsoft.com/office/drawing/2014/main" id="{90BF853D-76DB-46F3-AF6C-1E77C8E06AA9}"/>
+                <a16:creationId xmlns:a16="http://schemas.microsoft.com/office/drawing/2014/main" id="{90BF853D-76DB-46F3-AF6C-1E77C8E06AA9}"/>
               </a:ext>
             </a:extLst>
           </p:cNvPr>
@@ -3033,7 +3044,7 @@
           <p:cNvPr id="4" name="Slide Number Placeholder 3">
             <a:extLst>
               <a:ext uri="{FF2B5EF4-FFF2-40B4-BE49-F238E27FC236}">
-                <a16:creationId xmlns="" xmlns:a16="http://schemas.microsoft.com/office/drawing/2014/main" id="{0660D61A-B9FD-4DFF-AC42-4069DAFE238C}"/>
+                <a16:creationId xmlns:a16="http://schemas.microsoft.com/office/drawing/2014/main" id="{0660D61A-B9FD-4DFF-AC42-4069DAFE238C}"/>
               </a:ext>
             </a:extLst>
           </p:cNvPr>
@@ -3070,7 +3081,7 @@
     </p:spTree>
     <p:extLst>
       <p:ext uri="{BB962C8B-B14F-4D97-AF65-F5344CB8AC3E}">
-        <p14:creationId xmlns="" xmlns:p14="http://schemas.microsoft.com/office/powerpoint/2010/main" val="1797904098"/>
+        <p14:creationId xmlns:p14="http://schemas.microsoft.com/office/powerpoint/2010/main" val="1797904098"/>
       </p:ext>
     </p:extLst>
   </p:cSld>
@@ -3102,7 +3113,7 @@
           <p:cNvPr id="2" name="Title 1">
             <a:extLst>
               <a:ext uri="{FF2B5EF4-FFF2-40B4-BE49-F238E27FC236}">
-                <a16:creationId xmlns="" xmlns:a16="http://schemas.microsoft.com/office/drawing/2014/main" id="{FE91AD08-4E28-4191-9B62-EAD61608E5CF}"/>
+                <a16:creationId xmlns:a16="http://schemas.microsoft.com/office/drawing/2014/main" id="{FE91AD08-4E28-4191-9B62-EAD61608E5CF}"/>
               </a:ext>
             </a:extLst>
           </p:cNvPr>
@@ -3162,7 +3173,7 @@
           <p:cNvPr id="3" name="Content Placeholder 2">
             <a:extLst>
               <a:ext uri="{FF2B5EF4-FFF2-40B4-BE49-F238E27FC236}">
-                <a16:creationId xmlns="" xmlns:a16="http://schemas.microsoft.com/office/drawing/2014/main" id="{90BF853D-76DB-46F3-AF6C-1E77C8E06AA9}"/>
+                <a16:creationId xmlns:a16="http://schemas.microsoft.com/office/drawing/2014/main" id="{90BF853D-76DB-46F3-AF6C-1E77C8E06AA9}"/>
               </a:ext>
             </a:extLst>
           </p:cNvPr>
@@ -3243,7 +3254,7 @@
           <p:cNvPr id="14" name="Slide Number Placeholder 13">
             <a:extLst>
               <a:ext uri="{FF2B5EF4-FFF2-40B4-BE49-F238E27FC236}">
-                <a16:creationId xmlns="" xmlns:a16="http://schemas.microsoft.com/office/drawing/2014/main" id="{7746CAFB-2B99-470B-B55B-9BF378E3A04B}"/>
+                <a16:creationId xmlns:a16="http://schemas.microsoft.com/office/drawing/2014/main" id="{7746CAFB-2B99-470B-B55B-9BF378E3A04B}"/>
               </a:ext>
             </a:extLst>
           </p:cNvPr>
@@ -3275,7 +3286,7 @@
     </p:spTree>
     <p:extLst>
       <p:ext uri="{BB962C8B-B14F-4D97-AF65-F5344CB8AC3E}">
-        <p14:creationId xmlns="" xmlns:p14="http://schemas.microsoft.com/office/powerpoint/2010/main" val="1160496352"/>
+        <p14:creationId xmlns:p14="http://schemas.microsoft.com/office/powerpoint/2010/main" val="1160496352"/>
       </p:ext>
     </p:extLst>
   </p:cSld>
@@ -3307,7 +3318,7 @@
           <p:cNvPr id="17" name="Title 16">
             <a:extLst>
               <a:ext uri="{FF2B5EF4-FFF2-40B4-BE49-F238E27FC236}">
-                <a16:creationId xmlns="" xmlns:a16="http://schemas.microsoft.com/office/drawing/2014/main" id="{65237DA4-112F-40B2-8C8C-EB23506D9C45}"/>
+                <a16:creationId xmlns:a16="http://schemas.microsoft.com/office/drawing/2014/main" id="{65237DA4-112F-40B2-8C8C-EB23506D9C45}"/>
               </a:ext>
             </a:extLst>
           </p:cNvPr>
@@ -3366,7 +3377,7 @@
           <p:cNvPr id="3" name="Content Placeholder 2">
             <a:extLst>
               <a:ext uri="{FF2B5EF4-FFF2-40B4-BE49-F238E27FC236}">
-                <a16:creationId xmlns="" xmlns:a16="http://schemas.microsoft.com/office/drawing/2014/main" id="{90BF853D-76DB-46F3-AF6C-1E77C8E06AA9}"/>
+                <a16:creationId xmlns:a16="http://schemas.microsoft.com/office/drawing/2014/main" id="{90BF853D-76DB-46F3-AF6C-1E77C8E06AA9}"/>
               </a:ext>
             </a:extLst>
           </p:cNvPr>
@@ -3429,7 +3440,7 @@
           <p:cNvPr id="14" name="Slide Number Placeholder 13">
             <a:extLst>
               <a:ext uri="{FF2B5EF4-FFF2-40B4-BE49-F238E27FC236}">
-                <a16:creationId xmlns="" xmlns:a16="http://schemas.microsoft.com/office/drawing/2014/main" id="{7746CAFB-2B99-470B-B55B-9BF378E3A04B}"/>
+                <a16:creationId xmlns:a16="http://schemas.microsoft.com/office/drawing/2014/main" id="{7746CAFB-2B99-470B-B55B-9BF378E3A04B}"/>
               </a:ext>
             </a:extLst>
           </p:cNvPr>
@@ -3478,7 +3489,7 @@
     </p:spTree>
     <p:extLst>
       <p:ext uri="{BB962C8B-B14F-4D97-AF65-F5344CB8AC3E}">
-        <p14:creationId xmlns="" xmlns:p14="http://schemas.microsoft.com/office/powerpoint/2010/main" val="364498605"/>
+        <p14:creationId xmlns:p14="http://schemas.microsoft.com/office/powerpoint/2010/main" val="364498605"/>
       </p:ext>
     </p:extLst>
   </p:cSld>
@@ -3510,7 +3521,7 @@
           <p:cNvPr id="4" name="Slide Number Placeholder 3">
             <a:extLst>
               <a:ext uri="{FF2B5EF4-FFF2-40B4-BE49-F238E27FC236}">
-                <a16:creationId xmlns="" xmlns:a16="http://schemas.microsoft.com/office/drawing/2014/main" id="{0660D61A-B9FD-4DFF-AC42-4069DAFE238C}"/>
+                <a16:creationId xmlns:a16="http://schemas.microsoft.com/office/drawing/2014/main" id="{0660D61A-B9FD-4DFF-AC42-4069DAFE238C}"/>
               </a:ext>
             </a:extLst>
           </p:cNvPr>
@@ -3544,7 +3555,7 @@
           <p:cNvPr id="5" name="Content Placeholder 2">
             <a:extLst>
               <a:ext uri="{FF2B5EF4-FFF2-40B4-BE49-F238E27FC236}">
-                <a16:creationId xmlns="" xmlns:a16="http://schemas.microsoft.com/office/drawing/2014/main" id="{D68E6EF2-4B2F-4D0D-9505-CE92872972F7}"/>
+                <a16:creationId xmlns:a16="http://schemas.microsoft.com/office/drawing/2014/main" id="{D68E6EF2-4B2F-4D0D-9505-CE92872972F7}"/>
               </a:ext>
             </a:extLst>
           </p:cNvPr>
@@ -3607,7 +3618,7 @@
           <p:cNvPr id="6" name="Title 1">
             <a:extLst>
               <a:ext uri="{FF2B5EF4-FFF2-40B4-BE49-F238E27FC236}">
-                <a16:creationId xmlns="" xmlns:a16="http://schemas.microsoft.com/office/drawing/2014/main" id="{D91A21B9-BA54-413B-940E-027C32E4D429}"/>
+                <a16:creationId xmlns:a16="http://schemas.microsoft.com/office/drawing/2014/main" id="{D91A21B9-BA54-413B-940E-027C32E4D429}"/>
               </a:ext>
             </a:extLst>
           </p:cNvPr>
@@ -3653,7 +3664,7 @@
     </p:spTree>
     <p:extLst>
       <p:ext uri="{BB962C8B-B14F-4D97-AF65-F5344CB8AC3E}">
-        <p14:creationId xmlns="" xmlns:p14="http://schemas.microsoft.com/office/powerpoint/2010/main" val="3610051244"/>
+        <p14:creationId xmlns:p14="http://schemas.microsoft.com/office/powerpoint/2010/main" val="3610051244"/>
       </p:ext>
     </p:extLst>
   </p:cSld>
@@ -3685,7 +3696,7 @@
           <p:cNvPr id="2" name="Title 1">
             <a:extLst>
               <a:ext uri="{FF2B5EF4-FFF2-40B4-BE49-F238E27FC236}">
-                <a16:creationId xmlns="" xmlns:a16="http://schemas.microsoft.com/office/drawing/2014/main" id="{9722BDA7-8BE9-42D5-ACF1-0F51423A206E}"/>
+                <a16:creationId xmlns:a16="http://schemas.microsoft.com/office/drawing/2014/main" id="{9722BDA7-8BE9-42D5-ACF1-0F51423A206E}"/>
               </a:ext>
             </a:extLst>
           </p:cNvPr>
@@ -3723,7 +3734,7 @@
           <p:cNvPr id="3" name="Text Placeholder 2">
             <a:extLst>
               <a:ext uri="{FF2B5EF4-FFF2-40B4-BE49-F238E27FC236}">
-                <a16:creationId xmlns="" xmlns:a16="http://schemas.microsoft.com/office/drawing/2014/main" id="{71CEF73F-3CCA-4312-8E9C-2B4629DA1F66}"/>
+                <a16:creationId xmlns:a16="http://schemas.microsoft.com/office/drawing/2014/main" id="{71CEF73F-3CCA-4312-8E9C-2B4629DA1F66}"/>
               </a:ext>
             </a:extLst>
           </p:cNvPr>
@@ -3848,7 +3859,7 @@
           <p:cNvPr id="4" name="Slide Number Placeholder 3">
             <a:extLst>
               <a:ext uri="{FF2B5EF4-FFF2-40B4-BE49-F238E27FC236}">
-                <a16:creationId xmlns="" xmlns:a16="http://schemas.microsoft.com/office/drawing/2014/main" id="{293BF716-502C-4821-A3A0-19C2C508EED1}"/>
+                <a16:creationId xmlns:a16="http://schemas.microsoft.com/office/drawing/2014/main" id="{293BF716-502C-4821-A3A0-19C2C508EED1}"/>
               </a:ext>
             </a:extLst>
           </p:cNvPr>
@@ -3880,7 +3891,7 @@
     </p:spTree>
     <p:extLst>
       <p:ext uri="{BB962C8B-B14F-4D97-AF65-F5344CB8AC3E}">
-        <p14:creationId xmlns="" xmlns:p14="http://schemas.microsoft.com/office/powerpoint/2010/main" val="2665983131"/>
+        <p14:creationId xmlns:p14="http://schemas.microsoft.com/office/powerpoint/2010/main" val="2665983131"/>
       </p:ext>
     </p:extLst>
   </p:cSld>
@@ -3923,7 +3934,7 @@
           <p:cNvPr id="5" name="Picture 4">
             <a:extLst>
               <a:ext uri="{FF2B5EF4-FFF2-40B4-BE49-F238E27FC236}">
-                <a16:creationId xmlns="" xmlns:a16="http://schemas.microsoft.com/office/drawing/2014/main" id="{448E4AFE-E166-4B84-B0C8-9205038D8033}"/>
+                <a16:creationId xmlns:a16="http://schemas.microsoft.com/office/drawing/2014/main" id="{448E4AFE-E166-4B84-B0C8-9205038D8033}"/>
               </a:ext>
             </a:extLst>
           </p:cNvPr>
@@ -3936,7 +3947,7 @@
           <a:blip r:embed="rId16" cstate="screen">
             <a:extLst>
               <a:ext uri="{28A0092B-C50C-407E-A947-70E740481C1C}">
-                <a14:useLocalDpi xmlns="" xmlns:a14="http://schemas.microsoft.com/office/drawing/2010/main"/>
+                <a14:useLocalDpi xmlns:a14="http://schemas.microsoft.com/office/drawing/2010/main"/>
               </a:ext>
             </a:extLst>
           </a:blip>
@@ -3959,7 +3970,7 @@
           <p:cNvPr id="2" name="Title Placeholder 1">
             <a:extLst>
               <a:ext uri="{FF2B5EF4-FFF2-40B4-BE49-F238E27FC236}">
-                <a16:creationId xmlns="" xmlns:a16="http://schemas.microsoft.com/office/drawing/2014/main" id="{6C617517-B672-49BA-AC6E-AB66D0639A58}"/>
+                <a16:creationId xmlns:a16="http://schemas.microsoft.com/office/drawing/2014/main" id="{6C617517-B672-49BA-AC6E-AB66D0639A58}"/>
               </a:ext>
             </a:extLst>
           </p:cNvPr>
@@ -3998,7 +4009,7 @@
           <p:cNvPr id="3" name="Text Placeholder 2">
             <a:extLst>
               <a:ext uri="{FF2B5EF4-FFF2-40B4-BE49-F238E27FC236}">
-                <a16:creationId xmlns="" xmlns:a16="http://schemas.microsoft.com/office/drawing/2014/main" id="{6EC92C27-7843-4B22-9200-B7304E6AE4CD}"/>
+                <a16:creationId xmlns:a16="http://schemas.microsoft.com/office/drawing/2014/main" id="{6EC92C27-7843-4B22-9200-B7304E6AE4CD}"/>
               </a:ext>
             </a:extLst>
           </p:cNvPr>
@@ -4066,7 +4077,7 @@
           <p:cNvPr id="6" name="Slide Number Placeholder 5">
             <a:extLst>
               <a:ext uri="{FF2B5EF4-FFF2-40B4-BE49-F238E27FC236}">
-                <a16:creationId xmlns="" xmlns:a16="http://schemas.microsoft.com/office/drawing/2014/main" id="{52DB4F10-F75B-41A8-B994-BFF68949E59A}"/>
+                <a16:creationId xmlns:a16="http://schemas.microsoft.com/office/drawing/2014/main" id="{52DB4F10-F75B-41A8-B994-BFF68949E59A}"/>
               </a:ext>
             </a:extLst>
           </p:cNvPr>
@@ -4122,7 +4133,7 @@
           <p:cNvPr id="7" name="Rectangle 6">
             <a:extLst>
               <a:ext uri="{FF2B5EF4-FFF2-40B4-BE49-F238E27FC236}">
-                <a16:creationId xmlns="" xmlns:a16="http://schemas.microsoft.com/office/drawing/2014/main" id="{512D21E2-8DEB-4F43-A26E-B8DA900A9230}"/>
+                <a16:creationId xmlns:a16="http://schemas.microsoft.com/office/drawing/2014/main" id="{512D21E2-8DEB-4F43-A26E-B8DA900A9230}"/>
               </a:ext>
             </a:extLst>
           </p:cNvPr>
@@ -4185,7 +4196,7 @@
           <p:cNvPr id="8" name="Rectangle 7">
             <a:extLst>
               <a:ext uri="{FF2B5EF4-FFF2-40B4-BE49-F238E27FC236}">
-                <a16:creationId xmlns="" xmlns:a16="http://schemas.microsoft.com/office/drawing/2014/main" id="{35CD3143-7FD1-40EA-AA4A-47C72380AEC2}"/>
+                <a16:creationId xmlns:a16="http://schemas.microsoft.com/office/drawing/2014/main" id="{35CD3143-7FD1-40EA-AA4A-47C72380AEC2}"/>
               </a:ext>
             </a:extLst>
           </p:cNvPr>
@@ -4235,7 +4246,7 @@
     </p:spTree>
     <p:extLst>
       <p:ext uri="{BB962C8B-B14F-4D97-AF65-F5344CB8AC3E}">
-        <p14:creationId xmlns="" xmlns:p14="http://schemas.microsoft.com/office/powerpoint/2010/main" val="3853920126"/>
+        <p14:creationId xmlns:p14="http://schemas.microsoft.com/office/powerpoint/2010/main" val="3853920126"/>
       </p:ext>
     </p:extLst>
   </p:cSld>
@@ -4565,7 +4576,7 @@
           <p:cNvPr id="4" name="Title 3">
             <a:extLst>
               <a:ext uri="{FF2B5EF4-FFF2-40B4-BE49-F238E27FC236}">
-                <a16:creationId xmlns="" xmlns:a16="http://schemas.microsoft.com/office/drawing/2014/main" id="{E10C5037-DA4A-44E2-A9FB-84B1498768A7}"/>
+                <a16:creationId xmlns:a16="http://schemas.microsoft.com/office/drawing/2014/main" id="{E10C5037-DA4A-44E2-A9FB-84B1498768A7}"/>
               </a:ext>
             </a:extLst>
           </p:cNvPr>
@@ -4604,7 +4615,7 @@
           <p:cNvPr id="15" name="Slide Number Placeholder 14">
             <a:extLst>
               <a:ext uri="{FF2B5EF4-FFF2-40B4-BE49-F238E27FC236}">
-                <a16:creationId xmlns="" xmlns:a16="http://schemas.microsoft.com/office/drawing/2014/main" id="{26F5C050-EB87-421A-8A5C-E6CB30102699}"/>
+                <a16:creationId xmlns:a16="http://schemas.microsoft.com/office/drawing/2014/main" id="{26F5C050-EB87-421A-8A5C-E6CB30102699}"/>
               </a:ext>
             </a:extLst>
           </p:cNvPr>
@@ -4638,7 +4649,7 @@
           <p:cNvPr id="29" name="Picture Placeholder 28" descr="Young student drawing on a whiteboard">
             <a:extLst>
               <a:ext uri="{FF2B5EF4-FFF2-40B4-BE49-F238E27FC236}">
-                <a16:creationId xmlns="" xmlns:a16="http://schemas.microsoft.com/office/drawing/2014/main" id="{AE2FE2E9-1D1E-404B-A659-DD19B5D66B5B}"/>
+                <a16:creationId xmlns:a16="http://schemas.microsoft.com/office/drawing/2014/main" id="{AE2FE2E9-1D1E-404B-A659-DD19B5D66B5B}"/>
               </a:ext>
             </a:extLst>
           </p:cNvPr>
@@ -4653,7 +4664,7 @@
           <a:blip r:embed="rId2" cstate="screen">
             <a:extLst>
               <a:ext uri="{28A0092B-C50C-407E-A947-70E740481C1C}">
-                <a14:useLocalDpi xmlns="" xmlns:a14="http://schemas.microsoft.com/office/drawing/2010/main"/>
+                <a14:useLocalDpi xmlns:a14="http://schemas.microsoft.com/office/drawing/2010/main"/>
               </a:ext>
             </a:extLst>
           </a:blip>
@@ -4672,7 +4683,7 @@
     </p:spTree>
     <p:extLst>
       <p:ext uri="{BB962C8B-B14F-4D97-AF65-F5344CB8AC3E}">
-        <p14:creationId xmlns="" xmlns:p14="http://schemas.microsoft.com/office/powerpoint/2010/main" val="1136250268"/>
+        <p14:creationId xmlns:p14="http://schemas.microsoft.com/office/powerpoint/2010/main" val="1136250268"/>
       </p:ext>
     </p:extLst>
   </p:cSld>
@@ -4711,7 +4722,7 @@
           <p:cNvPr id="2" name="Title 1">
             <a:extLst>
               <a:ext uri="{FF2B5EF4-FFF2-40B4-BE49-F238E27FC236}">
-                <a16:creationId xmlns="" xmlns:a16="http://schemas.microsoft.com/office/drawing/2014/main" id="{E199600F-A17E-4354-A7AB-0CC2A43A9354}"/>
+                <a16:creationId xmlns:a16="http://schemas.microsoft.com/office/drawing/2014/main" id="{E199600F-A17E-4354-A7AB-0CC2A43A9354}"/>
               </a:ext>
             </a:extLst>
           </p:cNvPr>
@@ -4746,7 +4757,7 @@
           <p:cNvPr id="3" name="Content Placeholder 2">
             <a:extLst>
               <a:ext uri="{FF2B5EF4-FFF2-40B4-BE49-F238E27FC236}">
-                <a16:creationId xmlns="" xmlns:a16="http://schemas.microsoft.com/office/drawing/2014/main" id="{FA6A4B49-27C8-46B6-8B11-AD7E8F615E2C}"/>
+                <a16:creationId xmlns:a16="http://schemas.microsoft.com/office/drawing/2014/main" id="{FA6A4B49-27C8-46B6-8B11-AD7E8F615E2C}"/>
               </a:ext>
             </a:extLst>
           </p:cNvPr>
@@ -4790,18 +4801,21 @@
             </a:r>
           </a:p>
           <a:p>
+            <a:pPr lvl="1"/>
             <a:r>
               <a:rPr lang="en-US" noProof="1" smtClean="0"/>
               <a:t>a b c</a:t>
             </a:r>
           </a:p>
           <a:p>
+            <a:pPr lvl="1"/>
             <a:r>
               <a:rPr lang="en-US" noProof="1" smtClean="0"/>
               <a:t>a               b  c</a:t>
             </a:r>
           </a:p>
           <a:p>
+            <a:pPr lvl="1"/>
             <a:r>
               <a:rPr lang="en-US" noProof="1" smtClean="0"/>
               <a:t>“a ” b c</a:t>
@@ -4810,16 +4824,58 @@
           <a:p>
             <a:r>
               <a:rPr lang="en-US" noProof="1" smtClean="0"/>
-              <a:t>In case of no arguments an array of zero size is passed.</a:t>
-            </a:r>
-          </a:p>
-          <a:p>
+              <a:t>In case </a:t>
+            </a:r>
             <a:r>
               <a:rPr lang="en-US" noProof="1" smtClean="0"/>
-              <a:t>Example : You want to write a program to display contents of a file that runner of the program wants.The runner of the program would just pass the name of the file that he wants to be displayed on command line and the program would display it.</a:t>
-            </a:r>
-          </a:p>
-          <a:p>
+              <a:t>if</a:t>
+            </a:r>
+            <a:r>
+              <a:rPr lang="en-US" noProof="1" smtClean="0"/>
+              <a:t> </a:t>
+            </a:r>
+            <a:r>
+              <a:rPr lang="en-US" noProof="1" smtClean="0"/>
+              <a:t>no </a:t>
+            </a:r>
+            <a:r>
+              <a:rPr lang="en-US" noProof="1" smtClean="0"/>
+              <a:t>argument is passed, </a:t>
+            </a:r>
+            <a:r>
+              <a:rPr lang="en-US" noProof="1" smtClean="0"/>
+              <a:t>an array of zero size is passed.</a:t>
+            </a:r>
+          </a:p>
+          <a:p>
+            <a:r>
+              <a:rPr lang="en-US" noProof="1" smtClean="0"/>
+              <a:t>Example : </a:t>
+            </a:r>
+            <a:r>
+              <a:rPr lang="en-US" noProof="1" smtClean="0"/>
+              <a:t>The programmer may want to write a program to print a message of his choice on the command line</a:t>
+            </a:r>
+            <a:r>
+              <a:rPr lang="en-US" noProof="1" smtClean="0"/>
+              <a:t>. The programmer </a:t>
+            </a:r>
+            <a:r>
+              <a:rPr lang="en-US" noProof="1" smtClean="0"/>
+              <a:t>would just pass the </a:t>
+            </a:r>
+            <a:r>
+              <a:rPr lang="en-US" noProof="1" smtClean="0"/>
+              <a:t>message </a:t>
+            </a:r>
+            <a:r>
+              <a:rPr lang="en-US" noProof="1" smtClean="0"/>
+              <a:t>that he wants to be displayed on command line and the program would display it</a:t>
+            </a:r>
+            <a:r>
+              <a:rPr lang="en-US" noProof="1" smtClean="0"/>
+              <a:t>.</a:t>
+            </a:r>
             <a:endParaRPr lang="en-US" noProof="1" smtClean="0"/>
           </a:p>
           <a:p>
@@ -4832,7 +4888,7 @@
           <p:cNvPr id="4" name="Slide Number Placeholder 3">
             <a:extLst>
               <a:ext uri="{FF2B5EF4-FFF2-40B4-BE49-F238E27FC236}">
-                <a16:creationId xmlns="" xmlns:a16="http://schemas.microsoft.com/office/drawing/2014/main" id="{62B4CE3A-8C88-45AA-A849-57E5A7AC22C1}"/>
+                <a16:creationId xmlns:a16="http://schemas.microsoft.com/office/drawing/2014/main" id="{62B4CE3A-8C88-45AA-A849-57E5A7AC22C1}"/>
               </a:ext>
             </a:extLst>
           </p:cNvPr>
@@ -4871,7 +4927,7 @@
           <p:cNvPr id="11" name="Rectangle 10">
             <a:extLst>
               <a:ext uri="{FF2B5EF4-FFF2-40B4-BE49-F238E27FC236}">
-                <a16:creationId xmlns="" xmlns:a16="http://schemas.microsoft.com/office/drawing/2014/main" id="{5F253864-26FA-4AB1-9F0A-4F57D870EE85}"/>
+                <a16:creationId xmlns:a16="http://schemas.microsoft.com/office/drawing/2014/main" id="{5F253864-26FA-4AB1-9F0A-4F57D870EE85}"/>
               </a:ext>
               <a:ext uri="{C183D7F6-B498-43B3-948B-1728B52AA6E4}">
                 <adec:decorative xmlns:adec="http://schemas.microsoft.com/office/drawing/2017/decorative" xmlns="" val="1"/>
@@ -4983,7 +5039,7 @@
     </p:spTree>
     <p:extLst>
       <p:ext uri="{BB962C8B-B14F-4D97-AF65-F5344CB8AC3E}">
-        <p14:creationId xmlns="" xmlns:p14="http://schemas.microsoft.com/office/powerpoint/2010/main" val="454014491"/>
+        <p14:creationId xmlns:p14="http://schemas.microsoft.com/office/powerpoint/2010/main" val="454014491"/>
       </p:ext>
     </p:extLst>
   </p:cSld>
@@ -5022,7 +5078,7 @@
           <p:cNvPr id="2" name="Title 1">
             <a:extLst>
               <a:ext uri="{FF2B5EF4-FFF2-40B4-BE49-F238E27FC236}">
-                <a16:creationId xmlns="" xmlns:a16="http://schemas.microsoft.com/office/drawing/2014/main" id="{E199600F-A17E-4354-A7AB-0CC2A43A9354}"/>
+                <a16:creationId xmlns:a16="http://schemas.microsoft.com/office/drawing/2014/main" id="{E199600F-A17E-4354-A7AB-0CC2A43A9354}"/>
               </a:ext>
             </a:extLst>
           </p:cNvPr>
@@ -5057,7 +5113,7 @@
           <p:cNvPr id="3" name="Content Placeholder 2">
             <a:extLst>
               <a:ext uri="{FF2B5EF4-FFF2-40B4-BE49-F238E27FC236}">
-                <a16:creationId xmlns="" xmlns:a16="http://schemas.microsoft.com/office/drawing/2014/main" id="{FA6A4B49-27C8-46B6-8B11-AD7E8F615E2C}"/>
+                <a16:creationId xmlns:a16="http://schemas.microsoft.com/office/drawing/2014/main" id="{FA6A4B49-27C8-46B6-8B11-AD7E8F615E2C}"/>
               </a:ext>
             </a:extLst>
           </p:cNvPr>
@@ -5071,7 +5127,7 @@
         <p:spPr>
           <a:xfrm>
             <a:off x="838199" y="1825625"/>
-            <a:ext cx="9543473" cy="4351338"/>
+            <a:ext cx="10515600" cy="4351338"/>
           </a:xfrm>
         </p:spPr>
         <p:txBody>
@@ -5163,7 +5219,7 @@
           <p:cNvPr id="4" name="Slide Number Placeholder 3">
             <a:extLst>
               <a:ext uri="{FF2B5EF4-FFF2-40B4-BE49-F238E27FC236}">
-                <a16:creationId xmlns="" xmlns:a16="http://schemas.microsoft.com/office/drawing/2014/main" id="{62B4CE3A-8C88-45AA-A849-57E5A7AC22C1}"/>
+                <a16:creationId xmlns:a16="http://schemas.microsoft.com/office/drawing/2014/main" id="{62B4CE3A-8C88-45AA-A849-57E5A7AC22C1}"/>
               </a:ext>
             </a:extLst>
           </p:cNvPr>
@@ -5202,7 +5258,7 @@
           <p:cNvPr id="11" name="Rectangle 10">
             <a:extLst>
               <a:ext uri="{FF2B5EF4-FFF2-40B4-BE49-F238E27FC236}">
-                <a16:creationId xmlns="" xmlns:a16="http://schemas.microsoft.com/office/drawing/2014/main" id="{5F253864-26FA-4AB1-9F0A-4F57D870EE85}"/>
+                <a16:creationId xmlns:a16="http://schemas.microsoft.com/office/drawing/2014/main" id="{5F253864-26FA-4AB1-9F0A-4F57D870EE85}"/>
               </a:ext>
               <a:ext uri="{C183D7F6-B498-43B3-948B-1728B52AA6E4}">
                 <adec:decorative xmlns:adec="http://schemas.microsoft.com/office/drawing/2017/decorative" xmlns="" val="1"/>
@@ -5311,7 +5367,7 @@
     </p:spTree>
     <p:extLst>
       <p:ext uri="{BB962C8B-B14F-4D97-AF65-F5344CB8AC3E}">
-        <p14:creationId xmlns="" xmlns:p14="http://schemas.microsoft.com/office/powerpoint/2010/main" val="732706058"/>
+        <p14:creationId xmlns:p14="http://schemas.microsoft.com/office/powerpoint/2010/main" val="732706058"/>
       </p:ext>
     </p:extLst>
   </p:cSld>
@@ -5350,7 +5406,7 @@
           <p:cNvPr id="2" name="Title 1">
             <a:extLst>
               <a:ext uri="{FF2B5EF4-FFF2-40B4-BE49-F238E27FC236}">
-                <a16:creationId xmlns="" xmlns:a16="http://schemas.microsoft.com/office/drawing/2014/main" id="{C8F58AE6-56F6-44E8-8BBF-23277B1773E4}"/>
+                <a16:creationId xmlns:a16="http://schemas.microsoft.com/office/drawing/2014/main" id="{C8F58AE6-56F6-44E8-8BBF-23277B1773E4}"/>
               </a:ext>
             </a:extLst>
           </p:cNvPr>
@@ -5389,7 +5445,7 @@
           <a:blip r:embed="rId2">
             <a:extLst>
               <a:ext uri="{28A0092B-C50C-407E-A947-70E740481C1C}">
-                <a14:useLocalDpi xmlns="" xmlns:a14="http://schemas.microsoft.com/office/drawing/2010/main" val="0"/>
+                <a14:useLocalDpi xmlns:a14="http://schemas.microsoft.com/office/drawing/2010/main" val="0"/>
               </a:ext>
             </a:extLst>
           </a:blip>
@@ -5409,7 +5465,7 @@
           <p:cNvPr id="20" name="Slide Number Placeholder 19">
             <a:extLst>
               <a:ext uri="{FF2B5EF4-FFF2-40B4-BE49-F238E27FC236}">
-                <a16:creationId xmlns="" xmlns:a16="http://schemas.microsoft.com/office/drawing/2014/main" id="{3AEC0301-E9AA-4478-9E23-C372DBDCE653}"/>
+                <a16:creationId xmlns:a16="http://schemas.microsoft.com/office/drawing/2014/main" id="{3AEC0301-E9AA-4478-9E23-C372DBDCE653}"/>
               </a:ext>
             </a:extLst>
           </p:cNvPr>
@@ -5448,7 +5504,7 @@
           <p:cNvPr id="10" name="Isosceles Triangle 9">
             <a:extLst>
               <a:ext uri="{FF2B5EF4-FFF2-40B4-BE49-F238E27FC236}">
-                <a16:creationId xmlns="" xmlns:a16="http://schemas.microsoft.com/office/drawing/2014/main" id="{792980D7-ED01-4955-83DB-59BA18C94FBA}"/>
+                <a16:creationId xmlns:a16="http://schemas.microsoft.com/office/drawing/2014/main" id="{792980D7-ED01-4955-83DB-59BA18C94FBA}"/>
               </a:ext>
               <a:ext uri="{C183D7F6-B498-43B3-948B-1728B52AA6E4}">
                 <adec:decorative xmlns:adec="http://schemas.microsoft.com/office/drawing/2017/decorative" xmlns="" val="1"/>
@@ -5529,7 +5585,7 @@
     </p:spTree>
     <p:extLst>
       <p:ext uri="{BB962C8B-B14F-4D97-AF65-F5344CB8AC3E}">
-        <p14:creationId xmlns="" xmlns:p14="http://schemas.microsoft.com/office/powerpoint/2010/main" val="1704949556"/>
+        <p14:creationId xmlns:p14="http://schemas.microsoft.com/office/powerpoint/2010/main" val="1704949556"/>
       </p:ext>
     </p:extLst>
   </p:cSld>
@@ -5568,7 +5624,7 @@
           <p:cNvPr id="2" name="Title 1">
             <a:extLst>
               <a:ext uri="{FF2B5EF4-FFF2-40B4-BE49-F238E27FC236}">
-                <a16:creationId xmlns="" xmlns:a16="http://schemas.microsoft.com/office/drawing/2014/main" id="{E199600F-A17E-4354-A7AB-0CC2A43A9354}"/>
+                <a16:creationId xmlns:a16="http://schemas.microsoft.com/office/drawing/2014/main" id="{E199600F-A17E-4354-A7AB-0CC2A43A9354}"/>
               </a:ext>
             </a:extLst>
           </p:cNvPr>
@@ -5603,7 +5659,7 @@
           <p:cNvPr id="3" name="Content Placeholder 2">
             <a:extLst>
               <a:ext uri="{FF2B5EF4-FFF2-40B4-BE49-F238E27FC236}">
-                <a16:creationId xmlns="" xmlns:a16="http://schemas.microsoft.com/office/drawing/2014/main" id="{FA6A4B49-27C8-46B6-8B11-AD7E8F615E2C}"/>
+                <a16:creationId xmlns:a16="http://schemas.microsoft.com/office/drawing/2014/main" id="{FA6A4B49-27C8-46B6-8B11-AD7E8F615E2C}"/>
               </a:ext>
             </a:extLst>
           </p:cNvPr>
@@ -5626,6 +5682,15 @@
           </a:bodyPr>
           <a:lstStyle/>
           <a:p>
+            <a:endParaRPr lang="en-US" dirty="0" smtClean="0"/>
+          </a:p>
+          <a:p>
+            <a:endParaRPr lang="en-US" dirty="0"/>
+          </a:p>
+          <a:p>
+            <a:endParaRPr lang="en-US" dirty="0" smtClean="0"/>
+          </a:p>
+          <a:p>
             <a:r>
               <a:rPr lang="en-US" dirty="0" smtClean="0"/>
               <a:t>Create </a:t>
@@ -5638,17 +5703,12 @@
           <a:p>
             <a:r>
               <a:rPr lang="en-US" dirty="0"/>
-              <a:t>Compile and run a Java program from the command line</a:t>
-            </a:r>
-          </a:p>
-          <a:p>
-            <a:r>
-              <a:rPr lang="en-US" dirty="0"/>
-              <a:t>Create and import packages</a:t>
-            </a:r>
-            <a:endParaRPr lang="en-US" dirty="0" smtClean="0"/>
-          </a:p>
-          <a:p>
+              <a:t>Compile and run a Java program from the command </a:t>
+            </a:r>
+            <a:r>
+              <a:rPr lang="en-US" dirty="0" smtClean="0"/>
+              <a:t>line</a:t>
+            </a:r>
             <a:endParaRPr lang="en-US" noProof="1"/>
           </a:p>
         </p:txBody>
@@ -5658,7 +5718,7 @@
           <p:cNvPr id="4" name="Slide Number Placeholder 3">
             <a:extLst>
               <a:ext uri="{FF2B5EF4-FFF2-40B4-BE49-F238E27FC236}">
-                <a16:creationId xmlns="" xmlns:a16="http://schemas.microsoft.com/office/drawing/2014/main" id="{62B4CE3A-8C88-45AA-A849-57E5A7AC22C1}"/>
+                <a16:creationId xmlns:a16="http://schemas.microsoft.com/office/drawing/2014/main" id="{62B4CE3A-8C88-45AA-A849-57E5A7AC22C1}"/>
               </a:ext>
             </a:extLst>
           </p:cNvPr>
@@ -5697,7 +5757,7 @@
           <p:cNvPr id="11" name="Rectangle 10">
             <a:extLst>
               <a:ext uri="{FF2B5EF4-FFF2-40B4-BE49-F238E27FC236}">
-                <a16:creationId xmlns="" xmlns:a16="http://schemas.microsoft.com/office/drawing/2014/main" id="{5F253864-26FA-4AB1-9F0A-4F57D870EE85}"/>
+                <a16:creationId xmlns:a16="http://schemas.microsoft.com/office/drawing/2014/main" id="{5F253864-26FA-4AB1-9F0A-4F57D870EE85}"/>
               </a:ext>
               <a:ext uri="{C183D7F6-B498-43B3-948B-1728B52AA6E4}">
                 <adec:decorative xmlns:adec="http://schemas.microsoft.com/office/drawing/2017/decorative" xmlns="" val="1"/>
@@ -5777,7 +5837,7 @@
     </p:spTree>
     <p:extLst>
       <p:ext uri="{BB962C8B-B14F-4D97-AF65-F5344CB8AC3E}">
-        <p14:creationId xmlns="" xmlns:p14="http://schemas.microsoft.com/office/powerpoint/2010/main" val="1281103274"/>
+        <p14:creationId xmlns:p14="http://schemas.microsoft.com/office/powerpoint/2010/main" val="1281103274"/>
       </p:ext>
     </p:extLst>
   </p:cSld>
@@ -5816,7 +5876,7 @@
           <p:cNvPr id="2" name="Title 1">
             <a:extLst>
               <a:ext uri="{FF2B5EF4-FFF2-40B4-BE49-F238E27FC236}">
-                <a16:creationId xmlns="" xmlns:a16="http://schemas.microsoft.com/office/drawing/2014/main" id="{E199600F-A17E-4354-A7AB-0CC2A43A9354}"/>
+                <a16:creationId xmlns:a16="http://schemas.microsoft.com/office/drawing/2014/main" id="{E199600F-A17E-4354-A7AB-0CC2A43A9354}"/>
               </a:ext>
             </a:extLst>
           </p:cNvPr>
@@ -5829,8 +5889,8 @@
         </p:nvSpPr>
         <p:spPr>
           <a:xfrm>
-            <a:off x="655319" y="606439"/>
-            <a:ext cx="10581641" cy="833663"/>
+            <a:off x="838199" y="611079"/>
+            <a:ext cx="10515600" cy="833663"/>
           </a:xfrm>
         </p:spPr>
         <p:txBody>
@@ -5840,7 +5900,7 @@
             <a:pPr algn="ctr"/>
             <a:r>
               <a:rPr lang="en-US" dirty="0" smtClean="0"/>
-              <a:t>Writing the first Java program</a:t>
+              <a:t>Steps to run a Java program</a:t>
             </a:r>
             <a:endParaRPr lang="en-US" dirty="0"/>
           </a:p>
@@ -5848,10 +5908,78 @@
       </p:sp>
       <p:sp>
         <p:nvSpPr>
+          <p:cNvPr id="3" name="Content Placeholder 2">
+            <a:extLst>
+              <a:ext uri="{FF2B5EF4-FFF2-40B4-BE49-F238E27FC236}">
+                <a16:creationId xmlns:a16="http://schemas.microsoft.com/office/drawing/2014/main" id="{FA6A4B49-27C8-46B6-8B11-AD7E8F615E2C}"/>
+              </a:ext>
+            </a:extLst>
+          </p:cNvPr>
+          <p:cNvSpPr>
+            <a:spLocks noGrp="1"/>
+          </p:cNvSpPr>
+          <p:nvPr>
+            <p:ph idx="1"/>
+          </p:nvPr>
+        </p:nvSpPr>
+        <p:spPr>
+          <a:xfrm>
+            <a:off x="838199" y="1773382"/>
+            <a:ext cx="10515600" cy="4403581"/>
+          </a:xfrm>
+        </p:spPr>
+        <p:txBody>
+          <a:bodyPr>
+            <a:normAutofit/>
+          </a:bodyPr>
+          <a:lstStyle/>
+          <a:p>
+            <a:endParaRPr lang="en-US" sz="2800" noProof="1" smtClean="0"/>
+          </a:p>
+          <a:p>
+            <a:endParaRPr lang="en-US" sz="2800" noProof="1"/>
+          </a:p>
+          <a:p>
+            <a:r>
+              <a:rPr lang="en-US" sz="2800" noProof="1" smtClean="0"/>
+              <a:t>Step 1 : Writing the code for executing a functionality.</a:t>
+            </a:r>
+          </a:p>
+          <a:p>
+            <a:r>
+              <a:rPr lang="en-US" sz="2800" noProof="1" smtClean="0"/>
+              <a:t>Step 2 : Save the code in (Step 1) into a file with .java </a:t>
+            </a:r>
+            <a:r>
+              <a:rPr lang="en-US" sz="2800" noProof="1" smtClean="0"/>
+              <a:t>extension</a:t>
+            </a:r>
+            <a:r>
+              <a:rPr lang="en-US" sz="2800" noProof="1" smtClean="0"/>
+              <a:t>.</a:t>
+            </a:r>
+          </a:p>
+          <a:p>
+            <a:r>
+              <a:rPr lang="en-US" sz="2800" noProof="1" smtClean="0"/>
+              <a:t>Steps 3 : Compile the .java file using the javac command. This will generate a .class file.</a:t>
+            </a:r>
+          </a:p>
+          <a:p>
+            <a:r>
+              <a:rPr lang="en-US" sz="2800" noProof="1" smtClean="0"/>
+              <a:t>Step 4 : Run the program using the java command.</a:t>
+            </a:r>
+            <a:endParaRPr lang="en-US" sz="2800" noProof="1"/>
+          </a:p>
+        </p:txBody>
+      </p:sp>
+      <p:sp>
+        <p:nvSpPr>
           <p:cNvPr id="4" name="Slide Number Placeholder 3">
             <a:extLst>
               <a:ext uri="{FF2B5EF4-FFF2-40B4-BE49-F238E27FC236}">
-                <a16:creationId xmlns="" xmlns:a16="http://schemas.microsoft.com/office/drawing/2014/main" id="{62B4CE3A-8C88-45AA-A849-57E5A7AC22C1}"/>
+                <a16:creationId xmlns:a16="http://schemas.microsoft.com/office/drawing/2014/main" id="{62B4CE3A-8C88-45AA-A849-57E5A7AC22C1}"/>
               </a:ext>
             </a:extLst>
           </p:cNvPr>
@@ -5890,7 +6018,7 @@
           <p:cNvPr id="11" name="Rectangle 10">
             <a:extLst>
               <a:ext uri="{FF2B5EF4-FFF2-40B4-BE49-F238E27FC236}">
-                <a16:creationId xmlns="" xmlns:a16="http://schemas.microsoft.com/office/drawing/2014/main" id="{5F253864-26FA-4AB1-9F0A-4F57D870EE85}"/>
+                <a16:creationId xmlns:a16="http://schemas.microsoft.com/office/drawing/2014/main" id="{5F253864-26FA-4AB1-9F0A-4F57D870EE85}"/>
               </a:ext>
               <a:ext uri="{C183D7F6-B498-43B3-948B-1728B52AA6E4}">
                 <adec:decorative xmlns:adec="http://schemas.microsoft.com/office/drawing/2017/decorative" xmlns="" val="1"/>
@@ -5943,40 +6071,66 @@
           </a:p>
         </p:txBody>
       </p:sp>
-      <p:pic>
-        <p:nvPicPr>
-          <p:cNvPr id="10" name="Picture 9"/>
-          <p:cNvPicPr>
-            <a:picLocks noChangeAspect="1"/>
-          </p:cNvPicPr>
+      <p:sp>
+        <p:nvSpPr>
+          <p:cNvPr id="5" name="Rectangle 4"/>
+          <p:cNvSpPr/>
           <p:nvPr/>
-        </p:nvPicPr>
-        <p:blipFill>
-          <a:blip r:embed="rId2">
-            <a:extLst>
-              <a:ext uri="{28A0092B-C50C-407E-A947-70E740481C1C}">
-                <a14:useLocalDpi xmlns="" xmlns:a14="http://schemas.microsoft.com/office/drawing/2010/main" val="0"/>
-              </a:ext>
-            </a:extLst>
-          </a:blip>
-          <a:stretch>
-            <a:fillRect/>
-          </a:stretch>
-        </p:blipFill>
-        <p:spPr>
-          <a:xfrm>
-            <a:off x="1745674" y="2038061"/>
-            <a:ext cx="8248072" cy="3891684"/>
+        </p:nvSpPr>
+        <p:spPr>
+          <a:xfrm>
+            <a:off x="5785658" y="3244334"/>
+            <a:ext cx="620683" cy="369332"/>
           </a:xfrm>
           <a:prstGeom prst="rect">
             <a:avLst/>
           </a:prstGeom>
         </p:spPr>
-      </p:pic>
+        <p:txBody>
+          <a:bodyPr wrap="none">
+            <a:spAutoFit/>
+          </a:bodyPr>
+          <a:lstStyle/>
+          <a:p>
+            <a:r>
+              <a:rPr lang="en-US" dirty="0"/>
+              <a:t>a b c</a:t>
+            </a:r>
+          </a:p>
+        </p:txBody>
+      </p:sp>
+      <p:sp>
+        <p:nvSpPr>
+          <p:cNvPr id="6" name="Rectangle 5"/>
+          <p:cNvSpPr/>
+          <p:nvPr/>
+        </p:nvSpPr>
+        <p:spPr>
+          <a:xfrm>
+            <a:off x="5785658" y="3244334"/>
+            <a:ext cx="620683" cy="369332"/>
+          </a:xfrm>
+          <a:prstGeom prst="rect">
+            <a:avLst/>
+          </a:prstGeom>
+        </p:spPr>
+        <p:txBody>
+          <a:bodyPr wrap="none">
+            <a:spAutoFit/>
+          </a:bodyPr>
+          <a:lstStyle/>
+          <a:p>
+            <a:r>
+              <a:rPr lang="en-US" dirty="0"/>
+              <a:t>a b c</a:t>
+            </a:r>
+          </a:p>
+        </p:txBody>
+      </p:sp>
     </p:spTree>
     <p:extLst>
       <p:ext uri="{BB962C8B-B14F-4D97-AF65-F5344CB8AC3E}">
-        <p14:creationId xmlns="" xmlns:p14="http://schemas.microsoft.com/office/powerpoint/2010/main" val="1287735390"/>
+        <p14:creationId xmlns:p14="http://schemas.microsoft.com/office/powerpoint/2010/main" val="3967718521"/>
       </p:ext>
     </p:extLst>
   </p:cSld>
@@ -6015,7 +6169,7 @@
           <p:cNvPr id="2" name="Title 1">
             <a:extLst>
               <a:ext uri="{FF2B5EF4-FFF2-40B4-BE49-F238E27FC236}">
-                <a16:creationId xmlns="" xmlns:a16="http://schemas.microsoft.com/office/drawing/2014/main" id="{E199600F-A17E-4354-A7AB-0CC2A43A9354}"/>
+                <a16:creationId xmlns:a16="http://schemas.microsoft.com/office/drawing/2014/main" id="{E199600F-A17E-4354-A7AB-0CC2A43A9354}"/>
               </a:ext>
             </a:extLst>
           </p:cNvPr>
@@ -6039,7 +6193,7 @@
             <a:pPr algn="ctr"/>
             <a:r>
               <a:rPr lang="en-US" dirty="0" smtClean="0"/>
-              <a:t>Package</a:t>
+              <a:t>Compile Step</a:t>
             </a:r>
             <a:endParaRPr lang="en-US" dirty="0"/>
           </a:p>
@@ -6050,7 +6204,7 @@
           <p:cNvPr id="3" name="Content Placeholder 2">
             <a:extLst>
               <a:ext uri="{FF2B5EF4-FFF2-40B4-BE49-F238E27FC236}">
-                <a16:creationId xmlns="" xmlns:a16="http://schemas.microsoft.com/office/drawing/2014/main" id="{FA6A4B49-27C8-46B6-8B11-AD7E8F615E2C}"/>
+                <a16:creationId xmlns:a16="http://schemas.microsoft.com/office/drawing/2014/main" id="{FA6A4B49-27C8-46B6-8B11-AD7E8F615E2C}"/>
               </a:ext>
             </a:extLst>
           </p:cNvPr>
@@ -6061,93 +6215,42 @@
             <p:ph idx="1"/>
           </p:nvPr>
         </p:nvSpPr>
-        <p:spPr/>
+        <p:spPr>
+          <a:xfrm>
+            <a:off x="838199" y="1773382"/>
+            <a:ext cx="10515600" cy="4403581"/>
+          </a:xfrm>
+        </p:spPr>
         <p:txBody>
           <a:bodyPr>
-            <a:normAutofit/>
+            <a:noAutofit/>
           </a:bodyPr>
           <a:lstStyle/>
           <a:p>
-            <a:endParaRPr lang="en-US" dirty="0" smtClean="0"/>
-          </a:p>
-          <a:p>
-            <a:endParaRPr lang="en-US" dirty="0"/>
-          </a:p>
-          <a:p>
-            <a:r>
-              <a:rPr lang="en-US" dirty="0" smtClean="0"/>
-              <a:t>Example : Postal addressing system </a:t>
-            </a:r>
-          </a:p>
-          <a:p>
-            <a:r>
-              <a:rPr lang="en-US" dirty="0" smtClean="0"/>
-              <a:t>State/District/town/locality/</a:t>
-            </a:r>
-            <a:r>
-              <a:rPr lang="en-US" dirty="0" err="1" smtClean="0"/>
-              <a:t>Postalcode</a:t>
-            </a:r>
-            <a:r>
-              <a:rPr lang="en-US" dirty="0" smtClean="0"/>
-              <a:t>/Street/House Number</a:t>
-            </a:r>
-          </a:p>
-          <a:p>
-            <a:r>
-              <a:rPr lang="en-US" dirty="0" smtClean="0"/>
-              <a:t>Maharashtra/Pune/</a:t>
-            </a:r>
-            <a:r>
-              <a:rPr lang="en-US" dirty="0" err="1" smtClean="0"/>
-              <a:t>Chinchwad</a:t>
-            </a:r>
-            <a:r>
-              <a:rPr lang="en-US" dirty="0" smtClean="0"/>
-              <a:t>/</a:t>
-            </a:r>
-            <a:r>
-              <a:rPr lang="en-US" dirty="0" err="1" smtClean="0"/>
-              <a:t>Aundh</a:t>
-            </a:r>
-            <a:r>
-              <a:rPr lang="en-US" dirty="0" smtClean="0"/>
-              <a:t>/411007/ABC street/54-A</a:t>
-            </a:r>
-          </a:p>
-          <a:p>
-            <a:r>
-              <a:rPr lang="en-US" dirty="0"/>
-              <a:t>Package statement makes a class uniquely identifiable.</a:t>
-            </a:r>
-          </a:p>
-          <a:p>
-            <a:r>
-              <a:rPr lang="en-US" sz="2400" b="1" noProof="1"/>
-              <a:t> </a:t>
-            </a:r>
-            <a:r>
-              <a:rPr lang="en-US" sz="2400" b="1" noProof="1" smtClean="0"/>
-              <a:t>Usage </a:t>
-            </a:r>
-            <a:r>
-              <a:rPr lang="en-US" sz="2400" b="1" noProof="1"/>
-              <a:t>package </a:t>
-            </a:r>
-            <a:r>
-              <a:rPr lang="en-US" sz="2400" b="1" noProof="1" smtClean="0"/>
-              <a:t>org.java</a:t>
-            </a:r>
-            <a:endParaRPr lang="en-US" dirty="0" smtClean="0"/>
-          </a:p>
-          <a:p>
-            <a:r>
-              <a:rPr lang="en-US" dirty="0" smtClean="0"/>
-              <a:t>Fully qualified class name (FQCN).</a:t>
-            </a:r>
-          </a:p>
-          <a:p>
-            <a:endParaRPr lang="en-US" dirty="0" smtClean="0"/>
+            <a:r>
+              <a:rPr lang="en-US" sz="2400" dirty="0"/>
+              <a:t>As per wiki , a compiler is a computer program that translates computer code written in one programming language (the source language) into another language (the target language</a:t>
+            </a:r>
+            <a:r>
+              <a:rPr lang="en-US" sz="2400" dirty="0" smtClean="0"/>
+              <a:t>). It could generate an intermediate code or an executable file that can directly be executed on the underlying platform.</a:t>
+            </a:r>
+          </a:p>
+          <a:p>
+            <a:r>
+              <a:rPr lang="en-US" sz="2400" noProof="1" smtClean="0"/>
+              <a:t>Java compiler takes the source code written in a .java file and converts  that code into an intermediate code known as Bytecode.This byte code is then executed using java command. This executes our program and generates an output accordingly.</a:t>
+            </a:r>
+          </a:p>
+          <a:p>
+            <a:r>
+              <a:rPr lang="en-US" sz="2400" noProof="1" smtClean="0"/>
+              <a:t>The intermediate byte code that is generated during the compile step is an important step as that makes Java platform independent. This means that the .class file can be taken on any platform/machine/OS and executed there</a:t>
+            </a:r>
+            <a:r>
+              <a:rPr lang="en-US" sz="2400" noProof="1" smtClean="0"/>
+              <a:t>.</a:t>
+            </a:r>
           </a:p>
         </p:txBody>
       </p:sp>
@@ -6156,7 +6259,7 @@
           <p:cNvPr id="4" name="Slide Number Placeholder 3">
             <a:extLst>
               <a:ext uri="{FF2B5EF4-FFF2-40B4-BE49-F238E27FC236}">
-                <a16:creationId xmlns="" xmlns:a16="http://schemas.microsoft.com/office/drawing/2014/main" id="{62B4CE3A-8C88-45AA-A849-57E5A7AC22C1}"/>
+                <a16:creationId xmlns:a16="http://schemas.microsoft.com/office/drawing/2014/main" id="{62B4CE3A-8C88-45AA-A849-57E5A7AC22C1}"/>
               </a:ext>
             </a:extLst>
           </p:cNvPr>
@@ -6195,7 +6298,7 @@
           <p:cNvPr id="11" name="Rectangle 10">
             <a:extLst>
               <a:ext uri="{FF2B5EF4-FFF2-40B4-BE49-F238E27FC236}">
-                <a16:creationId xmlns="" xmlns:a16="http://schemas.microsoft.com/office/drawing/2014/main" id="{5F253864-26FA-4AB1-9F0A-4F57D870EE85}"/>
+                <a16:creationId xmlns:a16="http://schemas.microsoft.com/office/drawing/2014/main" id="{5F253864-26FA-4AB1-9F0A-4F57D870EE85}"/>
               </a:ext>
               <a:ext uri="{C183D7F6-B498-43B3-948B-1728B52AA6E4}">
                 <adec:decorative xmlns:adec="http://schemas.microsoft.com/office/drawing/2017/decorative" xmlns="" val="1"/>
@@ -6248,40 +6351,66 @@
           </a:p>
         </p:txBody>
       </p:sp>
-      <p:pic>
-        <p:nvPicPr>
-          <p:cNvPr id="5" name="Picture 4"/>
-          <p:cNvPicPr>
-            <a:picLocks noChangeAspect="1"/>
-          </p:cNvPicPr>
+      <p:sp>
+        <p:nvSpPr>
+          <p:cNvPr id="5" name="Rectangle 4"/>
+          <p:cNvSpPr/>
           <p:nvPr/>
-        </p:nvPicPr>
-        <p:blipFill>
-          <a:blip r:embed="rId2">
-            <a:extLst>
-              <a:ext uri="{28A0092B-C50C-407E-A947-70E740481C1C}">
-                <a14:useLocalDpi xmlns="" xmlns:a14="http://schemas.microsoft.com/office/drawing/2010/main" val="0"/>
-              </a:ext>
-            </a:extLst>
-          </a:blip>
-          <a:stretch>
-            <a:fillRect/>
-          </a:stretch>
-        </p:blipFill>
-        <p:spPr>
-          <a:xfrm>
-            <a:off x="6871855" y="1917146"/>
-            <a:ext cx="4481944" cy="4444329"/>
+        </p:nvSpPr>
+        <p:spPr>
+          <a:xfrm>
+            <a:off x="5785658" y="3244334"/>
+            <a:ext cx="620683" cy="369332"/>
           </a:xfrm>
           <a:prstGeom prst="rect">
             <a:avLst/>
           </a:prstGeom>
         </p:spPr>
-      </p:pic>
+        <p:txBody>
+          <a:bodyPr wrap="none">
+            <a:spAutoFit/>
+          </a:bodyPr>
+          <a:lstStyle/>
+          <a:p>
+            <a:r>
+              <a:rPr lang="en-US" dirty="0"/>
+              <a:t>a b c</a:t>
+            </a:r>
+          </a:p>
+        </p:txBody>
+      </p:sp>
+      <p:sp>
+        <p:nvSpPr>
+          <p:cNvPr id="6" name="Rectangle 5"/>
+          <p:cNvSpPr/>
+          <p:nvPr/>
+        </p:nvSpPr>
+        <p:spPr>
+          <a:xfrm>
+            <a:off x="5785658" y="3244334"/>
+            <a:ext cx="620683" cy="369332"/>
+          </a:xfrm>
+          <a:prstGeom prst="rect">
+            <a:avLst/>
+          </a:prstGeom>
+        </p:spPr>
+        <p:txBody>
+          <a:bodyPr wrap="none">
+            <a:spAutoFit/>
+          </a:bodyPr>
+          <a:lstStyle/>
+          <a:p>
+            <a:r>
+              <a:rPr lang="en-US" dirty="0"/>
+              <a:t>a b c</a:t>
+            </a:r>
+          </a:p>
+        </p:txBody>
+      </p:sp>
     </p:spTree>
     <p:extLst>
       <p:ext uri="{BB962C8B-B14F-4D97-AF65-F5344CB8AC3E}">
-        <p14:creationId xmlns="" xmlns:p14="http://schemas.microsoft.com/office/powerpoint/2010/main" val="1894288286"/>
+        <p14:creationId xmlns:p14="http://schemas.microsoft.com/office/powerpoint/2010/main" val="2019283073"/>
       </p:ext>
     </p:extLst>
   </p:cSld>
@@ -6320,7 +6449,7 @@
           <p:cNvPr id="2" name="Title 1">
             <a:extLst>
               <a:ext uri="{FF2B5EF4-FFF2-40B4-BE49-F238E27FC236}">
-                <a16:creationId xmlns="" xmlns:a16="http://schemas.microsoft.com/office/drawing/2014/main" id="{E199600F-A17E-4354-A7AB-0CC2A43A9354}"/>
+                <a16:creationId xmlns:a16="http://schemas.microsoft.com/office/drawing/2014/main" id="{E199600F-A17E-4354-A7AB-0CC2A43A9354}"/>
               </a:ext>
             </a:extLst>
           </p:cNvPr>
@@ -6333,8 +6462,8 @@
         </p:nvSpPr>
         <p:spPr>
           <a:xfrm>
-            <a:off x="838199" y="611081"/>
-            <a:ext cx="10337801" cy="833663"/>
+            <a:off x="838199" y="611079"/>
+            <a:ext cx="10515600" cy="833663"/>
           </a:xfrm>
         </p:spPr>
         <p:txBody>
@@ -6344,7 +6473,7 @@
             <a:pPr algn="ctr"/>
             <a:r>
               <a:rPr lang="en-US" dirty="0" smtClean="0"/>
-              <a:t>More about packages…</a:t>
+              <a:t>C++: The pre-Java world</a:t>
             </a:r>
             <a:endParaRPr lang="en-US" dirty="0"/>
           </a:p>
@@ -6355,7 +6484,7 @@
           <p:cNvPr id="3" name="Content Placeholder 2">
             <a:extLst>
               <a:ext uri="{FF2B5EF4-FFF2-40B4-BE49-F238E27FC236}">
-                <a16:creationId xmlns="" xmlns:a16="http://schemas.microsoft.com/office/drawing/2014/main" id="{FA6A4B49-27C8-46B6-8B11-AD7E8F615E2C}"/>
+                <a16:creationId xmlns:a16="http://schemas.microsoft.com/office/drawing/2014/main" id="{FA6A4B49-27C8-46B6-8B11-AD7E8F615E2C}"/>
               </a:ext>
             </a:extLst>
           </p:cNvPr>
@@ -6366,133 +6495,34 @@
             <p:ph idx="1"/>
           </p:nvPr>
         </p:nvSpPr>
-        <p:spPr/>
+        <p:spPr>
+          <a:xfrm>
+            <a:off x="838199" y="1773382"/>
+            <a:ext cx="10515600" cy="4403581"/>
+          </a:xfrm>
+        </p:spPr>
         <p:txBody>
           <a:bodyPr>
-            <a:normAutofit fontScale="85000" lnSpcReduction="20000"/>
+            <a:noAutofit/>
           </a:bodyPr>
           <a:lstStyle/>
           <a:p>
             <a:r>
-              <a:rPr lang="en-US" dirty="0" smtClean="0"/>
-              <a:t>Package statement is the first thing to write in a java program.</a:t>
-            </a:r>
-          </a:p>
-          <a:p>
-            <a:r>
-              <a:rPr lang="en-US" dirty="0"/>
-              <a:t>Package </a:t>
-            </a:r>
-            <a:r>
-              <a:rPr lang="en-US" dirty="0" smtClean="0"/>
-              <a:t>naming </a:t>
-            </a:r>
-            <a:r>
-              <a:rPr lang="en-US" dirty="0"/>
-              <a:t>convention : Reverse</a:t>
-            </a:r>
-            <a:r>
-              <a:rPr lang="en-US" sz="2400" b="1" dirty="0"/>
-              <a:t> </a:t>
-            </a:r>
-            <a:r>
-              <a:rPr lang="en-US" dirty="0"/>
-              <a:t>domain name format</a:t>
-            </a:r>
-            <a:r>
-              <a:rPr lang="en-US" dirty="0" smtClean="0"/>
-              <a:t>. This is the preferred way otherwise package name can be anything.</a:t>
-            </a:r>
-          </a:p>
-          <a:p>
-            <a:r>
-              <a:rPr lang="en-US" dirty="0" smtClean="0"/>
-              <a:t>In order to use a java class from a different package we make use of import statement.</a:t>
-            </a:r>
-          </a:p>
-          <a:p>
-            <a:r>
-              <a:rPr lang="en-US" dirty="0" smtClean="0"/>
-              <a:t>If two classes lie in same package then they do need to import each other .Only different package classes need to </a:t>
-            </a:r>
-            <a:r>
-              <a:rPr lang="en-US" dirty="0"/>
-              <a:t>imported. </a:t>
-            </a:r>
-            <a:endParaRPr lang="en-US" dirty="0" smtClean="0"/>
-          </a:p>
-          <a:p>
-            <a:r>
-              <a:rPr lang="en-US" dirty="0" smtClean="0"/>
-              <a:t>Multiple/Single file import usage.</a:t>
-            </a:r>
-          </a:p>
-          <a:p>
-            <a:r>
-              <a:rPr lang="en-US" dirty="0" smtClean="0"/>
-              <a:t>If we don’t specify a package statement , the class is assumed to be in a default package.</a:t>
-            </a:r>
-          </a:p>
-          <a:p>
-            <a:r>
-              <a:rPr lang="en-US" dirty="0" smtClean="0"/>
-              <a:t>Importing </a:t>
-            </a:r>
-            <a:r>
-              <a:rPr lang="en-US" dirty="0"/>
-              <a:t>default</a:t>
-            </a:r>
-            <a:r>
-              <a:rPr lang="en-US" dirty="0" smtClean="0"/>
-              <a:t> package is not possible as </a:t>
-            </a:r>
-            <a:r>
-              <a:rPr lang="en-US" sz="2400" b="1" dirty="0" smtClean="0"/>
-              <a:t>import *;</a:t>
-            </a:r>
-          </a:p>
-          <a:p>
-            <a:r>
-              <a:rPr lang="en-US" dirty="0" smtClean="0"/>
-              <a:t>Using fully qualified name in case of same class name.</a:t>
-            </a:r>
-          </a:p>
-          <a:p>
-            <a:r>
-              <a:rPr lang="en-US" dirty="0" err="1" smtClean="0"/>
-              <a:t>Java.lang</a:t>
-            </a:r>
-            <a:r>
-              <a:rPr lang="en-US" dirty="0" smtClean="0"/>
-              <a:t> package in the java APIs is automatically available to all java program without explicitly importing it.</a:t>
-            </a:r>
-          </a:p>
-          <a:p>
-            <a:r>
-              <a:rPr lang="en-US" dirty="0" smtClean="0"/>
-              <a:t>Code Examples : org/java/imports/PackageAndImports.java</a:t>
-            </a:r>
-          </a:p>
-          <a:p>
-            <a:pPr marL="0" indent="0">
-              <a:buNone/>
-            </a:pPr>
-            <a:endParaRPr lang="en-US" dirty="0" smtClean="0"/>
-          </a:p>
-          <a:p>
-            <a:endParaRPr lang="en-US" sz="2400" b="1" dirty="0" smtClean="0"/>
-          </a:p>
-          <a:p>
-            <a:endParaRPr lang="en-US" dirty="0" smtClean="0"/>
-          </a:p>
-          <a:p>
-            <a:endParaRPr lang="en-US" dirty="0" smtClean="0"/>
-          </a:p>
-          <a:p>
-            <a:endParaRPr lang="en-US" dirty="0" smtClean="0"/>
-          </a:p>
-          <a:p>
-            <a:endParaRPr lang="en-US" noProof="1"/>
+              <a:rPr lang="en-US" sz="2400" noProof="1" smtClean="0"/>
+              <a:t>Java is primarily based one of the popular programming language. </a:t>
+            </a:r>
+          </a:p>
+          <a:p>
+            <a:r>
+              <a:rPr lang="en-US" sz="2400" noProof="1" smtClean="0"/>
+              <a:t>One of the major drawback of C++ was that the executable code was not platform independent. This means that the code written in C++ had to be compiled again and again for different platforms. This was a teadious task for a programmer to do.</a:t>
+            </a:r>
+          </a:p>
+          <a:p>
+            <a:r>
+              <a:rPr lang="en-US" sz="2400" noProof="1" smtClean="0"/>
+              <a:t>Java creators had this issue at the back of their mind and they wrote java in such a was to do away with this drawback.</a:t>
+            </a:r>
           </a:p>
         </p:txBody>
       </p:sp>
@@ -6501,7 +6531,7 @@
           <p:cNvPr id="4" name="Slide Number Placeholder 3">
             <a:extLst>
               <a:ext uri="{FF2B5EF4-FFF2-40B4-BE49-F238E27FC236}">
-                <a16:creationId xmlns="" xmlns:a16="http://schemas.microsoft.com/office/drawing/2014/main" id="{62B4CE3A-8C88-45AA-A849-57E5A7AC22C1}"/>
+                <a16:creationId xmlns:a16="http://schemas.microsoft.com/office/drawing/2014/main" id="{62B4CE3A-8C88-45AA-A849-57E5A7AC22C1}"/>
               </a:ext>
             </a:extLst>
           </p:cNvPr>
@@ -6540,7 +6570,7 @@
           <p:cNvPr id="11" name="Rectangle 10">
             <a:extLst>
               <a:ext uri="{FF2B5EF4-FFF2-40B4-BE49-F238E27FC236}">
-                <a16:creationId xmlns="" xmlns:a16="http://schemas.microsoft.com/office/drawing/2014/main" id="{5F253864-26FA-4AB1-9F0A-4F57D870EE85}"/>
+                <a16:creationId xmlns:a16="http://schemas.microsoft.com/office/drawing/2014/main" id="{5F253864-26FA-4AB1-9F0A-4F57D870EE85}"/>
               </a:ext>
               <a:ext uri="{C183D7F6-B498-43B3-948B-1728B52AA6E4}">
                 <adec:decorative xmlns:adec="http://schemas.microsoft.com/office/drawing/2017/decorative" xmlns="" val="1"/>
@@ -6593,51 +6623,66 @@
           </a:p>
         </p:txBody>
       </p:sp>
-      <p:pic>
-        <p:nvPicPr>
-          <p:cNvPr id="1026" name="Picture 2" descr="package"/>
-          <p:cNvPicPr>
-            <a:picLocks noChangeAspect="1" noChangeArrowheads="1"/>
-          </p:cNvPicPr>
+      <p:sp>
+        <p:nvSpPr>
+          <p:cNvPr id="5" name="Rectangle 4"/>
+          <p:cNvSpPr/>
           <p:nvPr/>
-        </p:nvPicPr>
-        <p:blipFill>
-          <a:blip r:embed="rId2">
-            <a:extLst>
-              <a:ext uri="{28A0092B-C50C-407E-A947-70E740481C1C}">
-                <a14:useLocalDpi xmlns="" xmlns:a14="http://schemas.microsoft.com/office/drawing/2010/main" val="0"/>
-              </a:ext>
-            </a:extLst>
-          </a:blip>
-          <a:srcRect/>
-          <a:stretch>
-            <a:fillRect/>
-          </a:stretch>
-        </p:blipFill>
-        <p:spPr bwMode="auto">
-          <a:xfrm>
-            <a:off x="7185890" y="2033588"/>
-            <a:ext cx="3990109" cy="4327887"/>
+        </p:nvSpPr>
+        <p:spPr>
+          <a:xfrm>
+            <a:off x="5785658" y="3244334"/>
+            <a:ext cx="620683" cy="369332"/>
           </a:xfrm>
           <a:prstGeom prst="rect">
             <a:avLst/>
           </a:prstGeom>
-          <a:noFill/>
-          <a:extLst>
-            <a:ext uri="{909E8E84-426E-40DD-AFC4-6F175D3DCCD1}">
-              <a14:hiddenFill xmlns="" xmlns:a14="http://schemas.microsoft.com/office/drawing/2010/main">
-                <a:solidFill>
-                  <a:srgbClr val="FFFFFF"/>
-                </a:solidFill>
-              </a14:hiddenFill>
-            </a:ext>
-          </a:extLst>
-        </p:spPr>
-      </p:pic>
+        </p:spPr>
+        <p:txBody>
+          <a:bodyPr wrap="none">
+            <a:spAutoFit/>
+          </a:bodyPr>
+          <a:lstStyle/>
+          <a:p>
+            <a:r>
+              <a:rPr lang="en-US" dirty="0"/>
+              <a:t>a b c</a:t>
+            </a:r>
+          </a:p>
+        </p:txBody>
+      </p:sp>
+      <p:sp>
+        <p:nvSpPr>
+          <p:cNvPr id="6" name="Rectangle 5"/>
+          <p:cNvSpPr/>
+          <p:nvPr/>
+        </p:nvSpPr>
+        <p:spPr>
+          <a:xfrm>
+            <a:off x="5785658" y="3244334"/>
+            <a:ext cx="620683" cy="369332"/>
+          </a:xfrm>
+          <a:prstGeom prst="rect">
+            <a:avLst/>
+          </a:prstGeom>
+        </p:spPr>
+        <p:txBody>
+          <a:bodyPr wrap="none">
+            <a:spAutoFit/>
+          </a:bodyPr>
+          <a:lstStyle/>
+          <a:p>
+            <a:r>
+              <a:rPr lang="en-US" dirty="0"/>
+              <a:t>a b c</a:t>
+            </a:r>
+          </a:p>
+        </p:txBody>
+      </p:sp>
     </p:spTree>
     <p:extLst>
       <p:ext uri="{BB962C8B-B14F-4D97-AF65-F5344CB8AC3E}">
-        <p14:creationId xmlns="" xmlns:p14="http://schemas.microsoft.com/office/powerpoint/2010/main" val="1533683092"/>
+        <p14:creationId xmlns:p14="http://schemas.microsoft.com/office/powerpoint/2010/main" val="1217510655"/>
       </p:ext>
     </p:extLst>
   </p:cSld>
@@ -6676,7 +6721,7 @@
           <p:cNvPr id="2" name="Title 1">
             <a:extLst>
               <a:ext uri="{FF2B5EF4-FFF2-40B4-BE49-F238E27FC236}">
-                <a16:creationId xmlns="" xmlns:a16="http://schemas.microsoft.com/office/drawing/2014/main" id="{E199600F-A17E-4354-A7AB-0CC2A43A9354}"/>
+                <a16:creationId xmlns:a16="http://schemas.microsoft.com/office/drawing/2014/main" id="{E199600F-A17E-4354-A7AB-0CC2A43A9354}"/>
               </a:ext>
             </a:extLst>
           </p:cNvPr>
@@ -6689,8 +6734,8 @@
         </p:nvSpPr>
         <p:spPr>
           <a:xfrm>
-            <a:off x="838199" y="611081"/>
-            <a:ext cx="10337801" cy="833663"/>
+            <a:off x="838199" y="611079"/>
+            <a:ext cx="10515600" cy="833663"/>
           </a:xfrm>
         </p:spPr>
         <p:txBody>
@@ -6700,7 +6745,7 @@
             <a:pPr algn="ctr"/>
             <a:r>
               <a:rPr lang="en-US" dirty="0" smtClean="0"/>
-              <a:t>Static Imports</a:t>
+              <a:t>Java : Platform Independency</a:t>
             </a:r>
             <a:endParaRPr lang="en-US" dirty="0"/>
           </a:p>
@@ -6711,7 +6756,7 @@
           <p:cNvPr id="3" name="Content Placeholder 2">
             <a:extLst>
               <a:ext uri="{FF2B5EF4-FFF2-40B4-BE49-F238E27FC236}">
-                <a16:creationId xmlns="" xmlns:a16="http://schemas.microsoft.com/office/drawing/2014/main" id="{FA6A4B49-27C8-46B6-8B11-AD7E8F615E2C}"/>
+                <a16:creationId xmlns:a16="http://schemas.microsoft.com/office/drawing/2014/main" id="{FA6A4B49-27C8-46B6-8B11-AD7E8F615E2C}"/>
               </a:ext>
             </a:extLst>
           </p:cNvPr>
@@ -6722,7 +6767,12 @@
             <p:ph idx="1"/>
           </p:nvPr>
         </p:nvSpPr>
-        <p:spPr/>
+        <p:spPr>
+          <a:xfrm>
+            <a:off x="838199" y="1773382"/>
+            <a:ext cx="10515600" cy="4403581"/>
+          </a:xfrm>
+        </p:spPr>
         <p:txBody>
           <a:bodyPr>
             <a:normAutofit/>
@@ -6730,46 +6780,10 @@
           <a:lstStyle/>
           <a:p>
             <a:r>
-              <a:rPr lang="en-US" dirty="0" smtClean="0"/>
-              <a:t>The static member of a class are accessed using fully qualified class name. In cases where there is a heavy usage of static members of a class , static imports come to the rescue.</a:t>
-            </a:r>
-          </a:p>
-          <a:p>
-            <a:r>
-              <a:rPr lang="en-US" dirty="0"/>
-              <a:t>Once a class is imported statically , then we do not need to use the fully qualified name of the class. Instead we can just use the members of </a:t>
-            </a:r>
-            <a:r>
-              <a:rPr lang="en-US" dirty="0" smtClean="0"/>
-              <a:t>imported static class as they were the member of the importing class.</a:t>
-            </a:r>
-          </a:p>
-          <a:p>
-            <a:r>
-              <a:rPr lang="en-US" dirty="0" smtClean="0"/>
-              <a:t>Ex:  </a:t>
-            </a:r>
-            <a:r>
-              <a:rPr lang="en-US" dirty="0" err="1" smtClean="0"/>
-              <a:t>org.java.staticImports</a:t>
-            </a:r>
-            <a:r>
-              <a:rPr lang="en-US" dirty="0" smtClean="0"/>
-              <a:t> package.</a:t>
-            </a:r>
-            <a:endParaRPr lang="en-US" dirty="0"/>
-          </a:p>
-          <a:p>
-            <a:endParaRPr lang="en-US" dirty="0" smtClean="0"/>
-          </a:p>
-          <a:p>
-            <a:endParaRPr lang="en-US" dirty="0" smtClean="0"/>
-          </a:p>
-          <a:p>
-            <a:endParaRPr lang="en-US" dirty="0" smtClean="0"/>
-          </a:p>
-          <a:p>
-            <a:endParaRPr lang="en-US" noProof="1"/>
+              <a:rPr lang="en-US" sz="2800" noProof="1" smtClean="0"/>
+              <a:t>This is known as Write once run anywhere (WORA).</a:t>
+            </a:r>
+            <a:endParaRPr lang="en-US" sz="2800" noProof="1"/>
           </a:p>
         </p:txBody>
       </p:sp>
@@ -6778,7 +6792,7 @@
           <p:cNvPr id="4" name="Slide Number Placeholder 3">
             <a:extLst>
               <a:ext uri="{FF2B5EF4-FFF2-40B4-BE49-F238E27FC236}">
-                <a16:creationId xmlns="" xmlns:a16="http://schemas.microsoft.com/office/drawing/2014/main" id="{62B4CE3A-8C88-45AA-A849-57E5A7AC22C1}"/>
+                <a16:creationId xmlns:a16="http://schemas.microsoft.com/office/drawing/2014/main" id="{62B4CE3A-8C88-45AA-A849-57E5A7AC22C1}"/>
               </a:ext>
             </a:extLst>
           </p:cNvPr>
@@ -6817,7 +6831,7 @@
           <p:cNvPr id="11" name="Rectangle 10">
             <a:extLst>
               <a:ext uri="{FF2B5EF4-FFF2-40B4-BE49-F238E27FC236}">
-                <a16:creationId xmlns="" xmlns:a16="http://schemas.microsoft.com/office/drawing/2014/main" id="{5F253864-26FA-4AB1-9F0A-4F57D870EE85}"/>
+                <a16:creationId xmlns:a16="http://schemas.microsoft.com/office/drawing/2014/main" id="{5F253864-26FA-4AB1-9F0A-4F57D870EE85}"/>
               </a:ext>
               <a:ext uri="{C183D7F6-B498-43B3-948B-1728B52AA6E4}">
                 <adec:decorative xmlns:adec="http://schemas.microsoft.com/office/drawing/2017/decorative" xmlns="" val="1"/>
@@ -6870,51 +6884,66 @@
           </a:p>
         </p:txBody>
       </p:sp>
-      <p:pic>
-        <p:nvPicPr>
-          <p:cNvPr id="1026" name="Picture 2" descr="package"/>
-          <p:cNvPicPr>
-            <a:picLocks noChangeAspect="1" noChangeArrowheads="1"/>
-          </p:cNvPicPr>
+      <p:sp>
+        <p:nvSpPr>
+          <p:cNvPr id="5" name="Rectangle 4"/>
+          <p:cNvSpPr/>
           <p:nvPr/>
-        </p:nvPicPr>
-        <p:blipFill>
-          <a:blip r:embed="rId2">
-            <a:extLst>
-              <a:ext uri="{28A0092B-C50C-407E-A947-70E740481C1C}">
-                <a14:useLocalDpi xmlns="" xmlns:a14="http://schemas.microsoft.com/office/drawing/2010/main" val="0"/>
-              </a:ext>
-            </a:extLst>
-          </a:blip>
-          <a:srcRect/>
-          <a:stretch>
-            <a:fillRect/>
-          </a:stretch>
-        </p:blipFill>
-        <p:spPr bwMode="auto">
-          <a:xfrm>
-            <a:off x="7185890" y="2033588"/>
-            <a:ext cx="3990109" cy="4327887"/>
+        </p:nvSpPr>
+        <p:spPr>
+          <a:xfrm>
+            <a:off x="5785658" y="3244334"/>
+            <a:ext cx="620683" cy="369332"/>
           </a:xfrm>
           <a:prstGeom prst="rect">
             <a:avLst/>
           </a:prstGeom>
-          <a:noFill/>
-          <a:extLst>
-            <a:ext uri="{909E8E84-426E-40DD-AFC4-6F175D3DCCD1}">
-              <a14:hiddenFill xmlns="" xmlns:a14="http://schemas.microsoft.com/office/drawing/2010/main">
-                <a:solidFill>
-                  <a:srgbClr val="FFFFFF"/>
-                </a:solidFill>
-              </a14:hiddenFill>
-            </a:ext>
-          </a:extLst>
-        </p:spPr>
-      </p:pic>
+        </p:spPr>
+        <p:txBody>
+          <a:bodyPr wrap="none">
+            <a:spAutoFit/>
+          </a:bodyPr>
+          <a:lstStyle/>
+          <a:p>
+            <a:r>
+              <a:rPr lang="en-US" dirty="0"/>
+              <a:t>a b c</a:t>
+            </a:r>
+          </a:p>
+        </p:txBody>
+      </p:sp>
+      <p:sp>
+        <p:nvSpPr>
+          <p:cNvPr id="6" name="Rectangle 5"/>
+          <p:cNvSpPr/>
+          <p:nvPr/>
+        </p:nvSpPr>
+        <p:spPr>
+          <a:xfrm>
+            <a:off x="5785658" y="3244334"/>
+            <a:ext cx="620683" cy="369332"/>
+          </a:xfrm>
+          <a:prstGeom prst="rect">
+            <a:avLst/>
+          </a:prstGeom>
+        </p:spPr>
+        <p:txBody>
+          <a:bodyPr wrap="none">
+            <a:spAutoFit/>
+          </a:bodyPr>
+          <a:lstStyle/>
+          <a:p>
+            <a:r>
+              <a:rPr lang="en-US" dirty="0"/>
+              <a:t>a b c</a:t>
+            </a:r>
+          </a:p>
+        </p:txBody>
+      </p:sp>
     </p:spTree>
     <p:extLst>
       <p:ext uri="{BB962C8B-B14F-4D97-AF65-F5344CB8AC3E}">
-        <p14:creationId xmlns="" xmlns:p14="http://schemas.microsoft.com/office/powerpoint/2010/main" val="650196804"/>
+        <p14:creationId xmlns:p14="http://schemas.microsoft.com/office/powerpoint/2010/main" val="506255617"/>
       </p:ext>
     </p:extLst>
   </p:cSld>
@@ -6953,7 +6982,7 @@
           <p:cNvPr id="2" name="Title 1">
             <a:extLst>
               <a:ext uri="{FF2B5EF4-FFF2-40B4-BE49-F238E27FC236}">
-                <a16:creationId xmlns="" xmlns:a16="http://schemas.microsoft.com/office/drawing/2014/main" id="{E199600F-A17E-4354-A7AB-0CC2A43A9354}"/>
+                <a16:creationId xmlns:a16="http://schemas.microsoft.com/office/drawing/2014/main" id="{E199600F-A17E-4354-A7AB-0CC2A43A9354}"/>
               </a:ext>
             </a:extLst>
           </p:cNvPr>
@@ -6977,7 +7006,7 @@
             <a:pPr algn="ctr"/>
             <a:r>
               <a:rPr lang="en-US" dirty="0" smtClean="0"/>
-              <a:t>Java File/Class Naming</a:t>
+              <a:t>Java Virtual Machine</a:t>
             </a:r>
             <a:endParaRPr lang="en-US" dirty="0"/>
           </a:p>
@@ -6988,7 +7017,7 @@
           <p:cNvPr id="3" name="Content Placeholder 2">
             <a:extLst>
               <a:ext uri="{FF2B5EF4-FFF2-40B4-BE49-F238E27FC236}">
-                <a16:creationId xmlns="" xmlns:a16="http://schemas.microsoft.com/office/drawing/2014/main" id="{FA6A4B49-27C8-46B6-8B11-AD7E8F615E2C}"/>
+                <a16:creationId xmlns:a16="http://schemas.microsoft.com/office/drawing/2014/main" id="{FA6A4B49-27C8-46B6-8B11-AD7E8F615E2C}"/>
               </a:ext>
             </a:extLst>
           </p:cNvPr>
@@ -6999,26 +7028,45 @@
             <p:ph idx="1"/>
           </p:nvPr>
         </p:nvSpPr>
-        <p:spPr/>
+        <p:spPr>
+          <a:xfrm>
+            <a:off x="838199" y="1690256"/>
+            <a:ext cx="10515600" cy="4486708"/>
+          </a:xfrm>
+        </p:spPr>
         <p:txBody>
           <a:bodyPr>
             <a:normAutofit/>
           </a:bodyPr>
           <a:lstStyle/>
           <a:p>
-            <a:endParaRPr lang="en-US" dirty="0" smtClean="0"/>
-          </a:p>
-          <a:p>
-            <a:endParaRPr lang="en-US" dirty="0"/>
-          </a:p>
-          <a:p>
-            <a:r>
-              <a:rPr lang="en-US" dirty="0" smtClean="0"/>
-              <a:t>Example : Postal addressing system </a:t>
-            </a:r>
-          </a:p>
-          <a:p>
-            <a:endParaRPr lang="en-US" dirty="0" smtClean="0"/>
+            <a:r>
+              <a:rPr lang="en-US" sz="2800" noProof="1" smtClean="0"/>
+              <a:t>Java virtual machine (JVM) is the piece of software that is responsible for running a java application.</a:t>
+            </a:r>
+          </a:p>
+          <a:p>
+            <a:r>
+              <a:rPr lang="en-US" sz="2800" noProof="1" smtClean="0"/>
+              <a:t>A java application is executed by the following command : </a:t>
+            </a:r>
+            <a:r>
+              <a:rPr lang="en-US" sz="2800" noProof="1"/>
+              <a:t/>
+            </a:r>
+            <a:br>
+              <a:rPr lang="en-US" sz="2800" noProof="1"/>
+            </a:br>
+            <a:r>
+              <a:rPr lang="en-US" sz="2800" noProof="1" smtClean="0"/>
+              <a:t>            java WelcomeToJava</a:t>
+            </a:r>
+          </a:p>
+          <a:p>
+            <a:r>
+              <a:rPr lang="en-US" sz="2800" noProof="1" smtClean="0"/>
+              <a:t>Here ‘java’ represents the java virtual machine(JVM) which runs the java program.</a:t>
+            </a:r>
           </a:p>
         </p:txBody>
       </p:sp>
@@ -7027,7 +7075,7 @@
           <p:cNvPr id="4" name="Slide Number Placeholder 3">
             <a:extLst>
               <a:ext uri="{FF2B5EF4-FFF2-40B4-BE49-F238E27FC236}">
-                <a16:creationId xmlns="" xmlns:a16="http://schemas.microsoft.com/office/drawing/2014/main" id="{62B4CE3A-8C88-45AA-A849-57E5A7AC22C1}"/>
+                <a16:creationId xmlns:a16="http://schemas.microsoft.com/office/drawing/2014/main" id="{62B4CE3A-8C88-45AA-A849-57E5A7AC22C1}"/>
               </a:ext>
             </a:extLst>
           </p:cNvPr>
@@ -7066,7 +7114,7 @@
           <p:cNvPr id="11" name="Rectangle 10">
             <a:extLst>
               <a:ext uri="{FF2B5EF4-FFF2-40B4-BE49-F238E27FC236}">
-                <a16:creationId xmlns="" xmlns:a16="http://schemas.microsoft.com/office/drawing/2014/main" id="{5F253864-26FA-4AB1-9F0A-4F57D870EE85}"/>
+                <a16:creationId xmlns:a16="http://schemas.microsoft.com/office/drawing/2014/main" id="{5F253864-26FA-4AB1-9F0A-4F57D870EE85}"/>
               </a:ext>
               <a:ext uri="{C183D7F6-B498-43B3-948B-1728B52AA6E4}">
                 <adec:decorative xmlns:adec="http://schemas.microsoft.com/office/drawing/2017/decorative" xmlns="" val="1"/>
@@ -7119,40 +7167,66 @@
           </a:p>
         </p:txBody>
       </p:sp>
-      <p:pic>
-        <p:nvPicPr>
-          <p:cNvPr id="5" name="Picture 4"/>
-          <p:cNvPicPr>
-            <a:picLocks noChangeAspect="1"/>
-          </p:cNvPicPr>
+      <p:sp>
+        <p:nvSpPr>
+          <p:cNvPr id="5" name="Rectangle 4"/>
+          <p:cNvSpPr/>
           <p:nvPr/>
-        </p:nvPicPr>
-        <p:blipFill>
-          <a:blip r:embed="rId2">
-            <a:extLst>
-              <a:ext uri="{28A0092B-C50C-407E-A947-70E740481C1C}">
-                <a14:useLocalDpi xmlns="" xmlns:a14="http://schemas.microsoft.com/office/drawing/2010/main" val="0"/>
-              </a:ext>
-            </a:extLst>
-          </a:blip>
-          <a:stretch>
-            <a:fillRect/>
-          </a:stretch>
-        </p:blipFill>
-        <p:spPr>
-          <a:xfrm>
-            <a:off x="6871855" y="1917146"/>
-            <a:ext cx="4481944" cy="4444329"/>
+        </p:nvSpPr>
+        <p:spPr>
+          <a:xfrm>
+            <a:off x="5785658" y="3244334"/>
+            <a:ext cx="620683" cy="369332"/>
           </a:xfrm>
           <a:prstGeom prst="rect">
             <a:avLst/>
           </a:prstGeom>
         </p:spPr>
-      </p:pic>
+        <p:txBody>
+          <a:bodyPr wrap="none">
+            <a:spAutoFit/>
+          </a:bodyPr>
+          <a:lstStyle/>
+          <a:p>
+            <a:r>
+              <a:rPr lang="en-US" dirty="0"/>
+              <a:t>a b c</a:t>
+            </a:r>
+          </a:p>
+        </p:txBody>
+      </p:sp>
+      <p:sp>
+        <p:nvSpPr>
+          <p:cNvPr id="6" name="Rectangle 5"/>
+          <p:cNvSpPr/>
+          <p:nvPr/>
+        </p:nvSpPr>
+        <p:spPr>
+          <a:xfrm>
+            <a:off x="5785658" y="3244334"/>
+            <a:ext cx="620683" cy="369332"/>
+          </a:xfrm>
+          <a:prstGeom prst="rect">
+            <a:avLst/>
+          </a:prstGeom>
+        </p:spPr>
+        <p:txBody>
+          <a:bodyPr wrap="none">
+            <a:spAutoFit/>
+          </a:bodyPr>
+          <a:lstStyle/>
+          <a:p>
+            <a:r>
+              <a:rPr lang="en-US" dirty="0"/>
+              <a:t>a b c</a:t>
+            </a:r>
+          </a:p>
+        </p:txBody>
+      </p:sp>
     </p:spTree>
     <p:extLst>
       <p:ext uri="{BB962C8B-B14F-4D97-AF65-F5344CB8AC3E}">
-        <p14:creationId xmlns="" xmlns:p14="http://schemas.microsoft.com/office/powerpoint/2010/main" val="1136810995"/>
+        <p14:creationId xmlns:p14="http://schemas.microsoft.com/office/powerpoint/2010/main" val="1418258753"/>
       </p:ext>
     </p:extLst>
   </p:cSld>
@@ -7191,7 +7265,7 @@
           <p:cNvPr id="2" name="Title 1">
             <a:extLst>
               <a:ext uri="{FF2B5EF4-FFF2-40B4-BE49-F238E27FC236}">
-                <a16:creationId xmlns="" xmlns:a16="http://schemas.microsoft.com/office/drawing/2014/main" id="{E199600F-A17E-4354-A7AB-0CC2A43A9354}"/>
+                <a16:creationId xmlns:a16="http://schemas.microsoft.com/office/drawing/2014/main" id="{E199600F-A17E-4354-A7AB-0CC2A43A9354}"/>
               </a:ext>
             </a:extLst>
           </p:cNvPr>
@@ -7204,8 +7278,8 @@
         </p:nvSpPr>
         <p:spPr>
           <a:xfrm>
-            <a:off x="838199" y="611080"/>
-            <a:ext cx="10515600" cy="1449216"/>
+            <a:off x="838199" y="611079"/>
+            <a:ext cx="10515600" cy="833663"/>
           </a:xfrm>
         </p:spPr>
         <p:txBody>
@@ -7214,8 +7288,8 @@
           <a:p>
             <a:pPr algn="ctr"/>
             <a:r>
-              <a:rPr lang="en-US" dirty="0" smtClean="0"/>
-              <a:t>Entry Point to the World of JAVA : Main Method</a:t>
+              <a:rPr lang="en-US" dirty="0"/>
+              <a:t>Writing the first Java program</a:t>
             </a:r>
             <a:endParaRPr lang="en-US" dirty="0"/>
           </a:p>
@@ -7226,7 +7300,7 @@
           <p:cNvPr id="3" name="Content Placeholder 2">
             <a:extLst>
               <a:ext uri="{FF2B5EF4-FFF2-40B4-BE49-F238E27FC236}">
-                <a16:creationId xmlns="" xmlns:a16="http://schemas.microsoft.com/office/drawing/2014/main" id="{FA6A4B49-27C8-46B6-8B11-AD7E8F615E2C}"/>
+                <a16:creationId xmlns:a16="http://schemas.microsoft.com/office/drawing/2014/main" id="{FA6A4B49-27C8-46B6-8B11-AD7E8F615E2C}"/>
               </a:ext>
             </a:extLst>
           </p:cNvPr>
@@ -7237,41 +7311,44 @@
             <p:ph idx="1"/>
           </p:nvPr>
         </p:nvSpPr>
-        <p:spPr/>
+        <p:spPr>
+          <a:xfrm>
+            <a:off x="838200" y="1825625"/>
+            <a:ext cx="5132190" cy="4351338"/>
+          </a:xfrm>
+        </p:spPr>
         <p:txBody>
           <a:bodyPr>
             <a:normAutofit/>
           </a:bodyPr>
           <a:lstStyle/>
           <a:p>
-            <a:endParaRPr lang="en-US" dirty="0" smtClean="0"/>
-          </a:p>
-          <a:p>
-            <a:endParaRPr lang="en-US" dirty="0"/>
-          </a:p>
-          <a:p>
-            <a:r>
-              <a:rPr lang="en-US" dirty="0" smtClean="0"/>
-              <a:t>Serves as an entry point to any java program. Almost all java programs whether it be a web server written in java or a web application or a desktop application , all begin with a main method and then extend further.</a:t>
-            </a:r>
-          </a:p>
-          <a:p>
-            <a:r>
-              <a:rPr lang="en-US" dirty="0" smtClean="0"/>
-              <a:t>Just like a VISA document acts like an entry point to any country and you need to satisfy all the conditions in order to possess one similar is the case with main method in java.</a:t>
-            </a:r>
-          </a:p>
-          <a:p>
-            <a:r>
-              <a:rPr lang="en-US" dirty="0" smtClean="0"/>
-              <a:t>Source Example : org.java.entrypoint.EntryPoint.java	</a:t>
-            </a:r>
-          </a:p>
-          <a:p>
-            <a:endParaRPr lang="en-US" dirty="0" smtClean="0"/>
-          </a:p>
-          <a:p>
-            <a:endParaRPr lang="en-US" dirty="0" smtClean="0"/>
+            <a:endParaRPr lang="en-US" noProof="1" smtClean="0"/>
+          </a:p>
+          <a:p>
+            <a:r>
+              <a:rPr lang="en-US" noProof="1" smtClean="0"/>
+              <a:t>WelcomeToJava is the name of a class. This class is present in a file named WelcomeToJava.java</a:t>
+            </a:r>
+          </a:p>
+          <a:p>
+            <a:r>
+              <a:rPr lang="en-US" noProof="1" smtClean="0"/>
+              <a:t>The class WelcomeToJava contains a method named main().</a:t>
+            </a:r>
+          </a:p>
+          <a:p>
+            <a:r>
+              <a:rPr lang="en-US" noProof="1" smtClean="0"/>
+              <a:t>The method main() takes in a parameter of type String.</a:t>
+            </a:r>
+          </a:p>
+          <a:p>
+            <a:r>
+              <a:rPr lang="en-US" noProof="1" smtClean="0"/>
+              <a:t>The statement System.out.println is used to print to the command line. Here the program prints the string ‘Welcome to Java !!’ on the command line.</a:t>
+            </a:r>
+            <a:endParaRPr lang="en-US" noProof="1"/>
           </a:p>
         </p:txBody>
       </p:sp>
@@ -7280,7 +7357,7 @@
           <p:cNvPr id="4" name="Slide Number Placeholder 3">
             <a:extLst>
               <a:ext uri="{FF2B5EF4-FFF2-40B4-BE49-F238E27FC236}">
-                <a16:creationId xmlns="" xmlns:a16="http://schemas.microsoft.com/office/drawing/2014/main" id="{62B4CE3A-8C88-45AA-A849-57E5A7AC22C1}"/>
+                <a16:creationId xmlns:a16="http://schemas.microsoft.com/office/drawing/2014/main" id="{62B4CE3A-8C88-45AA-A849-57E5A7AC22C1}"/>
               </a:ext>
             </a:extLst>
           </p:cNvPr>
@@ -7319,7 +7396,7 @@
           <p:cNvPr id="11" name="Rectangle 10">
             <a:extLst>
               <a:ext uri="{FF2B5EF4-FFF2-40B4-BE49-F238E27FC236}">
-                <a16:creationId xmlns="" xmlns:a16="http://schemas.microsoft.com/office/drawing/2014/main" id="{5F253864-26FA-4AB1-9F0A-4F57D870EE85}"/>
+                <a16:creationId xmlns:a16="http://schemas.microsoft.com/office/drawing/2014/main" id="{5F253864-26FA-4AB1-9F0A-4F57D870EE85}"/>
               </a:ext>
               <a:ext uri="{C183D7F6-B498-43B3-948B-1728B52AA6E4}">
                 <adec:decorative xmlns:adec="http://schemas.microsoft.com/office/drawing/2017/decorative" xmlns="" val="1"/>
@@ -7372,19 +7449,72 @@
           </a:p>
         </p:txBody>
       </p:sp>
+      <p:sp>
+        <p:nvSpPr>
+          <p:cNvPr id="5" name="Rectangle 4"/>
+          <p:cNvSpPr/>
+          <p:nvPr/>
+        </p:nvSpPr>
+        <p:spPr>
+          <a:xfrm>
+            <a:off x="5785658" y="3244334"/>
+            <a:ext cx="620683" cy="369332"/>
+          </a:xfrm>
+          <a:prstGeom prst="rect">
+            <a:avLst/>
+          </a:prstGeom>
+        </p:spPr>
+        <p:txBody>
+          <a:bodyPr wrap="none">
+            <a:spAutoFit/>
+          </a:bodyPr>
+          <a:lstStyle/>
+          <a:p>
+            <a:r>
+              <a:rPr lang="en-US" dirty="0"/>
+              <a:t>a b c</a:t>
+            </a:r>
+          </a:p>
+        </p:txBody>
+      </p:sp>
+      <p:sp>
+        <p:nvSpPr>
+          <p:cNvPr id="6" name="Rectangle 5"/>
+          <p:cNvSpPr/>
+          <p:nvPr/>
+        </p:nvSpPr>
+        <p:spPr>
+          <a:xfrm>
+            <a:off x="5785658" y="3244334"/>
+            <a:ext cx="184731" cy="369332"/>
+          </a:xfrm>
+          <a:prstGeom prst="rect">
+            <a:avLst/>
+          </a:prstGeom>
+        </p:spPr>
+        <p:txBody>
+          <a:bodyPr wrap="none">
+            <a:spAutoFit/>
+          </a:bodyPr>
+          <a:lstStyle/>
+          <a:p>
+            <a:endParaRPr lang="en-US" dirty="0"/>
+          </a:p>
+        </p:txBody>
+      </p:sp>
       <p:pic>
         <p:nvPicPr>
-          <p:cNvPr id="6" name="Picture 5"/>
+          <p:cNvPr id="8" name="Picture 7"/>
           <p:cNvPicPr>
             <a:picLocks noChangeAspect="1"/>
           </p:cNvPicPr>
           <p:nvPr/>
         </p:nvPicPr>
         <p:blipFill>
-          <a:blip r:embed="rId2" cstate="print">
+          <a:blip r:embed="rId2">
             <a:extLst>
               <a:ext uri="{28A0092B-C50C-407E-A947-70E740481C1C}">
-                <a14:useLocalDpi xmlns="" xmlns:a14="http://schemas.microsoft.com/office/drawing/2010/main" val="0"/>
+                <a14:useLocalDpi xmlns:a14="http://schemas.microsoft.com/office/drawing/2010/main" val="0"/>
               </a:ext>
             </a:extLst>
           </a:blip>
@@ -7394,8 +7524,8 @@
         </p:blipFill>
         <p:spPr>
           <a:xfrm>
-            <a:off x="7019636" y="2338251"/>
-            <a:ext cx="4334163" cy="4204507"/>
+            <a:off x="6249555" y="1825625"/>
+            <a:ext cx="4987405" cy="4351337"/>
           </a:xfrm>
           <a:prstGeom prst="rect">
             <a:avLst/>
@@ -7405,7 +7535,7 @@
     </p:spTree>
     <p:extLst>
       <p:ext uri="{BB962C8B-B14F-4D97-AF65-F5344CB8AC3E}">
-        <p14:creationId xmlns="" xmlns:p14="http://schemas.microsoft.com/office/powerpoint/2010/main" val="2944664186"/>
+        <p14:creationId xmlns:p14="http://schemas.microsoft.com/office/powerpoint/2010/main" val="1205512344"/>
       </p:ext>
     </p:extLst>
   </p:cSld>
@@ -7444,7 +7574,7 @@
           <p:cNvPr id="2" name="Title 1">
             <a:extLst>
               <a:ext uri="{FF2B5EF4-FFF2-40B4-BE49-F238E27FC236}">
-                <a16:creationId xmlns="" xmlns:a16="http://schemas.microsoft.com/office/drawing/2014/main" id="{E199600F-A17E-4354-A7AB-0CC2A43A9354}"/>
+                <a16:creationId xmlns:a16="http://schemas.microsoft.com/office/drawing/2014/main" id="{E199600F-A17E-4354-A7AB-0CC2A43A9354}"/>
               </a:ext>
             </a:extLst>
           </p:cNvPr>
@@ -7457,7 +7587,7 @@
         </p:nvSpPr>
         <p:spPr>
           <a:xfrm>
-            <a:off x="838199" y="611079"/>
+            <a:off x="838199" y="712163"/>
             <a:ext cx="10515600" cy="833663"/>
           </a:xfrm>
         </p:spPr>
@@ -7468,7 +7598,27 @@
             <a:pPr algn="ctr"/>
             <a:r>
               <a:rPr lang="en-US" dirty="0" smtClean="0"/>
-              <a:t>Exam Perspective</a:t>
+              <a:t>Entry Point to the World of </a:t>
+            </a:r>
+            <a:r>
+              <a:rPr lang="en-US" dirty="0" smtClean="0"/>
+              <a:t>Java </a:t>
+            </a:r>
+            <a:r>
+              <a:rPr lang="en-US" dirty="0" smtClean="0"/>
+              <a:t>: </a:t>
+            </a:r>
+            <a:r>
+              <a:rPr lang="en-US" dirty="0" smtClean="0"/>
+              <a:t>main() </a:t>
+            </a:r>
+            <a:r>
+              <a:rPr lang="en-US" dirty="0"/>
+              <a:t>m</a:t>
+            </a:r>
+            <a:r>
+              <a:rPr lang="en-US" dirty="0" smtClean="0"/>
+              <a:t>ethod</a:t>
             </a:r>
             <a:endParaRPr lang="en-US" dirty="0"/>
           </a:p>
@@ -7479,7 +7629,7 @@
           <p:cNvPr id="3" name="Content Placeholder 2">
             <a:extLst>
               <a:ext uri="{FF2B5EF4-FFF2-40B4-BE49-F238E27FC236}">
-                <a16:creationId xmlns="" xmlns:a16="http://schemas.microsoft.com/office/drawing/2014/main" id="{FA6A4B49-27C8-46B6-8B11-AD7E8F615E2C}"/>
+                <a16:creationId xmlns:a16="http://schemas.microsoft.com/office/drawing/2014/main" id="{FA6A4B49-27C8-46B6-8B11-AD7E8F615E2C}"/>
               </a:ext>
             </a:extLst>
           </p:cNvPr>
@@ -7493,7 +7643,7 @@
         <p:spPr>
           <a:xfrm>
             <a:off x="838200" y="1825625"/>
-            <a:ext cx="5941423" cy="4351338"/>
+            <a:ext cx="6005945" cy="4351338"/>
           </a:xfrm>
         </p:spPr>
         <p:txBody>
@@ -7502,31 +7652,62 @@
           </a:bodyPr>
           <a:lstStyle/>
           <a:p>
-            <a:endParaRPr lang="en-US" noProof="1" smtClean="0"/>
-          </a:p>
-          <a:p>
-            <a:endParaRPr lang="en-US" noProof="1" smtClean="0"/>
-          </a:p>
-          <a:p>
-            <a:r>
-              <a:rPr lang="en-US" noProof="1" smtClean="0"/>
-              <a:t>We could see in the real exam , questions on a valid way of writing the entry point main method.</a:t>
-            </a:r>
-          </a:p>
-          <a:p>
-            <a:r>
-              <a:rPr lang="en-US" noProof="1" smtClean="0"/>
-              <a:t>There are several incorrect ways of writing the entry point program.</a:t>
-            </a:r>
-          </a:p>
-          <a:p>
-            <a:r>
-              <a:rPr lang="en-US" noProof="1" smtClean="0"/>
-              <a:t>In the exam there will be often be a case when the main method is not given.In those cases we need to assume the presence of a hidden main method.	</a:t>
-            </a:r>
-          </a:p>
-          <a:p>
-            <a:endParaRPr lang="en-US" noProof="1"/>
+            <a:endParaRPr lang="en-US" dirty="0" smtClean="0"/>
+          </a:p>
+          <a:p>
+            <a:r>
+              <a:rPr lang="en-US" dirty="0" smtClean="0"/>
+              <a:t>Serves </a:t>
+            </a:r>
+            <a:r>
+              <a:rPr lang="en-US" dirty="0" smtClean="0"/>
+              <a:t>as an entry point to any java program. Almost all java programs whether it be a web server written in java or a web application or a desktop application , all begin with a main method and then extend further</a:t>
+            </a:r>
+            <a:r>
+              <a:rPr lang="en-US" dirty="0" smtClean="0"/>
+              <a:t>.</a:t>
+            </a:r>
+          </a:p>
+          <a:p>
+            <a:endParaRPr lang="en-US" dirty="0" smtClean="0"/>
+          </a:p>
+          <a:p>
+            <a:r>
+              <a:rPr lang="en-US" dirty="0" smtClean="0"/>
+              <a:t>Just like a VISA document acts like an entry point to any country and you need to satisfy all the conditions in order to possess </a:t>
+            </a:r>
+            <a:r>
+              <a:rPr lang="en-US" dirty="0" smtClean="0"/>
+              <a:t>one, </a:t>
+            </a:r>
+            <a:r>
+              <a:rPr lang="en-US" dirty="0" smtClean="0"/>
+              <a:t>similar is the case with main method in java</a:t>
+            </a:r>
+            <a:r>
+              <a:rPr lang="en-US" dirty="0" smtClean="0"/>
+              <a:t>.</a:t>
+            </a:r>
+            <a:r>
+              <a:rPr lang="en-US" dirty="0" smtClean="0"/>
+              <a:t>	</a:t>
+            </a:r>
+          </a:p>
+          <a:p>
+            <a:r>
+              <a:rPr lang="en-US" dirty="0" smtClean="0"/>
+              <a:t>There many valid and invalid ways of writing a main method.</a:t>
+            </a:r>
+          </a:p>
+          <a:p>
+            <a:r>
+              <a:rPr lang="en-US" dirty="0" smtClean="0"/>
+              <a:t>There are some rules of </a:t>
+            </a:r>
+            <a:endParaRPr lang="en-US" dirty="0" smtClean="0"/>
+          </a:p>
+          <a:p>
+            <a:endParaRPr lang="en-US" dirty="0" smtClean="0"/>
           </a:p>
         </p:txBody>
       </p:sp>
@@ -7535,7 +7716,7 @@
           <p:cNvPr id="4" name="Slide Number Placeholder 3">
             <a:extLst>
               <a:ext uri="{FF2B5EF4-FFF2-40B4-BE49-F238E27FC236}">
-                <a16:creationId xmlns="" xmlns:a16="http://schemas.microsoft.com/office/drawing/2014/main" id="{62B4CE3A-8C88-45AA-A849-57E5A7AC22C1}"/>
+                <a16:creationId xmlns:a16="http://schemas.microsoft.com/office/drawing/2014/main" id="{62B4CE3A-8C88-45AA-A849-57E5A7AC22C1}"/>
               </a:ext>
             </a:extLst>
           </p:cNvPr>
@@ -7574,7 +7755,7 @@
           <p:cNvPr id="11" name="Rectangle 10">
             <a:extLst>
               <a:ext uri="{FF2B5EF4-FFF2-40B4-BE49-F238E27FC236}">
-                <a16:creationId xmlns="" xmlns:a16="http://schemas.microsoft.com/office/drawing/2014/main" id="{5F253864-26FA-4AB1-9F0A-4F57D870EE85}"/>
+                <a16:creationId xmlns:a16="http://schemas.microsoft.com/office/drawing/2014/main" id="{5F253864-26FA-4AB1-9F0A-4F57D870EE85}"/>
               </a:ext>
               <a:ext uri="{C183D7F6-B498-43B3-948B-1728B52AA6E4}">
                 <adec:decorative xmlns:adec="http://schemas.microsoft.com/office/drawing/2017/decorative" xmlns="" val="1"/>
@@ -7629,17 +7810,17 @@
       </p:sp>
       <p:pic>
         <p:nvPicPr>
-          <p:cNvPr id="5" name="Picture 4"/>
+          <p:cNvPr id="6" name="Picture 5"/>
           <p:cNvPicPr>
             <a:picLocks noChangeAspect="1"/>
           </p:cNvPicPr>
           <p:nvPr/>
         </p:nvPicPr>
         <p:blipFill>
-          <a:blip r:embed="rId2">
+          <a:blip r:embed="rId2" cstate="print">
             <a:extLst>
               <a:ext uri="{28A0092B-C50C-407E-A947-70E740481C1C}">
-                <a14:useLocalDpi xmlns="" xmlns:a14="http://schemas.microsoft.com/office/drawing/2010/main" val="0"/>
+                <a14:useLocalDpi xmlns:a14="http://schemas.microsoft.com/office/drawing/2010/main" val="0"/>
               </a:ext>
             </a:extLst>
           </a:blip>
@@ -7649,8 +7830,8 @@
         </p:blipFill>
         <p:spPr>
           <a:xfrm>
-            <a:off x="7028873" y="1888319"/>
-            <a:ext cx="4324926" cy="4288644"/>
+            <a:off x="7019636" y="1964447"/>
+            <a:ext cx="4334163" cy="4204507"/>
           </a:xfrm>
           <a:prstGeom prst="rect">
             <a:avLst/>
@@ -7660,7 +7841,7 @@
     </p:spTree>
     <p:extLst>
       <p:ext uri="{BB962C8B-B14F-4D97-AF65-F5344CB8AC3E}">
-        <p14:creationId xmlns="" xmlns:p14="http://schemas.microsoft.com/office/powerpoint/2010/main" val="3527059924"/>
+        <p14:creationId xmlns:p14="http://schemas.microsoft.com/office/powerpoint/2010/main" val="2944664186"/>
       </p:ext>
     </p:extLst>
   </p:cSld>
@@ -7872,7 +8053,7 @@
   <a:extraClrSchemeLst/>
   <a:extLst>
     <a:ext uri="{05A4C25C-085E-4340-85A3-A5531E510DB2}">
-      <thm15:themeFamily xmlns="" xmlns:thm15="http://schemas.microsoft.com/office/thememl/2012/main" name="Classic-Corporate_Teach a Course_Win32_SB - v2" id="{AAA48AC2-5F99-4B13-8624-B64D50F70391}" vid="{7E93EDBA-CDC2-40D2-AD59-7619D791F782}"/>
+      <thm15:themeFamily xmlns:thm15="http://schemas.microsoft.com/office/thememl/2012/main" name="Classic-Corporate_Teach a Course_Win32_SB - v2" id="{AAA48AC2-5F99-4B13-8624-B64D50F70391}" vid="{7E93EDBA-CDC2-40D2-AD59-7619D791F782}"/>
     </a:ext>
   </a:extLst>
 </a:theme>
@@ -8167,7 +8348,7 @@
   <a:extraClrSchemeLst/>
   <a:extLst>
     <a:ext uri="{05A4C25C-085E-4340-85A3-A5531E510DB2}">
-      <thm15:themeFamily xmlns="" xmlns:thm15="http://schemas.microsoft.com/office/thememl/2012/main" name="Office Theme" id="{62F939B6-93AF-4DB8-9C6B-D6C7DFDC589F}" vid="{4A3C46E8-61CC-4603-A589-7422A47A8E4A}"/>
+      <thm15:themeFamily xmlns:thm15="http://schemas.microsoft.com/office/thememl/2012/main" name="Office Theme" id="{62F939B6-93AF-4DB8-9C6B-D6C7DFDC589F}" vid="{4A3C46E8-61CC-4603-A589-7422A47A8E4A}"/>
     </a:ext>
   </a:extLst>
 </a:theme>
@@ -8462,7 +8643,7 @@
   <a:extraClrSchemeLst/>
   <a:extLst>
     <a:ext uri="{05A4C25C-085E-4340-85A3-A5531E510DB2}">
-      <thm15:themeFamily xmlns="" xmlns:thm15="http://schemas.microsoft.com/office/thememl/2012/main" name="Office Theme" id="{62F939B6-93AF-4DB8-9C6B-D6C7DFDC589F}" vid="{4A3C46E8-61CC-4603-A589-7422A47A8E4A}"/>
+      <thm15:themeFamily xmlns:thm15="http://schemas.microsoft.com/office/thememl/2012/main" name="Office Theme" id="{62F939B6-93AF-4DB8-9C6B-D6C7DFDC589F}" vid="{4A3C46E8-61CC-4603-A589-7422A47A8E4A}"/>
     </a:ext>
   </a:extLst>
 </a:theme>
@@ -8555,6 +8736,15 @@
 </file>
 
 <file path=customXml/item1.xml><?xml version="1.0" encoding="utf-8"?>
+<p:properties xmlns:p="http://schemas.microsoft.com/office/2006/metadata/properties" xmlns:xsi="http://www.w3.org/2001/XMLSchema-instance" xmlns:pc="http://schemas.microsoft.com/office/infopath/2007/PartnerControls">
+  <documentManagement>
+    <Status xmlns="71af3243-3dd4-4a8d-8c0d-dd76da1f02a5">Not started</Status>
+    <MediaServiceKeyPoints xmlns="71af3243-3dd4-4a8d-8c0d-dd76da1f02a5" xsi:nil="true"/>
+  </documentManagement>
+</p:properties>
+</file>
+
+<file path=customXml/item2.xml><?xml version="1.0" encoding="utf-8"?>
 <ct:contentTypeSchema xmlns:ct="http://schemas.microsoft.com/office/2006/metadata/contentType" xmlns:ma="http://schemas.microsoft.com/office/2006/metadata/properties/metaAttributes" ct:_="" ma:_="" ma:contentTypeName="Document" ma:contentTypeID="0x01010079F111ED35F8CC479449609E8A0923A6" ma:contentTypeVersion="12" ma:contentTypeDescription="Create a new document." ma:contentTypeScope="" ma:versionID="fa6e671f1cd7e4d96ff9652be322dd5e">
   <xsd:schema xmlns:xsd="http://www.w3.org/2001/XMLSchema" xmlns:xs="http://www.w3.org/2001/XMLSchema" xmlns:p="http://schemas.microsoft.com/office/2006/metadata/properties" xmlns:ns2="71af3243-3dd4-4a8d-8c0d-dd76da1f02a5" xmlns:ns3="16c05727-aa75-4e4a-9b5f-8a80a1165891" targetNamespace="http://schemas.microsoft.com/office/2006/metadata/properties" ma:root="true" ma:fieldsID="4e2496f70b101db0b8013f30a071bbf7" ns2:_="" ns3:_="">
     <xsd:import namespace="71af3243-3dd4-4a8d-8c0d-dd76da1f02a5"/>
@@ -8775,7 +8965,7 @@
 </ct:contentTypeSchema>
 </file>
 
-<file path=customXml/item2.xml><?xml version="1.0" encoding="utf-8"?>
+<file path=customXml/item3.xml><?xml version="1.0" encoding="utf-8"?>
 <?mso-contentType ?>
 <FormTemplates xmlns="http://schemas.microsoft.com/sharepoint/v3/contenttype/forms">
   <Display>DocumentLibraryForm</Display>
@@ -8784,16 +8974,24 @@
 </FormTemplates>
 </file>
 
-<file path=customXml/item3.xml><?xml version="1.0" encoding="utf-8"?>
-<p:properties xmlns:p="http://schemas.microsoft.com/office/2006/metadata/properties" xmlns:xsi="http://www.w3.org/2001/XMLSchema-instance" xmlns:pc="http://schemas.microsoft.com/office/infopath/2007/PartnerControls">
-  <documentManagement>
-    <Status xmlns="71af3243-3dd4-4a8d-8c0d-dd76da1f02a5">Not started</Status>
-    <MediaServiceKeyPoints xmlns="71af3243-3dd4-4a8d-8c0d-dd76da1f02a5" xsi:nil="true"/>
-  </documentManagement>
-</p:properties>
+<file path=customXml/itemProps1.xml><?xml version="1.0" encoding="utf-8"?>
+<ds:datastoreItem xmlns:ds="http://schemas.openxmlformats.org/officeDocument/2006/customXml" ds:itemID="{F4E32C0B-4052-44CB-9341-8AD8B2CC4712}">
+  <ds:schemaRefs>
+    <ds:schemaRef ds:uri="http://schemas.microsoft.com/office/2006/documentManagement/types"/>
+    <ds:schemaRef ds:uri="http://schemas.openxmlformats.org/package/2006/metadata/core-properties"/>
+    <ds:schemaRef ds:uri="16c05727-aa75-4e4a-9b5f-8a80a1165891"/>
+    <ds:schemaRef ds:uri="http://purl.org/dc/elements/1.1/"/>
+    <ds:schemaRef ds:uri="http://schemas.microsoft.com/office/infopath/2007/PartnerControls"/>
+    <ds:schemaRef ds:uri="http://schemas.microsoft.com/office/2006/metadata/properties"/>
+    <ds:schemaRef ds:uri="http://purl.org/dc/terms/"/>
+    <ds:schemaRef ds:uri="71af3243-3dd4-4a8d-8c0d-dd76da1f02a5"/>
+    <ds:schemaRef ds:uri="http://www.w3.org/XML/1998/namespace"/>
+    <ds:schemaRef ds:uri="http://purl.org/dc/dcmitype/"/>
+  </ds:schemaRefs>
+</ds:datastoreItem>
 </file>
 
-<file path=customXml/itemProps1.xml><?xml version="1.0" encoding="utf-8"?>
+<file path=customXml/itemProps2.xml><?xml version="1.0" encoding="utf-8"?>
 <ds:datastoreItem xmlns:ds="http://schemas.openxmlformats.org/officeDocument/2006/customXml" ds:itemID="{D6766BD6-F648-49AA-B7EC-13E75CECB99A}">
   <ds:schemaRefs>
     <ds:schemaRef ds:uri="http://schemas.microsoft.com/office/2006/metadata/contentType"/>
@@ -8812,20 +9010,10 @@
 </ds:datastoreItem>
 </file>
 
-<file path=customXml/itemProps2.xml><?xml version="1.0" encoding="utf-8"?>
+<file path=customXml/itemProps3.xml><?xml version="1.0" encoding="utf-8"?>
 <ds:datastoreItem xmlns:ds="http://schemas.openxmlformats.org/officeDocument/2006/customXml" ds:itemID="{EBB7C387-AFDC-4FE3-A658-984B7F35F155}">
   <ds:schemaRefs>
     <ds:schemaRef ds:uri="http://schemas.microsoft.com/sharepoint/v3/contenttype/forms"/>
   </ds:schemaRefs>
 </ds:datastoreItem>
-</file>
-
-<file path=customXml/itemProps3.xml><?xml version="1.0" encoding="utf-8"?>
-<ds:datastoreItem xmlns:ds="http://schemas.openxmlformats.org/officeDocument/2006/customXml" ds:itemID="{F4E32C0B-4052-44CB-9341-8AD8B2CC4712}">
-  <ds:schemaRefs>
-    <ds:schemaRef ds:uri="http://schemas.microsoft.com/office/2006/metadata/properties"/>
-    <ds:schemaRef ds:uri="http://schemas.microsoft.com/office/infopath/2007/PartnerControls"/>
-    <ds:schemaRef ds:uri="71af3243-3dd4-4a8d-8c0d-dd76da1f02a5"/>
-  </ds:schemaRefs>
-</ds:datastoreItem>
 </file>
--- a/courseMaterial/Objective-2-Simple Java Program/Basics_Of_A_Java_Program.pptx
+++ b/courseMaterial/Objective-2-Simple Java Program/Basics_Of_A_Java_Program.pptx
@@ -5,24 +5,23 @@
     <p:sldMasterId id="2147483648" r:id="rId4"/>
   </p:sldMasterIdLst>
   <p:notesMasterIdLst>
-    <p:notesMasterId r:id="rId17"/>
+    <p:notesMasterId r:id="rId16"/>
   </p:notesMasterIdLst>
   <p:handoutMasterIdLst>
-    <p:handoutMasterId r:id="rId18"/>
+    <p:handoutMasterId r:id="rId17"/>
   </p:handoutMasterIdLst>
   <p:sldIdLst>
     <p:sldId id="256" r:id="rId5"/>
     <p:sldId id="261" r:id="rId6"/>
     <p:sldId id="270" r:id="rId7"/>
-    <p:sldId id="271" r:id="rId8"/>
-    <p:sldId id="274" r:id="rId9"/>
-    <p:sldId id="272" r:id="rId10"/>
-    <p:sldId id="273" r:id="rId11"/>
-    <p:sldId id="275" r:id="rId12"/>
-    <p:sldId id="265" r:id="rId13"/>
-    <p:sldId id="267" r:id="rId14"/>
-    <p:sldId id="269" r:id="rId15"/>
-    <p:sldId id="268" r:id="rId16"/>
+    <p:sldId id="275" r:id="rId8"/>
+    <p:sldId id="265" r:id="rId9"/>
+    <p:sldId id="267" r:id="rId10"/>
+    <p:sldId id="271" r:id="rId11"/>
+    <p:sldId id="274" r:id="rId12"/>
+    <p:sldId id="272" r:id="rId13"/>
+    <p:sldId id="273" r:id="rId14"/>
+    <p:sldId id="268" r:id="rId15"/>
   </p:sldIdLst>
   <p:sldSz cx="12192000" cy="6858000"/>
   <p:notesSz cx="6858000" cy="9144000"/>
@@ -238,7 +237,7 @@
             <a:fld id="{68416927-5E9C-4E77-85FE-EE4C81C1DE39}" type="datetimeFigureOut">
               <a:rPr lang="en-US" smtClean="0"/>
               <a:pPr/>
-              <a:t>5/9/2020</a:t>
+              <a:t>5/10/2020</a:t>
             </a:fld>
             <a:endParaRPr lang="en-US" dirty="0"/>
           </a:p>
@@ -417,7 +416,7 @@
             <a:fld id="{FA798B7E-6604-4F74-86DB-B30627D56244}" type="datetimeFigureOut">
               <a:rPr lang="en-US" smtClean="0"/>
               <a:pPr/>
-              <a:t>5/9/2020</a:t>
+              <a:t>5/10/2020</a:t>
             </a:fld>
             <a:endParaRPr lang="en-US" dirty="0"/>
           </a:p>
@@ -4746,7 +4745,7 @@
             <a:pPr algn="ctr"/>
             <a:r>
               <a:rPr lang="en-US" dirty="0" smtClean="0"/>
-              <a:t>Command Line Arguments</a:t>
+              <a:t>Java Virtual Machine</a:t>
             </a:r>
             <a:endParaRPr lang="en-US" dirty="0"/>
           </a:p>
@@ -4770,8 +4769,8 @@
         </p:nvSpPr>
         <p:spPr>
           <a:xfrm>
-            <a:off x="838199" y="1825625"/>
-            <a:ext cx="9543473" cy="4351338"/>
+            <a:off x="838199" y="1690256"/>
+            <a:ext cx="10515600" cy="4486708"/>
           </a:xfrm>
         </p:spPr>
         <p:txBody>
@@ -4780,106 +4779,33 @@
           </a:bodyPr>
           <a:lstStyle/>
           <a:p>
-            <a:endParaRPr lang="en-US" noProof="1" smtClean="0"/>
-          </a:p>
-          <a:p>
-            <a:r>
-              <a:rPr lang="en-US" noProof="1" smtClean="0"/>
-              <a:t>While running a java program we can pass on some input to the program.</a:t>
-            </a:r>
-          </a:p>
-          <a:p>
-            <a:r>
-              <a:rPr lang="en-US" noProof="1" smtClean="0"/>
-              <a:t>Java reads this input in a String array.</a:t>
-            </a:r>
-          </a:p>
-          <a:p>
-            <a:r>
-              <a:rPr lang="en-US" noProof="1" smtClean="0"/>
-              <a:t>Ways of passing command lines : </a:t>
-            </a:r>
-          </a:p>
-          <a:p>
-            <a:pPr lvl="1"/>
-            <a:r>
-              <a:rPr lang="en-US" noProof="1" smtClean="0"/>
-              <a:t>a b c</a:t>
-            </a:r>
-          </a:p>
-          <a:p>
-            <a:pPr lvl="1"/>
-            <a:r>
-              <a:rPr lang="en-US" noProof="1" smtClean="0"/>
-              <a:t>a               b  c</a:t>
-            </a:r>
-          </a:p>
-          <a:p>
-            <a:pPr lvl="1"/>
-            <a:r>
-              <a:rPr lang="en-US" noProof="1" smtClean="0"/>
-              <a:t>“a ” b c</a:t>
-            </a:r>
-          </a:p>
-          <a:p>
-            <a:r>
-              <a:rPr lang="en-US" noProof="1" smtClean="0"/>
-              <a:t>In case </a:t>
-            </a:r>
-            <a:r>
-              <a:rPr lang="en-US" noProof="1" smtClean="0"/>
-              <a:t>if</a:t>
-            </a:r>
-            <a:r>
-              <a:rPr lang="en-US" noProof="1" smtClean="0"/>
-              <a:t> </a:t>
-            </a:r>
-            <a:r>
-              <a:rPr lang="en-US" noProof="1" smtClean="0"/>
-              <a:t>no </a:t>
-            </a:r>
-            <a:r>
-              <a:rPr lang="en-US" noProof="1" smtClean="0"/>
-              <a:t>argument is passed, </a:t>
-            </a:r>
-            <a:r>
-              <a:rPr lang="en-US" noProof="1" smtClean="0"/>
-              <a:t>an array of zero size is passed.</a:t>
-            </a:r>
-          </a:p>
-          <a:p>
-            <a:r>
-              <a:rPr lang="en-US" noProof="1" smtClean="0"/>
-              <a:t>Example : </a:t>
-            </a:r>
-            <a:r>
-              <a:rPr lang="en-US" noProof="1" smtClean="0"/>
-              <a:t>The programmer may want to write a program to print a message of his choice on the command line</a:t>
-            </a:r>
-            <a:r>
-              <a:rPr lang="en-US" noProof="1" smtClean="0"/>
-              <a:t>. The programmer </a:t>
-            </a:r>
-            <a:r>
-              <a:rPr lang="en-US" noProof="1" smtClean="0"/>
-              <a:t>would just pass the </a:t>
-            </a:r>
-            <a:r>
-              <a:rPr lang="en-US" noProof="1" smtClean="0"/>
-              <a:t>message </a:t>
-            </a:r>
-            <a:r>
-              <a:rPr lang="en-US" noProof="1" smtClean="0"/>
-              <a:t>that he wants to be displayed on command line and the program would display it</a:t>
-            </a:r>
-            <a:r>
-              <a:rPr lang="en-US" noProof="1" smtClean="0"/>
-              <a:t>.</a:t>
-            </a:r>
-            <a:endParaRPr lang="en-US" noProof="1" smtClean="0"/>
-          </a:p>
-          <a:p>
-            <a:endParaRPr lang="en-US" noProof="1"/>
+            <a:r>
+              <a:rPr lang="en-US" sz="2800" noProof="1" smtClean="0"/>
+              <a:t>Java virtual machine (JVM) is the piece of software that is responsible for running a java application.</a:t>
+            </a:r>
+          </a:p>
+          <a:p>
+            <a:r>
+              <a:rPr lang="en-US" sz="2800" noProof="1" smtClean="0"/>
+              <a:t>A java application is executed by the following command : </a:t>
+            </a:r>
+            <a:r>
+              <a:rPr lang="en-US" sz="2800" noProof="1"/>
+              <a:t/>
+            </a:r>
+            <a:br>
+              <a:rPr lang="en-US" sz="2800" noProof="1"/>
+            </a:br>
+            <a:r>
+              <a:rPr lang="en-US" sz="2800" noProof="1" smtClean="0"/>
+              <a:t>            java WelcomeToJava</a:t>
+            </a:r>
+          </a:p>
+          <a:p>
+            <a:r>
+              <a:rPr lang="en-US" sz="2800" noProof="1" smtClean="0"/>
+              <a:t>Here ‘java’ represents the java virtual machine(JVM) which runs the java program.</a:t>
+            </a:r>
           </a:p>
         </p:txBody>
       </p:sp>
@@ -5039,7 +4965,7 @@
     </p:spTree>
     <p:extLst>
       <p:ext uri="{BB962C8B-B14F-4D97-AF65-F5344CB8AC3E}">
-        <p14:creationId xmlns:p14="http://schemas.microsoft.com/office/powerpoint/2010/main" val="454014491"/>
+        <p14:creationId xmlns:p14="http://schemas.microsoft.com/office/powerpoint/2010/main" val="1418258753"/>
       </p:ext>
     </p:extLst>
   </p:cSld>
@@ -5078,334 +5004,6 @@
           <p:cNvPr id="2" name="Title 1">
             <a:extLst>
               <a:ext uri="{FF2B5EF4-FFF2-40B4-BE49-F238E27FC236}">
-                <a16:creationId xmlns:a16="http://schemas.microsoft.com/office/drawing/2014/main" id="{E199600F-A17E-4354-A7AB-0CC2A43A9354}"/>
-              </a:ext>
-            </a:extLst>
-          </p:cNvPr>
-          <p:cNvSpPr>
-            <a:spLocks noGrp="1"/>
-          </p:cNvSpPr>
-          <p:nvPr>
-            <p:ph type="title"/>
-          </p:nvPr>
-        </p:nvSpPr>
-        <p:spPr>
-          <a:xfrm>
-            <a:off x="838199" y="611079"/>
-            <a:ext cx="10515600" cy="833663"/>
-          </a:xfrm>
-        </p:spPr>
-        <p:txBody>
-          <a:bodyPr/>
-          <a:lstStyle/>
-          <a:p>
-            <a:pPr algn="ctr"/>
-            <a:r>
-              <a:rPr lang="en-US" dirty="0" smtClean="0"/>
-              <a:t>Compiling &amp; Running </a:t>
-            </a:r>
-            <a:endParaRPr lang="en-US" dirty="0"/>
-          </a:p>
-        </p:txBody>
-      </p:sp>
-      <p:sp>
-        <p:nvSpPr>
-          <p:cNvPr id="3" name="Content Placeholder 2">
-            <a:extLst>
-              <a:ext uri="{FF2B5EF4-FFF2-40B4-BE49-F238E27FC236}">
-                <a16:creationId xmlns:a16="http://schemas.microsoft.com/office/drawing/2014/main" id="{FA6A4B49-27C8-46B6-8B11-AD7E8F615E2C}"/>
-              </a:ext>
-            </a:extLst>
-          </p:cNvPr>
-          <p:cNvSpPr>
-            <a:spLocks noGrp="1"/>
-          </p:cNvSpPr>
-          <p:nvPr>
-            <p:ph idx="1"/>
-          </p:nvPr>
-        </p:nvSpPr>
-        <p:spPr>
-          <a:xfrm>
-            <a:off x="838199" y="1825625"/>
-            <a:ext cx="10515600" cy="4351338"/>
-          </a:xfrm>
-        </p:spPr>
-        <p:txBody>
-          <a:bodyPr>
-            <a:normAutofit/>
-          </a:bodyPr>
-          <a:lstStyle/>
-          <a:p>
-            <a:r>
-              <a:rPr lang="en-US" noProof="1" smtClean="0"/>
-              <a:t>In the beginning it is important to understand the semantics of running a java program from command line.</a:t>
-            </a:r>
-          </a:p>
-          <a:p>
-            <a:r>
-              <a:rPr lang="en-US" noProof="1" smtClean="0"/>
-              <a:t>Refrain from using any IDE for some time.</a:t>
-            </a:r>
-          </a:p>
-          <a:p>
-            <a:r>
-              <a:rPr lang="en-US" noProof="1" smtClean="0"/>
-              <a:t>Javac &amp; java are the two tools that JDK provides to compile and execute your program respectively.</a:t>
-            </a:r>
-          </a:p>
-          <a:p>
-            <a:r>
-              <a:rPr lang="en-US" b="1" noProof="1"/>
-              <a:t>j</a:t>
-            </a:r>
-            <a:r>
-              <a:rPr lang="en-US" b="1" noProof="1" smtClean="0"/>
-              <a:t>avac WelcomeToJava.java</a:t>
-            </a:r>
-            <a:r>
-              <a:rPr lang="en-US" noProof="1" smtClean="0"/>
-              <a:t> creates WelcomeToJava.class file.</a:t>
-            </a:r>
-          </a:p>
-          <a:p>
-            <a:r>
-              <a:rPr lang="en-US" b="1" noProof="1" smtClean="0"/>
-              <a:t>Java WelcomeToJava</a:t>
-            </a:r>
-            <a:r>
-              <a:rPr lang="en-US" noProof="1" smtClean="0"/>
-              <a:t> runs the program.</a:t>
-            </a:r>
-          </a:p>
-          <a:p>
-            <a:r>
-              <a:rPr lang="en-US" noProof="1" smtClean="0"/>
-              <a:t>Package declaration is not just a logical segregation but physical also.</a:t>
-            </a:r>
-          </a:p>
-          <a:p>
-            <a:r>
-              <a:rPr lang="en-US" noProof="1"/>
-              <a:t>Format for running a java program : </a:t>
-            </a:r>
-            <a:r>
-              <a:rPr lang="en-US" noProof="1" smtClean="0"/>
-              <a:t>java &lt;</a:t>
-            </a:r>
-            <a:r>
-              <a:rPr lang="en-US" noProof="1"/>
-              <a:t>packageName&gt;.&lt;MainClassName&gt;</a:t>
-            </a:r>
-          </a:p>
-          <a:p>
-            <a:endParaRPr lang="en-US" noProof="1" smtClean="0"/>
-          </a:p>
-          <a:p>
-            <a:endParaRPr lang="en-US" noProof="1" smtClean="0"/>
-          </a:p>
-          <a:p>
-            <a:endParaRPr lang="en-US" noProof="1" smtClean="0"/>
-          </a:p>
-          <a:p>
-            <a:endParaRPr lang="en-US" noProof="1" smtClean="0"/>
-          </a:p>
-          <a:p>
-            <a:endParaRPr lang="en-US" noProof="1"/>
-          </a:p>
-        </p:txBody>
-      </p:sp>
-      <p:sp>
-        <p:nvSpPr>
-          <p:cNvPr id="4" name="Slide Number Placeholder 3">
-            <a:extLst>
-              <a:ext uri="{FF2B5EF4-FFF2-40B4-BE49-F238E27FC236}">
-                <a16:creationId xmlns:a16="http://schemas.microsoft.com/office/drawing/2014/main" id="{62B4CE3A-8C88-45AA-A849-57E5A7AC22C1}"/>
-              </a:ext>
-            </a:extLst>
-          </p:cNvPr>
-          <p:cNvSpPr>
-            <a:spLocks noGrp="1"/>
-          </p:cNvSpPr>
-          <p:nvPr>
-            <p:ph type="sldNum" sz="quarter" idx="10"/>
-          </p:nvPr>
-        </p:nvSpPr>
-        <p:spPr>
-          <a:xfrm>
-            <a:off x="11353800" y="6361475"/>
-            <a:ext cx="838200" cy="360000"/>
-          </a:xfrm>
-        </p:spPr>
-        <p:txBody>
-          <a:bodyPr/>
-          <a:lstStyle/>
-          <a:p>
-            <a:r>
-              <a:rPr lang="en-US" dirty="0"/>
-              <a:t>PAGE </a:t>
-            </a:r>
-            <a:fld id="{4A9B5881-4007-4345-955A-79C2656F0C49}" type="slidenum">
-              <a:rPr lang="en-US" smtClean="0"/>
-              <a:pPr/>
-              <a:t>11</a:t>
-            </a:fld>
-            <a:endParaRPr lang="en-US" dirty="0"/>
-          </a:p>
-        </p:txBody>
-      </p:sp>
-      <p:sp>
-        <p:nvSpPr>
-          <p:cNvPr id="11" name="Rectangle 10">
-            <a:extLst>
-              <a:ext uri="{FF2B5EF4-FFF2-40B4-BE49-F238E27FC236}">
-                <a16:creationId xmlns:a16="http://schemas.microsoft.com/office/drawing/2014/main" id="{5F253864-26FA-4AB1-9F0A-4F57D870EE85}"/>
-              </a:ext>
-              <a:ext uri="{C183D7F6-B498-43B3-948B-1728B52AA6E4}">
-                <adec:decorative xmlns:adec="http://schemas.microsoft.com/office/drawing/2017/decorative" xmlns="" val="1"/>
-              </a:ext>
-            </a:extLst>
-          </p:cNvPr>
-          <p:cNvSpPr/>
-          <p:nvPr/>
-        </p:nvSpPr>
-        <p:spPr>
-          <a:xfrm>
-            <a:off x="6249555" y="6562004"/>
-            <a:ext cx="2552123" cy="159471"/>
-          </a:xfrm>
-          <a:prstGeom prst="rect">
-            <a:avLst/>
-          </a:prstGeom>
-          <a:solidFill>
-            <a:schemeClr val="tx1">
-              <a:lumMod val="85000"/>
-              <a:lumOff val="15000"/>
-            </a:schemeClr>
-          </a:solidFill>
-          <a:ln>
-            <a:noFill/>
-          </a:ln>
-        </p:spPr>
-        <p:style>
-          <a:lnRef idx="2">
-            <a:schemeClr val="accent1">
-              <a:shade val="50000"/>
-            </a:schemeClr>
-          </a:lnRef>
-          <a:fillRef idx="1">
-            <a:schemeClr val="accent1"/>
-          </a:fillRef>
-          <a:effectRef idx="0">
-            <a:schemeClr val="accent1"/>
-          </a:effectRef>
-          <a:fontRef idx="minor">
-            <a:schemeClr val="lt1"/>
-          </a:fontRef>
-        </p:style>
-        <p:txBody>
-          <a:bodyPr anchor="ctr"/>
-          <a:lstStyle/>
-          <a:p>
-            <a:pPr algn="ctr"/>
-            <a:endParaRPr lang="en-US" sz="1200" dirty="0"/>
-          </a:p>
-        </p:txBody>
-      </p:sp>
-      <p:sp>
-        <p:nvSpPr>
-          <p:cNvPr id="5" name="Rectangle 4"/>
-          <p:cNvSpPr/>
-          <p:nvPr/>
-        </p:nvSpPr>
-        <p:spPr>
-          <a:xfrm>
-            <a:off x="5785658" y="3244334"/>
-            <a:ext cx="620683" cy="369332"/>
-          </a:xfrm>
-          <a:prstGeom prst="rect">
-            <a:avLst/>
-          </a:prstGeom>
-        </p:spPr>
-        <p:txBody>
-          <a:bodyPr wrap="none">
-            <a:spAutoFit/>
-          </a:bodyPr>
-          <a:lstStyle/>
-          <a:p>
-            <a:r>
-              <a:rPr lang="en-US" dirty="0"/>
-              <a:t>a b c</a:t>
-            </a:r>
-          </a:p>
-        </p:txBody>
-      </p:sp>
-      <p:sp>
-        <p:nvSpPr>
-          <p:cNvPr id="6" name="Rectangle 5"/>
-          <p:cNvSpPr/>
-          <p:nvPr/>
-        </p:nvSpPr>
-        <p:spPr>
-          <a:xfrm>
-            <a:off x="5785658" y="3244334"/>
-            <a:ext cx="184731" cy="369332"/>
-          </a:xfrm>
-          <a:prstGeom prst="rect">
-            <a:avLst/>
-          </a:prstGeom>
-        </p:spPr>
-        <p:txBody>
-          <a:bodyPr wrap="none">
-            <a:spAutoFit/>
-          </a:bodyPr>
-          <a:lstStyle/>
-          <a:p>
-            <a:endParaRPr lang="en-US" dirty="0"/>
-          </a:p>
-        </p:txBody>
-      </p:sp>
-    </p:spTree>
-    <p:extLst>
-      <p:ext uri="{BB962C8B-B14F-4D97-AF65-F5344CB8AC3E}">
-        <p14:creationId xmlns:p14="http://schemas.microsoft.com/office/powerpoint/2010/main" val="732706058"/>
-      </p:ext>
-    </p:extLst>
-  </p:cSld>
-  <p:clrMapOvr>
-    <a:masterClrMapping/>
-  </p:clrMapOvr>
-  <p:timing>
-    <p:tnLst>
-      <p:par>
-        <p:cTn id="1" dur="indefinite" restart="never" nodeType="tmRoot"/>
-      </p:par>
-    </p:tnLst>
-  </p:timing>
-</p:sld>
-</file>
-
-<file path=ppt/slides/slide12.xml><?xml version="1.0" encoding="utf-8"?>
-<p:sld xmlns:a="http://schemas.openxmlformats.org/drawingml/2006/main" xmlns:r="http://schemas.openxmlformats.org/officeDocument/2006/relationships" xmlns:p="http://schemas.openxmlformats.org/presentationml/2006/main">
-  <p:cSld>
-    <p:spTree>
-      <p:nvGrpSpPr>
-        <p:cNvPr id="1" name=""/>
-        <p:cNvGrpSpPr/>
-        <p:nvPr/>
-      </p:nvGrpSpPr>
-      <p:grpSpPr>
-        <a:xfrm>
-          <a:off x="0" y="0"/>
-          <a:ext cx="0" cy="0"/>
-          <a:chOff x="0" y="0"/>
-          <a:chExt cx="0" cy="0"/>
-        </a:xfrm>
-      </p:grpSpPr>
-      <p:sp>
-        <p:nvSpPr>
-          <p:cNvPr id="2" name="Title 1">
-            <a:extLst>
-              <a:ext uri="{FF2B5EF4-FFF2-40B4-BE49-F238E27FC236}">
                 <a16:creationId xmlns:a16="http://schemas.microsoft.com/office/drawing/2014/main" id="{C8F58AE6-56F6-44E8-8BBF-23277B1773E4}"/>
               </a:ext>
             </a:extLst>
@@ -5493,7 +5091,7 @@
             <a:fld id="{4A9B5881-4007-4345-955A-79C2656F0C49}" type="slidenum">
               <a:rPr lang="en-US" smtClean="0"/>
               <a:pPr/>
-              <a:t>12</a:t>
+              <a:t>11</a:t>
             </a:fld>
             <a:endParaRPr lang="en-US" dirty="0"/>
           </a:p>
@@ -5948,15 +5546,7 @@
           <a:p>
             <a:r>
               <a:rPr lang="en-US" sz="2800" noProof="1" smtClean="0"/>
-              <a:t>Step 2 : Save the code in (Step 1) into a file with .java </a:t>
-            </a:r>
-            <a:r>
-              <a:rPr lang="en-US" sz="2800" noProof="1" smtClean="0"/>
-              <a:t>extension</a:t>
-            </a:r>
-            <a:r>
-              <a:rPr lang="en-US" sz="2800" noProof="1" smtClean="0"/>
-              <a:t>.</a:t>
+              <a:t>Step 2 : Save the code in (Step 1) into a file with .java extension.</a:t>
             </a:r>
           </a:p>
           <a:p>
@@ -5968,7 +5558,7 @@
           <a:p>
             <a:r>
               <a:rPr lang="en-US" sz="2800" noProof="1" smtClean="0"/>
-              <a:t>Step 4 : Run the program using the java command.</a:t>
+              <a:t>Step 4 : Run the program using the java command and the generated .class file.</a:t>
             </a:r>
             <a:endParaRPr lang="en-US" sz="2800" noProof="1"/>
           </a:p>
@@ -6192,10 +5782,9 @@
           <a:p>
             <a:pPr algn="ctr"/>
             <a:r>
-              <a:rPr lang="en-US" dirty="0" smtClean="0"/>
-              <a:t>Compile Step</a:t>
-            </a:r>
-            <a:endParaRPr lang="en-US" dirty="0"/>
+              <a:rPr lang="en-US" dirty="0"/>
+              <a:t>Writing the first Java program</a:t>
+            </a:r>
           </a:p>
         </p:txBody>
       </p:sp>
@@ -6217,40 +5806,42 @@
         </p:nvSpPr>
         <p:spPr>
           <a:xfrm>
-            <a:off x="838199" y="1773382"/>
-            <a:ext cx="10515600" cy="4403581"/>
+            <a:off x="838200" y="1825625"/>
+            <a:ext cx="5132190" cy="4351338"/>
           </a:xfrm>
         </p:spPr>
         <p:txBody>
           <a:bodyPr>
-            <a:noAutofit/>
+            <a:normAutofit/>
           </a:bodyPr>
           <a:lstStyle/>
           <a:p>
-            <a:r>
-              <a:rPr lang="en-US" sz="2400" dirty="0"/>
-              <a:t>As per wiki , a compiler is a computer program that translates computer code written in one programming language (the source language) into another language (the target language</a:t>
-            </a:r>
-            <a:r>
-              <a:rPr lang="en-US" sz="2400" dirty="0" smtClean="0"/>
-              <a:t>). It could generate an intermediate code or an executable file that can directly be executed on the underlying platform.</a:t>
-            </a:r>
-          </a:p>
-          <a:p>
-            <a:r>
-              <a:rPr lang="en-US" sz="2400" noProof="1" smtClean="0"/>
-              <a:t>Java compiler takes the source code written in a .java file and converts  that code into an intermediate code known as Bytecode.This byte code is then executed using java command. This executes our program and generates an output accordingly.</a:t>
-            </a:r>
-          </a:p>
-          <a:p>
-            <a:r>
-              <a:rPr lang="en-US" sz="2400" noProof="1" smtClean="0"/>
-              <a:t>The intermediate byte code that is generated during the compile step is an important step as that makes Java platform independent. This means that the .class file can be taken on any platform/machine/OS and executed there</a:t>
-            </a:r>
-            <a:r>
-              <a:rPr lang="en-US" sz="2400" noProof="1" smtClean="0"/>
-              <a:t>.</a:t>
-            </a:r>
+            <a:endParaRPr lang="en-US" noProof="1" smtClean="0"/>
+          </a:p>
+          <a:p>
+            <a:r>
+              <a:rPr lang="en-US" noProof="1" smtClean="0"/>
+              <a:t>WelcomeToJava is the name of a class. This class is present in a file named WelcomeToJava.java</a:t>
+            </a:r>
+          </a:p>
+          <a:p>
+            <a:r>
+              <a:rPr lang="en-US" noProof="1" smtClean="0"/>
+              <a:t>The class WelcomeToJava contains a method named main().</a:t>
+            </a:r>
+          </a:p>
+          <a:p>
+            <a:r>
+              <a:rPr lang="en-US" noProof="1" smtClean="0"/>
+              <a:t>The method main() takes in a parameter of type String.</a:t>
+            </a:r>
+          </a:p>
+          <a:p>
+            <a:r>
+              <a:rPr lang="en-US" noProof="1" smtClean="0"/>
+              <a:t>The statement System.out.println is used to print to the command line. Here the program prints the string ‘Welcome to Java !!’ on the command line.</a:t>
+            </a:r>
+            <a:endParaRPr lang="en-US" noProof="1"/>
           </a:p>
         </p:txBody>
       </p:sp>
@@ -6388,7 +5979,7 @@
         <p:spPr>
           <a:xfrm>
             <a:off x="5785658" y="3244334"/>
-            <a:ext cx="620683" cy="369332"/>
+            <a:ext cx="184731" cy="369332"/>
           </a:xfrm>
           <a:prstGeom prst="rect">
             <a:avLst/>
@@ -6400,17 +5991,44 @@
           </a:bodyPr>
           <a:lstStyle/>
           <a:p>
-            <a:r>
-              <a:rPr lang="en-US" dirty="0"/>
-              <a:t>a b c</a:t>
-            </a:r>
-          </a:p>
-        </p:txBody>
-      </p:sp>
+            <a:endParaRPr lang="en-US" dirty="0"/>
+          </a:p>
+        </p:txBody>
+      </p:sp>
+      <p:pic>
+        <p:nvPicPr>
+          <p:cNvPr id="7" name="Picture 6"/>
+          <p:cNvPicPr>
+            <a:picLocks noChangeAspect="1"/>
+          </p:cNvPicPr>
+          <p:nvPr/>
+        </p:nvPicPr>
+        <p:blipFill>
+          <a:blip r:embed="rId2">
+            <a:extLst>
+              <a:ext uri="{28A0092B-C50C-407E-A947-70E740481C1C}">
+                <a14:useLocalDpi xmlns:a14="http://schemas.microsoft.com/office/drawing/2010/main" val="0"/>
+              </a:ext>
+            </a:extLst>
+          </a:blip>
+          <a:stretch>
+            <a:fillRect/>
+          </a:stretch>
+        </p:blipFill>
+        <p:spPr>
+          <a:xfrm>
+            <a:off x="6406342" y="2032000"/>
+            <a:ext cx="4947458" cy="3953164"/>
+          </a:xfrm>
+          <a:prstGeom prst="rect">
+            <a:avLst/>
+          </a:prstGeom>
+        </p:spPr>
+      </p:pic>
     </p:spTree>
     <p:extLst>
       <p:ext uri="{BB962C8B-B14F-4D97-AF65-F5344CB8AC3E}">
-        <p14:creationId xmlns:p14="http://schemas.microsoft.com/office/powerpoint/2010/main" val="2019283073"/>
+        <p14:creationId xmlns:p14="http://schemas.microsoft.com/office/powerpoint/2010/main" val="1205512344"/>
       </p:ext>
     </p:extLst>
   </p:cSld>
@@ -6462,7 +6080,7 @@
         </p:nvSpPr>
         <p:spPr>
           <a:xfrm>
-            <a:off x="838199" y="611079"/>
+            <a:off x="838199" y="712163"/>
             <a:ext cx="10515600" cy="833663"/>
           </a:xfrm>
         </p:spPr>
@@ -6473,7 +6091,15 @@
             <a:pPr algn="ctr"/>
             <a:r>
               <a:rPr lang="en-US" dirty="0" smtClean="0"/>
-              <a:t>C++: The pre-Java world</a:t>
+              <a:t>Entry Point to the World of Java : main() </a:t>
+            </a:r>
+            <a:r>
+              <a:rPr lang="en-US" dirty="0"/>
+              <a:t>m</a:t>
+            </a:r>
+            <a:r>
+              <a:rPr lang="en-US" dirty="0" smtClean="0"/>
+              <a:t>ethod</a:t>
             </a:r>
             <a:endParaRPr lang="en-US" dirty="0"/>
           </a:p>
@@ -6497,32 +6123,41 @@
         </p:nvSpPr>
         <p:spPr>
           <a:xfrm>
-            <a:off x="838199" y="1773382"/>
-            <a:ext cx="10515600" cy="4403581"/>
+            <a:off x="838200" y="1825625"/>
+            <a:ext cx="6005945" cy="4351338"/>
           </a:xfrm>
         </p:spPr>
         <p:txBody>
           <a:bodyPr>
-            <a:noAutofit/>
+            <a:normAutofit/>
           </a:bodyPr>
           <a:lstStyle/>
           <a:p>
-            <a:r>
-              <a:rPr lang="en-US" sz="2400" noProof="1" smtClean="0"/>
-              <a:t>Java is primarily based one of the popular programming language. </a:t>
-            </a:r>
-          </a:p>
-          <a:p>
-            <a:r>
-              <a:rPr lang="en-US" sz="2400" noProof="1" smtClean="0"/>
-              <a:t>One of the major drawback of C++ was that the executable code was not platform independent. This means that the code written in C++ had to be compiled again and again for different platforms. This was a teadious task for a programmer to do.</a:t>
-            </a:r>
-          </a:p>
-          <a:p>
-            <a:r>
-              <a:rPr lang="en-US" sz="2400" noProof="1" smtClean="0"/>
-              <a:t>Java creators had this issue at the back of their mind and they wrote java in such a was to do away with this drawback.</a:t>
-            </a:r>
+            <a:endParaRPr lang="en-US" dirty="0" smtClean="0"/>
+          </a:p>
+          <a:p>
+            <a:r>
+              <a:rPr lang="en-US" dirty="0" smtClean="0"/>
+              <a:t>Serves as an entry point to any java program. Almost all java programs whether it be a web server written in java or a web application or a desktop application , all begin with a main method and then extend further.</a:t>
+            </a:r>
+          </a:p>
+          <a:p>
+            <a:endParaRPr lang="en-US" dirty="0" smtClean="0"/>
+          </a:p>
+          <a:p>
+            <a:r>
+              <a:rPr lang="en-US" dirty="0" smtClean="0"/>
+              <a:t>Just like a VISA document acts like an entry point to any country and you need to satisfy all the conditions in order to possess one, similar is the case with main method in java.	</a:t>
+            </a:r>
+          </a:p>
+          <a:p>
+            <a:r>
+              <a:rPr lang="en-US" dirty="0" smtClean="0"/>
+              <a:t>There many valid and invalid ways of writing a main method.</a:t>
+            </a:r>
+          </a:p>
+          <a:p>
+            <a:endParaRPr lang="en-US" dirty="0" smtClean="0"/>
           </a:p>
         </p:txBody>
       </p:sp>
@@ -6623,66 +6258,40 @@
           </a:p>
         </p:txBody>
       </p:sp>
-      <p:sp>
-        <p:nvSpPr>
-          <p:cNvPr id="5" name="Rectangle 4"/>
-          <p:cNvSpPr/>
+      <p:pic>
+        <p:nvPicPr>
+          <p:cNvPr id="6" name="Picture 5"/>
+          <p:cNvPicPr>
+            <a:picLocks noChangeAspect="1"/>
+          </p:cNvPicPr>
           <p:nvPr/>
-        </p:nvSpPr>
-        <p:spPr>
-          <a:xfrm>
-            <a:off x="5785658" y="3244334"/>
-            <a:ext cx="620683" cy="369332"/>
+        </p:nvPicPr>
+        <p:blipFill>
+          <a:blip r:embed="rId2" cstate="print">
+            <a:extLst>
+              <a:ext uri="{28A0092B-C50C-407E-A947-70E740481C1C}">
+                <a14:useLocalDpi xmlns:a14="http://schemas.microsoft.com/office/drawing/2010/main" val="0"/>
+              </a:ext>
+            </a:extLst>
+          </a:blip>
+          <a:stretch>
+            <a:fillRect/>
+          </a:stretch>
+        </p:blipFill>
+        <p:spPr>
+          <a:xfrm>
+            <a:off x="7019636" y="1964447"/>
+            <a:ext cx="4334163" cy="4204507"/>
           </a:xfrm>
           <a:prstGeom prst="rect">
             <a:avLst/>
           </a:prstGeom>
         </p:spPr>
-        <p:txBody>
-          <a:bodyPr wrap="none">
-            <a:spAutoFit/>
-          </a:bodyPr>
-          <a:lstStyle/>
-          <a:p>
-            <a:r>
-              <a:rPr lang="en-US" dirty="0"/>
-              <a:t>a b c</a:t>
-            </a:r>
-          </a:p>
-        </p:txBody>
-      </p:sp>
-      <p:sp>
-        <p:nvSpPr>
-          <p:cNvPr id="6" name="Rectangle 5"/>
-          <p:cNvSpPr/>
-          <p:nvPr/>
-        </p:nvSpPr>
-        <p:spPr>
-          <a:xfrm>
-            <a:off x="5785658" y="3244334"/>
-            <a:ext cx="620683" cy="369332"/>
-          </a:xfrm>
-          <a:prstGeom prst="rect">
-            <a:avLst/>
-          </a:prstGeom>
-        </p:spPr>
-        <p:txBody>
-          <a:bodyPr wrap="none">
-            <a:spAutoFit/>
-          </a:bodyPr>
-          <a:lstStyle/>
-          <a:p>
-            <a:r>
-              <a:rPr lang="en-US" dirty="0"/>
-              <a:t>a b c</a:t>
-            </a:r>
-          </a:p>
-        </p:txBody>
-      </p:sp>
+      </p:pic>
     </p:spTree>
     <p:extLst>
       <p:ext uri="{BB962C8B-B14F-4D97-AF65-F5344CB8AC3E}">
-        <p14:creationId xmlns:p14="http://schemas.microsoft.com/office/powerpoint/2010/main" val="1217510655"/>
+        <p14:creationId xmlns:p14="http://schemas.microsoft.com/office/powerpoint/2010/main" val="2944664186"/>
       </p:ext>
     </p:extLst>
   </p:cSld>
@@ -6745,7 +6354,7 @@
             <a:pPr algn="ctr"/>
             <a:r>
               <a:rPr lang="en-US" dirty="0" smtClean="0"/>
-              <a:t>Java : Platform Independency</a:t>
+              <a:t>Command Line Arguments</a:t>
             </a:r>
             <a:endParaRPr lang="en-US" dirty="0"/>
           </a:p>
@@ -6769,8 +6378,8 @@
         </p:nvSpPr>
         <p:spPr>
           <a:xfrm>
-            <a:off x="838199" y="1773382"/>
-            <a:ext cx="10515600" cy="4403581"/>
+            <a:off x="838199" y="1825625"/>
+            <a:ext cx="9543473" cy="4351338"/>
           </a:xfrm>
         </p:spPr>
         <p:txBody>
@@ -6779,11 +6388,61 @@
           </a:bodyPr>
           <a:lstStyle/>
           <a:p>
-            <a:r>
-              <a:rPr lang="en-US" sz="2800" noProof="1" smtClean="0"/>
-              <a:t>This is known as Write once run anywhere (WORA).</a:t>
-            </a:r>
-            <a:endParaRPr lang="en-US" sz="2800" noProof="1"/>
+            <a:endParaRPr lang="en-US" noProof="1" smtClean="0"/>
+          </a:p>
+          <a:p>
+            <a:r>
+              <a:rPr lang="en-US" noProof="1" smtClean="0"/>
+              <a:t>While running a java program we can pass on some input to the program.</a:t>
+            </a:r>
+          </a:p>
+          <a:p>
+            <a:r>
+              <a:rPr lang="en-US" noProof="1" smtClean="0"/>
+              <a:t>Java reads this input in a String array.</a:t>
+            </a:r>
+          </a:p>
+          <a:p>
+            <a:r>
+              <a:rPr lang="en-US" noProof="1" smtClean="0"/>
+              <a:t>Ways of passing command lines : </a:t>
+            </a:r>
+          </a:p>
+          <a:p>
+            <a:pPr lvl="1"/>
+            <a:r>
+              <a:rPr lang="en-US" noProof="1" smtClean="0"/>
+              <a:t>a b c</a:t>
+            </a:r>
+          </a:p>
+          <a:p>
+            <a:pPr lvl="1"/>
+            <a:r>
+              <a:rPr lang="en-US" noProof="1" smtClean="0"/>
+              <a:t>a               b  c</a:t>
+            </a:r>
+          </a:p>
+          <a:p>
+            <a:pPr lvl="1"/>
+            <a:r>
+              <a:rPr lang="en-US" noProof="1" smtClean="0"/>
+              <a:t>“a ” b c</a:t>
+            </a:r>
+          </a:p>
+          <a:p>
+            <a:r>
+              <a:rPr lang="en-US" noProof="1" smtClean="0"/>
+              <a:t>In case if no argument is passed, an array of zero size is passed.</a:t>
+            </a:r>
+          </a:p>
+          <a:p>
+            <a:r>
+              <a:rPr lang="en-US" noProof="1" smtClean="0"/>
+              <a:t>Example : The programmer may want to write a program to print a message of his choice on the command line. The programmer would just pass the message that he wants to be displayed on command line and the program would display it.</a:t>
+            </a:r>
+          </a:p>
+          <a:p>
+            <a:endParaRPr lang="en-US" noProof="1"/>
           </a:p>
         </p:txBody>
       </p:sp>
@@ -6943,7 +6602,7 @@
     </p:spTree>
     <p:extLst>
       <p:ext uri="{BB962C8B-B14F-4D97-AF65-F5344CB8AC3E}">
-        <p14:creationId xmlns:p14="http://schemas.microsoft.com/office/powerpoint/2010/main" val="506255617"/>
+        <p14:creationId xmlns:p14="http://schemas.microsoft.com/office/powerpoint/2010/main" val="454014491"/>
       </p:ext>
     </p:extLst>
   </p:cSld>
@@ -7006,7 +6665,7 @@
             <a:pPr algn="ctr"/>
             <a:r>
               <a:rPr lang="en-US" dirty="0" smtClean="0"/>
-              <a:t>Java Virtual Machine</a:t>
+              <a:t>Compile Step</a:t>
             </a:r>
             <a:endParaRPr lang="en-US" dirty="0"/>
           </a:p>
@@ -7030,42 +6689,44 @@
         </p:nvSpPr>
         <p:spPr>
           <a:xfrm>
-            <a:off x="838199" y="1690256"/>
-            <a:ext cx="10515600" cy="4486708"/>
+            <a:off x="838199" y="1773382"/>
+            <a:ext cx="10515600" cy="4403581"/>
           </a:xfrm>
         </p:spPr>
         <p:txBody>
           <a:bodyPr>
-            <a:normAutofit/>
+            <a:noAutofit/>
           </a:bodyPr>
           <a:lstStyle/>
           <a:p>
             <a:r>
-              <a:rPr lang="en-US" sz="2800" noProof="1" smtClean="0"/>
-              <a:t>Java virtual machine (JVM) is the piece of software that is responsible for running a java application.</a:t>
-            </a:r>
-          </a:p>
-          <a:p>
-            <a:r>
-              <a:rPr lang="en-US" sz="2800" noProof="1" smtClean="0"/>
-              <a:t>A java application is executed by the following command : </a:t>
-            </a:r>
-            <a:r>
-              <a:rPr lang="en-US" sz="2800" noProof="1"/>
-              <a:t/>
-            </a:r>
-            <a:br>
-              <a:rPr lang="en-US" sz="2800" noProof="1"/>
-            </a:br>
-            <a:r>
-              <a:rPr lang="en-US" sz="2800" noProof="1" smtClean="0"/>
-              <a:t>            java WelcomeToJava</a:t>
-            </a:r>
-          </a:p>
-          <a:p>
-            <a:r>
-              <a:rPr lang="en-US" sz="2800" noProof="1" smtClean="0"/>
-              <a:t>Here ‘java’ represents the java virtual machine(JVM) which runs the java program.</a:t>
+              <a:rPr lang="en-US" sz="2400" dirty="0"/>
+              <a:t>As per wiki , a compiler is a computer program that translates computer code written in one programming language (the source language) into another language (the target </a:t>
+            </a:r>
+            <a:r>
+              <a:rPr lang="en-US" sz="2400" dirty="0" smtClean="0"/>
+              <a:t>language</a:t>
+            </a:r>
+          </a:p>
+          <a:p>
+            <a:r>
+              <a:rPr lang="en-US" sz="2400" noProof="1" smtClean="0"/>
+              <a:t>Java </a:t>
+            </a:r>
+            <a:r>
+              <a:rPr lang="en-US" sz="2400" noProof="1" smtClean="0"/>
+              <a:t>compiler takes the source code written in a .java file and converts  that code into an intermediate code known as </a:t>
+            </a:r>
+            <a:r>
+              <a:rPr lang="en-US" sz="2400" noProof="1" smtClean="0"/>
+              <a:t>Bytecode.</a:t>
+            </a:r>
+            <a:endParaRPr lang="en-US" sz="2400" noProof="1" smtClean="0"/>
+          </a:p>
+          <a:p>
+            <a:r>
+              <a:rPr lang="en-US" sz="2400" noProof="1" smtClean="0"/>
+              <a:t>The intermediate byte code that is generated during the compile step is an important step as that makes Java platform independent. This means that the .class file can be taken on any platform/machine/OS and executed there.</a:t>
             </a:r>
           </a:p>
         </p:txBody>
@@ -7226,7 +6887,7 @@
     </p:spTree>
     <p:extLst>
       <p:ext uri="{BB962C8B-B14F-4D97-AF65-F5344CB8AC3E}">
-        <p14:creationId xmlns:p14="http://schemas.microsoft.com/office/powerpoint/2010/main" val="1418258753"/>
+        <p14:creationId xmlns:p14="http://schemas.microsoft.com/office/powerpoint/2010/main" val="2019283073"/>
       </p:ext>
     </p:extLst>
   </p:cSld>
@@ -7288,8 +6949,8 @@
           <a:p>
             <a:pPr algn="ctr"/>
             <a:r>
-              <a:rPr lang="en-US" dirty="0"/>
-              <a:t>Writing the first Java program</a:t>
+              <a:rPr lang="en-US" dirty="0" smtClean="0"/>
+              <a:t>C++: The pre-Java world</a:t>
             </a:r>
             <a:endParaRPr lang="en-US" dirty="0"/>
           </a:p>
@@ -7313,42 +6974,32 @@
         </p:nvSpPr>
         <p:spPr>
           <a:xfrm>
-            <a:off x="838200" y="1825625"/>
-            <a:ext cx="5132190" cy="4351338"/>
+            <a:off x="838199" y="1773382"/>
+            <a:ext cx="10515600" cy="4403581"/>
           </a:xfrm>
         </p:spPr>
         <p:txBody>
           <a:bodyPr>
-            <a:normAutofit/>
+            <a:noAutofit/>
           </a:bodyPr>
           <a:lstStyle/>
           <a:p>
-            <a:endParaRPr lang="en-US" noProof="1" smtClean="0"/>
-          </a:p>
-          <a:p>
-            <a:r>
-              <a:rPr lang="en-US" noProof="1" smtClean="0"/>
-              <a:t>WelcomeToJava is the name of a class. This class is present in a file named WelcomeToJava.java</a:t>
-            </a:r>
-          </a:p>
-          <a:p>
-            <a:r>
-              <a:rPr lang="en-US" noProof="1" smtClean="0"/>
-              <a:t>The class WelcomeToJava contains a method named main().</a:t>
-            </a:r>
-          </a:p>
-          <a:p>
-            <a:r>
-              <a:rPr lang="en-US" noProof="1" smtClean="0"/>
-              <a:t>The method main() takes in a parameter of type String.</a:t>
-            </a:r>
-          </a:p>
-          <a:p>
-            <a:r>
-              <a:rPr lang="en-US" noProof="1" smtClean="0"/>
-              <a:t>The statement System.out.println is used to print to the command line. Here the program prints the string ‘Welcome to Java !!’ on the command line.</a:t>
-            </a:r>
-            <a:endParaRPr lang="en-US" noProof="1"/>
+            <a:r>
+              <a:rPr lang="en-US" sz="2400" noProof="1" smtClean="0"/>
+              <a:t>Java is primarily based one of the popular programming language. </a:t>
+            </a:r>
+          </a:p>
+          <a:p>
+            <a:r>
+              <a:rPr lang="en-US" sz="2400" noProof="1" smtClean="0"/>
+              <a:t>One of the major drawback of C++ was that the executable code was not platform independent. This means that the code written in C++ had to be compiled again and again for different platforms. This was a teadious task for a programmer to do.</a:t>
+            </a:r>
+          </a:p>
+          <a:p>
+            <a:r>
+              <a:rPr lang="en-US" sz="2400" noProof="1" smtClean="0"/>
+              <a:t>Java creators had this issue at the back of their mind and they wrote java in such a was to do away with this drawback.</a:t>
+            </a:r>
           </a:p>
         </p:txBody>
       </p:sp>
@@ -7486,7 +7137,7 @@
         <p:spPr>
           <a:xfrm>
             <a:off x="5785658" y="3244334"/>
-            <a:ext cx="184731" cy="369332"/>
+            <a:ext cx="620683" cy="369332"/>
           </a:xfrm>
           <a:prstGeom prst="rect">
             <a:avLst/>
@@ -7498,44 +7149,17 @@
           </a:bodyPr>
           <a:lstStyle/>
           <a:p>
-            <a:endParaRPr lang="en-US" dirty="0"/>
-          </a:p>
-        </p:txBody>
-      </p:sp>
-      <p:pic>
-        <p:nvPicPr>
-          <p:cNvPr id="8" name="Picture 7"/>
-          <p:cNvPicPr>
-            <a:picLocks noChangeAspect="1"/>
-          </p:cNvPicPr>
-          <p:nvPr/>
-        </p:nvPicPr>
-        <p:blipFill>
-          <a:blip r:embed="rId2">
-            <a:extLst>
-              <a:ext uri="{28A0092B-C50C-407E-A947-70E740481C1C}">
-                <a14:useLocalDpi xmlns:a14="http://schemas.microsoft.com/office/drawing/2010/main" val="0"/>
-              </a:ext>
-            </a:extLst>
-          </a:blip>
-          <a:stretch>
-            <a:fillRect/>
-          </a:stretch>
-        </p:blipFill>
-        <p:spPr>
-          <a:xfrm>
-            <a:off x="6249555" y="1825625"/>
-            <a:ext cx="4987405" cy="4351337"/>
-          </a:xfrm>
-          <a:prstGeom prst="rect">
-            <a:avLst/>
-          </a:prstGeom>
-        </p:spPr>
-      </p:pic>
+            <a:r>
+              <a:rPr lang="en-US" dirty="0"/>
+              <a:t>a b c</a:t>
+            </a:r>
+          </a:p>
+        </p:txBody>
+      </p:sp>
     </p:spTree>
     <p:extLst>
       <p:ext uri="{BB962C8B-B14F-4D97-AF65-F5344CB8AC3E}">
-        <p14:creationId xmlns:p14="http://schemas.microsoft.com/office/powerpoint/2010/main" val="1205512344"/>
+        <p14:creationId xmlns:p14="http://schemas.microsoft.com/office/powerpoint/2010/main" val="1217510655"/>
       </p:ext>
     </p:extLst>
   </p:cSld>
@@ -7587,7 +7211,7 @@
         </p:nvSpPr>
         <p:spPr>
           <a:xfrm>
-            <a:off x="838199" y="712163"/>
+            <a:off x="838199" y="611079"/>
             <a:ext cx="10515600" cy="833663"/>
           </a:xfrm>
         </p:spPr>
@@ -7598,27 +7222,7 @@
             <a:pPr algn="ctr"/>
             <a:r>
               <a:rPr lang="en-US" dirty="0" smtClean="0"/>
-              <a:t>Entry Point to the World of </a:t>
-            </a:r>
-            <a:r>
-              <a:rPr lang="en-US" dirty="0" smtClean="0"/>
-              <a:t>Java </a:t>
-            </a:r>
-            <a:r>
-              <a:rPr lang="en-US" dirty="0" smtClean="0"/>
-              <a:t>: </a:t>
-            </a:r>
-            <a:r>
-              <a:rPr lang="en-US" dirty="0" smtClean="0"/>
-              <a:t>main() </a:t>
-            </a:r>
-            <a:r>
-              <a:rPr lang="en-US" dirty="0"/>
-              <a:t>m</a:t>
-            </a:r>
-            <a:r>
-              <a:rPr lang="en-US" dirty="0" smtClean="0"/>
-              <a:t>ethod</a:t>
+              <a:t>Java : Platform Independency</a:t>
             </a:r>
             <a:endParaRPr lang="en-US" dirty="0"/>
           </a:p>
@@ -7642,8 +7246,8 @@
         </p:nvSpPr>
         <p:spPr>
           <a:xfrm>
-            <a:off x="838200" y="1825625"/>
-            <a:ext cx="6005945" cy="4351338"/>
+            <a:off x="838199" y="1773382"/>
+            <a:ext cx="10515600" cy="4403581"/>
           </a:xfrm>
         </p:spPr>
         <p:txBody>
@@ -7652,62 +7256,11 @@
           </a:bodyPr>
           <a:lstStyle/>
           <a:p>
-            <a:endParaRPr lang="en-US" dirty="0" smtClean="0"/>
-          </a:p>
-          <a:p>
-            <a:r>
-              <a:rPr lang="en-US" dirty="0" smtClean="0"/>
-              <a:t>Serves </a:t>
-            </a:r>
-            <a:r>
-              <a:rPr lang="en-US" dirty="0" smtClean="0"/>
-              <a:t>as an entry point to any java program. Almost all java programs whether it be a web server written in java or a web application or a desktop application , all begin with a main method and then extend further</a:t>
-            </a:r>
-            <a:r>
-              <a:rPr lang="en-US" dirty="0" smtClean="0"/>
-              <a:t>.</a:t>
-            </a:r>
-          </a:p>
-          <a:p>
-            <a:endParaRPr lang="en-US" dirty="0" smtClean="0"/>
-          </a:p>
-          <a:p>
-            <a:r>
-              <a:rPr lang="en-US" dirty="0" smtClean="0"/>
-              <a:t>Just like a VISA document acts like an entry point to any country and you need to satisfy all the conditions in order to possess </a:t>
-            </a:r>
-            <a:r>
-              <a:rPr lang="en-US" dirty="0" smtClean="0"/>
-              <a:t>one, </a:t>
-            </a:r>
-            <a:r>
-              <a:rPr lang="en-US" dirty="0" smtClean="0"/>
-              <a:t>similar is the case with main method in java</a:t>
-            </a:r>
-            <a:r>
-              <a:rPr lang="en-US" dirty="0" smtClean="0"/>
-              <a:t>.</a:t>
-            </a:r>
-            <a:r>
-              <a:rPr lang="en-US" dirty="0" smtClean="0"/>
-              <a:t>	</a:t>
-            </a:r>
-          </a:p>
-          <a:p>
-            <a:r>
-              <a:rPr lang="en-US" dirty="0" smtClean="0"/>
-              <a:t>There many valid and invalid ways of writing a main method.</a:t>
-            </a:r>
-          </a:p>
-          <a:p>
-            <a:r>
-              <a:rPr lang="en-US" dirty="0" smtClean="0"/>
-              <a:t>There are some rules of </a:t>
-            </a:r>
-            <a:endParaRPr lang="en-US" dirty="0" smtClean="0"/>
-          </a:p>
-          <a:p>
-            <a:endParaRPr lang="en-US" dirty="0" smtClean="0"/>
+            <a:r>
+              <a:rPr lang="en-US" sz="2800" noProof="1" smtClean="0"/>
+              <a:t>This is known as Write once run anywhere (WORA).</a:t>
+            </a:r>
+            <a:endParaRPr lang="en-US" sz="2800" noProof="1"/>
           </a:p>
         </p:txBody>
       </p:sp>
@@ -7808,40 +7361,66 @@
           </a:p>
         </p:txBody>
       </p:sp>
-      <p:pic>
-        <p:nvPicPr>
-          <p:cNvPr id="6" name="Picture 5"/>
-          <p:cNvPicPr>
-            <a:picLocks noChangeAspect="1"/>
-          </p:cNvPicPr>
+      <p:sp>
+        <p:nvSpPr>
+          <p:cNvPr id="5" name="Rectangle 4"/>
+          <p:cNvSpPr/>
           <p:nvPr/>
-        </p:nvPicPr>
-        <p:blipFill>
-          <a:blip r:embed="rId2" cstate="print">
-            <a:extLst>
-              <a:ext uri="{28A0092B-C50C-407E-A947-70E740481C1C}">
-                <a14:useLocalDpi xmlns:a14="http://schemas.microsoft.com/office/drawing/2010/main" val="0"/>
-              </a:ext>
-            </a:extLst>
-          </a:blip>
-          <a:stretch>
-            <a:fillRect/>
-          </a:stretch>
-        </p:blipFill>
-        <p:spPr>
-          <a:xfrm>
-            <a:off x="7019636" y="1964447"/>
-            <a:ext cx="4334163" cy="4204507"/>
+        </p:nvSpPr>
+        <p:spPr>
+          <a:xfrm>
+            <a:off x="5785658" y="3244334"/>
+            <a:ext cx="620683" cy="369332"/>
           </a:xfrm>
           <a:prstGeom prst="rect">
             <a:avLst/>
           </a:prstGeom>
         </p:spPr>
-      </p:pic>
+        <p:txBody>
+          <a:bodyPr wrap="none">
+            <a:spAutoFit/>
+          </a:bodyPr>
+          <a:lstStyle/>
+          <a:p>
+            <a:r>
+              <a:rPr lang="en-US" dirty="0"/>
+              <a:t>a b c</a:t>
+            </a:r>
+          </a:p>
+        </p:txBody>
+      </p:sp>
+      <p:sp>
+        <p:nvSpPr>
+          <p:cNvPr id="6" name="Rectangle 5"/>
+          <p:cNvSpPr/>
+          <p:nvPr/>
+        </p:nvSpPr>
+        <p:spPr>
+          <a:xfrm>
+            <a:off x="5785658" y="3244334"/>
+            <a:ext cx="620683" cy="369332"/>
+          </a:xfrm>
+          <a:prstGeom prst="rect">
+            <a:avLst/>
+          </a:prstGeom>
+        </p:spPr>
+        <p:txBody>
+          <a:bodyPr wrap="none">
+            <a:spAutoFit/>
+          </a:bodyPr>
+          <a:lstStyle/>
+          <a:p>
+            <a:r>
+              <a:rPr lang="en-US" dirty="0"/>
+              <a:t>a b c</a:t>
+            </a:r>
+          </a:p>
+        </p:txBody>
+      </p:sp>
     </p:spTree>
     <p:extLst>
       <p:ext uri="{BB962C8B-B14F-4D97-AF65-F5344CB8AC3E}">
-        <p14:creationId xmlns:p14="http://schemas.microsoft.com/office/powerpoint/2010/main" val="2944664186"/>
+        <p14:creationId xmlns:p14="http://schemas.microsoft.com/office/powerpoint/2010/main" val="506255617"/>
       </p:ext>
     </p:extLst>
   </p:cSld>

--- a/courseMaterial/Objective-2-Simple Java Program/Basics_Of_A_Java_Program.pptx
+++ b/courseMaterial/Objective-2-Simple Java Program/Basics_Of_A_Java_Program.pptx
@@ -5,23 +5,24 @@
     <p:sldMasterId id="2147483648" r:id="rId4"/>
   </p:sldMasterIdLst>
   <p:notesMasterIdLst>
-    <p:notesMasterId r:id="rId16"/>
+    <p:notesMasterId r:id="rId17"/>
   </p:notesMasterIdLst>
   <p:handoutMasterIdLst>
-    <p:handoutMasterId r:id="rId17"/>
+    <p:handoutMasterId r:id="rId18"/>
   </p:handoutMasterIdLst>
   <p:sldIdLst>
     <p:sldId id="256" r:id="rId5"/>
     <p:sldId id="261" r:id="rId6"/>
-    <p:sldId id="270" r:id="rId7"/>
-    <p:sldId id="275" r:id="rId8"/>
-    <p:sldId id="265" r:id="rId9"/>
-    <p:sldId id="267" r:id="rId10"/>
-    <p:sldId id="271" r:id="rId11"/>
-    <p:sldId id="274" r:id="rId12"/>
-    <p:sldId id="272" r:id="rId13"/>
-    <p:sldId id="273" r:id="rId14"/>
-    <p:sldId id="268" r:id="rId15"/>
+    <p:sldId id="257" r:id="rId7"/>
+    <p:sldId id="258" r:id="rId8"/>
+    <p:sldId id="259" r:id="rId9"/>
+    <p:sldId id="263" r:id="rId10"/>
+    <p:sldId id="264" r:id="rId11"/>
+    <p:sldId id="265" r:id="rId12"/>
+    <p:sldId id="266" r:id="rId13"/>
+    <p:sldId id="267" r:id="rId14"/>
+    <p:sldId id="269" r:id="rId15"/>
+    <p:sldId id="268" r:id="rId16"/>
   </p:sldIdLst>
   <p:sldSz cx="12192000" cy="6858000"/>
   <p:notesSz cx="6858000" cy="9144000"/>
@@ -122,21 +123,10 @@
   </p:defaultTextStyle>
   <p:extLst>
     <p:ext uri="{EFAFB233-063F-42B5-8137-9DF3F51BA10A}">
-      <p15:sldGuideLst xmlns:p15="http://schemas.microsoft.com/office/powerpoint/2012/main">
-        <p15:guide id="1" orient="horz" pos="2160">
-          <p15:clr>
-            <a:srgbClr val="A4A3A4"/>
-          </p15:clr>
-        </p15:guide>
-        <p15:guide id="2" pos="3840">
-          <p15:clr>
-            <a:srgbClr val="A4A3A4"/>
-          </p15:clr>
-        </p15:guide>
-      </p15:sldGuideLst>
+      <p15:sldGuideLst xmlns="" xmlns:p15="http://schemas.microsoft.com/office/powerpoint/2012/main"/>
     </p:ext>
     <p:ext uri="{2D200454-40CA-4A62-9FC3-DE9A4176ACB9}">
-      <p15:notesGuideLst xmlns:p15="http://schemas.microsoft.com/office/powerpoint/2012/main"/>
+      <p15:notesGuideLst xmlns="" xmlns:p15="http://schemas.microsoft.com/office/powerpoint/2012/main"/>
     </p:ext>
   </p:extLst>
 </p:presentation>
@@ -169,7 +159,7 @@
           <p:cNvPr id="2" name="Header Placeholder 1">
             <a:extLst>
               <a:ext uri="{FF2B5EF4-FFF2-40B4-BE49-F238E27FC236}">
-                <a16:creationId xmlns:a16="http://schemas.microsoft.com/office/drawing/2014/main" id="{2BC10188-DC2C-458D-AB41-143A0BE9A310}"/>
+                <a16:creationId xmlns="" xmlns:a16="http://schemas.microsoft.com/office/drawing/2014/main" id="{2BC10188-DC2C-458D-AB41-143A0BE9A310}"/>
               </a:ext>
             </a:extLst>
           </p:cNvPr>
@@ -206,7 +196,7 @@
           <p:cNvPr id="3" name="Date Placeholder 2">
             <a:extLst>
               <a:ext uri="{FF2B5EF4-FFF2-40B4-BE49-F238E27FC236}">
-                <a16:creationId xmlns:a16="http://schemas.microsoft.com/office/drawing/2014/main" id="{C9634E15-7196-43FC-B912-C4D8B4A2CE79}"/>
+                <a16:creationId xmlns="" xmlns:a16="http://schemas.microsoft.com/office/drawing/2014/main" id="{C9634E15-7196-43FC-B912-C4D8B4A2CE79}"/>
               </a:ext>
             </a:extLst>
           </p:cNvPr>
@@ -237,7 +227,7 @@
             <a:fld id="{68416927-5E9C-4E77-85FE-EE4C81C1DE39}" type="datetimeFigureOut">
               <a:rPr lang="en-US" smtClean="0"/>
               <a:pPr/>
-              <a:t>5/10/2020</a:t>
+              <a:t>4/26/2020</a:t>
             </a:fld>
             <a:endParaRPr lang="en-US" dirty="0"/>
           </a:p>
@@ -248,7 +238,7 @@
           <p:cNvPr id="4" name="Footer Placeholder 3">
             <a:extLst>
               <a:ext uri="{FF2B5EF4-FFF2-40B4-BE49-F238E27FC236}">
-                <a16:creationId xmlns:a16="http://schemas.microsoft.com/office/drawing/2014/main" id="{89EA2570-D5B6-41CB-96C2-FFC9944668E5}"/>
+                <a16:creationId xmlns="" xmlns:a16="http://schemas.microsoft.com/office/drawing/2014/main" id="{89EA2570-D5B6-41CB-96C2-FFC9944668E5}"/>
               </a:ext>
             </a:extLst>
           </p:cNvPr>
@@ -285,7 +275,7 @@
           <p:cNvPr id="5" name="Slide Number Placeholder 4">
             <a:extLst>
               <a:ext uri="{FF2B5EF4-FFF2-40B4-BE49-F238E27FC236}">
-                <a16:creationId xmlns:a16="http://schemas.microsoft.com/office/drawing/2014/main" id="{15C31B37-7A69-4C30-9B63-29F8242FC246}"/>
+                <a16:creationId xmlns="" xmlns:a16="http://schemas.microsoft.com/office/drawing/2014/main" id="{15C31B37-7A69-4C30-9B63-29F8242FC246}"/>
               </a:ext>
             </a:extLst>
           </p:cNvPr>
@@ -325,7 +315,7 @@
     </p:spTree>
     <p:extLst>
       <p:ext uri="{BB962C8B-B14F-4D97-AF65-F5344CB8AC3E}">
-        <p14:creationId xmlns:p14="http://schemas.microsoft.com/office/powerpoint/2010/main" val="2413100067"/>
+        <p14:creationId xmlns="" xmlns:p14="http://schemas.microsoft.com/office/powerpoint/2010/main" val="2413100067"/>
       </p:ext>
     </p:extLst>
   </p:cSld>
@@ -416,7 +406,7 @@
             <a:fld id="{FA798B7E-6604-4F74-86DB-B30627D56244}" type="datetimeFigureOut">
               <a:rPr lang="en-US" smtClean="0"/>
               <a:pPr/>
-              <a:t>5/10/2020</a:t>
+              <a:t>4/26/2020</a:t>
             </a:fld>
             <a:endParaRPr lang="en-US" dirty="0"/>
           </a:p>
@@ -584,7 +574,7 @@
     </p:spTree>
     <p:extLst>
       <p:ext uri="{BB962C8B-B14F-4D97-AF65-F5344CB8AC3E}">
-        <p14:creationId xmlns:p14="http://schemas.microsoft.com/office/powerpoint/2010/main" val="2075933273"/>
+        <p14:creationId xmlns="" xmlns:p14="http://schemas.microsoft.com/office/powerpoint/2010/main" val="2075933273"/>
       </p:ext>
     </p:extLst>
   </p:cSld>
@@ -706,7 +696,7 @@
           <p:cNvPr id="2" name="Title 1">
             <a:extLst>
               <a:ext uri="{FF2B5EF4-FFF2-40B4-BE49-F238E27FC236}">
-                <a16:creationId xmlns:a16="http://schemas.microsoft.com/office/drawing/2014/main" id="{E5798B13-3B32-4354-B2B5-3165F2F6E65F}"/>
+                <a16:creationId xmlns="" xmlns:a16="http://schemas.microsoft.com/office/drawing/2014/main" id="{E5798B13-3B32-4354-B2B5-3165F2F6E65F}"/>
               </a:ext>
             </a:extLst>
           </p:cNvPr>
@@ -749,7 +739,7 @@
           <p:cNvPr id="4" name="Text Placeholder 3">
             <a:extLst>
               <a:ext uri="{FF2B5EF4-FFF2-40B4-BE49-F238E27FC236}">
-                <a16:creationId xmlns:a16="http://schemas.microsoft.com/office/drawing/2014/main" id="{16BB88CF-DF4F-4857-8602-72BCF5DDCDA1}"/>
+                <a16:creationId xmlns="" xmlns:a16="http://schemas.microsoft.com/office/drawing/2014/main" id="{16BB88CF-DF4F-4857-8602-72BCF5DDCDA1}"/>
               </a:ext>
             </a:extLst>
           </p:cNvPr>
@@ -820,7 +810,7 @@
           <p:cNvPr id="12" name="Straight Connector 11">
             <a:extLst>
               <a:ext uri="{FF2B5EF4-FFF2-40B4-BE49-F238E27FC236}">
-                <a16:creationId xmlns:a16="http://schemas.microsoft.com/office/drawing/2014/main" id="{A7EEBB7C-1679-4665-8688-1FA973E73DC1}"/>
+                <a16:creationId xmlns="" xmlns:a16="http://schemas.microsoft.com/office/drawing/2014/main" id="{A7EEBB7C-1679-4665-8688-1FA973E73DC1}"/>
               </a:ext>
             </a:extLst>
           </p:cNvPr>
@@ -872,7 +862,7 @@
           <p:cNvPr id="7" name="Rectangle 6">
             <a:extLst>
               <a:ext uri="{FF2B5EF4-FFF2-40B4-BE49-F238E27FC236}">
-                <a16:creationId xmlns:a16="http://schemas.microsoft.com/office/drawing/2014/main" id="{F1E3214F-3A93-4A1C-920D-D86BE35A58FB}"/>
+                <a16:creationId xmlns="" xmlns:a16="http://schemas.microsoft.com/office/drawing/2014/main" id="{F1E3214F-3A93-4A1C-920D-D86BE35A58FB}"/>
               </a:ext>
             </a:extLst>
           </p:cNvPr>
@@ -927,7 +917,7 @@
           <p:cNvPr id="3" name="Slide Number Placeholder 2">
             <a:extLst>
               <a:ext uri="{FF2B5EF4-FFF2-40B4-BE49-F238E27FC236}">
-                <a16:creationId xmlns:a16="http://schemas.microsoft.com/office/drawing/2014/main" id="{213E97E5-C83B-444A-8C07-35D699E7C342}"/>
+                <a16:creationId xmlns="" xmlns:a16="http://schemas.microsoft.com/office/drawing/2014/main" id="{213E97E5-C83B-444A-8C07-35D699E7C342}"/>
               </a:ext>
             </a:extLst>
           </p:cNvPr>
@@ -959,7 +949,7 @@
     </p:spTree>
     <p:extLst>
       <p:ext uri="{BB962C8B-B14F-4D97-AF65-F5344CB8AC3E}">
-        <p14:creationId xmlns:p14="http://schemas.microsoft.com/office/powerpoint/2010/main" val="2226532245"/>
+        <p14:creationId xmlns="" xmlns:p14="http://schemas.microsoft.com/office/powerpoint/2010/main" val="2226532245"/>
       </p:ext>
     </p:extLst>
   </p:cSld>
@@ -991,7 +981,7 @@
           <p:cNvPr id="2" name="Title 1">
             <a:extLst>
               <a:ext uri="{FF2B5EF4-FFF2-40B4-BE49-F238E27FC236}">
-                <a16:creationId xmlns:a16="http://schemas.microsoft.com/office/drawing/2014/main" id="{0D1AB651-5612-4E6A-9B35-A555D082EC2F}"/>
+                <a16:creationId xmlns="" xmlns:a16="http://schemas.microsoft.com/office/drawing/2014/main" id="{0D1AB651-5612-4E6A-9B35-A555D082EC2F}"/>
               </a:ext>
             </a:extLst>
           </p:cNvPr>
@@ -1020,7 +1010,7 @@
           <p:cNvPr id="3" name="Content Placeholder 2">
             <a:extLst>
               <a:ext uri="{FF2B5EF4-FFF2-40B4-BE49-F238E27FC236}">
-                <a16:creationId xmlns:a16="http://schemas.microsoft.com/office/drawing/2014/main" id="{881389A2-D77B-40CA-AD1E-0178AEFAD15A}"/>
+                <a16:creationId xmlns="" xmlns:a16="http://schemas.microsoft.com/office/drawing/2014/main" id="{881389A2-D77B-40CA-AD1E-0178AEFAD15A}"/>
               </a:ext>
             </a:extLst>
           </p:cNvPr>
@@ -1101,7 +1091,7 @@
           <p:cNvPr id="4" name="Content Placeholder 3">
             <a:extLst>
               <a:ext uri="{FF2B5EF4-FFF2-40B4-BE49-F238E27FC236}">
-                <a16:creationId xmlns:a16="http://schemas.microsoft.com/office/drawing/2014/main" id="{A1DCA993-CBEA-48C5-BD35-50ABDFF64065}"/>
+                <a16:creationId xmlns="" xmlns:a16="http://schemas.microsoft.com/office/drawing/2014/main" id="{A1DCA993-CBEA-48C5-BD35-50ABDFF64065}"/>
               </a:ext>
             </a:extLst>
           </p:cNvPr>
@@ -1182,7 +1172,7 @@
           <p:cNvPr id="5" name="Slide Number Placeholder 4">
             <a:extLst>
               <a:ext uri="{FF2B5EF4-FFF2-40B4-BE49-F238E27FC236}">
-                <a16:creationId xmlns:a16="http://schemas.microsoft.com/office/drawing/2014/main" id="{B88ED8E0-95EC-469F-9B7E-562FBDFDE6CC}"/>
+                <a16:creationId xmlns="" xmlns:a16="http://schemas.microsoft.com/office/drawing/2014/main" id="{B88ED8E0-95EC-469F-9B7E-562FBDFDE6CC}"/>
               </a:ext>
             </a:extLst>
           </p:cNvPr>
@@ -1214,7 +1204,7 @@
     </p:spTree>
     <p:extLst>
       <p:ext uri="{BB962C8B-B14F-4D97-AF65-F5344CB8AC3E}">
-        <p14:creationId xmlns:p14="http://schemas.microsoft.com/office/powerpoint/2010/main" val="646344805"/>
+        <p14:creationId xmlns="" xmlns:p14="http://schemas.microsoft.com/office/powerpoint/2010/main" val="646344805"/>
       </p:ext>
     </p:extLst>
   </p:cSld>
@@ -1246,7 +1236,7 @@
           <p:cNvPr id="2" name="Title 1">
             <a:extLst>
               <a:ext uri="{FF2B5EF4-FFF2-40B4-BE49-F238E27FC236}">
-                <a16:creationId xmlns:a16="http://schemas.microsoft.com/office/drawing/2014/main" id="{EF776F88-2A37-410D-A685-E455AF3D07B4}"/>
+                <a16:creationId xmlns="" xmlns:a16="http://schemas.microsoft.com/office/drawing/2014/main" id="{EF776F88-2A37-410D-A685-E455AF3D07B4}"/>
               </a:ext>
             </a:extLst>
           </p:cNvPr>
@@ -1280,7 +1270,7 @@
           <p:cNvPr id="3" name="Text Placeholder 2">
             <a:extLst>
               <a:ext uri="{FF2B5EF4-FFF2-40B4-BE49-F238E27FC236}">
-                <a16:creationId xmlns:a16="http://schemas.microsoft.com/office/drawing/2014/main" id="{6C764B46-B015-44F7-8DC0-AFB8D275E486}"/>
+                <a16:creationId xmlns="" xmlns:a16="http://schemas.microsoft.com/office/drawing/2014/main" id="{6C764B46-B015-44F7-8DC0-AFB8D275E486}"/>
               </a:ext>
             </a:extLst>
           </p:cNvPr>
@@ -1351,7 +1341,7 @@
           <p:cNvPr id="4" name="Content Placeholder 3">
             <a:extLst>
               <a:ext uri="{FF2B5EF4-FFF2-40B4-BE49-F238E27FC236}">
-                <a16:creationId xmlns:a16="http://schemas.microsoft.com/office/drawing/2014/main" id="{2D3C8232-2077-497A-9142-B787E2B03A73}"/>
+                <a16:creationId xmlns="" xmlns:a16="http://schemas.microsoft.com/office/drawing/2014/main" id="{2D3C8232-2077-497A-9142-B787E2B03A73}"/>
               </a:ext>
             </a:extLst>
           </p:cNvPr>
@@ -1432,7 +1422,7 @@
           <p:cNvPr id="5" name="Text Placeholder 4">
             <a:extLst>
               <a:ext uri="{FF2B5EF4-FFF2-40B4-BE49-F238E27FC236}">
-                <a16:creationId xmlns:a16="http://schemas.microsoft.com/office/drawing/2014/main" id="{AAF6077C-D913-4FD0-B6E0-6D70BEFD40E6}"/>
+                <a16:creationId xmlns="" xmlns:a16="http://schemas.microsoft.com/office/drawing/2014/main" id="{AAF6077C-D913-4FD0-B6E0-6D70BEFD40E6}"/>
               </a:ext>
             </a:extLst>
           </p:cNvPr>
@@ -1503,7 +1493,7 @@
           <p:cNvPr id="6" name="Content Placeholder 5">
             <a:extLst>
               <a:ext uri="{FF2B5EF4-FFF2-40B4-BE49-F238E27FC236}">
-                <a16:creationId xmlns:a16="http://schemas.microsoft.com/office/drawing/2014/main" id="{43905DBB-3AA9-4435-AC97-732293FDE7EF}"/>
+                <a16:creationId xmlns="" xmlns:a16="http://schemas.microsoft.com/office/drawing/2014/main" id="{43905DBB-3AA9-4435-AC97-732293FDE7EF}"/>
               </a:ext>
             </a:extLst>
           </p:cNvPr>
@@ -1584,7 +1574,7 @@
           <p:cNvPr id="7" name="Slide Number Placeholder 6">
             <a:extLst>
               <a:ext uri="{FF2B5EF4-FFF2-40B4-BE49-F238E27FC236}">
-                <a16:creationId xmlns:a16="http://schemas.microsoft.com/office/drawing/2014/main" id="{1954C901-FCAF-4DFB-A621-6A969641CA73}"/>
+                <a16:creationId xmlns="" xmlns:a16="http://schemas.microsoft.com/office/drawing/2014/main" id="{1954C901-FCAF-4DFB-A621-6A969641CA73}"/>
               </a:ext>
             </a:extLst>
           </p:cNvPr>
@@ -1616,7 +1606,7 @@
     </p:spTree>
     <p:extLst>
       <p:ext uri="{BB962C8B-B14F-4D97-AF65-F5344CB8AC3E}">
-        <p14:creationId xmlns:p14="http://schemas.microsoft.com/office/powerpoint/2010/main" val="2292145525"/>
+        <p14:creationId xmlns="" xmlns:p14="http://schemas.microsoft.com/office/powerpoint/2010/main" val="2292145525"/>
       </p:ext>
     </p:extLst>
   </p:cSld>
@@ -1648,7 +1638,7 @@
           <p:cNvPr id="2" name="Title 1">
             <a:extLst>
               <a:ext uri="{FF2B5EF4-FFF2-40B4-BE49-F238E27FC236}">
-                <a16:creationId xmlns:a16="http://schemas.microsoft.com/office/drawing/2014/main" id="{99AF2623-2255-4BBA-9577-B3A3FD2AE8E8}"/>
+                <a16:creationId xmlns="" xmlns:a16="http://schemas.microsoft.com/office/drawing/2014/main" id="{99AF2623-2255-4BBA-9577-B3A3FD2AE8E8}"/>
               </a:ext>
             </a:extLst>
           </p:cNvPr>
@@ -1677,7 +1667,7 @@
           <p:cNvPr id="3" name="Slide Number Placeholder 2">
             <a:extLst>
               <a:ext uri="{FF2B5EF4-FFF2-40B4-BE49-F238E27FC236}">
-                <a16:creationId xmlns:a16="http://schemas.microsoft.com/office/drawing/2014/main" id="{5259F0F0-5E7C-4FC9-8E90-6ADCD7A714B6}"/>
+                <a16:creationId xmlns="" xmlns:a16="http://schemas.microsoft.com/office/drawing/2014/main" id="{5259F0F0-5E7C-4FC9-8E90-6ADCD7A714B6}"/>
               </a:ext>
             </a:extLst>
           </p:cNvPr>
@@ -1709,7 +1699,7 @@
     </p:spTree>
     <p:extLst>
       <p:ext uri="{BB962C8B-B14F-4D97-AF65-F5344CB8AC3E}">
-        <p14:creationId xmlns:p14="http://schemas.microsoft.com/office/powerpoint/2010/main" val="3105532259"/>
+        <p14:creationId xmlns="" xmlns:p14="http://schemas.microsoft.com/office/powerpoint/2010/main" val="3105532259"/>
       </p:ext>
     </p:extLst>
   </p:cSld>
@@ -1741,7 +1731,7 @@
           <p:cNvPr id="2" name="Slide Number Placeholder 1">
             <a:extLst>
               <a:ext uri="{FF2B5EF4-FFF2-40B4-BE49-F238E27FC236}">
-                <a16:creationId xmlns:a16="http://schemas.microsoft.com/office/drawing/2014/main" id="{0A9D3FFB-BE14-4D90-A515-10EDD1BEE6F1}"/>
+                <a16:creationId xmlns="" xmlns:a16="http://schemas.microsoft.com/office/drawing/2014/main" id="{0A9D3FFB-BE14-4D90-A515-10EDD1BEE6F1}"/>
               </a:ext>
             </a:extLst>
           </p:cNvPr>
@@ -1773,7 +1763,7 @@
     </p:spTree>
     <p:extLst>
       <p:ext uri="{BB962C8B-B14F-4D97-AF65-F5344CB8AC3E}">
-        <p14:creationId xmlns:p14="http://schemas.microsoft.com/office/powerpoint/2010/main" val="3627673970"/>
+        <p14:creationId xmlns="" xmlns:p14="http://schemas.microsoft.com/office/powerpoint/2010/main" val="3627673970"/>
       </p:ext>
     </p:extLst>
   </p:cSld>
@@ -1805,7 +1795,7 @@
           <p:cNvPr id="2" name="Title 1">
             <a:extLst>
               <a:ext uri="{FF2B5EF4-FFF2-40B4-BE49-F238E27FC236}">
-                <a16:creationId xmlns:a16="http://schemas.microsoft.com/office/drawing/2014/main" id="{A2451E51-BE82-4B1B-9CB6-89C26464DBE2}"/>
+                <a16:creationId xmlns="" xmlns:a16="http://schemas.microsoft.com/office/drawing/2014/main" id="{A2451E51-BE82-4B1B-9CB6-89C26464DBE2}"/>
               </a:ext>
             </a:extLst>
           </p:cNvPr>
@@ -1843,7 +1833,7 @@
           <p:cNvPr id="3" name="Content Placeholder 2">
             <a:extLst>
               <a:ext uri="{FF2B5EF4-FFF2-40B4-BE49-F238E27FC236}">
-                <a16:creationId xmlns:a16="http://schemas.microsoft.com/office/drawing/2014/main" id="{04CCBF8C-3CF7-47E6-9AB0-15584178B449}"/>
+                <a16:creationId xmlns="" xmlns:a16="http://schemas.microsoft.com/office/drawing/2014/main" id="{04CCBF8C-3CF7-47E6-9AB0-15584178B449}"/>
               </a:ext>
             </a:extLst>
           </p:cNvPr>
@@ -1934,7 +1924,7 @@
           <p:cNvPr id="4" name="Text Placeholder 3">
             <a:extLst>
               <a:ext uri="{FF2B5EF4-FFF2-40B4-BE49-F238E27FC236}">
-                <a16:creationId xmlns:a16="http://schemas.microsoft.com/office/drawing/2014/main" id="{3D07DA3C-0298-45CF-AFC3-41031C0763E3}"/>
+                <a16:creationId xmlns="" xmlns:a16="http://schemas.microsoft.com/office/drawing/2014/main" id="{3D07DA3C-0298-45CF-AFC3-41031C0763E3}"/>
               </a:ext>
             </a:extLst>
           </p:cNvPr>
@@ -2005,7 +1995,7 @@
           <p:cNvPr id="5" name="Slide Number Placeholder 4">
             <a:extLst>
               <a:ext uri="{FF2B5EF4-FFF2-40B4-BE49-F238E27FC236}">
-                <a16:creationId xmlns:a16="http://schemas.microsoft.com/office/drawing/2014/main" id="{F7C4FF87-D01E-416B-9EF8-E107C4EDDC42}"/>
+                <a16:creationId xmlns="" xmlns:a16="http://schemas.microsoft.com/office/drawing/2014/main" id="{F7C4FF87-D01E-416B-9EF8-E107C4EDDC42}"/>
               </a:ext>
             </a:extLst>
           </p:cNvPr>
@@ -2037,7 +2027,7 @@
     </p:spTree>
     <p:extLst>
       <p:ext uri="{BB962C8B-B14F-4D97-AF65-F5344CB8AC3E}">
-        <p14:creationId xmlns:p14="http://schemas.microsoft.com/office/powerpoint/2010/main" val="398533459"/>
+        <p14:creationId xmlns="" xmlns:p14="http://schemas.microsoft.com/office/powerpoint/2010/main" val="398533459"/>
       </p:ext>
     </p:extLst>
   </p:cSld>
@@ -2069,7 +2059,7 @@
           <p:cNvPr id="2" name="Title 1">
             <a:extLst>
               <a:ext uri="{FF2B5EF4-FFF2-40B4-BE49-F238E27FC236}">
-                <a16:creationId xmlns:a16="http://schemas.microsoft.com/office/drawing/2014/main" id="{E5798B13-3B32-4354-B2B5-3165F2F6E65F}"/>
+                <a16:creationId xmlns="" xmlns:a16="http://schemas.microsoft.com/office/drawing/2014/main" id="{E5798B13-3B32-4354-B2B5-3165F2F6E65F}"/>
               </a:ext>
             </a:extLst>
           </p:cNvPr>
@@ -2112,7 +2102,7 @@
           <p:cNvPr id="4" name="Text Placeholder 3">
             <a:extLst>
               <a:ext uri="{FF2B5EF4-FFF2-40B4-BE49-F238E27FC236}">
-                <a16:creationId xmlns:a16="http://schemas.microsoft.com/office/drawing/2014/main" id="{16BB88CF-DF4F-4857-8602-72BCF5DDCDA1}"/>
+                <a16:creationId xmlns="" xmlns:a16="http://schemas.microsoft.com/office/drawing/2014/main" id="{16BB88CF-DF4F-4857-8602-72BCF5DDCDA1}"/>
               </a:ext>
             </a:extLst>
           </p:cNvPr>
@@ -2183,7 +2173,7 @@
           <p:cNvPr id="12" name="Straight Connector 11">
             <a:extLst>
               <a:ext uri="{FF2B5EF4-FFF2-40B4-BE49-F238E27FC236}">
-                <a16:creationId xmlns:a16="http://schemas.microsoft.com/office/drawing/2014/main" id="{A7EEBB7C-1679-4665-8688-1FA973E73DC1}"/>
+                <a16:creationId xmlns="" xmlns:a16="http://schemas.microsoft.com/office/drawing/2014/main" id="{A7EEBB7C-1679-4665-8688-1FA973E73DC1}"/>
               </a:ext>
             </a:extLst>
           </p:cNvPr>
@@ -2235,7 +2225,7 @@
           <p:cNvPr id="7" name="Rectangle 6">
             <a:extLst>
               <a:ext uri="{FF2B5EF4-FFF2-40B4-BE49-F238E27FC236}">
-                <a16:creationId xmlns:a16="http://schemas.microsoft.com/office/drawing/2014/main" id="{F1E3214F-3A93-4A1C-920D-D86BE35A58FB}"/>
+                <a16:creationId xmlns="" xmlns:a16="http://schemas.microsoft.com/office/drawing/2014/main" id="{F1E3214F-3A93-4A1C-920D-D86BE35A58FB}"/>
               </a:ext>
             </a:extLst>
           </p:cNvPr>
@@ -2290,7 +2280,7 @@
           <p:cNvPr id="3" name="Slide Number Placeholder 2">
             <a:extLst>
               <a:ext uri="{FF2B5EF4-FFF2-40B4-BE49-F238E27FC236}">
-                <a16:creationId xmlns:a16="http://schemas.microsoft.com/office/drawing/2014/main" id="{213E97E5-C83B-444A-8C07-35D699E7C342}"/>
+                <a16:creationId xmlns="" xmlns:a16="http://schemas.microsoft.com/office/drawing/2014/main" id="{213E97E5-C83B-444A-8C07-35D699E7C342}"/>
               </a:ext>
             </a:extLst>
           </p:cNvPr>
@@ -2324,7 +2314,7 @@
           <p:cNvPr id="8" name="Picture Placeholder 2">
             <a:extLst>
               <a:ext uri="{FF2B5EF4-FFF2-40B4-BE49-F238E27FC236}">
-                <a16:creationId xmlns:a16="http://schemas.microsoft.com/office/drawing/2014/main" id="{2641ECAC-0557-4843-8433-067E4414E2F5}"/>
+                <a16:creationId xmlns="" xmlns:a16="http://schemas.microsoft.com/office/drawing/2014/main" id="{2641ECAC-0557-4843-8433-067E4414E2F5}"/>
               </a:ext>
             </a:extLst>
           </p:cNvPr>
@@ -2400,7 +2390,7 @@
     </p:spTree>
     <p:extLst>
       <p:ext uri="{BB962C8B-B14F-4D97-AF65-F5344CB8AC3E}">
-        <p14:creationId xmlns:p14="http://schemas.microsoft.com/office/powerpoint/2010/main" val="3394383312"/>
+        <p14:creationId xmlns="" xmlns:p14="http://schemas.microsoft.com/office/powerpoint/2010/main" val="3394383312"/>
       </p:ext>
     </p:extLst>
   </p:cSld>
@@ -2443,7 +2433,7 @@
           <p:cNvPr id="2" name="Title 1">
             <a:extLst>
               <a:ext uri="{FF2B5EF4-FFF2-40B4-BE49-F238E27FC236}">
-                <a16:creationId xmlns:a16="http://schemas.microsoft.com/office/drawing/2014/main" id="{FE91AD08-4E28-4191-9B62-EAD61608E5CF}"/>
+                <a16:creationId xmlns="" xmlns:a16="http://schemas.microsoft.com/office/drawing/2014/main" id="{FE91AD08-4E28-4191-9B62-EAD61608E5CF}"/>
               </a:ext>
             </a:extLst>
           </p:cNvPr>
@@ -2491,7 +2481,7 @@
           <p:cNvPr id="3" name="Content Placeholder 2">
             <a:extLst>
               <a:ext uri="{FF2B5EF4-FFF2-40B4-BE49-F238E27FC236}">
-                <a16:creationId xmlns:a16="http://schemas.microsoft.com/office/drawing/2014/main" id="{90BF853D-76DB-46F3-AF6C-1E77C8E06AA9}"/>
+                <a16:creationId xmlns="" xmlns:a16="http://schemas.microsoft.com/office/drawing/2014/main" id="{90BF853D-76DB-46F3-AF6C-1E77C8E06AA9}"/>
               </a:ext>
             </a:extLst>
           </p:cNvPr>
@@ -2572,7 +2562,7 @@
           <p:cNvPr id="4" name="Slide Number Placeholder 3">
             <a:extLst>
               <a:ext uri="{FF2B5EF4-FFF2-40B4-BE49-F238E27FC236}">
-                <a16:creationId xmlns:a16="http://schemas.microsoft.com/office/drawing/2014/main" id="{0660D61A-B9FD-4DFF-AC42-4069DAFE238C}"/>
+                <a16:creationId xmlns="" xmlns:a16="http://schemas.microsoft.com/office/drawing/2014/main" id="{0660D61A-B9FD-4DFF-AC42-4069DAFE238C}"/>
               </a:ext>
             </a:extLst>
           </p:cNvPr>
@@ -2604,7 +2594,7 @@
     </p:spTree>
     <p:extLst>
       <p:ext uri="{BB962C8B-B14F-4D97-AF65-F5344CB8AC3E}">
-        <p14:creationId xmlns:p14="http://schemas.microsoft.com/office/powerpoint/2010/main" val="3839236654"/>
+        <p14:creationId xmlns="" xmlns:p14="http://schemas.microsoft.com/office/powerpoint/2010/main" val="3839236654"/>
       </p:ext>
     </p:extLst>
   </p:cSld>
@@ -2647,7 +2637,7 @@
           <p:cNvPr id="2" name="Title 1">
             <a:extLst>
               <a:ext uri="{FF2B5EF4-FFF2-40B4-BE49-F238E27FC236}">
-                <a16:creationId xmlns:a16="http://schemas.microsoft.com/office/drawing/2014/main" id="{FE91AD08-4E28-4191-9B62-EAD61608E5CF}"/>
+                <a16:creationId xmlns="" xmlns:a16="http://schemas.microsoft.com/office/drawing/2014/main" id="{FE91AD08-4E28-4191-9B62-EAD61608E5CF}"/>
               </a:ext>
             </a:extLst>
           </p:cNvPr>
@@ -2697,7 +2687,7 @@
           <p:cNvPr id="3" name="Content Placeholder 2">
             <a:extLst>
               <a:ext uri="{FF2B5EF4-FFF2-40B4-BE49-F238E27FC236}">
-                <a16:creationId xmlns:a16="http://schemas.microsoft.com/office/drawing/2014/main" id="{90BF853D-76DB-46F3-AF6C-1E77C8E06AA9}"/>
+                <a16:creationId xmlns="" xmlns:a16="http://schemas.microsoft.com/office/drawing/2014/main" id="{90BF853D-76DB-46F3-AF6C-1E77C8E06AA9}"/>
               </a:ext>
             </a:extLst>
           </p:cNvPr>
@@ -2778,7 +2768,7 @@
           <p:cNvPr id="4" name="Slide Number Placeholder 3">
             <a:extLst>
               <a:ext uri="{FF2B5EF4-FFF2-40B4-BE49-F238E27FC236}">
-                <a16:creationId xmlns:a16="http://schemas.microsoft.com/office/drawing/2014/main" id="{0660D61A-B9FD-4DFF-AC42-4069DAFE238C}"/>
+                <a16:creationId xmlns="" xmlns:a16="http://schemas.microsoft.com/office/drawing/2014/main" id="{0660D61A-B9FD-4DFF-AC42-4069DAFE238C}"/>
               </a:ext>
             </a:extLst>
           </p:cNvPr>
@@ -2810,7 +2800,7 @@
     </p:spTree>
     <p:extLst>
       <p:ext uri="{BB962C8B-B14F-4D97-AF65-F5344CB8AC3E}">
-        <p14:creationId xmlns:p14="http://schemas.microsoft.com/office/powerpoint/2010/main" val="1594571051"/>
+        <p14:creationId xmlns="" xmlns:p14="http://schemas.microsoft.com/office/powerpoint/2010/main" val="1594571051"/>
       </p:ext>
     </p:extLst>
   </p:cSld>
@@ -2842,7 +2832,7 @@
           <p:cNvPr id="7" name="Picture Placeholder 2">
             <a:extLst>
               <a:ext uri="{FF2B5EF4-FFF2-40B4-BE49-F238E27FC236}">
-                <a16:creationId xmlns:a16="http://schemas.microsoft.com/office/drawing/2014/main" id="{6D3C5ED2-B01D-4104-B193-BC78D76A4646}"/>
+                <a16:creationId xmlns="" xmlns:a16="http://schemas.microsoft.com/office/drawing/2014/main" id="{6D3C5ED2-B01D-4104-B193-BC78D76A4646}"/>
               </a:ext>
             </a:extLst>
           </p:cNvPr>
@@ -2915,7 +2905,7 @@
           <p:cNvPr id="2" name="Title 1">
             <a:extLst>
               <a:ext uri="{FF2B5EF4-FFF2-40B4-BE49-F238E27FC236}">
-                <a16:creationId xmlns:a16="http://schemas.microsoft.com/office/drawing/2014/main" id="{FE91AD08-4E28-4191-9B62-EAD61608E5CF}"/>
+                <a16:creationId xmlns="" xmlns:a16="http://schemas.microsoft.com/office/drawing/2014/main" id="{FE91AD08-4E28-4191-9B62-EAD61608E5CF}"/>
               </a:ext>
             </a:extLst>
           </p:cNvPr>
@@ -2962,7 +2952,7 @@
           <p:cNvPr id="3" name="Content Placeholder 2">
             <a:extLst>
               <a:ext uri="{FF2B5EF4-FFF2-40B4-BE49-F238E27FC236}">
-                <a16:creationId xmlns:a16="http://schemas.microsoft.com/office/drawing/2014/main" id="{90BF853D-76DB-46F3-AF6C-1E77C8E06AA9}"/>
+                <a16:creationId xmlns="" xmlns:a16="http://schemas.microsoft.com/office/drawing/2014/main" id="{90BF853D-76DB-46F3-AF6C-1E77C8E06AA9}"/>
               </a:ext>
             </a:extLst>
           </p:cNvPr>
@@ -3043,7 +3033,7 @@
           <p:cNvPr id="4" name="Slide Number Placeholder 3">
             <a:extLst>
               <a:ext uri="{FF2B5EF4-FFF2-40B4-BE49-F238E27FC236}">
-                <a16:creationId xmlns:a16="http://schemas.microsoft.com/office/drawing/2014/main" id="{0660D61A-B9FD-4DFF-AC42-4069DAFE238C}"/>
+                <a16:creationId xmlns="" xmlns:a16="http://schemas.microsoft.com/office/drawing/2014/main" id="{0660D61A-B9FD-4DFF-AC42-4069DAFE238C}"/>
               </a:ext>
             </a:extLst>
           </p:cNvPr>
@@ -3080,7 +3070,7 @@
     </p:spTree>
     <p:extLst>
       <p:ext uri="{BB962C8B-B14F-4D97-AF65-F5344CB8AC3E}">
-        <p14:creationId xmlns:p14="http://schemas.microsoft.com/office/powerpoint/2010/main" val="1797904098"/>
+        <p14:creationId xmlns="" xmlns:p14="http://schemas.microsoft.com/office/powerpoint/2010/main" val="1797904098"/>
       </p:ext>
     </p:extLst>
   </p:cSld>
@@ -3112,7 +3102,7 @@
           <p:cNvPr id="2" name="Title 1">
             <a:extLst>
               <a:ext uri="{FF2B5EF4-FFF2-40B4-BE49-F238E27FC236}">
-                <a16:creationId xmlns:a16="http://schemas.microsoft.com/office/drawing/2014/main" id="{FE91AD08-4E28-4191-9B62-EAD61608E5CF}"/>
+                <a16:creationId xmlns="" xmlns:a16="http://schemas.microsoft.com/office/drawing/2014/main" id="{FE91AD08-4E28-4191-9B62-EAD61608E5CF}"/>
               </a:ext>
             </a:extLst>
           </p:cNvPr>
@@ -3172,7 +3162,7 @@
           <p:cNvPr id="3" name="Content Placeholder 2">
             <a:extLst>
               <a:ext uri="{FF2B5EF4-FFF2-40B4-BE49-F238E27FC236}">
-                <a16:creationId xmlns:a16="http://schemas.microsoft.com/office/drawing/2014/main" id="{90BF853D-76DB-46F3-AF6C-1E77C8E06AA9}"/>
+                <a16:creationId xmlns="" xmlns:a16="http://schemas.microsoft.com/office/drawing/2014/main" id="{90BF853D-76DB-46F3-AF6C-1E77C8E06AA9}"/>
               </a:ext>
             </a:extLst>
           </p:cNvPr>
@@ -3253,7 +3243,7 @@
           <p:cNvPr id="14" name="Slide Number Placeholder 13">
             <a:extLst>
               <a:ext uri="{FF2B5EF4-FFF2-40B4-BE49-F238E27FC236}">
-                <a16:creationId xmlns:a16="http://schemas.microsoft.com/office/drawing/2014/main" id="{7746CAFB-2B99-470B-B55B-9BF378E3A04B}"/>
+                <a16:creationId xmlns="" xmlns:a16="http://schemas.microsoft.com/office/drawing/2014/main" id="{7746CAFB-2B99-470B-B55B-9BF378E3A04B}"/>
               </a:ext>
             </a:extLst>
           </p:cNvPr>
@@ -3285,7 +3275,7 @@
     </p:spTree>
     <p:extLst>
       <p:ext uri="{BB962C8B-B14F-4D97-AF65-F5344CB8AC3E}">
-        <p14:creationId xmlns:p14="http://schemas.microsoft.com/office/powerpoint/2010/main" val="1160496352"/>
+        <p14:creationId xmlns="" xmlns:p14="http://schemas.microsoft.com/office/powerpoint/2010/main" val="1160496352"/>
       </p:ext>
     </p:extLst>
   </p:cSld>
@@ -3317,7 +3307,7 @@
           <p:cNvPr id="17" name="Title 16">
             <a:extLst>
               <a:ext uri="{FF2B5EF4-FFF2-40B4-BE49-F238E27FC236}">
-                <a16:creationId xmlns:a16="http://schemas.microsoft.com/office/drawing/2014/main" id="{65237DA4-112F-40B2-8C8C-EB23506D9C45}"/>
+                <a16:creationId xmlns="" xmlns:a16="http://schemas.microsoft.com/office/drawing/2014/main" id="{65237DA4-112F-40B2-8C8C-EB23506D9C45}"/>
               </a:ext>
             </a:extLst>
           </p:cNvPr>
@@ -3376,7 +3366,7 @@
           <p:cNvPr id="3" name="Content Placeholder 2">
             <a:extLst>
               <a:ext uri="{FF2B5EF4-FFF2-40B4-BE49-F238E27FC236}">
-                <a16:creationId xmlns:a16="http://schemas.microsoft.com/office/drawing/2014/main" id="{90BF853D-76DB-46F3-AF6C-1E77C8E06AA9}"/>
+                <a16:creationId xmlns="" xmlns:a16="http://schemas.microsoft.com/office/drawing/2014/main" id="{90BF853D-76DB-46F3-AF6C-1E77C8E06AA9}"/>
               </a:ext>
             </a:extLst>
           </p:cNvPr>
@@ -3439,7 +3429,7 @@
           <p:cNvPr id="14" name="Slide Number Placeholder 13">
             <a:extLst>
               <a:ext uri="{FF2B5EF4-FFF2-40B4-BE49-F238E27FC236}">
-                <a16:creationId xmlns:a16="http://schemas.microsoft.com/office/drawing/2014/main" id="{7746CAFB-2B99-470B-B55B-9BF378E3A04B}"/>
+                <a16:creationId xmlns="" xmlns:a16="http://schemas.microsoft.com/office/drawing/2014/main" id="{7746CAFB-2B99-470B-B55B-9BF378E3A04B}"/>
               </a:ext>
             </a:extLst>
           </p:cNvPr>
@@ -3488,7 +3478,7 @@
     </p:spTree>
     <p:extLst>
       <p:ext uri="{BB962C8B-B14F-4D97-AF65-F5344CB8AC3E}">
-        <p14:creationId xmlns:p14="http://schemas.microsoft.com/office/powerpoint/2010/main" val="364498605"/>
+        <p14:creationId xmlns="" xmlns:p14="http://schemas.microsoft.com/office/powerpoint/2010/main" val="364498605"/>
       </p:ext>
     </p:extLst>
   </p:cSld>
@@ -3520,7 +3510,7 @@
           <p:cNvPr id="4" name="Slide Number Placeholder 3">
             <a:extLst>
               <a:ext uri="{FF2B5EF4-FFF2-40B4-BE49-F238E27FC236}">
-                <a16:creationId xmlns:a16="http://schemas.microsoft.com/office/drawing/2014/main" id="{0660D61A-B9FD-4DFF-AC42-4069DAFE238C}"/>
+                <a16:creationId xmlns="" xmlns:a16="http://schemas.microsoft.com/office/drawing/2014/main" id="{0660D61A-B9FD-4DFF-AC42-4069DAFE238C}"/>
               </a:ext>
             </a:extLst>
           </p:cNvPr>
@@ -3554,7 +3544,7 @@
           <p:cNvPr id="5" name="Content Placeholder 2">
             <a:extLst>
               <a:ext uri="{FF2B5EF4-FFF2-40B4-BE49-F238E27FC236}">
-                <a16:creationId xmlns:a16="http://schemas.microsoft.com/office/drawing/2014/main" id="{D68E6EF2-4B2F-4D0D-9505-CE92872972F7}"/>
+                <a16:creationId xmlns="" xmlns:a16="http://schemas.microsoft.com/office/drawing/2014/main" id="{D68E6EF2-4B2F-4D0D-9505-CE92872972F7}"/>
               </a:ext>
             </a:extLst>
           </p:cNvPr>
@@ -3617,7 +3607,7 @@
           <p:cNvPr id="6" name="Title 1">
             <a:extLst>
               <a:ext uri="{FF2B5EF4-FFF2-40B4-BE49-F238E27FC236}">
-                <a16:creationId xmlns:a16="http://schemas.microsoft.com/office/drawing/2014/main" id="{D91A21B9-BA54-413B-940E-027C32E4D429}"/>
+                <a16:creationId xmlns="" xmlns:a16="http://schemas.microsoft.com/office/drawing/2014/main" id="{D91A21B9-BA54-413B-940E-027C32E4D429}"/>
               </a:ext>
             </a:extLst>
           </p:cNvPr>
@@ -3663,7 +3653,7 @@
     </p:spTree>
     <p:extLst>
       <p:ext uri="{BB962C8B-B14F-4D97-AF65-F5344CB8AC3E}">
-        <p14:creationId xmlns:p14="http://schemas.microsoft.com/office/powerpoint/2010/main" val="3610051244"/>
+        <p14:creationId xmlns="" xmlns:p14="http://schemas.microsoft.com/office/powerpoint/2010/main" val="3610051244"/>
       </p:ext>
     </p:extLst>
   </p:cSld>
@@ -3695,7 +3685,7 @@
           <p:cNvPr id="2" name="Title 1">
             <a:extLst>
               <a:ext uri="{FF2B5EF4-FFF2-40B4-BE49-F238E27FC236}">
-                <a16:creationId xmlns:a16="http://schemas.microsoft.com/office/drawing/2014/main" id="{9722BDA7-8BE9-42D5-ACF1-0F51423A206E}"/>
+                <a16:creationId xmlns="" xmlns:a16="http://schemas.microsoft.com/office/drawing/2014/main" id="{9722BDA7-8BE9-42D5-ACF1-0F51423A206E}"/>
               </a:ext>
             </a:extLst>
           </p:cNvPr>
@@ -3733,7 +3723,7 @@
           <p:cNvPr id="3" name="Text Placeholder 2">
             <a:extLst>
               <a:ext uri="{FF2B5EF4-FFF2-40B4-BE49-F238E27FC236}">
-                <a16:creationId xmlns:a16="http://schemas.microsoft.com/office/drawing/2014/main" id="{71CEF73F-3CCA-4312-8E9C-2B4629DA1F66}"/>
+                <a16:creationId xmlns="" xmlns:a16="http://schemas.microsoft.com/office/drawing/2014/main" id="{71CEF73F-3CCA-4312-8E9C-2B4629DA1F66}"/>
               </a:ext>
             </a:extLst>
           </p:cNvPr>
@@ -3858,7 +3848,7 @@
           <p:cNvPr id="4" name="Slide Number Placeholder 3">
             <a:extLst>
               <a:ext uri="{FF2B5EF4-FFF2-40B4-BE49-F238E27FC236}">
-                <a16:creationId xmlns:a16="http://schemas.microsoft.com/office/drawing/2014/main" id="{293BF716-502C-4821-A3A0-19C2C508EED1}"/>
+                <a16:creationId xmlns="" xmlns:a16="http://schemas.microsoft.com/office/drawing/2014/main" id="{293BF716-502C-4821-A3A0-19C2C508EED1}"/>
               </a:ext>
             </a:extLst>
           </p:cNvPr>
@@ -3890,7 +3880,7 @@
     </p:spTree>
     <p:extLst>
       <p:ext uri="{BB962C8B-B14F-4D97-AF65-F5344CB8AC3E}">
-        <p14:creationId xmlns:p14="http://schemas.microsoft.com/office/powerpoint/2010/main" val="2665983131"/>
+        <p14:creationId xmlns="" xmlns:p14="http://schemas.microsoft.com/office/powerpoint/2010/main" val="2665983131"/>
       </p:ext>
     </p:extLst>
   </p:cSld>
@@ -3933,7 +3923,7 @@
           <p:cNvPr id="5" name="Picture 4">
             <a:extLst>
               <a:ext uri="{FF2B5EF4-FFF2-40B4-BE49-F238E27FC236}">
-                <a16:creationId xmlns:a16="http://schemas.microsoft.com/office/drawing/2014/main" id="{448E4AFE-E166-4B84-B0C8-9205038D8033}"/>
+                <a16:creationId xmlns="" xmlns:a16="http://schemas.microsoft.com/office/drawing/2014/main" id="{448E4AFE-E166-4B84-B0C8-9205038D8033}"/>
               </a:ext>
             </a:extLst>
           </p:cNvPr>
@@ -3946,7 +3936,7 @@
           <a:blip r:embed="rId16" cstate="screen">
             <a:extLst>
               <a:ext uri="{28A0092B-C50C-407E-A947-70E740481C1C}">
-                <a14:useLocalDpi xmlns:a14="http://schemas.microsoft.com/office/drawing/2010/main"/>
+                <a14:useLocalDpi xmlns="" xmlns:a14="http://schemas.microsoft.com/office/drawing/2010/main"/>
               </a:ext>
             </a:extLst>
           </a:blip>
@@ -3969,7 +3959,7 @@
           <p:cNvPr id="2" name="Title Placeholder 1">
             <a:extLst>
               <a:ext uri="{FF2B5EF4-FFF2-40B4-BE49-F238E27FC236}">
-                <a16:creationId xmlns:a16="http://schemas.microsoft.com/office/drawing/2014/main" id="{6C617517-B672-49BA-AC6E-AB66D0639A58}"/>
+                <a16:creationId xmlns="" xmlns:a16="http://schemas.microsoft.com/office/drawing/2014/main" id="{6C617517-B672-49BA-AC6E-AB66D0639A58}"/>
               </a:ext>
             </a:extLst>
           </p:cNvPr>
@@ -4008,7 +3998,7 @@
           <p:cNvPr id="3" name="Text Placeholder 2">
             <a:extLst>
               <a:ext uri="{FF2B5EF4-FFF2-40B4-BE49-F238E27FC236}">
-                <a16:creationId xmlns:a16="http://schemas.microsoft.com/office/drawing/2014/main" id="{6EC92C27-7843-4B22-9200-B7304E6AE4CD}"/>
+                <a16:creationId xmlns="" xmlns:a16="http://schemas.microsoft.com/office/drawing/2014/main" id="{6EC92C27-7843-4B22-9200-B7304E6AE4CD}"/>
               </a:ext>
             </a:extLst>
           </p:cNvPr>
@@ -4076,7 +4066,7 @@
           <p:cNvPr id="6" name="Slide Number Placeholder 5">
             <a:extLst>
               <a:ext uri="{FF2B5EF4-FFF2-40B4-BE49-F238E27FC236}">
-                <a16:creationId xmlns:a16="http://schemas.microsoft.com/office/drawing/2014/main" id="{52DB4F10-F75B-41A8-B994-BFF68949E59A}"/>
+                <a16:creationId xmlns="" xmlns:a16="http://schemas.microsoft.com/office/drawing/2014/main" id="{52DB4F10-F75B-41A8-B994-BFF68949E59A}"/>
               </a:ext>
             </a:extLst>
           </p:cNvPr>
@@ -4132,7 +4122,7 @@
           <p:cNvPr id="7" name="Rectangle 6">
             <a:extLst>
               <a:ext uri="{FF2B5EF4-FFF2-40B4-BE49-F238E27FC236}">
-                <a16:creationId xmlns:a16="http://schemas.microsoft.com/office/drawing/2014/main" id="{512D21E2-8DEB-4F43-A26E-B8DA900A9230}"/>
+                <a16:creationId xmlns="" xmlns:a16="http://schemas.microsoft.com/office/drawing/2014/main" id="{512D21E2-8DEB-4F43-A26E-B8DA900A9230}"/>
               </a:ext>
             </a:extLst>
           </p:cNvPr>
@@ -4195,7 +4185,7 @@
           <p:cNvPr id="8" name="Rectangle 7">
             <a:extLst>
               <a:ext uri="{FF2B5EF4-FFF2-40B4-BE49-F238E27FC236}">
-                <a16:creationId xmlns:a16="http://schemas.microsoft.com/office/drawing/2014/main" id="{35CD3143-7FD1-40EA-AA4A-47C72380AEC2}"/>
+                <a16:creationId xmlns="" xmlns:a16="http://schemas.microsoft.com/office/drawing/2014/main" id="{35CD3143-7FD1-40EA-AA4A-47C72380AEC2}"/>
               </a:ext>
             </a:extLst>
           </p:cNvPr>
@@ -4245,7 +4235,7 @@
     </p:spTree>
     <p:extLst>
       <p:ext uri="{BB962C8B-B14F-4D97-AF65-F5344CB8AC3E}">
-        <p14:creationId xmlns:p14="http://schemas.microsoft.com/office/powerpoint/2010/main" val="3853920126"/>
+        <p14:creationId xmlns="" xmlns:p14="http://schemas.microsoft.com/office/powerpoint/2010/main" val="3853920126"/>
       </p:ext>
     </p:extLst>
   </p:cSld>
@@ -4575,7 +4565,7 @@
           <p:cNvPr id="4" name="Title 3">
             <a:extLst>
               <a:ext uri="{FF2B5EF4-FFF2-40B4-BE49-F238E27FC236}">
-                <a16:creationId xmlns:a16="http://schemas.microsoft.com/office/drawing/2014/main" id="{E10C5037-DA4A-44E2-A9FB-84B1498768A7}"/>
+                <a16:creationId xmlns="" xmlns:a16="http://schemas.microsoft.com/office/drawing/2014/main" id="{E10C5037-DA4A-44E2-A9FB-84B1498768A7}"/>
               </a:ext>
             </a:extLst>
           </p:cNvPr>
@@ -4614,7 +4604,7 @@
           <p:cNvPr id="15" name="Slide Number Placeholder 14">
             <a:extLst>
               <a:ext uri="{FF2B5EF4-FFF2-40B4-BE49-F238E27FC236}">
-                <a16:creationId xmlns:a16="http://schemas.microsoft.com/office/drawing/2014/main" id="{26F5C050-EB87-421A-8A5C-E6CB30102699}"/>
+                <a16:creationId xmlns="" xmlns:a16="http://schemas.microsoft.com/office/drawing/2014/main" id="{26F5C050-EB87-421A-8A5C-E6CB30102699}"/>
               </a:ext>
             </a:extLst>
           </p:cNvPr>
@@ -4648,7 +4638,7 @@
           <p:cNvPr id="29" name="Picture Placeholder 28" descr="Young student drawing on a whiteboard">
             <a:extLst>
               <a:ext uri="{FF2B5EF4-FFF2-40B4-BE49-F238E27FC236}">
-                <a16:creationId xmlns:a16="http://schemas.microsoft.com/office/drawing/2014/main" id="{AE2FE2E9-1D1E-404B-A659-DD19B5D66B5B}"/>
+                <a16:creationId xmlns="" xmlns:a16="http://schemas.microsoft.com/office/drawing/2014/main" id="{AE2FE2E9-1D1E-404B-A659-DD19B5D66B5B}"/>
               </a:ext>
             </a:extLst>
           </p:cNvPr>
@@ -4663,7 +4653,7 @@
           <a:blip r:embed="rId2" cstate="screen">
             <a:extLst>
               <a:ext uri="{28A0092B-C50C-407E-A947-70E740481C1C}">
-                <a14:useLocalDpi xmlns:a14="http://schemas.microsoft.com/office/drawing/2010/main"/>
+                <a14:useLocalDpi xmlns="" xmlns:a14="http://schemas.microsoft.com/office/drawing/2010/main"/>
               </a:ext>
             </a:extLst>
           </a:blip>
@@ -4682,7 +4672,7 @@
     </p:spTree>
     <p:extLst>
       <p:ext uri="{BB962C8B-B14F-4D97-AF65-F5344CB8AC3E}">
-        <p14:creationId xmlns:p14="http://schemas.microsoft.com/office/powerpoint/2010/main" val="1136250268"/>
+        <p14:creationId xmlns="" xmlns:p14="http://schemas.microsoft.com/office/powerpoint/2010/main" val="1136250268"/>
       </p:ext>
     </p:extLst>
   </p:cSld>
@@ -4721,7 +4711,7 @@
           <p:cNvPr id="2" name="Title 1">
             <a:extLst>
               <a:ext uri="{FF2B5EF4-FFF2-40B4-BE49-F238E27FC236}">
-                <a16:creationId xmlns:a16="http://schemas.microsoft.com/office/drawing/2014/main" id="{E199600F-A17E-4354-A7AB-0CC2A43A9354}"/>
+                <a16:creationId xmlns="" xmlns:a16="http://schemas.microsoft.com/office/drawing/2014/main" id="{E199600F-A17E-4354-A7AB-0CC2A43A9354}"/>
               </a:ext>
             </a:extLst>
           </p:cNvPr>
@@ -4745,7 +4735,7 @@
             <a:pPr algn="ctr"/>
             <a:r>
               <a:rPr lang="en-US" dirty="0" smtClean="0"/>
-              <a:t>Java Virtual Machine</a:t>
+              <a:t>Command Line Arguments</a:t>
             </a:r>
             <a:endParaRPr lang="en-US" dirty="0"/>
           </a:p>
@@ -4756,7 +4746,7 @@
           <p:cNvPr id="3" name="Content Placeholder 2">
             <a:extLst>
               <a:ext uri="{FF2B5EF4-FFF2-40B4-BE49-F238E27FC236}">
-                <a16:creationId xmlns:a16="http://schemas.microsoft.com/office/drawing/2014/main" id="{FA6A4B49-27C8-46B6-8B11-AD7E8F615E2C}"/>
+                <a16:creationId xmlns="" xmlns:a16="http://schemas.microsoft.com/office/drawing/2014/main" id="{FA6A4B49-27C8-46B6-8B11-AD7E8F615E2C}"/>
               </a:ext>
             </a:extLst>
           </p:cNvPr>
@@ -4769,8 +4759,8 @@
         </p:nvSpPr>
         <p:spPr>
           <a:xfrm>
-            <a:off x="838199" y="1690256"/>
-            <a:ext cx="10515600" cy="4486708"/>
+            <a:off x="838199" y="1825625"/>
+            <a:ext cx="9543473" cy="4351338"/>
           </a:xfrm>
         </p:spPr>
         <p:txBody>
@@ -4779,33 +4769,61 @@
           </a:bodyPr>
           <a:lstStyle/>
           <a:p>
-            <a:r>
-              <a:rPr lang="en-US" sz="2800" noProof="1" smtClean="0"/>
-              <a:t>Java virtual machine (JVM) is the piece of software that is responsible for running a java application.</a:t>
-            </a:r>
-          </a:p>
-          <a:p>
-            <a:r>
-              <a:rPr lang="en-US" sz="2800" noProof="1" smtClean="0"/>
-              <a:t>A java application is executed by the following command : </a:t>
-            </a:r>
-            <a:r>
-              <a:rPr lang="en-US" sz="2800" noProof="1"/>
-              <a:t/>
-            </a:r>
-            <a:br>
-              <a:rPr lang="en-US" sz="2800" noProof="1"/>
-            </a:br>
-            <a:r>
-              <a:rPr lang="en-US" sz="2800" noProof="1" smtClean="0"/>
-              <a:t>            java WelcomeToJava</a:t>
-            </a:r>
-          </a:p>
-          <a:p>
-            <a:r>
-              <a:rPr lang="en-US" sz="2800" noProof="1" smtClean="0"/>
-              <a:t>Here ‘java’ represents the java virtual machine(JVM) which runs the java program.</a:t>
-            </a:r>
+            <a:endParaRPr lang="en-US" noProof="1" smtClean="0"/>
+          </a:p>
+          <a:p>
+            <a:r>
+              <a:rPr lang="en-US" noProof="1" smtClean="0"/>
+              <a:t>While running a java program we can pass on some input to the program.</a:t>
+            </a:r>
+          </a:p>
+          <a:p>
+            <a:r>
+              <a:rPr lang="en-US" noProof="1" smtClean="0"/>
+              <a:t>Java reads this input in a String array.</a:t>
+            </a:r>
+          </a:p>
+          <a:p>
+            <a:r>
+              <a:rPr lang="en-US" noProof="1" smtClean="0"/>
+              <a:t>Ways of passing command lines : </a:t>
+            </a:r>
+          </a:p>
+          <a:p>
+            <a:r>
+              <a:rPr lang="en-US" noProof="1" smtClean="0"/>
+              <a:t>a b c</a:t>
+            </a:r>
+          </a:p>
+          <a:p>
+            <a:r>
+              <a:rPr lang="en-US" noProof="1" smtClean="0"/>
+              <a:t>a               b  c</a:t>
+            </a:r>
+          </a:p>
+          <a:p>
+            <a:r>
+              <a:rPr lang="en-US" noProof="1" smtClean="0"/>
+              <a:t>“a ” b c</a:t>
+            </a:r>
+          </a:p>
+          <a:p>
+            <a:r>
+              <a:rPr lang="en-US" noProof="1" smtClean="0"/>
+              <a:t>In case of no arguments an array of zero size is passed.</a:t>
+            </a:r>
+          </a:p>
+          <a:p>
+            <a:r>
+              <a:rPr lang="en-US" noProof="1" smtClean="0"/>
+              <a:t>Example : You want to write a program to display contents of a file that runner of the program wants.The runner of the program would just pass the name of the file that he wants to be displayed on command line and the program would display it.</a:t>
+            </a:r>
+          </a:p>
+          <a:p>
+            <a:endParaRPr lang="en-US" noProof="1" smtClean="0"/>
+          </a:p>
+          <a:p>
+            <a:endParaRPr lang="en-US" noProof="1"/>
           </a:p>
         </p:txBody>
       </p:sp>
@@ -4814,7 +4832,7 @@
           <p:cNvPr id="4" name="Slide Number Placeholder 3">
             <a:extLst>
               <a:ext uri="{FF2B5EF4-FFF2-40B4-BE49-F238E27FC236}">
-                <a16:creationId xmlns:a16="http://schemas.microsoft.com/office/drawing/2014/main" id="{62B4CE3A-8C88-45AA-A849-57E5A7AC22C1}"/>
+                <a16:creationId xmlns="" xmlns:a16="http://schemas.microsoft.com/office/drawing/2014/main" id="{62B4CE3A-8C88-45AA-A849-57E5A7AC22C1}"/>
               </a:ext>
             </a:extLst>
           </p:cNvPr>
@@ -4853,7 +4871,7 @@
           <p:cNvPr id="11" name="Rectangle 10">
             <a:extLst>
               <a:ext uri="{FF2B5EF4-FFF2-40B4-BE49-F238E27FC236}">
-                <a16:creationId xmlns:a16="http://schemas.microsoft.com/office/drawing/2014/main" id="{5F253864-26FA-4AB1-9F0A-4F57D870EE85}"/>
+                <a16:creationId xmlns="" xmlns:a16="http://schemas.microsoft.com/office/drawing/2014/main" id="{5F253864-26FA-4AB1-9F0A-4F57D870EE85}"/>
               </a:ext>
               <a:ext uri="{C183D7F6-B498-43B3-948B-1728B52AA6E4}">
                 <adec:decorative xmlns:adec="http://schemas.microsoft.com/office/drawing/2017/decorative" xmlns="" val="1"/>
@@ -4965,7 +4983,7 @@
     </p:spTree>
     <p:extLst>
       <p:ext uri="{BB962C8B-B14F-4D97-AF65-F5344CB8AC3E}">
-        <p14:creationId xmlns:p14="http://schemas.microsoft.com/office/powerpoint/2010/main" val="1418258753"/>
+        <p14:creationId xmlns="" xmlns:p14="http://schemas.microsoft.com/office/powerpoint/2010/main" val="454014491"/>
       </p:ext>
     </p:extLst>
   </p:cSld>
@@ -5004,7 +5022,7 @@
           <p:cNvPr id="2" name="Title 1">
             <a:extLst>
               <a:ext uri="{FF2B5EF4-FFF2-40B4-BE49-F238E27FC236}">
-                <a16:creationId xmlns:a16="http://schemas.microsoft.com/office/drawing/2014/main" id="{C8F58AE6-56F6-44E8-8BBF-23277B1773E4}"/>
+                <a16:creationId xmlns="" xmlns:a16="http://schemas.microsoft.com/office/drawing/2014/main" id="{E199600F-A17E-4354-A7AB-0CC2A43A9354}"/>
               </a:ext>
             </a:extLst>
           </p:cNvPr>
@@ -5015,55 +5033,137 @@
             <p:ph type="title"/>
           </p:nvPr>
         </p:nvSpPr>
-        <p:spPr/>
+        <p:spPr>
+          <a:xfrm>
+            <a:off x="838199" y="611079"/>
+            <a:ext cx="10515600" cy="833663"/>
+          </a:xfrm>
+        </p:spPr>
         <p:txBody>
           <a:bodyPr/>
           <a:lstStyle/>
           <a:p>
             <a:pPr algn="ctr"/>
             <a:r>
-              <a:rPr lang="en-US" smtClean="0"/>
-              <a:t>Questions ??</a:t>
+              <a:rPr lang="en-US" dirty="0" smtClean="0"/>
+              <a:t>Compiling &amp; Running </a:t>
             </a:r>
             <a:endParaRPr lang="en-US" dirty="0"/>
           </a:p>
         </p:txBody>
       </p:sp>
-      <p:pic>
-        <p:nvPicPr>
-          <p:cNvPr id="3" name="Content Placeholder 2"/>
-          <p:cNvPicPr>
-            <a:picLocks noGrp="1" noChangeAspect="1"/>
-          </p:cNvPicPr>
+      <p:sp>
+        <p:nvSpPr>
+          <p:cNvPr id="3" name="Content Placeholder 2">
+            <a:extLst>
+              <a:ext uri="{FF2B5EF4-FFF2-40B4-BE49-F238E27FC236}">
+                <a16:creationId xmlns="" xmlns:a16="http://schemas.microsoft.com/office/drawing/2014/main" id="{FA6A4B49-27C8-46B6-8B11-AD7E8F615E2C}"/>
+              </a:ext>
+            </a:extLst>
+          </p:cNvPr>
+          <p:cNvSpPr>
+            <a:spLocks noGrp="1"/>
+          </p:cNvSpPr>
           <p:nvPr>
             <p:ph idx="1"/>
           </p:nvPr>
-        </p:nvPicPr>
-        <p:blipFill>
-          <a:blip r:embed="rId2">
-            <a:extLst>
-              <a:ext uri="{28A0092B-C50C-407E-A947-70E740481C1C}">
-                <a14:useLocalDpi xmlns:a14="http://schemas.microsoft.com/office/drawing/2010/main" val="0"/>
-              </a:ext>
-            </a:extLst>
-          </a:blip>
-          <a:stretch>
-            <a:fillRect/>
-          </a:stretch>
-        </p:blipFill>
-        <p:spPr>
-          <a:xfrm>
-            <a:off x="4705350" y="1487686"/>
-            <a:ext cx="6648450" cy="3739753"/>
-          </a:xfrm>
-        </p:spPr>
-      </p:pic>
-      <p:sp>
-        <p:nvSpPr>
-          <p:cNvPr id="20" name="Slide Number Placeholder 19">
-            <a:extLst>
-              <a:ext uri="{FF2B5EF4-FFF2-40B4-BE49-F238E27FC236}">
-                <a16:creationId xmlns:a16="http://schemas.microsoft.com/office/drawing/2014/main" id="{3AEC0301-E9AA-4478-9E23-C372DBDCE653}"/>
+        </p:nvSpPr>
+        <p:spPr>
+          <a:xfrm>
+            <a:off x="838199" y="1825625"/>
+            <a:ext cx="9543473" cy="4351338"/>
+          </a:xfrm>
+        </p:spPr>
+        <p:txBody>
+          <a:bodyPr>
+            <a:normAutofit/>
+          </a:bodyPr>
+          <a:lstStyle/>
+          <a:p>
+            <a:r>
+              <a:rPr lang="en-US" noProof="1" smtClean="0"/>
+              <a:t>In the beginning it is important to understand the semantics of running a java program from command line.</a:t>
+            </a:r>
+          </a:p>
+          <a:p>
+            <a:r>
+              <a:rPr lang="en-US" noProof="1" smtClean="0"/>
+              <a:t>Refrain from using any IDE for some time.</a:t>
+            </a:r>
+          </a:p>
+          <a:p>
+            <a:r>
+              <a:rPr lang="en-US" noProof="1" smtClean="0"/>
+              <a:t>Javac &amp; java are the two tools that JDK provides to compile and execute your program respectively.</a:t>
+            </a:r>
+          </a:p>
+          <a:p>
+            <a:r>
+              <a:rPr lang="en-US" b="1" noProof="1"/>
+              <a:t>j</a:t>
+            </a:r>
+            <a:r>
+              <a:rPr lang="en-US" b="1" noProof="1" smtClean="0"/>
+              <a:t>avac WelcomeToJava.java</a:t>
+            </a:r>
+            <a:r>
+              <a:rPr lang="en-US" noProof="1" smtClean="0"/>
+              <a:t> creates WelcomeToJava.class file.</a:t>
+            </a:r>
+          </a:p>
+          <a:p>
+            <a:r>
+              <a:rPr lang="en-US" b="1" noProof="1" smtClean="0"/>
+              <a:t>Java WelcomeToJava</a:t>
+            </a:r>
+            <a:r>
+              <a:rPr lang="en-US" noProof="1" smtClean="0"/>
+              <a:t> runs the program.</a:t>
+            </a:r>
+          </a:p>
+          <a:p>
+            <a:r>
+              <a:rPr lang="en-US" noProof="1" smtClean="0"/>
+              <a:t>Package declaration is not just a logical segregation but physical also.</a:t>
+            </a:r>
+          </a:p>
+          <a:p>
+            <a:r>
+              <a:rPr lang="en-US" noProof="1"/>
+              <a:t>Format for running a java program : </a:t>
+            </a:r>
+            <a:r>
+              <a:rPr lang="en-US" noProof="1" smtClean="0"/>
+              <a:t>java &lt;</a:t>
+            </a:r>
+            <a:r>
+              <a:rPr lang="en-US" noProof="1"/>
+              <a:t>packageName&gt;.&lt;MainClassName&gt;</a:t>
+            </a:r>
+          </a:p>
+          <a:p>
+            <a:endParaRPr lang="en-US" noProof="1" smtClean="0"/>
+          </a:p>
+          <a:p>
+            <a:endParaRPr lang="en-US" noProof="1" smtClean="0"/>
+          </a:p>
+          <a:p>
+            <a:endParaRPr lang="en-US" noProof="1" smtClean="0"/>
+          </a:p>
+          <a:p>
+            <a:endParaRPr lang="en-US" noProof="1" smtClean="0"/>
+          </a:p>
+          <a:p>
+            <a:endParaRPr lang="en-US" noProof="1"/>
+          </a:p>
+        </p:txBody>
+      </p:sp>
+      <p:sp>
+        <p:nvSpPr>
+          <p:cNvPr id="4" name="Slide Number Placeholder 3">
+            <a:extLst>
+              <a:ext uri="{FF2B5EF4-FFF2-40B4-BE49-F238E27FC236}">
+                <a16:creationId xmlns="" xmlns:a16="http://schemas.microsoft.com/office/drawing/2014/main" id="{62B4CE3A-8C88-45AA-A849-57E5A7AC22C1}"/>
               </a:ext>
             </a:extLst>
           </p:cNvPr>
@@ -5076,7 +5176,7 @@
         </p:nvSpPr>
         <p:spPr>
           <a:xfrm>
-            <a:off x="10717695" y="6363134"/>
+            <a:off x="11353800" y="6361475"/>
             <a:ext cx="838200" cy="360000"/>
           </a:xfrm>
         </p:spPr>
@@ -5099,10 +5199,10 @@
       </p:sp>
       <p:sp>
         <p:nvSpPr>
-          <p:cNvPr id="10" name="Isosceles Triangle 9">
-            <a:extLst>
-              <a:ext uri="{FF2B5EF4-FFF2-40B4-BE49-F238E27FC236}">
-                <a16:creationId xmlns:a16="http://schemas.microsoft.com/office/drawing/2014/main" id="{792980D7-ED01-4955-83DB-59BA18C94FBA}"/>
+          <p:cNvPr id="11" name="Rectangle 10">
+            <a:extLst>
+              <a:ext uri="{FF2B5EF4-FFF2-40B4-BE49-F238E27FC236}">
+                <a16:creationId xmlns="" xmlns:a16="http://schemas.microsoft.com/office/drawing/2014/main" id="{5F253864-26FA-4AB1-9F0A-4F57D870EE85}"/>
               </a:ext>
               <a:ext uri="{C183D7F6-B498-43B3-948B-1728B52AA6E4}">
                 <adec:decorative xmlns:adec="http://schemas.microsoft.com/office/drawing/2017/decorative" xmlns="" val="1"/>
@@ -5113,15 +5213,18 @@
           <p:nvPr/>
         </p:nvSpPr>
         <p:spPr>
-          <a:xfrm rot="10800000">
-            <a:off x="10006315" y="6271566"/>
-            <a:ext cx="142847" cy="91567"/>
-          </a:xfrm>
-          <a:prstGeom prst="triangle">
+          <a:xfrm>
+            <a:off x="6249555" y="6562004"/>
+            <a:ext cx="2552123" cy="159471"/>
+          </a:xfrm>
+          <a:prstGeom prst="rect">
             <a:avLst/>
           </a:prstGeom>
           <a:solidFill>
-            <a:schemeClr val="bg1"/>
+            <a:schemeClr val="tx1">
+              <a:lumMod val="85000"/>
+              <a:lumOff val="15000"/>
+            </a:schemeClr>
           </a:solidFill>
           <a:ln>
             <a:noFill/>
@@ -5144,17 +5247,17 @@
           </a:fontRef>
         </p:style>
         <p:txBody>
-          <a:bodyPr rtlCol="0" anchor="ctr"/>
+          <a:bodyPr anchor="ctr"/>
           <a:lstStyle/>
           <a:p>
             <a:pPr algn="ctr"/>
-            <a:endParaRPr lang="en-US" dirty="0"/>
-          </a:p>
-        </p:txBody>
-      </p:sp>
-      <p:sp>
-        <p:nvSpPr>
-          <p:cNvPr id="4" name="Rectangle 3"/>
+            <a:endParaRPr lang="en-US" sz="1200" dirty="0"/>
+          </a:p>
+        </p:txBody>
+      </p:sp>
+      <p:sp>
+        <p:nvSpPr>
+          <p:cNvPr id="5" name="Rectangle 4"/>
           <p:cNvSpPr/>
           <p:nvPr/>
         </p:nvSpPr>
@@ -5180,10 +5283,253 @@
           </a:p>
         </p:txBody>
       </p:sp>
+      <p:sp>
+        <p:nvSpPr>
+          <p:cNvPr id="6" name="Rectangle 5"/>
+          <p:cNvSpPr/>
+          <p:nvPr/>
+        </p:nvSpPr>
+        <p:spPr>
+          <a:xfrm>
+            <a:off x="5785658" y="3244334"/>
+            <a:ext cx="184731" cy="369332"/>
+          </a:xfrm>
+          <a:prstGeom prst="rect">
+            <a:avLst/>
+          </a:prstGeom>
+        </p:spPr>
+        <p:txBody>
+          <a:bodyPr wrap="none">
+            <a:spAutoFit/>
+          </a:bodyPr>
+          <a:lstStyle/>
+          <a:p>
+            <a:endParaRPr lang="en-US" dirty="0"/>
+          </a:p>
+        </p:txBody>
+      </p:sp>
     </p:spTree>
     <p:extLst>
       <p:ext uri="{BB962C8B-B14F-4D97-AF65-F5344CB8AC3E}">
-        <p14:creationId xmlns:p14="http://schemas.microsoft.com/office/powerpoint/2010/main" val="1704949556"/>
+        <p14:creationId xmlns="" xmlns:p14="http://schemas.microsoft.com/office/powerpoint/2010/main" val="732706058"/>
+      </p:ext>
+    </p:extLst>
+  </p:cSld>
+  <p:clrMapOvr>
+    <a:masterClrMapping/>
+  </p:clrMapOvr>
+  <p:timing>
+    <p:tnLst>
+      <p:par>
+        <p:cTn id="1" dur="indefinite" restart="never" nodeType="tmRoot"/>
+      </p:par>
+    </p:tnLst>
+  </p:timing>
+</p:sld>
+</file>
+
+<file path=ppt/slides/slide12.xml><?xml version="1.0" encoding="utf-8"?>
+<p:sld xmlns:a="http://schemas.openxmlformats.org/drawingml/2006/main" xmlns:r="http://schemas.openxmlformats.org/officeDocument/2006/relationships" xmlns:p="http://schemas.openxmlformats.org/presentationml/2006/main">
+  <p:cSld>
+    <p:spTree>
+      <p:nvGrpSpPr>
+        <p:cNvPr id="1" name=""/>
+        <p:cNvGrpSpPr/>
+        <p:nvPr/>
+      </p:nvGrpSpPr>
+      <p:grpSpPr>
+        <a:xfrm>
+          <a:off x="0" y="0"/>
+          <a:ext cx="0" cy="0"/>
+          <a:chOff x="0" y="0"/>
+          <a:chExt cx="0" cy="0"/>
+        </a:xfrm>
+      </p:grpSpPr>
+      <p:sp>
+        <p:nvSpPr>
+          <p:cNvPr id="2" name="Title 1">
+            <a:extLst>
+              <a:ext uri="{FF2B5EF4-FFF2-40B4-BE49-F238E27FC236}">
+                <a16:creationId xmlns="" xmlns:a16="http://schemas.microsoft.com/office/drawing/2014/main" id="{C8F58AE6-56F6-44E8-8BBF-23277B1773E4}"/>
+              </a:ext>
+            </a:extLst>
+          </p:cNvPr>
+          <p:cNvSpPr>
+            <a:spLocks noGrp="1"/>
+          </p:cNvSpPr>
+          <p:nvPr>
+            <p:ph type="title"/>
+          </p:nvPr>
+        </p:nvSpPr>
+        <p:spPr/>
+        <p:txBody>
+          <a:bodyPr/>
+          <a:lstStyle/>
+          <a:p>
+            <a:pPr algn="ctr"/>
+            <a:r>
+              <a:rPr lang="en-US" smtClean="0"/>
+              <a:t>Questions ??</a:t>
+            </a:r>
+            <a:endParaRPr lang="en-US" dirty="0"/>
+          </a:p>
+        </p:txBody>
+      </p:sp>
+      <p:pic>
+        <p:nvPicPr>
+          <p:cNvPr id="3" name="Content Placeholder 2"/>
+          <p:cNvPicPr>
+            <a:picLocks noGrp="1" noChangeAspect="1"/>
+          </p:cNvPicPr>
+          <p:nvPr>
+            <p:ph idx="1"/>
+          </p:nvPr>
+        </p:nvPicPr>
+        <p:blipFill>
+          <a:blip r:embed="rId2">
+            <a:extLst>
+              <a:ext uri="{28A0092B-C50C-407E-A947-70E740481C1C}">
+                <a14:useLocalDpi xmlns="" xmlns:a14="http://schemas.microsoft.com/office/drawing/2010/main" val="0"/>
+              </a:ext>
+            </a:extLst>
+          </a:blip>
+          <a:stretch>
+            <a:fillRect/>
+          </a:stretch>
+        </p:blipFill>
+        <p:spPr>
+          <a:xfrm>
+            <a:off x="4705350" y="1487686"/>
+            <a:ext cx="6648450" cy="3739753"/>
+          </a:xfrm>
+        </p:spPr>
+      </p:pic>
+      <p:sp>
+        <p:nvSpPr>
+          <p:cNvPr id="20" name="Slide Number Placeholder 19">
+            <a:extLst>
+              <a:ext uri="{FF2B5EF4-FFF2-40B4-BE49-F238E27FC236}">
+                <a16:creationId xmlns="" xmlns:a16="http://schemas.microsoft.com/office/drawing/2014/main" id="{3AEC0301-E9AA-4478-9E23-C372DBDCE653}"/>
+              </a:ext>
+            </a:extLst>
+          </p:cNvPr>
+          <p:cNvSpPr>
+            <a:spLocks noGrp="1"/>
+          </p:cNvSpPr>
+          <p:nvPr>
+            <p:ph type="sldNum" sz="quarter" idx="10"/>
+          </p:nvPr>
+        </p:nvSpPr>
+        <p:spPr>
+          <a:xfrm>
+            <a:off x="10717695" y="6363134"/>
+            <a:ext cx="838200" cy="360000"/>
+          </a:xfrm>
+        </p:spPr>
+        <p:txBody>
+          <a:bodyPr/>
+          <a:lstStyle/>
+          <a:p>
+            <a:r>
+              <a:rPr lang="en-US" dirty="0"/>
+              <a:t>PAGE </a:t>
+            </a:r>
+            <a:fld id="{4A9B5881-4007-4345-955A-79C2656F0C49}" type="slidenum">
+              <a:rPr lang="en-US" smtClean="0"/>
+              <a:pPr/>
+              <a:t>12</a:t>
+            </a:fld>
+            <a:endParaRPr lang="en-US" dirty="0"/>
+          </a:p>
+        </p:txBody>
+      </p:sp>
+      <p:sp>
+        <p:nvSpPr>
+          <p:cNvPr id="10" name="Isosceles Triangle 9">
+            <a:extLst>
+              <a:ext uri="{FF2B5EF4-FFF2-40B4-BE49-F238E27FC236}">
+                <a16:creationId xmlns="" xmlns:a16="http://schemas.microsoft.com/office/drawing/2014/main" id="{792980D7-ED01-4955-83DB-59BA18C94FBA}"/>
+              </a:ext>
+              <a:ext uri="{C183D7F6-B498-43B3-948B-1728B52AA6E4}">
+                <adec:decorative xmlns:adec="http://schemas.microsoft.com/office/drawing/2017/decorative" xmlns="" val="1"/>
+              </a:ext>
+            </a:extLst>
+          </p:cNvPr>
+          <p:cNvSpPr/>
+          <p:nvPr/>
+        </p:nvSpPr>
+        <p:spPr>
+          <a:xfrm rot="10800000">
+            <a:off x="10006315" y="6271566"/>
+            <a:ext cx="142847" cy="91567"/>
+          </a:xfrm>
+          <a:prstGeom prst="triangle">
+            <a:avLst/>
+          </a:prstGeom>
+          <a:solidFill>
+            <a:schemeClr val="bg1"/>
+          </a:solidFill>
+          <a:ln>
+            <a:noFill/>
+          </a:ln>
+        </p:spPr>
+        <p:style>
+          <a:lnRef idx="2">
+            <a:schemeClr val="accent1">
+              <a:shade val="50000"/>
+            </a:schemeClr>
+          </a:lnRef>
+          <a:fillRef idx="1">
+            <a:schemeClr val="accent1"/>
+          </a:fillRef>
+          <a:effectRef idx="0">
+            <a:schemeClr val="accent1"/>
+          </a:effectRef>
+          <a:fontRef idx="minor">
+            <a:schemeClr val="lt1"/>
+          </a:fontRef>
+        </p:style>
+        <p:txBody>
+          <a:bodyPr rtlCol="0" anchor="ctr"/>
+          <a:lstStyle/>
+          <a:p>
+            <a:pPr algn="ctr"/>
+            <a:endParaRPr lang="en-US" dirty="0"/>
+          </a:p>
+        </p:txBody>
+      </p:sp>
+      <p:sp>
+        <p:nvSpPr>
+          <p:cNvPr id="4" name="Rectangle 3"/>
+          <p:cNvSpPr/>
+          <p:nvPr/>
+        </p:nvSpPr>
+        <p:spPr>
+          <a:xfrm>
+            <a:off x="5785658" y="3244334"/>
+            <a:ext cx="620683" cy="369332"/>
+          </a:xfrm>
+          <a:prstGeom prst="rect">
+            <a:avLst/>
+          </a:prstGeom>
+        </p:spPr>
+        <p:txBody>
+          <a:bodyPr wrap="none">
+            <a:spAutoFit/>
+          </a:bodyPr>
+          <a:lstStyle/>
+          <a:p>
+            <a:r>
+              <a:rPr lang="en-US" dirty="0"/>
+              <a:t>a b c</a:t>
+            </a:r>
+          </a:p>
+        </p:txBody>
+      </p:sp>
+    </p:spTree>
+    <p:extLst>
+      <p:ext uri="{BB962C8B-B14F-4D97-AF65-F5344CB8AC3E}">
+        <p14:creationId xmlns="" xmlns:p14="http://schemas.microsoft.com/office/powerpoint/2010/main" val="1704949556"/>
       </p:ext>
     </p:extLst>
   </p:cSld>
@@ -5222,7 +5568,7 @@
           <p:cNvPr id="2" name="Title 1">
             <a:extLst>
               <a:ext uri="{FF2B5EF4-FFF2-40B4-BE49-F238E27FC236}">
-                <a16:creationId xmlns:a16="http://schemas.microsoft.com/office/drawing/2014/main" id="{E199600F-A17E-4354-A7AB-0CC2A43A9354}"/>
+                <a16:creationId xmlns="" xmlns:a16="http://schemas.microsoft.com/office/drawing/2014/main" id="{E199600F-A17E-4354-A7AB-0CC2A43A9354}"/>
               </a:ext>
             </a:extLst>
           </p:cNvPr>
@@ -5257,7 +5603,7 @@
           <p:cNvPr id="3" name="Content Placeholder 2">
             <a:extLst>
               <a:ext uri="{FF2B5EF4-FFF2-40B4-BE49-F238E27FC236}">
-                <a16:creationId xmlns:a16="http://schemas.microsoft.com/office/drawing/2014/main" id="{FA6A4B49-27C8-46B6-8B11-AD7E8F615E2C}"/>
+                <a16:creationId xmlns="" xmlns:a16="http://schemas.microsoft.com/office/drawing/2014/main" id="{FA6A4B49-27C8-46B6-8B11-AD7E8F615E2C}"/>
               </a:ext>
             </a:extLst>
           </p:cNvPr>
@@ -5280,15 +5626,6 @@
           </a:bodyPr>
           <a:lstStyle/>
           <a:p>
-            <a:endParaRPr lang="en-US" dirty="0" smtClean="0"/>
-          </a:p>
-          <a:p>
-            <a:endParaRPr lang="en-US" dirty="0"/>
-          </a:p>
-          <a:p>
-            <a:endParaRPr lang="en-US" dirty="0" smtClean="0"/>
-          </a:p>
-          <a:p>
             <a:r>
               <a:rPr lang="en-US" dirty="0" smtClean="0"/>
               <a:t>Create </a:t>
@@ -5301,12 +5638,17 @@
           <a:p>
             <a:r>
               <a:rPr lang="en-US" dirty="0"/>
-              <a:t>Compile and run a Java program from the command </a:t>
-            </a:r>
-            <a:r>
-              <a:rPr lang="en-US" dirty="0" smtClean="0"/>
-              <a:t>line</a:t>
-            </a:r>
+              <a:t>Compile and run a Java program from the command line</a:t>
+            </a:r>
+          </a:p>
+          <a:p>
+            <a:r>
+              <a:rPr lang="en-US" dirty="0"/>
+              <a:t>Create and import packages</a:t>
+            </a:r>
+            <a:endParaRPr lang="en-US" dirty="0" smtClean="0"/>
+          </a:p>
+          <a:p>
             <a:endParaRPr lang="en-US" noProof="1"/>
           </a:p>
         </p:txBody>
@@ -5316,7 +5658,7 @@
           <p:cNvPr id="4" name="Slide Number Placeholder 3">
             <a:extLst>
               <a:ext uri="{FF2B5EF4-FFF2-40B4-BE49-F238E27FC236}">
-                <a16:creationId xmlns:a16="http://schemas.microsoft.com/office/drawing/2014/main" id="{62B4CE3A-8C88-45AA-A849-57E5A7AC22C1}"/>
+                <a16:creationId xmlns="" xmlns:a16="http://schemas.microsoft.com/office/drawing/2014/main" id="{62B4CE3A-8C88-45AA-A849-57E5A7AC22C1}"/>
               </a:ext>
             </a:extLst>
           </p:cNvPr>
@@ -5355,7 +5697,7 @@
           <p:cNvPr id="11" name="Rectangle 10">
             <a:extLst>
               <a:ext uri="{FF2B5EF4-FFF2-40B4-BE49-F238E27FC236}">
-                <a16:creationId xmlns:a16="http://schemas.microsoft.com/office/drawing/2014/main" id="{5F253864-26FA-4AB1-9F0A-4F57D870EE85}"/>
+                <a16:creationId xmlns="" xmlns:a16="http://schemas.microsoft.com/office/drawing/2014/main" id="{5F253864-26FA-4AB1-9F0A-4F57D870EE85}"/>
               </a:ext>
               <a:ext uri="{C183D7F6-B498-43B3-948B-1728B52AA6E4}">
                 <adec:decorative xmlns:adec="http://schemas.microsoft.com/office/drawing/2017/decorative" xmlns="" val="1"/>
@@ -5435,7 +5777,7 @@
     </p:spTree>
     <p:extLst>
       <p:ext uri="{BB962C8B-B14F-4D97-AF65-F5344CB8AC3E}">
-        <p14:creationId xmlns:p14="http://schemas.microsoft.com/office/powerpoint/2010/main" val="1281103274"/>
+        <p14:creationId xmlns="" xmlns:p14="http://schemas.microsoft.com/office/powerpoint/2010/main" val="1281103274"/>
       </p:ext>
     </p:extLst>
   </p:cSld>
@@ -5474,7 +5816,7 @@
           <p:cNvPr id="2" name="Title 1">
             <a:extLst>
               <a:ext uri="{FF2B5EF4-FFF2-40B4-BE49-F238E27FC236}">
-                <a16:creationId xmlns:a16="http://schemas.microsoft.com/office/drawing/2014/main" id="{E199600F-A17E-4354-A7AB-0CC2A43A9354}"/>
+                <a16:creationId xmlns="" xmlns:a16="http://schemas.microsoft.com/office/drawing/2014/main" id="{E199600F-A17E-4354-A7AB-0CC2A43A9354}"/>
               </a:ext>
             </a:extLst>
           </p:cNvPr>
@@ -5487,8 +5829,8 @@
         </p:nvSpPr>
         <p:spPr>
           <a:xfrm>
-            <a:off x="838199" y="611079"/>
-            <a:ext cx="10515600" cy="833663"/>
+            <a:off x="655319" y="606439"/>
+            <a:ext cx="10581641" cy="833663"/>
           </a:xfrm>
         </p:spPr>
         <p:txBody>
@@ -5498,7 +5840,7 @@
             <a:pPr algn="ctr"/>
             <a:r>
               <a:rPr lang="en-US" dirty="0" smtClean="0"/>
-              <a:t>Steps to run a Java program</a:t>
+              <a:t>Writing the first Java program</a:t>
             </a:r>
             <a:endParaRPr lang="en-US" dirty="0"/>
           </a:p>
@@ -5506,70 +5848,10 @@
       </p:sp>
       <p:sp>
         <p:nvSpPr>
-          <p:cNvPr id="3" name="Content Placeholder 2">
-            <a:extLst>
-              <a:ext uri="{FF2B5EF4-FFF2-40B4-BE49-F238E27FC236}">
-                <a16:creationId xmlns:a16="http://schemas.microsoft.com/office/drawing/2014/main" id="{FA6A4B49-27C8-46B6-8B11-AD7E8F615E2C}"/>
-              </a:ext>
-            </a:extLst>
-          </p:cNvPr>
-          <p:cNvSpPr>
-            <a:spLocks noGrp="1"/>
-          </p:cNvSpPr>
-          <p:nvPr>
-            <p:ph idx="1"/>
-          </p:nvPr>
-        </p:nvSpPr>
-        <p:spPr>
-          <a:xfrm>
-            <a:off x="838199" y="1773382"/>
-            <a:ext cx="10515600" cy="4403581"/>
-          </a:xfrm>
-        </p:spPr>
-        <p:txBody>
-          <a:bodyPr>
-            <a:normAutofit/>
-          </a:bodyPr>
-          <a:lstStyle/>
-          <a:p>
-            <a:endParaRPr lang="en-US" sz="2800" noProof="1" smtClean="0"/>
-          </a:p>
-          <a:p>
-            <a:endParaRPr lang="en-US" sz="2800" noProof="1"/>
-          </a:p>
-          <a:p>
-            <a:r>
-              <a:rPr lang="en-US" sz="2800" noProof="1" smtClean="0"/>
-              <a:t>Step 1 : Writing the code for executing a functionality.</a:t>
-            </a:r>
-          </a:p>
-          <a:p>
-            <a:r>
-              <a:rPr lang="en-US" sz="2800" noProof="1" smtClean="0"/>
-              <a:t>Step 2 : Save the code in (Step 1) into a file with .java extension.</a:t>
-            </a:r>
-          </a:p>
-          <a:p>
-            <a:r>
-              <a:rPr lang="en-US" sz="2800" noProof="1" smtClean="0"/>
-              <a:t>Steps 3 : Compile the .java file using the javac command. This will generate a .class file.</a:t>
-            </a:r>
-          </a:p>
-          <a:p>
-            <a:r>
-              <a:rPr lang="en-US" sz="2800" noProof="1" smtClean="0"/>
-              <a:t>Step 4 : Run the program using the java command and the generated .class file.</a:t>
-            </a:r>
-            <a:endParaRPr lang="en-US" sz="2800" noProof="1"/>
-          </a:p>
-        </p:txBody>
-      </p:sp>
-      <p:sp>
-        <p:nvSpPr>
           <p:cNvPr id="4" name="Slide Number Placeholder 3">
             <a:extLst>
               <a:ext uri="{FF2B5EF4-FFF2-40B4-BE49-F238E27FC236}">
-                <a16:creationId xmlns:a16="http://schemas.microsoft.com/office/drawing/2014/main" id="{62B4CE3A-8C88-45AA-A849-57E5A7AC22C1}"/>
+                <a16:creationId xmlns="" xmlns:a16="http://schemas.microsoft.com/office/drawing/2014/main" id="{62B4CE3A-8C88-45AA-A849-57E5A7AC22C1}"/>
               </a:ext>
             </a:extLst>
           </p:cNvPr>
@@ -5608,7 +5890,7 @@
           <p:cNvPr id="11" name="Rectangle 10">
             <a:extLst>
               <a:ext uri="{FF2B5EF4-FFF2-40B4-BE49-F238E27FC236}">
-                <a16:creationId xmlns:a16="http://schemas.microsoft.com/office/drawing/2014/main" id="{5F253864-26FA-4AB1-9F0A-4F57D870EE85}"/>
+                <a16:creationId xmlns="" xmlns:a16="http://schemas.microsoft.com/office/drawing/2014/main" id="{5F253864-26FA-4AB1-9F0A-4F57D870EE85}"/>
               </a:ext>
               <a:ext uri="{C183D7F6-B498-43B3-948B-1728B52AA6E4}">
                 <adec:decorative xmlns:adec="http://schemas.microsoft.com/office/drawing/2017/decorative" xmlns="" val="1"/>
@@ -5661,66 +5943,40 @@
           </a:p>
         </p:txBody>
       </p:sp>
-      <p:sp>
-        <p:nvSpPr>
-          <p:cNvPr id="5" name="Rectangle 4"/>
-          <p:cNvSpPr/>
+      <p:pic>
+        <p:nvPicPr>
+          <p:cNvPr id="10" name="Picture 9"/>
+          <p:cNvPicPr>
+            <a:picLocks noChangeAspect="1"/>
+          </p:cNvPicPr>
           <p:nvPr/>
-        </p:nvSpPr>
-        <p:spPr>
-          <a:xfrm>
-            <a:off x="5785658" y="3244334"/>
-            <a:ext cx="620683" cy="369332"/>
+        </p:nvPicPr>
+        <p:blipFill>
+          <a:blip r:embed="rId2">
+            <a:extLst>
+              <a:ext uri="{28A0092B-C50C-407E-A947-70E740481C1C}">
+                <a14:useLocalDpi xmlns="" xmlns:a14="http://schemas.microsoft.com/office/drawing/2010/main" val="0"/>
+              </a:ext>
+            </a:extLst>
+          </a:blip>
+          <a:stretch>
+            <a:fillRect/>
+          </a:stretch>
+        </p:blipFill>
+        <p:spPr>
+          <a:xfrm>
+            <a:off x="1745674" y="2038061"/>
+            <a:ext cx="8248072" cy="3891684"/>
           </a:xfrm>
           <a:prstGeom prst="rect">
             <a:avLst/>
           </a:prstGeom>
         </p:spPr>
-        <p:txBody>
-          <a:bodyPr wrap="none">
-            <a:spAutoFit/>
-          </a:bodyPr>
-          <a:lstStyle/>
-          <a:p>
-            <a:r>
-              <a:rPr lang="en-US" dirty="0"/>
-              <a:t>a b c</a:t>
-            </a:r>
-          </a:p>
-        </p:txBody>
-      </p:sp>
-      <p:sp>
-        <p:nvSpPr>
-          <p:cNvPr id="6" name="Rectangle 5"/>
-          <p:cNvSpPr/>
-          <p:nvPr/>
-        </p:nvSpPr>
-        <p:spPr>
-          <a:xfrm>
-            <a:off x="5785658" y="3244334"/>
-            <a:ext cx="620683" cy="369332"/>
-          </a:xfrm>
-          <a:prstGeom prst="rect">
-            <a:avLst/>
-          </a:prstGeom>
-        </p:spPr>
-        <p:txBody>
-          <a:bodyPr wrap="none">
-            <a:spAutoFit/>
-          </a:bodyPr>
-          <a:lstStyle/>
-          <a:p>
-            <a:r>
-              <a:rPr lang="en-US" dirty="0"/>
-              <a:t>a b c</a:t>
-            </a:r>
-          </a:p>
-        </p:txBody>
-      </p:sp>
+      </p:pic>
     </p:spTree>
     <p:extLst>
       <p:ext uri="{BB962C8B-B14F-4D97-AF65-F5344CB8AC3E}">
-        <p14:creationId xmlns:p14="http://schemas.microsoft.com/office/powerpoint/2010/main" val="3967718521"/>
+        <p14:creationId xmlns="" xmlns:p14="http://schemas.microsoft.com/office/powerpoint/2010/main" val="1287735390"/>
       </p:ext>
     </p:extLst>
   </p:cSld>
@@ -5759,7 +6015,7 @@
           <p:cNvPr id="2" name="Title 1">
             <a:extLst>
               <a:ext uri="{FF2B5EF4-FFF2-40B4-BE49-F238E27FC236}">
-                <a16:creationId xmlns:a16="http://schemas.microsoft.com/office/drawing/2014/main" id="{E199600F-A17E-4354-A7AB-0CC2A43A9354}"/>
+                <a16:creationId xmlns="" xmlns:a16="http://schemas.microsoft.com/office/drawing/2014/main" id="{E199600F-A17E-4354-A7AB-0CC2A43A9354}"/>
               </a:ext>
             </a:extLst>
           </p:cNvPr>
@@ -5782,9 +6038,10 @@
           <a:p>
             <a:pPr algn="ctr"/>
             <a:r>
-              <a:rPr lang="en-US" dirty="0"/>
-              <a:t>Writing the first Java program</a:t>
-            </a:r>
+              <a:rPr lang="en-US" dirty="0" smtClean="0"/>
+              <a:t>Package</a:t>
+            </a:r>
+            <a:endParaRPr lang="en-US" dirty="0"/>
           </a:p>
         </p:txBody>
       </p:sp>
@@ -5793,7 +6050,7 @@
           <p:cNvPr id="3" name="Content Placeholder 2">
             <a:extLst>
               <a:ext uri="{FF2B5EF4-FFF2-40B4-BE49-F238E27FC236}">
-                <a16:creationId xmlns:a16="http://schemas.microsoft.com/office/drawing/2014/main" id="{FA6A4B49-27C8-46B6-8B11-AD7E8F615E2C}"/>
+                <a16:creationId xmlns="" xmlns:a16="http://schemas.microsoft.com/office/drawing/2014/main" id="{FA6A4B49-27C8-46B6-8B11-AD7E8F615E2C}"/>
               </a:ext>
             </a:extLst>
           </p:cNvPr>
@@ -5804,44 +6061,93 @@
             <p:ph idx="1"/>
           </p:nvPr>
         </p:nvSpPr>
-        <p:spPr>
-          <a:xfrm>
-            <a:off x="838200" y="1825625"/>
-            <a:ext cx="5132190" cy="4351338"/>
-          </a:xfrm>
-        </p:spPr>
+        <p:spPr/>
         <p:txBody>
           <a:bodyPr>
             <a:normAutofit/>
           </a:bodyPr>
           <a:lstStyle/>
           <a:p>
-            <a:endParaRPr lang="en-US" noProof="1" smtClean="0"/>
-          </a:p>
-          <a:p>
-            <a:r>
-              <a:rPr lang="en-US" noProof="1" smtClean="0"/>
-              <a:t>WelcomeToJava is the name of a class. This class is present in a file named WelcomeToJava.java</a:t>
-            </a:r>
-          </a:p>
-          <a:p>
-            <a:r>
-              <a:rPr lang="en-US" noProof="1" smtClean="0"/>
-              <a:t>The class WelcomeToJava contains a method named main().</a:t>
-            </a:r>
-          </a:p>
-          <a:p>
-            <a:r>
-              <a:rPr lang="en-US" noProof="1" smtClean="0"/>
-              <a:t>The method main() takes in a parameter of type String.</a:t>
-            </a:r>
-          </a:p>
-          <a:p>
-            <a:r>
-              <a:rPr lang="en-US" noProof="1" smtClean="0"/>
-              <a:t>The statement System.out.println is used to print to the command line. Here the program prints the string ‘Welcome to Java !!’ on the command line.</a:t>
-            </a:r>
-            <a:endParaRPr lang="en-US" noProof="1"/>
+            <a:endParaRPr lang="en-US" dirty="0" smtClean="0"/>
+          </a:p>
+          <a:p>
+            <a:endParaRPr lang="en-US" dirty="0"/>
+          </a:p>
+          <a:p>
+            <a:r>
+              <a:rPr lang="en-US" dirty="0" smtClean="0"/>
+              <a:t>Example : Postal addressing system </a:t>
+            </a:r>
+          </a:p>
+          <a:p>
+            <a:r>
+              <a:rPr lang="en-US" dirty="0" smtClean="0"/>
+              <a:t>State/District/town/locality/</a:t>
+            </a:r>
+            <a:r>
+              <a:rPr lang="en-US" dirty="0" err="1" smtClean="0"/>
+              <a:t>Postalcode</a:t>
+            </a:r>
+            <a:r>
+              <a:rPr lang="en-US" dirty="0" smtClean="0"/>
+              <a:t>/Street/House Number</a:t>
+            </a:r>
+          </a:p>
+          <a:p>
+            <a:r>
+              <a:rPr lang="en-US" dirty="0" smtClean="0"/>
+              <a:t>Maharashtra/Pune/</a:t>
+            </a:r>
+            <a:r>
+              <a:rPr lang="en-US" dirty="0" err="1" smtClean="0"/>
+              <a:t>Chinchwad</a:t>
+            </a:r>
+            <a:r>
+              <a:rPr lang="en-US" dirty="0" smtClean="0"/>
+              <a:t>/</a:t>
+            </a:r>
+            <a:r>
+              <a:rPr lang="en-US" dirty="0" err="1" smtClean="0"/>
+              <a:t>Aundh</a:t>
+            </a:r>
+            <a:r>
+              <a:rPr lang="en-US" dirty="0" smtClean="0"/>
+              <a:t>/411007/ABC street/54-A</a:t>
+            </a:r>
+          </a:p>
+          <a:p>
+            <a:r>
+              <a:rPr lang="en-US" dirty="0"/>
+              <a:t>Package statement makes a class uniquely identifiable.</a:t>
+            </a:r>
+          </a:p>
+          <a:p>
+            <a:r>
+              <a:rPr lang="en-US" sz="2400" b="1" noProof="1"/>
+              <a:t> </a:t>
+            </a:r>
+            <a:r>
+              <a:rPr lang="en-US" sz="2400" b="1" noProof="1" smtClean="0"/>
+              <a:t>Usage </a:t>
+            </a:r>
+            <a:r>
+              <a:rPr lang="en-US" sz="2400" b="1" noProof="1"/>
+              <a:t>package </a:t>
+            </a:r>
+            <a:r>
+              <a:rPr lang="en-US" sz="2400" b="1" noProof="1" smtClean="0"/>
+              <a:t>org.java</a:t>
+            </a:r>
+            <a:endParaRPr lang="en-US" dirty="0" smtClean="0"/>
+          </a:p>
+          <a:p>
+            <a:r>
+              <a:rPr lang="en-US" dirty="0" smtClean="0"/>
+              <a:t>Fully qualified class name (FQCN).</a:t>
+            </a:r>
+          </a:p>
+          <a:p>
+            <a:endParaRPr lang="en-US" dirty="0" smtClean="0"/>
           </a:p>
         </p:txBody>
       </p:sp>
@@ -5850,7 +6156,7 @@
           <p:cNvPr id="4" name="Slide Number Placeholder 3">
             <a:extLst>
               <a:ext uri="{FF2B5EF4-FFF2-40B4-BE49-F238E27FC236}">
-                <a16:creationId xmlns:a16="http://schemas.microsoft.com/office/drawing/2014/main" id="{62B4CE3A-8C88-45AA-A849-57E5A7AC22C1}"/>
+                <a16:creationId xmlns="" xmlns:a16="http://schemas.microsoft.com/office/drawing/2014/main" id="{62B4CE3A-8C88-45AA-A849-57E5A7AC22C1}"/>
               </a:ext>
             </a:extLst>
           </p:cNvPr>
@@ -5889,7 +6195,7 @@
           <p:cNvPr id="11" name="Rectangle 10">
             <a:extLst>
               <a:ext uri="{FF2B5EF4-FFF2-40B4-BE49-F238E27FC236}">
-                <a16:creationId xmlns:a16="http://schemas.microsoft.com/office/drawing/2014/main" id="{5F253864-26FA-4AB1-9F0A-4F57D870EE85}"/>
+                <a16:creationId xmlns="" xmlns:a16="http://schemas.microsoft.com/office/drawing/2014/main" id="{5F253864-26FA-4AB1-9F0A-4F57D870EE85}"/>
               </a:ext>
               <a:ext uri="{C183D7F6-B498-43B3-948B-1728B52AA6E4}">
                 <adec:decorative xmlns:adec="http://schemas.microsoft.com/office/drawing/2017/decorative" xmlns="" val="1"/>
@@ -5942,62 +6248,9 @@
           </a:p>
         </p:txBody>
       </p:sp>
-      <p:sp>
-        <p:nvSpPr>
-          <p:cNvPr id="5" name="Rectangle 4"/>
-          <p:cNvSpPr/>
-          <p:nvPr/>
-        </p:nvSpPr>
-        <p:spPr>
-          <a:xfrm>
-            <a:off x="5785658" y="3244334"/>
-            <a:ext cx="620683" cy="369332"/>
-          </a:xfrm>
-          <a:prstGeom prst="rect">
-            <a:avLst/>
-          </a:prstGeom>
-        </p:spPr>
-        <p:txBody>
-          <a:bodyPr wrap="none">
-            <a:spAutoFit/>
-          </a:bodyPr>
-          <a:lstStyle/>
-          <a:p>
-            <a:r>
-              <a:rPr lang="en-US" dirty="0"/>
-              <a:t>a b c</a:t>
-            </a:r>
-          </a:p>
-        </p:txBody>
-      </p:sp>
-      <p:sp>
-        <p:nvSpPr>
-          <p:cNvPr id="6" name="Rectangle 5"/>
-          <p:cNvSpPr/>
-          <p:nvPr/>
-        </p:nvSpPr>
-        <p:spPr>
-          <a:xfrm>
-            <a:off x="5785658" y="3244334"/>
-            <a:ext cx="184731" cy="369332"/>
-          </a:xfrm>
-          <a:prstGeom prst="rect">
-            <a:avLst/>
-          </a:prstGeom>
-        </p:spPr>
-        <p:txBody>
-          <a:bodyPr wrap="none">
-            <a:spAutoFit/>
-          </a:bodyPr>
-          <a:lstStyle/>
-          <a:p>
-            <a:endParaRPr lang="en-US" dirty="0"/>
-          </a:p>
-        </p:txBody>
-      </p:sp>
       <p:pic>
         <p:nvPicPr>
-          <p:cNvPr id="7" name="Picture 6"/>
+          <p:cNvPr id="5" name="Picture 4"/>
           <p:cNvPicPr>
             <a:picLocks noChangeAspect="1"/>
           </p:cNvPicPr>
@@ -6007,7 +6260,7 @@
           <a:blip r:embed="rId2">
             <a:extLst>
               <a:ext uri="{28A0092B-C50C-407E-A947-70E740481C1C}">
-                <a14:useLocalDpi xmlns:a14="http://schemas.microsoft.com/office/drawing/2010/main" val="0"/>
+                <a14:useLocalDpi xmlns="" xmlns:a14="http://schemas.microsoft.com/office/drawing/2010/main" val="0"/>
               </a:ext>
             </a:extLst>
           </a:blip>
@@ -6017,8 +6270,8 @@
         </p:blipFill>
         <p:spPr>
           <a:xfrm>
-            <a:off x="6406342" y="2032000"/>
-            <a:ext cx="4947458" cy="3953164"/>
+            <a:off x="6871855" y="1917146"/>
+            <a:ext cx="4481944" cy="4444329"/>
           </a:xfrm>
           <a:prstGeom prst="rect">
             <a:avLst/>
@@ -6028,7 +6281,7 @@
     </p:spTree>
     <p:extLst>
       <p:ext uri="{BB962C8B-B14F-4D97-AF65-F5344CB8AC3E}">
-        <p14:creationId xmlns:p14="http://schemas.microsoft.com/office/powerpoint/2010/main" val="1205512344"/>
+        <p14:creationId xmlns="" xmlns:p14="http://schemas.microsoft.com/office/powerpoint/2010/main" val="1894288286"/>
       </p:ext>
     </p:extLst>
   </p:cSld>
@@ -6067,7 +6320,7 @@
           <p:cNvPr id="2" name="Title 1">
             <a:extLst>
               <a:ext uri="{FF2B5EF4-FFF2-40B4-BE49-F238E27FC236}">
-                <a16:creationId xmlns:a16="http://schemas.microsoft.com/office/drawing/2014/main" id="{E199600F-A17E-4354-A7AB-0CC2A43A9354}"/>
+                <a16:creationId xmlns="" xmlns:a16="http://schemas.microsoft.com/office/drawing/2014/main" id="{E199600F-A17E-4354-A7AB-0CC2A43A9354}"/>
               </a:ext>
             </a:extLst>
           </p:cNvPr>
@@ -6080,8 +6333,8 @@
         </p:nvSpPr>
         <p:spPr>
           <a:xfrm>
-            <a:off x="838199" y="712163"/>
-            <a:ext cx="10515600" cy="833663"/>
+            <a:off x="838199" y="611081"/>
+            <a:ext cx="10337801" cy="833663"/>
           </a:xfrm>
         </p:spPr>
         <p:txBody>
@@ -6091,15 +6344,7 @@
             <a:pPr algn="ctr"/>
             <a:r>
               <a:rPr lang="en-US" dirty="0" smtClean="0"/>
-              <a:t>Entry Point to the World of Java : main() </a:t>
-            </a:r>
-            <a:r>
-              <a:rPr lang="en-US" dirty="0"/>
-              <a:t>m</a:t>
-            </a:r>
-            <a:r>
-              <a:rPr lang="en-US" dirty="0" smtClean="0"/>
-              <a:t>ethod</a:t>
+              <a:t>More about packages…</a:t>
             </a:r>
             <a:endParaRPr lang="en-US" dirty="0"/>
           </a:p>
@@ -6110,7 +6355,7 @@
           <p:cNvPr id="3" name="Content Placeholder 2">
             <a:extLst>
               <a:ext uri="{FF2B5EF4-FFF2-40B4-BE49-F238E27FC236}">
-                <a16:creationId xmlns:a16="http://schemas.microsoft.com/office/drawing/2014/main" id="{FA6A4B49-27C8-46B6-8B11-AD7E8F615E2C}"/>
+                <a16:creationId xmlns="" xmlns:a16="http://schemas.microsoft.com/office/drawing/2014/main" id="{FA6A4B49-27C8-46B6-8B11-AD7E8F615E2C}"/>
               </a:ext>
             </a:extLst>
           </p:cNvPr>
@@ -6121,44 +6366,134 @@
             <p:ph idx="1"/>
           </p:nvPr>
         </p:nvSpPr>
-        <p:spPr>
-          <a:xfrm>
-            <a:off x="838200" y="1825625"/>
-            <a:ext cx="6005945" cy="4351338"/>
-          </a:xfrm>
-        </p:spPr>
+        <p:spPr/>
         <p:txBody>
           <a:bodyPr>
-            <a:normAutofit/>
+            <a:normAutofit fontScale="85000" lnSpcReduction="20000"/>
           </a:bodyPr>
           <a:lstStyle/>
           <a:p>
+            <a:r>
+              <a:rPr lang="en-US" dirty="0" smtClean="0"/>
+              <a:t>Package statement is the first thing to write in a java program.</a:t>
+            </a:r>
+          </a:p>
+          <a:p>
+            <a:r>
+              <a:rPr lang="en-US" dirty="0"/>
+              <a:t>Package </a:t>
+            </a:r>
+            <a:r>
+              <a:rPr lang="en-US" dirty="0" smtClean="0"/>
+              <a:t>naming </a:t>
+            </a:r>
+            <a:r>
+              <a:rPr lang="en-US" dirty="0"/>
+              <a:t>convention : Reverse</a:t>
+            </a:r>
+            <a:r>
+              <a:rPr lang="en-US" sz="2400" b="1" dirty="0"/>
+              <a:t> </a:t>
+            </a:r>
+            <a:r>
+              <a:rPr lang="en-US" dirty="0"/>
+              <a:t>domain name format</a:t>
+            </a:r>
+            <a:r>
+              <a:rPr lang="en-US" dirty="0" smtClean="0"/>
+              <a:t>. This is the preferred way otherwise package name can be anything.</a:t>
+            </a:r>
+          </a:p>
+          <a:p>
+            <a:r>
+              <a:rPr lang="en-US" dirty="0" smtClean="0"/>
+              <a:t>In order to use a java class from a different package we make use of import statement.</a:t>
+            </a:r>
+          </a:p>
+          <a:p>
+            <a:r>
+              <a:rPr lang="en-US" dirty="0" smtClean="0"/>
+              <a:t>If two classes lie in same package then they do need to import each other .Only different package classes need to </a:t>
+            </a:r>
+            <a:r>
+              <a:rPr lang="en-US" dirty="0"/>
+              <a:t>imported. </a:t>
+            </a:r>
             <a:endParaRPr lang="en-US" dirty="0" smtClean="0"/>
           </a:p>
           <a:p>
             <a:r>
               <a:rPr lang="en-US" dirty="0" smtClean="0"/>
-              <a:t>Serves as an entry point to any java program. Almost all java programs whether it be a web server written in java or a web application or a desktop application , all begin with a main method and then extend further.</a:t>
-            </a:r>
-          </a:p>
-          <a:p>
+              <a:t>Multiple/Single file import usage.</a:t>
+            </a:r>
+          </a:p>
+          <a:p>
+            <a:r>
+              <a:rPr lang="en-US" dirty="0" smtClean="0"/>
+              <a:t>If we don’t specify a package statement , the class is assumed to be in a default package.</a:t>
+            </a:r>
+          </a:p>
+          <a:p>
+            <a:r>
+              <a:rPr lang="en-US" dirty="0" smtClean="0"/>
+              <a:t>Importing </a:t>
+            </a:r>
+            <a:r>
+              <a:rPr lang="en-US" dirty="0"/>
+              <a:t>default</a:t>
+            </a:r>
+            <a:r>
+              <a:rPr lang="en-US" dirty="0" smtClean="0"/>
+              <a:t> package is not possible as </a:t>
+            </a:r>
+            <a:r>
+              <a:rPr lang="en-US" sz="2400" b="1" dirty="0" smtClean="0"/>
+              <a:t>import *;</a:t>
+            </a:r>
+          </a:p>
+          <a:p>
+            <a:r>
+              <a:rPr lang="en-US" dirty="0" smtClean="0"/>
+              <a:t>Using fully qualified name in case of same class name.</a:t>
+            </a:r>
+          </a:p>
+          <a:p>
+            <a:r>
+              <a:rPr lang="en-US" dirty="0" err="1" smtClean="0"/>
+              <a:t>Java.lang</a:t>
+            </a:r>
+            <a:r>
+              <a:rPr lang="en-US" dirty="0" smtClean="0"/>
+              <a:t> package in the java APIs is automatically available to all java program without explicitly importing it.</a:t>
+            </a:r>
+          </a:p>
+          <a:p>
+            <a:r>
+              <a:rPr lang="en-US" dirty="0" smtClean="0"/>
+              <a:t>Code Examples : org/java/imports/PackageAndImports.java</a:t>
+            </a:r>
+          </a:p>
+          <a:p>
+            <a:pPr marL="0" indent="0">
+              <a:buNone/>
+            </a:pPr>
             <a:endParaRPr lang="en-US" dirty="0" smtClean="0"/>
           </a:p>
           <a:p>
-            <a:r>
-              <a:rPr lang="en-US" dirty="0" smtClean="0"/>
-              <a:t>Just like a VISA document acts like an entry point to any country and you need to satisfy all the conditions in order to possess one, similar is the case with main method in java.	</a:t>
-            </a:r>
-          </a:p>
-          <a:p>
-            <a:r>
-              <a:rPr lang="en-US" dirty="0" smtClean="0"/>
-              <a:t>There many valid and invalid ways of writing a main method.</a:t>
-            </a:r>
+            <a:endParaRPr lang="en-US" sz="2400" b="1" dirty="0" smtClean="0"/>
           </a:p>
           <a:p>
             <a:endParaRPr lang="en-US" dirty="0" smtClean="0"/>
           </a:p>
+          <a:p>
+            <a:endParaRPr lang="en-US" dirty="0" smtClean="0"/>
+          </a:p>
+          <a:p>
+            <a:endParaRPr lang="en-US" dirty="0" smtClean="0"/>
+          </a:p>
+          <a:p>
+            <a:endParaRPr lang="en-US" noProof="1"/>
+          </a:p>
         </p:txBody>
       </p:sp>
       <p:sp>
@@ -6166,7 +6501,7 @@
           <p:cNvPr id="4" name="Slide Number Placeholder 3">
             <a:extLst>
               <a:ext uri="{FF2B5EF4-FFF2-40B4-BE49-F238E27FC236}">
-                <a16:creationId xmlns:a16="http://schemas.microsoft.com/office/drawing/2014/main" id="{62B4CE3A-8C88-45AA-A849-57E5A7AC22C1}"/>
+                <a16:creationId xmlns="" xmlns:a16="http://schemas.microsoft.com/office/drawing/2014/main" id="{62B4CE3A-8C88-45AA-A849-57E5A7AC22C1}"/>
               </a:ext>
             </a:extLst>
           </p:cNvPr>
@@ -6205,7 +6540,7 @@
           <p:cNvPr id="11" name="Rectangle 10">
             <a:extLst>
               <a:ext uri="{FF2B5EF4-FFF2-40B4-BE49-F238E27FC236}">
-                <a16:creationId xmlns:a16="http://schemas.microsoft.com/office/drawing/2014/main" id="{5F253864-26FA-4AB1-9F0A-4F57D870EE85}"/>
+                <a16:creationId xmlns="" xmlns:a16="http://schemas.microsoft.com/office/drawing/2014/main" id="{5F253864-26FA-4AB1-9F0A-4F57D870EE85}"/>
               </a:ext>
               <a:ext uri="{C183D7F6-B498-43B3-948B-1728B52AA6E4}">
                 <adec:decorative xmlns:adec="http://schemas.microsoft.com/office/drawing/2017/decorative" xmlns="" val="1"/>
@@ -6260,38 +6595,49 @@
       </p:sp>
       <p:pic>
         <p:nvPicPr>
-          <p:cNvPr id="6" name="Picture 5"/>
+          <p:cNvPr id="1026" name="Picture 2" descr="package"/>
           <p:cNvPicPr>
-            <a:picLocks noChangeAspect="1"/>
+            <a:picLocks noChangeAspect="1" noChangeArrowheads="1"/>
           </p:cNvPicPr>
           <p:nvPr/>
         </p:nvPicPr>
         <p:blipFill>
-          <a:blip r:embed="rId2" cstate="print">
+          <a:blip r:embed="rId2">
             <a:extLst>
               <a:ext uri="{28A0092B-C50C-407E-A947-70E740481C1C}">
-                <a14:useLocalDpi xmlns:a14="http://schemas.microsoft.com/office/drawing/2010/main" val="0"/>
+                <a14:useLocalDpi xmlns="" xmlns:a14="http://schemas.microsoft.com/office/drawing/2010/main" val="0"/>
               </a:ext>
             </a:extLst>
           </a:blip>
+          <a:srcRect/>
           <a:stretch>
             <a:fillRect/>
           </a:stretch>
         </p:blipFill>
-        <p:spPr>
-          <a:xfrm>
-            <a:off x="7019636" y="1964447"/>
-            <a:ext cx="4334163" cy="4204507"/>
+        <p:spPr bwMode="auto">
+          <a:xfrm>
+            <a:off x="7185890" y="2033588"/>
+            <a:ext cx="3990109" cy="4327887"/>
           </a:xfrm>
           <a:prstGeom prst="rect">
             <a:avLst/>
           </a:prstGeom>
+          <a:noFill/>
+          <a:extLst>
+            <a:ext uri="{909E8E84-426E-40DD-AFC4-6F175D3DCCD1}">
+              <a14:hiddenFill xmlns="" xmlns:a14="http://schemas.microsoft.com/office/drawing/2010/main">
+                <a:solidFill>
+                  <a:srgbClr val="FFFFFF"/>
+                </a:solidFill>
+              </a14:hiddenFill>
+            </a:ext>
+          </a:extLst>
         </p:spPr>
       </p:pic>
     </p:spTree>
     <p:extLst>
       <p:ext uri="{BB962C8B-B14F-4D97-AF65-F5344CB8AC3E}">
-        <p14:creationId xmlns:p14="http://schemas.microsoft.com/office/powerpoint/2010/main" val="2944664186"/>
+        <p14:creationId xmlns="" xmlns:p14="http://schemas.microsoft.com/office/powerpoint/2010/main" val="1533683092"/>
       </p:ext>
     </p:extLst>
   </p:cSld>
@@ -6330,7 +6676,7 @@
           <p:cNvPr id="2" name="Title 1">
             <a:extLst>
               <a:ext uri="{FF2B5EF4-FFF2-40B4-BE49-F238E27FC236}">
-                <a16:creationId xmlns:a16="http://schemas.microsoft.com/office/drawing/2014/main" id="{E199600F-A17E-4354-A7AB-0CC2A43A9354}"/>
+                <a16:creationId xmlns="" xmlns:a16="http://schemas.microsoft.com/office/drawing/2014/main" id="{E199600F-A17E-4354-A7AB-0CC2A43A9354}"/>
               </a:ext>
             </a:extLst>
           </p:cNvPr>
@@ -6343,8 +6689,8 @@
         </p:nvSpPr>
         <p:spPr>
           <a:xfrm>
-            <a:off x="838199" y="611079"/>
-            <a:ext cx="10515600" cy="833663"/>
+            <a:off x="838199" y="611081"/>
+            <a:ext cx="10337801" cy="833663"/>
           </a:xfrm>
         </p:spPr>
         <p:txBody>
@@ -6354,7 +6700,7 @@
             <a:pPr algn="ctr"/>
             <a:r>
               <a:rPr lang="en-US" dirty="0" smtClean="0"/>
-              <a:t>Command Line Arguments</a:t>
+              <a:t>Static Imports</a:t>
             </a:r>
             <a:endParaRPr lang="en-US" dirty="0"/>
           </a:p>
@@ -6365,7 +6711,7 @@
           <p:cNvPr id="3" name="Content Placeholder 2">
             <a:extLst>
               <a:ext uri="{FF2B5EF4-FFF2-40B4-BE49-F238E27FC236}">
-                <a16:creationId xmlns:a16="http://schemas.microsoft.com/office/drawing/2014/main" id="{FA6A4B49-27C8-46B6-8B11-AD7E8F615E2C}"/>
+                <a16:creationId xmlns="" xmlns:a16="http://schemas.microsoft.com/office/drawing/2014/main" id="{FA6A4B49-27C8-46B6-8B11-AD7E8F615E2C}"/>
               </a:ext>
             </a:extLst>
           </p:cNvPr>
@@ -6376,70 +6722,51 @@
             <p:ph idx="1"/>
           </p:nvPr>
         </p:nvSpPr>
-        <p:spPr>
-          <a:xfrm>
-            <a:off x="838199" y="1825625"/>
-            <a:ext cx="9543473" cy="4351338"/>
-          </a:xfrm>
-        </p:spPr>
+        <p:spPr/>
         <p:txBody>
           <a:bodyPr>
             <a:normAutofit/>
           </a:bodyPr>
           <a:lstStyle/>
           <a:p>
-            <a:endParaRPr lang="en-US" noProof="1" smtClean="0"/>
-          </a:p>
-          <a:p>
-            <a:r>
-              <a:rPr lang="en-US" noProof="1" smtClean="0"/>
-              <a:t>While running a java program we can pass on some input to the program.</a:t>
-            </a:r>
-          </a:p>
-          <a:p>
-            <a:r>
-              <a:rPr lang="en-US" noProof="1" smtClean="0"/>
-              <a:t>Java reads this input in a String array.</a:t>
-            </a:r>
-          </a:p>
-          <a:p>
-            <a:r>
-              <a:rPr lang="en-US" noProof="1" smtClean="0"/>
-              <a:t>Ways of passing command lines : </a:t>
-            </a:r>
-          </a:p>
-          <a:p>
-            <a:pPr lvl="1"/>
-            <a:r>
-              <a:rPr lang="en-US" noProof="1" smtClean="0"/>
-              <a:t>a b c</a:t>
-            </a:r>
-          </a:p>
-          <a:p>
-            <a:pPr lvl="1"/>
-            <a:r>
-              <a:rPr lang="en-US" noProof="1" smtClean="0"/>
-              <a:t>a               b  c</a:t>
-            </a:r>
-          </a:p>
-          <a:p>
-            <a:pPr lvl="1"/>
-            <a:r>
-              <a:rPr lang="en-US" noProof="1" smtClean="0"/>
-              <a:t>“a ” b c</a:t>
-            </a:r>
-          </a:p>
-          <a:p>
-            <a:r>
-              <a:rPr lang="en-US" noProof="1" smtClean="0"/>
-              <a:t>In case if no argument is passed, an array of zero size is passed.</a:t>
-            </a:r>
-          </a:p>
-          <a:p>
-            <a:r>
-              <a:rPr lang="en-US" noProof="1" smtClean="0"/>
-              <a:t>Example : The programmer may want to write a program to print a message of his choice on the command line. The programmer would just pass the message that he wants to be displayed on command line and the program would display it.</a:t>
-            </a:r>
+            <a:r>
+              <a:rPr lang="en-US" dirty="0" smtClean="0"/>
+              <a:t>The static member of a class are accessed using fully qualified class name. In cases where there is a heavy usage of static members of a class , static imports come to the rescue.</a:t>
+            </a:r>
+          </a:p>
+          <a:p>
+            <a:r>
+              <a:rPr lang="en-US" dirty="0"/>
+              <a:t>Once a class is imported statically , then we do not need to use the fully qualified name of the class. Instead we can just use the members of </a:t>
+            </a:r>
+            <a:r>
+              <a:rPr lang="en-US" dirty="0" smtClean="0"/>
+              <a:t>imported static class as they were the member of the importing class.</a:t>
+            </a:r>
+          </a:p>
+          <a:p>
+            <a:r>
+              <a:rPr lang="en-US" dirty="0" smtClean="0"/>
+              <a:t>Ex:  </a:t>
+            </a:r>
+            <a:r>
+              <a:rPr lang="en-US" dirty="0" err="1" smtClean="0"/>
+              <a:t>org.java.staticImports</a:t>
+            </a:r>
+            <a:r>
+              <a:rPr lang="en-US" dirty="0" smtClean="0"/>
+              <a:t> package.</a:t>
+            </a:r>
+            <a:endParaRPr lang="en-US" dirty="0"/>
+          </a:p>
+          <a:p>
+            <a:endParaRPr lang="en-US" dirty="0" smtClean="0"/>
+          </a:p>
+          <a:p>
+            <a:endParaRPr lang="en-US" dirty="0" smtClean="0"/>
+          </a:p>
+          <a:p>
+            <a:endParaRPr lang="en-US" dirty="0" smtClean="0"/>
           </a:p>
           <a:p>
             <a:endParaRPr lang="en-US" noProof="1"/>
@@ -6451,7 +6778,7 @@
           <p:cNvPr id="4" name="Slide Number Placeholder 3">
             <a:extLst>
               <a:ext uri="{FF2B5EF4-FFF2-40B4-BE49-F238E27FC236}">
-                <a16:creationId xmlns:a16="http://schemas.microsoft.com/office/drawing/2014/main" id="{62B4CE3A-8C88-45AA-A849-57E5A7AC22C1}"/>
+                <a16:creationId xmlns="" xmlns:a16="http://schemas.microsoft.com/office/drawing/2014/main" id="{62B4CE3A-8C88-45AA-A849-57E5A7AC22C1}"/>
               </a:ext>
             </a:extLst>
           </p:cNvPr>
@@ -6490,7 +6817,7 @@
           <p:cNvPr id="11" name="Rectangle 10">
             <a:extLst>
               <a:ext uri="{FF2B5EF4-FFF2-40B4-BE49-F238E27FC236}">
-                <a16:creationId xmlns:a16="http://schemas.microsoft.com/office/drawing/2014/main" id="{5F253864-26FA-4AB1-9F0A-4F57D870EE85}"/>
+                <a16:creationId xmlns="" xmlns:a16="http://schemas.microsoft.com/office/drawing/2014/main" id="{5F253864-26FA-4AB1-9F0A-4F57D870EE85}"/>
               </a:ext>
               <a:ext uri="{C183D7F6-B498-43B3-948B-1728B52AA6E4}">
                 <adec:decorative xmlns:adec="http://schemas.microsoft.com/office/drawing/2017/decorative" xmlns="" val="1"/>
@@ -6543,66 +6870,51 @@
           </a:p>
         </p:txBody>
       </p:sp>
-      <p:sp>
-        <p:nvSpPr>
-          <p:cNvPr id="5" name="Rectangle 4"/>
-          <p:cNvSpPr/>
+      <p:pic>
+        <p:nvPicPr>
+          <p:cNvPr id="1026" name="Picture 2" descr="package"/>
+          <p:cNvPicPr>
+            <a:picLocks noChangeAspect="1" noChangeArrowheads="1"/>
+          </p:cNvPicPr>
           <p:nvPr/>
-        </p:nvSpPr>
-        <p:spPr>
-          <a:xfrm>
-            <a:off x="5785658" y="3244334"/>
-            <a:ext cx="620683" cy="369332"/>
+        </p:nvPicPr>
+        <p:blipFill>
+          <a:blip r:embed="rId2">
+            <a:extLst>
+              <a:ext uri="{28A0092B-C50C-407E-A947-70E740481C1C}">
+                <a14:useLocalDpi xmlns="" xmlns:a14="http://schemas.microsoft.com/office/drawing/2010/main" val="0"/>
+              </a:ext>
+            </a:extLst>
+          </a:blip>
+          <a:srcRect/>
+          <a:stretch>
+            <a:fillRect/>
+          </a:stretch>
+        </p:blipFill>
+        <p:spPr bwMode="auto">
+          <a:xfrm>
+            <a:off x="7185890" y="2033588"/>
+            <a:ext cx="3990109" cy="4327887"/>
           </a:xfrm>
           <a:prstGeom prst="rect">
             <a:avLst/>
           </a:prstGeom>
-        </p:spPr>
-        <p:txBody>
-          <a:bodyPr wrap="none">
-            <a:spAutoFit/>
-          </a:bodyPr>
-          <a:lstStyle/>
-          <a:p>
-            <a:r>
-              <a:rPr lang="en-US" dirty="0"/>
-              <a:t>a b c</a:t>
-            </a:r>
-          </a:p>
-        </p:txBody>
-      </p:sp>
-      <p:sp>
-        <p:nvSpPr>
-          <p:cNvPr id="6" name="Rectangle 5"/>
-          <p:cNvSpPr/>
-          <p:nvPr/>
-        </p:nvSpPr>
-        <p:spPr>
-          <a:xfrm>
-            <a:off x="5785658" y="3244334"/>
-            <a:ext cx="620683" cy="369332"/>
-          </a:xfrm>
-          <a:prstGeom prst="rect">
-            <a:avLst/>
-          </a:prstGeom>
-        </p:spPr>
-        <p:txBody>
-          <a:bodyPr wrap="none">
-            <a:spAutoFit/>
-          </a:bodyPr>
-          <a:lstStyle/>
-          <a:p>
-            <a:r>
-              <a:rPr lang="en-US" dirty="0"/>
-              <a:t>a b c</a:t>
-            </a:r>
-          </a:p>
-        </p:txBody>
-      </p:sp>
+          <a:noFill/>
+          <a:extLst>
+            <a:ext uri="{909E8E84-426E-40DD-AFC4-6F175D3DCCD1}">
+              <a14:hiddenFill xmlns="" xmlns:a14="http://schemas.microsoft.com/office/drawing/2010/main">
+                <a:solidFill>
+                  <a:srgbClr val="FFFFFF"/>
+                </a:solidFill>
+              </a14:hiddenFill>
+            </a:ext>
+          </a:extLst>
+        </p:spPr>
+      </p:pic>
     </p:spTree>
     <p:extLst>
       <p:ext uri="{BB962C8B-B14F-4D97-AF65-F5344CB8AC3E}">
-        <p14:creationId xmlns:p14="http://schemas.microsoft.com/office/powerpoint/2010/main" val="454014491"/>
+        <p14:creationId xmlns="" xmlns:p14="http://schemas.microsoft.com/office/powerpoint/2010/main" val="650196804"/>
       </p:ext>
     </p:extLst>
   </p:cSld>
@@ -6641,7 +6953,7 @@
           <p:cNvPr id="2" name="Title 1">
             <a:extLst>
               <a:ext uri="{FF2B5EF4-FFF2-40B4-BE49-F238E27FC236}">
-                <a16:creationId xmlns:a16="http://schemas.microsoft.com/office/drawing/2014/main" id="{E199600F-A17E-4354-A7AB-0CC2A43A9354}"/>
+                <a16:creationId xmlns="" xmlns:a16="http://schemas.microsoft.com/office/drawing/2014/main" id="{E199600F-A17E-4354-A7AB-0CC2A43A9354}"/>
               </a:ext>
             </a:extLst>
           </p:cNvPr>
@@ -6665,7 +6977,7 @@
             <a:pPr algn="ctr"/>
             <a:r>
               <a:rPr lang="en-US" dirty="0" smtClean="0"/>
-              <a:t>Compile Step</a:t>
+              <a:t>Java File/Class Naming</a:t>
             </a:r>
             <a:endParaRPr lang="en-US" dirty="0"/>
           </a:p>
@@ -6676,7 +6988,7 @@
           <p:cNvPr id="3" name="Content Placeholder 2">
             <a:extLst>
               <a:ext uri="{FF2B5EF4-FFF2-40B4-BE49-F238E27FC236}">
-                <a16:creationId xmlns:a16="http://schemas.microsoft.com/office/drawing/2014/main" id="{FA6A4B49-27C8-46B6-8B11-AD7E8F615E2C}"/>
+                <a16:creationId xmlns="" xmlns:a16="http://schemas.microsoft.com/office/drawing/2014/main" id="{FA6A4B49-27C8-46B6-8B11-AD7E8F615E2C}"/>
               </a:ext>
             </a:extLst>
           </p:cNvPr>
@@ -6687,47 +6999,26 @@
             <p:ph idx="1"/>
           </p:nvPr>
         </p:nvSpPr>
-        <p:spPr>
-          <a:xfrm>
-            <a:off x="838199" y="1773382"/>
-            <a:ext cx="10515600" cy="4403581"/>
-          </a:xfrm>
-        </p:spPr>
+        <p:spPr/>
         <p:txBody>
           <a:bodyPr>
-            <a:noAutofit/>
+            <a:normAutofit/>
           </a:bodyPr>
           <a:lstStyle/>
           <a:p>
-            <a:r>
-              <a:rPr lang="en-US" sz="2400" dirty="0"/>
-              <a:t>As per wiki , a compiler is a computer program that translates computer code written in one programming language (the source language) into another language (the target </a:t>
-            </a:r>
-            <a:r>
-              <a:rPr lang="en-US" sz="2400" dirty="0" smtClean="0"/>
-              <a:t>language</a:t>
-            </a:r>
-          </a:p>
-          <a:p>
-            <a:r>
-              <a:rPr lang="en-US" sz="2400" noProof="1" smtClean="0"/>
-              <a:t>Java </a:t>
-            </a:r>
-            <a:r>
-              <a:rPr lang="en-US" sz="2400" noProof="1" smtClean="0"/>
-              <a:t>compiler takes the source code written in a .java file and converts  that code into an intermediate code known as </a:t>
-            </a:r>
-            <a:r>
-              <a:rPr lang="en-US" sz="2400" noProof="1" smtClean="0"/>
-              <a:t>Bytecode.</a:t>
-            </a:r>
-            <a:endParaRPr lang="en-US" sz="2400" noProof="1" smtClean="0"/>
-          </a:p>
-          <a:p>
-            <a:r>
-              <a:rPr lang="en-US" sz="2400" noProof="1" smtClean="0"/>
-              <a:t>The intermediate byte code that is generated during the compile step is an important step as that makes Java platform independent. This means that the .class file can be taken on any platform/machine/OS and executed there.</a:t>
-            </a:r>
+            <a:endParaRPr lang="en-US" dirty="0" smtClean="0"/>
+          </a:p>
+          <a:p>
+            <a:endParaRPr lang="en-US" dirty="0"/>
+          </a:p>
+          <a:p>
+            <a:r>
+              <a:rPr lang="en-US" dirty="0" smtClean="0"/>
+              <a:t>Example : Postal addressing system </a:t>
+            </a:r>
+          </a:p>
+          <a:p>
+            <a:endParaRPr lang="en-US" dirty="0" smtClean="0"/>
           </a:p>
         </p:txBody>
       </p:sp>
@@ -6736,7 +7027,7 @@
           <p:cNvPr id="4" name="Slide Number Placeholder 3">
             <a:extLst>
               <a:ext uri="{FF2B5EF4-FFF2-40B4-BE49-F238E27FC236}">
-                <a16:creationId xmlns:a16="http://schemas.microsoft.com/office/drawing/2014/main" id="{62B4CE3A-8C88-45AA-A849-57E5A7AC22C1}"/>
+                <a16:creationId xmlns="" xmlns:a16="http://schemas.microsoft.com/office/drawing/2014/main" id="{62B4CE3A-8C88-45AA-A849-57E5A7AC22C1}"/>
               </a:ext>
             </a:extLst>
           </p:cNvPr>
@@ -6775,7 +7066,7 @@
           <p:cNvPr id="11" name="Rectangle 10">
             <a:extLst>
               <a:ext uri="{FF2B5EF4-FFF2-40B4-BE49-F238E27FC236}">
-                <a16:creationId xmlns:a16="http://schemas.microsoft.com/office/drawing/2014/main" id="{5F253864-26FA-4AB1-9F0A-4F57D870EE85}"/>
+                <a16:creationId xmlns="" xmlns:a16="http://schemas.microsoft.com/office/drawing/2014/main" id="{5F253864-26FA-4AB1-9F0A-4F57D870EE85}"/>
               </a:ext>
               <a:ext uri="{C183D7F6-B498-43B3-948B-1728B52AA6E4}">
                 <adec:decorative xmlns:adec="http://schemas.microsoft.com/office/drawing/2017/decorative" xmlns="" val="1"/>
@@ -6828,66 +7119,40 @@
           </a:p>
         </p:txBody>
       </p:sp>
-      <p:sp>
-        <p:nvSpPr>
-          <p:cNvPr id="5" name="Rectangle 4"/>
-          <p:cNvSpPr/>
+      <p:pic>
+        <p:nvPicPr>
+          <p:cNvPr id="5" name="Picture 4"/>
+          <p:cNvPicPr>
+            <a:picLocks noChangeAspect="1"/>
+          </p:cNvPicPr>
           <p:nvPr/>
-        </p:nvSpPr>
-        <p:spPr>
-          <a:xfrm>
-            <a:off x="5785658" y="3244334"/>
-            <a:ext cx="620683" cy="369332"/>
+        </p:nvPicPr>
+        <p:blipFill>
+          <a:blip r:embed="rId2">
+            <a:extLst>
+              <a:ext uri="{28A0092B-C50C-407E-A947-70E740481C1C}">
+                <a14:useLocalDpi xmlns="" xmlns:a14="http://schemas.microsoft.com/office/drawing/2010/main" val="0"/>
+              </a:ext>
+            </a:extLst>
+          </a:blip>
+          <a:stretch>
+            <a:fillRect/>
+          </a:stretch>
+        </p:blipFill>
+        <p:spPr>
+          <a:xfrm>
+            <a:off x="6871855" y="1917146"/>
+            <a:ext cx="4481944" cy="4444329"/>
           </a:xfrm>
           <a:prstGeom prst="rect">
             <a:avLst/>
           </a:prstGeom>
         </p:spPr>
-        <p:txBody>
-          <a:bodyPr wrap="none">
-            <a:spAutoFit/>
-          </a:bodyPr>
-          <a:lstStyle/>
-          <a:p>
-            <a:r>
-              <a:rPr lang="en-US" dirty="0"/>
-              <a:t>a b c</a:t>
-            </a:r>
-          </a:p>
-        </p:txBody>
-      </p:sp>
-      <p:sp>
-        <p:nvSpPr>
-          <p:cNvPr id="6" name="Rectangle 5"/>
-          <p:cNvSpPr/>
-          <p:nvPr/>
-        </p:nvSpPr>
-        <p:spPr>
-          <a:xfrm>
-            <a:off x="5785658" y="3244334"/>
-            <a:ext cx="620683" cy="369332"/>
-          </a:xfrm>
-          <a:prstGeom prst="rect">
-            <a:avLst/>
-          </a:prstGeom>
-        </p:spPr>
-        <p:txBody>
-          <a:bodyPr wrap="none">
-            <a:spAutoFit/>
-          </a:bodyPr>
-          <a:lstStyle/>
-          <a:p>
-            <a:r>
-              <a:rPr lang="en-US" dirty="0"/>
-              <a:t>a b c</a:t>
-            </a:r>
-          </a:p>
-        </p:txBody>
-      </p:sp>
+      </p:pic>
     </p:spTree>
     <p:extLst>
       <p:ext uri="{BB962C8B-B14F-4D97-AF65-F5344CB8AC3E}">
-        <p14:creationId xmlns:p14="http://schemas.microsoft.com/office/powerpoint/2010/main" val="2019283073"/>
+        <p14:creationId xmlns="" xmlns:p14="http://schemas.microsoft.com/office/powerpoint/2010/main" val="1136810995"/>
       </p:ext>
     </p:extLst>
   </p:cSld>
@@ -6926,7 +7191,7 @@
           <p:cNvPr id="2" name="Title 1">
             <a:extLst>
               <a:ext uri="{FF2B5EF4-FFF2-40B4-BE49-F238E27FC236}">
-                <a16:creationId xmlns:a16="http://schemas.microsoft.com/office/drawing/2014/main" id="{E199600F-A17E-4354-A7AB-0CC2A43A9354}"/>
+                <a16:creationId xmlns="" xmlns:a16="http://schemas.microsoft.com/office/drawing/2014/main" id="{E199600F-A17E-4354-A7AB-0CC2A43A9354}"/>
               </a:ext>
             </a:extLst>
           </p:cNvPr>
@@ -6939,8 +7204,8 @@
         </p:nvSpPr>
         <p:spPr>
           <a:xfrm>
-            <a:off x="838199" y="611079"/>
-            <a:ext cx="10515600" cy="833663"/>
+            <a:off x="838199" y="611080"/>
+            <a:ext cx="10515600" cy="1449216"/>
           </a:xfrm>
         </p:spPr>
         <p:txBody>
@@ -6950,7 +7215,7 @@
             <a:pPr algn="ctr"/>
             <a:r>
               <a:rPr lang="en-US" dirty="0" smtClean="0"/>
-              <a:t>C++: The pre-Java world</a:t>
+              <a:t>Entry Point to the World of JAVA : Main Method</a:t>
             </a:r>
             <a:endParaRPr lang="en-US" dirty="0"/>
           </a:p>
@@ -6961,7 +7226,7 @@
           <p:cNvPr id="3" name="Content Placeholder 2">
             <a:extLst>
               <a:ext uri="{FF2B5EF4-FFF2-40B4-BE49-F238E27FC236}">
-                <a16:creationId xmlns:a16="http://schemas.microsoft.com/office/drawing/2014/main" id="{FA6A4B49-27C8-46B6-8B11-AD7E8F615E2C}"/>
+                <a16:creationId xmlns="" xmlns:a16="http://schemas.microsoft.com/office/drawing/2014/main" id="{FA6A4B49-27C8-46B6-8B11-AD7E8F615E2C}"/>
               </a:ext>
             </a:extLst>
           </p:cNvPr>
@@ -6972,34 +7237,41 @@
             <p:ph idx="1"/>
           </p:nvPr>
         </p:nvSpPr>
-        <p:spPr>
-          <a:xfrm>
-            <a:off x="838199" y="1773382"/>
-            <a:ext cx="10515600" cy="4403581"/>
-          </a:xfrm>
-        </p:spPr>
+        <p:spPr/>
         <p:txBody>
           <a:bodyPr>
-            <a:noAutofit/>
+            <a:normAutofit/>
           </a:bodyPr>
           <a:lstStyle/>
           <a:p>
-            <a:r>
-              <a:rPr lang="en-US" sz="2400" noProof="1" smtClean="0"/>
-              <a:t>Java is primarily based one of the popular programming language. </a:t>
-            </a:r>
-          </a:p>
-          <a:p>
-            <a:r>
-              <a:rPr lang="en-US" sz="2400" noProof="1" smtClean="0"/>
-              <a:t>One of the major drawback of C++ was that the executable code was not platform independent. This means that the code written in C++ had to be compiled again and again for different platforms. This was a teadious task for a programmer to do.</a:t>
-            </a:r>
-          </a:p>
-          <a:p>
-            <a:r>
-              <a:rPr lang="en-US" sz="2400" noProof="1" smtClean="0"/>
-              <a:t>Java creators had this issue at the back of their mind and they wrote java in such a was to do away with this drawback.</a:t>
-            </a:r>
+            <a:endParaRPr lang="en-US" dirty="0" smtClean="0"/>
+          </a:p>
+          <a:p>
+            <a:endParaRPr lang="en-US" dirty="0"/>
+          </a:p>
+          <a:p>
+            <a:r>
+              <a:rPr lang="en-US" dirty="0" smtClean="0"/>
+              <a:t>Serves as an entry point to any java program. Almost all java programs whether it be a web server written in java or a web application or a desktop application , all begin with a main method and then extend further.</a:t>
+            </a:r>
+          </a:p>
+          <a:p>
+            <a:r>
+              <a:rPr lang="en-US" dirty="0" smtClean="0"/>
+              <a:t>Just like a VISA document acts like an entry point to any country and you need to satisfy all the conditions in order to possess one similar is the case with main method in java.</a:t>
+            </a:r>
+          </a:p>
+          <a:p>
+            <a:r>
+              <a:rPr lang="en-US" dirty="0" smtClean="0"/>
+              <a:t>Source Example : org.java.entrypoint.EntryPoint.java	</a:t>
+            </a:r>
+          </a:p>
+          <a:p>
+            <a:endParaRPr lang="en-US" dirty="0" smtClean="0"/>
+          </a:p>
+          <a:p>
+            <a:endParaRPr lang="en-US" dirty="0" smtClean="0"/>
           </a:p>
         </p:txBody>
       </p:sp>
@@ -7008,7 +7280,7 @@
           <p:cNvPr id="4" name="Slide Number Placeholder 3">
             <a:extLst>
               <a:ext uri="{FF2B5EF4-FFF2-40B4-BE49-F238E27FC236}">
-                <a16:creationId xmlns:a16="http://schemas.microsoft.com/office/drawing/2014/main" id="{62B4CE3A-8C88-45AA-A849-57E5A7AC22C1}"/>
+                <a16:creationId xmlns="" xmlns:a16="http://schemas.microsoft.com/office/drawing/2014/main" id="{62B4CE3A-8C88-45AA-A849-57E5A7AC22C1}"/>
               </a:ext>
             </a:extLst>
           </p:cNvPr>
@@ -7047,7 +7319,7 @@
           <p:cNvPr id="11" name="Rectangle 10">
             <a:extLst>
               <a:ext uri="{FF2B5EF4-FFF2-40B4-BE49-F238E27FC236}">
-                <a16:creationId xmlns:a16="http://schemas.microsoft.com/office/drawing/2014/main" id="{5F253864-26FA-4AB1-9F0A-4F57D870EE85}"/>
+                <a16:creationId xmlns="" xmlns:a16="http://schemas.microsoft.com/office/drawing/2014/main" id="{5F253864-26FA-4AB1-9F0A-4F57D870EE85}"/>
               </a:ext>
               <a:ext uri="{C183D7F6-B498-43B3-948B-1728B52AA6E4}">
                 <adec:decorative xmlns:adec="http://schemas.microsoft.com/office/drawing/2017/decorative" xmlns="" val="1"/>
@@ -7100,66 +7372,40 @@
           </a:p>
         </p:txBody>
       </p:sp>
-      <p:sp>
-        <p:nvSpPr>
-          <p:cNvPr id="5" name="Rectangle 4"/>
-          <p:cNvSpPr/>
+      <p:pic>
+        <p:nvPicPr>
+          <p:cNvPr id="6" name="Picture 5"/>
+          <p:cNvPicPr>
+            <a:picLocks noChangeAspect="1"/>
+          </p:cNvPicPr>
           <p:nvPr/>
-        </p:nvSpPr>
-        <p:spPr>
-          <a:xfrm>
-            <a:off x="5785658" y="3244334"/>
-            <a:ext cx="620683" cy="369332"/>
+        </p:nvPicPr>
+        <p:blipFill>
+          <a:blip r:embed="rId2" cstate="print">
+            <a:extLst>
+              <a:ext uri="{28A0092B-C50C-407E-A947-70E740481C1C}">
+                <a14:useLocalDpi xmlns="" xmlns:a14="http://schemas.microsoft.com/office/drawing/2010/main" val="0"/>
+              </a:ext>
+            </a:extLst>
+          </a:blip>
+          <a:stretch>
+            <a:fillRect/>
+          </a:stretch>
+        </p:blipFill>
+        <p:spPr>
+          <a:xfrm>
+            <a:off x="7019636" y="2338251"/>
+            <a:ext cx="4334163" cy="4204507"/>
           </a:xfrm>
           <a:prstGeom prst="rect">
             <a:avLst/>
           </a:prstGeom>
         </p:spPr>
-        <p:txBody>
-          <a:bodyPr wrap="none">
-            <a:spAutoFit/>
-          </a:bodyPr>
-          <a:lstStyle/>
-          <a:p>
-            <a:r>
-              <a:rPr lang="en-US" dirty="0"/>
-              <a:t>a b c</a:t>
-            </a:r>
-          </a:p>
-        </p:txBody>
-      </p:sp>
-      <p:sp>
-        <p:nvSpPr>
-          <p:cNvPr id="6" name="Rectangle 5"/>
-          <p:cNvSpPr/>
-          <p:nvPr/>
-        </p:nvSpPr>
-        <p:spPr>
-          <a:xfrm>
-            <a:off x="5785658" y="3244334"/>
-            <a:ext cx="620683" cy="369332"/>
-          </a:xfrm>
-          <a:prstGeom prst="rect">
-            <a:avLst/>
-          </a:prstGeom>
-        </p:spPr>
-        <p:txBody>
-          <a:bodyPr wrap="none">
-            <a:spAutoFit/>
-          </a:bodyPr>
-          <a:lstStyle/>
-          <a:p>
-            <a:r>
-              <a:rPr lang="en-US" dirty="0"/>
-              <a:t>a b c</a:t>
-            </a:r>
-          </a:p>
-        </p:txBody>
-      </p:sp>
+      </p:pic>
     </p:spTree>
     <p:extLst>
       <p:ext uri="{BB962C8B-B14F-4D97-AF65-F5344CB8AC3E}">
-        <p14:creationId xmlns:p14="http://schemas.microsoft.com/office/powerpoint/2010/main" val="1217510655"/>
+        <p14:creationId xmlns="" xmlns:p14="http://schemas.microsoft.com/office/powerpoint/2010/main" val="2944664186"/>
       </p:ext>
     </p:extLst>
   </p:cSld>
@@ -7198,7 +7444,7 @@
           <p:cNvPr id="2" name="Title 1">
             <a:extLst>
               <a:ext uri="{FF2B5EF4-FFF2-40B4-BE49-F238E27FC236}">
-                <a16:creationId xmlns:a16="http://schemas.microsoft.com/office/drawing/2014/main" id="{E199600F-A17E-4354-A7AB-0CC2A43A9354}"/>
+                <a16:creationId xmlns="" xmlns:a16="http://schemas.microsoft.com/office/drawing/2014/main" id="{E199600F-A17E-4354-A7AB-0CC2A43A9354}"/>
               </a:ext>
             </a:extLst>
           </p:cNvPr>
@@ -7222,7 +7468,7 @@
             <a:pPr algn="ctr"/>
             <a:r>
               <a:rPr lang="en-US" dirty="0" smtClean="0"/>
-              <a:t>Java : Platform Independency</a:t>
+              <a:t>Exam Perspective</a:t>
             </a:r>
             <a:endParaRPr lang="en-US" dirty="0"/>
           </a:p>
@@ -7233,7 +7479,7 @@
           <p:cNvPr id="3" name="Content Placeholder 2">
             <a:extLst>
               <a:ext uri="{FF2B5EF4-FFF2-40B4-BE49-F238E27FC236}">
-                <a16:creationId xmlns:a16="http://schemas.microsoft.com/office/drawing/2014/main" id="{FA6A4B49-27C8-46B6-8B11-AD7E8F615E2C}"/>
+                <a16:creationId xmlns="" xmlns:a16="http://schemas.microsoft.com/office/drawing/2014/main" id="{FA6A4B49-27C8-46B6-8B11-AD7E8F615E2C}"/>
               </a:ext>
             </a:extLst>
           </p:cNvPr>
@@ -7246,8 +7492,8 @@
         </p:nvSpPr>
         <p:spPr>
           <a:xfrm>
-            <a:off x="838199" y="1773382"/>
-            <a:ext cx="10515600" cy="4403581"/>
+            <a:off x="838200" y="1825625"/>
+            <a:ext cx="5941423" cy="4351338"/>
           </a:xfrm>
         </p:spPr>
         <p:txBody>
@@ -7256,11 +7502,31 @@
           </a:bodyPr>
           <a:lstStyle/>
           <a:p>
-            <a:r>
-              <a:rPr lang="en-US" sz="2800" noProof="1" smtClean="0"/>
-              <a:t>This is known as Write once run anywhere (WORA).</a:t>
-            </a:r>
-            <a:endParaRPr lang="en-US" sz="2800" noProof="1"/>
+            <a:endParaRPr lang="en-US" noProof="1" smtClean="0"/>
+          </a:p>
+          <a:p>
+            <a:endParaRPr lang="en-US" noProof="1" smtClean="0"/>
+          </a:p>
+          <a:p>
+            <a:r>
+              <a:rPr lang="en-US" noProof="1" smtClean="0"/>
+              <a:t>We could see in the real exam , questions on a valid way of writing the entry point main method.</a:t>
+            </a:r>
+          </a:p>
+          <a:p>
+            <a:r>
+              <a:rPr lang="en-US" noProof="1" smtClean="0"/>
+              <a:t>There are several incorrect ways of writing the entry point program.</a:t>
+            </a:r>
+          </a:p>
+          <a:p>
+            <a:r>
+              <a:rPr lang="en-US" noProof="1" smtClean="0"/>
+              <a:t>In the exam there will be often be a case when the main method is not given.In those cases we need to assume the presence of a hidden main method.	</a:t>
+            </a:r>
+          </a:p>
+          <a:p>
+            <a:endParaRPr lang="en-US" noProof="1"/>
           </a:p>
         </p:txBody>
       </p:sp>
@@ -7269,7 +7535,7 @@
           <p:cNvPr id="4" name="Slide Number Placeholder 3">
             <a:extLst>
               <a:ext uri="{FF2B5EF4-FFF2-40B4-BE49-F238E27FC236}">
-                <a16:creationId xmlns:a16="http://schemas.microsoft.com/office/drawing/2014/main" id="{62B4CE3A-8C88-45AA-A849-57E5A7AC22C1}"/>
+                <a16:creationId xmlns="" xmlns:a16="http://schemas.microsoft.com/office/drawing/2014/main" id="{62B4CE3A-8C88-45AA-A849-57E5A7AC22C1}"/>
               </a:ext>
             </a:extLst>
           </p:cNvPr>
@@ -7308,7 +7574,7 @@
           <p:cNvPr id="11" name="Rectangle 10">
             <a:extLst>
               <a:ext uri="{FF2B5EF4-FFF2-40B4-BE49-F238E27FC236}">
-                <a16:creationId xmlns:a16="http://schemas.microsoft.com/office/drawing/2014/main" id="{5F253864-26FA-4AB1-9F0A-4F57D870EE85}"/>
+                <a16:creationId xmlns="" xmlns:a16="http://schemas.microsoft.com/office/drawing/2014/main" id="{5F253864-26FA-4AB1-9F0A-4F57D870EE85}"/>
               </a:ext>
               <a:ext uri="{C183D7F6-B498-43B3-948B-1728B52AA6E4}">
                 <adec:decorative xmlns:adec="http://schemas.microsoft.com/office/drawing/2017/decorative" xmlns="" val="1"/>
@@ -7361,66 +7627,40 @@
           </a:p>
         </p:txBody>
       </p:sp>
-      <p:sp>
-        <p:nvSpPr>
-          <p:cNvPr id="5" name="Rectangle 4"/>
-          <p:cNvSpPr/>
+      <p:pic>
+        <p:nvPicPr>
+          <p:cNvPr id="5" name="Picture 4"/>
+          <p:cNvPicPr>
+            <a:picLocks noChangeAspect="1"/>
+          </p:cNvPicPr>
           <p:nvPr/>
-        </p:nvSpPr>
-        <p:spPr>
-          <a:xfrm>
-            <a:off x="5785658" y="3244334"/>
-            <a:ext cx="620683" cy="369332"/>
+        </p:nvPicPr>
+        <p:blipFill>
+          <a:blip r:embed="rId2">
+            <a:extLst>
+              <a:ext uri="{28A0092B-C50C-407E-A947-70E740481C1C}">
+                <a14:useLocalDpi xmlns="" xmlns:a14="http://schemas.microsoft.com/office/drawing/2010/main" val="0"/>
+              </a:ext>
+            </a:extLst>
+          </a:blip>
+          <a:stretch>
+            <a:fillRect/>
+          </a:stretch>
+        </p:blipFill>
+        <p:spPr>
+          <a:xfrm>
+            <a:off x="7028873" y="1888319"/>
+            <a:ext cx="4324926" cy="4288644"/>
           </a:xfrm>
           <a:prstGeom prst="rect">
             <a:avLst/>
           </a:prstGeom>
         </p:spPr>
-        <p:txBody>
-          <a:bodyPr wrap="none">
-            <a:spAutoFit/>
-          </a:bodyPr>
-          <a:lstStyle/>
-          <a:p>
-            <a:r>
-              <a:rPr lang="en-US" dirty="0"/>
-              <a:t>a b c</a:t>
-            </a:r>
-          </a:p>
-        </p:txBody>
-      </p:sp>
-      <p:sp>
-        <p:nvSpPr>
-          <p:cNvPr id="6" name="Rectangle 5"/>
-          <p:cNvSpPr/>
-          <p:nvPr/>
-        </p:nvSpPr>
-        <p:spPr>
-          <a:xfrm>
-            <a:off x="5785658" y="3244334"/>
-            <a:ext cx="620683" cy="369332"/>
-          </a:xfrm>
-          <a:prstGeom prst="rect">
-            <a:avLst/>
-          </a:prstGeom>
-        </p:spPr>
-        <p:txBody>
-          <a:bodyPr wrap="none">
-            <a:spAutoFit/>
-          </a:bodyPr>
-          <a:lstStyle/>
-          <a:p>
-            <a:r>
-              <a:rPr lang="en-US" dirty="0"/>
-              <a:t>a b c</a:t>
-            </a:r>
-          </a:p>
-        </p:txBody>
-      </p:sp>
+      </p:pic>
     </p:spTree>
     <p:extLst>
       <p:ext uri="{BB962C8B-B14F-4D97-AF65-F5344CB8AC3E}">
-        <p14:creationId xmlns:p14="http://schemas.microsoft.com/office/powerpoint/2010/main" val="506255617"/>
+        <p14:creationId xmlns="" xmlns:p14="http://schemas.microsoft.com/office/powerpoint/2010/main" val="3527059924"/>
       </p:ext>
     </p:extLst>
   </p:cSld>
@@ -7632,7 +7872,7 @@
   <a:extraClrSchemeLst/>
   <a:extLst>
     <a:ext uri="{05A4C25C-085E-4340-85A3-A5531E510DB2}">
-      <thm15:themeFamily xmlns:thm15="http://schemas.microsoft.com/office/thememl/2012/main" name="Classic-Corporate_Teach a Course_Win32_SB - v2" id="{AAA48AC2-5F99-4B13-8624-B64D50F70391}" vid="{7E93EDBA-CDC2-40D2-AD59-7619D791F782}"/>
+      <thm15:themeFamily xmlns="" xmlns:thm15="http://schemas.microsoft.com/office/thememl/2012/main" name="Classic-Corporate_Teach a Course_Win32_SB - v2" id="{AAA48AC2-5F99-4B13-8624-B64D50F70391}" vid="{7E93EDBA-CDC2-40D2-AD59-7619D791F782}"/>
     </a:ext>
   </a:extLst>
 </a:theme>
@@ -7927,7 +8167,7 @@
   <a:extraClrSchemeLst/>
   <a:extLst>
     <a:ext uri="{05A4C25C-085E-4340-85A3-A5531E510DB2}">
-      <thm15:themeFamily xmlns:thm15="http://schemas.microsoft.com/office/thememl/2012/main" name="Office Theme" id="{62F939B6-93AF-4DB8-9C6B-D6C7DFDC589F}" vid="{4A3C46E8-61CC-4603-A589-7422A47A8E4A}"/>
+      <thm15:themeFamily xmlns="" xmlns:thm15="http://schemas.microsoft.com/office/thememl/2012/main" name="Office Theme" id="{62F939B6-93AF-4DB8-9C6B-D6C7DFDC589F}" vid="{4A3C46E8-61CC-4603-A589-7422A47A8E4A}"/>
     </a:ext>
   </a:extLst>
 </a:theme>
@@ -8222,7 +8462,7 @@
   <a:extraClrSchemeLst/>
   <a:extLst>
     <a:ext uri="{05A4C25C-085E-4340-85A3-A5531E510DB2}">
-      <thm15:themeFamily xmlns:thm15="http://schemas.microsoft.com/office/thememl/2012/main" name="Office Theme" id="{62F939B6-93AF-4DB8-9C6B-D6C7DFDC589F}" vid="{4A3C46E8-61CC-4603-A589-7422A47A8E4A}"/>
+      <thm15:themeFamily xmlns="" xmlns:thm15="http://schemas.microsoft.com/office/thememl/2012/main" name="Office Theme" id="{62F939B6-93AF-4DB8-9C6B-D6C7DFDC589F}" vid="{4A3C46E8-61CC-4603-A589-7422A47A8E4A}"/>
     </a:ext>
   </a:extLst>
 </a:theme>
@@ -8315,15 +8555,6 @@
 </file>
 
 <file path=customXml/item1.xml><?xml version="1.0" encoding="utf-8"?>
-<p:properties xmlns:p="http://schemas.microsoft.com/office/2006/metadata/properties" xmlns:xsi="http://www.w3.org/2001/XMLSchema-instance" xmlns:pc="http://schemas.microsoft.com/office/infopath/2007/PartnerControls">
-  <documentManagement>
-    <Status xmlns="71af3243-3dd4-4a8d-8c0d-dd76da1f02a5">Not started</Status>
-    <MediaServiceKeyPoints xmlns="71af3243-3dd4-4a8d-8c0d-dd76da1f02a5" xsi:nil="true"/>
-  </documentManagement>
-</p:properties>
-</file>
-
-<file path=customXml/item2.xml><?xml version="1.0" encoding="utf-8"?>
 <ct:contentTypeSchema xmlns:ct="http://schemas.microsoft.com/office/2006/metadata/contentType" xmlns:ma="http://schemas.microsoft.com/office/2006/metadata/properties/metaAttributes" ct:_="" ma:_="" ma:contentTypeName="Document" ma:contentTypeID="0x01010079F111ED35F8CC479449609E8A0923A6" ma:contentTypeVersion="12" ma:contentTypeDescription="Create a new document." ma:contentTypeScope="" ma:versionID="fa6e671f1cd7e4d96ff9652be322dd5e">
   <xsd:schema xmlns:xsd="http://www.w3.org/2001/XMLSchema" xmlns:xs="http://www.w3.org/2001/XMLSchema" xmlns:p="http://schemas.microsoft.com/office/2006/metadata/properties" xmlns:ns2="71af3243-3dd4-4a8d-8c0d-dd76da1f02a5" xmlns:ns3="16c05727-aa75-4e4a-9b5f-8a80a1165891" targetNamespace="http://schemas.microsoft.com/office/2006/metadata/properties" ma:root="true" ma:fieldsID="4e2496f70b101db0b8013f30a071bbf7" ns2:_="" ns3:_="">
     <xsd:import namespace="71af3243-3dd4-4a8d-8c0d-dd76da1f02a5"/>
@@ -8544,7 +8775,7 @@
 </ct:contentTypeSchema>
 </file>
 
-<file path=customXml/item3.xml><?xml version="1.0" encoding="utf-8"?>
+<file path=customXml/item2.xml><?xml version="1.0" encoding="utf-8"?>
 <?mso-contentType ?>
 <FormTemplates xmlns="http://schemas.microsoft.com/sharepoint/v3/contenttype/forms">
   <Display>DocumentLibraryForm</Display>
@@ -8553,24 +8784,16 @@
 </FormTemplates>
 </file>
 
-<file path=customXml/itemProps1.xml><?xml version="1.0" encoding="utf-8"?>
-<ds:datastoreItem xmlns:ds="http://schemas.openxmlformats.org/officeDocument/2006/customXml" ds:itemID="{F4E32C0B-4052-44CB-9341-8AD8B2CC4712}">
-  <ds:schemaRefs>
-    <ds:schemaRef ds:uri="http://schemas.microsoft.com/office/2006/documentManagement/types"/>
-    <ds:schemaRef ds:uri="http://schemas.openxmlformats.org/package/2006/metadata/core-properties"/>
-    <ds:schemaRef ds:uri="16c05727-aa75-4e4a-9b5f-8a80a1165891"/>
-    <ds:schemaRef ds:uri="http://purl.org/dc/elements/1.1/"/>
-    <ds:schemaRef ds:uri="http://schemas.microsoft.com/office/infopath/2007/PartnerControls"/>
-    <ds:schemaRef ds:uri="http://schemas.microsoft.com/office/2006/metadata/properties"/>
-    <ds:schemaRef ds:uri="http://purl.org/dc/terms/"/>
-    <ds:schemaRef ds:uri="71af3243-3dd4-4a8d-8c0d-dd76da1f02a5"/>
-    <ds:schemaRef ds:uri="http://www.w3.org/XML/1998/namespace"/>
-    <ds:schemaRef ds:uri="http://purl.org/dc/dcmitype/"/>
-  </ds:schemaRefs>
-</ds:datastoreItem>
+<file path=customXml/item3.xml><?xml version="1.0" encoding="utf-8"?>
+<p:properties xmlns:p="http://schemas.microsoft.com/office/2006/metadata/properties" xmlns:xsi="http://www.w3.org/2001/XMLSchema-instance" xmlns:pc="http://schemas.microsoft.com/office/infopath/2007/PartnerControls">
+  <documentManagement>
+    <Status xmlns="71af3243-3dd4-4a8d-8c0d-dd76da1f02a5">Not started</Status>
+    <MediaServiceKeyPoints xmlns="71af3243-3dd4-4a8d-8c0d-dd76da1f02a5" xsi:nil="true"/>
+  </documentManagement>
+</p:properties>
 </file>
 
-<file path=customXml/itemProps2.xml><?xml version="1.0" encoding="utf-8"?>
+<file path=customXml/itemProps1.xml><?xml version="1.0" encoding="utf-8"?>
 <ds:datastoreItem xmlns:ds="http://schemas.openxmlformats.org/officeDocument/2006/customXml" ds:itemID="{D6766BD6-F648-49AA-B7EC-13E75CECB99A}">
   <ds:schemaRefs>
     <ds:schemaRef ds:uri="http://schemas.microsoft.com/office/2006/metadata/contentType"/>
@@ -8589,10 +8812,20 @@
 </ds:datastoreItem>
 </file>
 
-<file path=customXml/itemProps3.xml><?xml version="1.0" encoding="utf-8"?>
+<file path=customXml/itemProps2.xml><?xml version="1.0" encoding="utf-8"?>
 <ds:datastoreItem xmlns:ds="http://schemas.openxmlformats.org/officeDocument/2006/customXml" ds:itemID="{EBB7C387-AFDC-4FE3-A658-984B7F35F155}">
   <ds:schemaRefs>
     <ds:schemaRef ds:uri="http://schemas.microsoft.com/sharepoint/v3/contenttype/forms"/>
   </ds:schemaRefs>
 </ds:datastoreItem>
+</file>
+
+<file path=customXml/itemProps3.xml><?xml version="1.0" encoding="utf-8"?>
+<ds:datastoreItem xmlns:ds="http://schemas.openxmlformats.org/officeDocument/2006/customXml" ds:itemID="{F4E32C0B-4052-44CB-9341-8AD8B2CC4712}">
+  <ds:schemaRefs>
+    <ds:schemaRef ds:uri="http://schemas.microsoft.com/office/2006/metadata/properties"/>
+    <ds:schemaRef ds:uri="http://schemas.microsoft.com/office/infopath/2007/PartnerControls"/>
+    <ds:schemaRef ds:uri="71af3243-3dd4-4a8d-8c0d-dd76da1f02a5"/>
+  </ds:schemaRefs>
+</ds:datastoreItem>
 </file>
--- a/courseMaterial/Objective-2-Simple Java Program/Basics_Of_A_Java_Program.pptx
+++ b/courseMaterial/Objective-2-Simple Java Program/Basics_Of_A_Java_Program.pptx
@@ -237,7 +237,7 @@
             <a:fld id="{68416927-5E9C-4E77-85FE-EE4C81C1DE39}" type="datetimeFigureOut">
               <a:rPr lang="en-US" smtClean="0"/>
               <a:pPr/>
-              <a:t>5/10/2020</a:t>
+              <a:t>5/24/2020</a:t>
             </a:fld>
             <a:endParaRPr lang="en-US" dirty="0"/>
           </a:p>
@@ -416,7 +416,7 @@
             <a:fld id="{FA798B7E-6604-4F74-86DB-B30627D56244}" type="datetimeFigureOut">
               <a:rPr lang="en-US" smtClean="0"/>
               <a:pPr/>
-              <a:t>5/10/2020</a:t>
+              <a:t>5/24/2020</a:t>
             </a:fld>
             <a:endParaRPr lang="en-US" dirty="0"/>
           </a:p>
@@ -4779,6 +4779,12 @@
           </a:bodyPr>
           <a:lstStyle/>
           <a:p>
+            <a:endParaRPr lang="en-US" sz="2800" noProof="1" smtClean="0"/>
+          </a:p>
+          <a:p>
+            <a:endParaRPr lang="en-US" sz="2800" noProof="1"/>
+          </a:p>
+          <a:p>
             <a:r>
               <a:rPr lang="en-US" sz="2800" noProof="1" smtClean="0"/>
               <a:t>Java virtual machine (JVM) is the piece of software that is responsible for running a java application.</a:t>
@@ -4856,7 +4862,7 @@
                 <a16:creationId xmlns:a16="http://schemas.microsoft.com/office/drawing/2014/main" id="{5F253864-26FA-4AB1-9F0A-4F57D870EE85}"/>
               </a:ext>
               <a:ext uri="{C183D7F6-B498-43B3-948B-1728B52AA6E4}">
-                <adec:decorative xmlns:adec="http://schemas.microsoft.com/office/drawing/2017/decorative" xmlns="" val="1"/>
+                <adec:decorative xmlns="" xmlns:adec="http://schemas.microsoft.com/office/drawing/2017/decorative" val="1"/>
               </a:ext>
             </a:extLst>
           </p:cNvPr>
@@ -5105,7 +5111,7 @@
                 <a16:creationId xmlns:a16="http://schemas.microsoft.com/office/drawing/2014/main" id="{792980D7-ED01-4955-83DB-59BA18C94FBA}"/>
               </a:ext>
               <a:ext uri="{C183D7F6-B498-43B3-948B-1728B52AA6E4}">
-                <adec:decorative xmlns:adec="http://schemas.microsoft.com/office/drawing/2017/decorative" xmlns="" val="1"/>
+                <adec:decorative xmlns="" xmlns:adec="http://schemas.microsoft.com/office/drawing/2017/decorative" val="1"/>
               </a:ext>
             </a:extLst>
           </p:cNvPr>
@@ -5358,7 +5364,7 @@
                 <a16:creationId xmlns:a16="http://schemas.microsoft.com/office/drawing/2014/main" id="{5F253864-26FA-4AB1-9F0A-4F57D870EE85}"/>
               </a:ext>
               <a:ext uri="{C183D7F6-B498-43B3-948B-1728B52AA6E4}">
-                <adec:decorative xmlns:adec="http://schemas.microsoft.com/office/drawing/2017/decorative" xmlns="" val="1"/>
+                <adec:decorative xmlns="" xmlns:adec="http://schemas.microsoft.com/office/drawing/2017/decorative" val="1"/>
               </a:ext>
             </a:extLst>
           </p:cNvPr>
@@ -5611,7 +5617,7 @@
                 <a16:creationId xmlns:a16="http://schemas.microsoft.com/office/drawing/2014/main" id="{5F253864-26FA-4AB1-9F0A-4F57D870EE85}"/>
               </a:ext>
               <a:ext uri="{C183D7F6-B498-43B3-948B-1728B52AA6E4}">
-                <adec:decorative xmlns:adec="http://schemas.microsoft.com/office/drawing/2017/decorative" xmlns="" val="1"/>
+                <adec:decorative xmlns="" xmlns:adec="http://schemas.microsoft.com/office/drawing/2017/decorative" val="1"/>
               </a:ext>
             </a:extLst>
           </p:cNvPr>
@@ -5892,7 +5898,7 @@
                 <a16:creationId xmlns:a16="http://schemas.microsoft.com/office/drawing/2014/main" id="{5F253864-26FA-4AB1-9F0A-4F57D870EE85}"/>
               </a:ext>
               <a:ext uri="{C183D7F6-B498-43B3-948B-1728B52AA6E4}">
-                <adec:decorative xmlns:adec="http://schemas.microsoft.com/office/drawing/2017/decorative" xmlns="" val="1"/>
+                <adec:decorative xmlns="" xmlns:adec="http://schemas.microsoft.com/office/drawing/2017/decorative" val="1"/>
               </a:ext>
             </a:extLst>
           </p:cNvPr>
@@ -6208,7 +6214,7 @@
                 <a16:creationId xmlns:a16="http://schemas.microsoft.com/office/drawing/2014/main" id="{5F253864-26FA-4AB1-9F0A-4F57D870EE85}"/>
               </a:ext>
               <a:ext uri="{C183D7F6-B498-43B3-948B-1728B52AA6E4}">
-                <adec:decorative xmlns:adec="http://schemas.microsoft.com/office/drawing/2017/decorative" xmlns="" val="1"/>
+                <adec:decorative xmlns="" xmlns:adec="http://schemas.microsoft.com/office/drawing/2017/decorative" val="1"/>
               </a:ext>
             </a:extLst>
           </p:cNvPr>
@@ -6493,7 +6499,7 @@
                 <a16:creationId xmlns:a16="http://schemas.microsoft.com/office/drawing/2014/main" id="{5F253864-26FA-4AB1-9F0A-4F57D870EE85}"/>
               </a:ext>
               <a:ext uri="{C183D7F6-B498-43B3-948B-1728B52AA6E4}">
-                <adec:decorative xmlns:adec="http://schemas.microsoft.com/office/drawing/2017/decorative" xmlns="" val="1"/>
+                <adec:decorative xmlns="" xmlns:adec="http://schemas.microsoft.com/office/drawing/2017/decorative" val="1"/>
               </a:ext>
             </a:extLst>
           </p:cNvPr>
@@ -6699,9 +6705,19 @@
           </a:bodyPr>
           <a:lstStyle/>
           <a:p>
+            <a:endParaRPr lang="en-US" sz="2400" dirty="0" smtClean="0"/>
+          </a:p>
+          <a:p>
+            <a:endParaRPr lang="en-US" sz="2400"/>
+          </a:p>
+          <a:p>
+            <a:r>
+              <a:rPr lang="en-US" sz="2400" smtClean="0"/>
+              <a:t>As </a:t>
+            </a:r>
             <a:r>
               <a:rPr lang="en-US" sz="2400" dirty="0"/>
-              <a:t>As per wiki , a compiler is a computer program that translates computer code written in one programming language (the source language) into another language (the target </a:t>
+              <a:t>per wiki , a compiler is a computer program that translates computer code written in one programming language (the source language) into another language (the target </a:t>
             </a:r>
             <a:r>
               <a:rPr lang="en-US" sz="2400" dirty="0" smtClean="0"/>
@@ -6711,17 +6727,8 @@
           <a:p>
             <a:r>
               <a:rPr lang="en-US" sz="2400" noProof="1" smtClean="0"/>
-              <a:t>Java </a:t>
-            </a:r>
-            <a:r>
-              <a:rPr lang="en-US" sz="2400" noProof="1" smtClean="0"/>
-              <a:t>compiler takes the source code written in a .java file and converts  that code into an intermediate code known as </a:t>
-            </a:r>
-            <a:r>
-              <a:rPr lang="en-US" sz="2400" noProof="1" smtClean="0"/>
-              <a:t>Bytecode.</a:t>
-            </a:r>
-            <a:endParaRPr lang="en-US" sz="2400" noProof="1" smtClean="0"/>
+              <a:t>Java compiler takes the source code written in a .java file and converts  that code into an intermediate code known as Bytecode.</a:t>
+            </a:r>
           </a:p>
           <a:p>
             <a:r>
@@ -6778,7 +6785,7 @@
                 <a16:creationId xmlns:a16="http://schemas.microsoft.com/office/drawing/2014/main" id="{5F253864-26FA-4AB1-9F0A-4F57D870EE85}"/>
               </a:ext>
               <a:ext uri="{C183D7F6-B498-43B3-948B-1728B52AA6E4}">
-                <adec:decorative xmlns:adec="http://schemas.microsoft.com/office/drawing/2017/decorative" xmlns="" val="1"/>
+                <adec:decorative xmlns="" xmlns:adec="http://schemas.microsoft.com/office/drawing/2017/decorative" val="1"/>
               </a:ext>
             </a:extLst>
           </p:cNvPr>
@@ -6984,9 +6991,19 @@
           </a:bodyPr>
           <a:lstStyle/>
           <a:p>
+            <a:endParaRPr lang="en-US" sz="2400" noProof="1" smtClean="0"/>
+          </a:p>
+          <a:p>
+            <a:endParaRPr lang="en-US" sz="2400" noProof="1"/>
+          </a:p>
+          <a:p>
             <a:r>
               <a:rPr lang="en-US" sz="2400" noProof="1" smtClean="0"/>
-              <a:t>Java is primarily based one of the popular programming language. </a:t>
+              <a:t>Java </a:t>
+            </a:r>
+            <a:r>
+              <a:rPr lang="en-US" sz="2400" noProof="1" smtClean="0"/>
+              <a:t>is primarily based one of the popular programming language. </a:t>
             </a:r>
           </a:p>
           <a:p>
@@ -7050,7 +7067,7 @@
                 <a16:creationId xmlns:a16="http://schemas.microsoft.com/office/drawing/2014/main" id="{5F253864-26FA-4AB1-9F0A-4F57D870EE85}"/>
               </a:ext>
               <a:ext uri="{C183D7F6-B498-43B3-948B-1728B52AA6E4}">
-                <adec:decorative xmlns:adec="http://schemas.microsoft.com/office/drawing/2017/decorative" xmlns="" val="1"/>
+                <adec:decorative xmlns="" xmlns:adec="http://schemas.microsoft.com/office/drawing/2017/decorative" val="1"/>
               </a:ext>
             </a:extLst>
           </p:cNvPr>
@@ -7221,8 +7238,16 @@
           <a:p>
             <a:pPr algn="ctr"/>
             <a:r>
+              <a:rPr lang="en-US" dirty="0" err="1" smtClean="0"/>
+              <a:t>Java:Platform</a:t>
+            </a:r>
+            <a:r>
               <a:rPr lang="en-US" dirty="0" smtClean="0"/>
-              <a:t>Java : Platform Independency</a:t>
+              <a:t> </a:t>
+            </a:r>
+            <a:r>
+              <a:rPr lang="en-US" dirty="0" smtClean="0"/>
+              <a:t>Independency</a:t>
             </a:r>
             <a:endParaRPr lang="en-US" dirty="0"/>
           </a:p>
@@ -7311,7 +7336,7 @@
                 <a16:creationId xmlns:a16="http://schemas.microsoft.com/office/drawing/2014/main" id="{5F253864-26FA-4AB1-9F0A-4F57D870EE85}"/>
               </a:ext>
               <a:ext uri="{C183D7F6-B498-43B3-948B-1728B52AA6E4}">
-                <adec:decorative xmlns:adec="http://schemas.microsoft.com/office/drawing/2017/decorative" xmlns="" val="1"/>
+                <adec:decorative xmlns="" xmlns:adec="http://schemas.microsoft.com/office/drawing/2017/decorative" val="1"/>
               </a:ext>
             </a:extLst>
           </p:cNvPr>
@@ -7417,6 +7442,47 @@
           </a:p>
         </p:txBody>
       </p:sp>
+      <p:pic>
+        <p:nvPicPr>
+          <p:cNvPr id="1026" name="Picture 2" descr="Why is Java 'write once and run anywhere'? - GeeksforGeeks"/>
+          <p:cNvPicPr>
+            <a:picLocks noChangeAspect="1" noChangeArrowheads="1"/>
+          </p:cNvPicPr>
+          <p:nvPr/>
+        </p:nvPicPr>
+        <p:blipFill>
+          <a:blip r:embed="rId2">
+            <a:extLst>
+              <a:ext uri="{28A0092B-C50C-407E-A947-70E740481C1C}">
+                <a14:useLocalDpi xmlns:a14="http://schemas.microsoft.com/office/drawing/2010/main" val="0"/>
+              </a:ext>
+            </a:extLst>
+          </a:blip>
+          <a:srcRect/>
+          <a:stretch>
+            <a:fillRect/>
+          </a:stretch>
+        </p:blipFill>
+        <p:spPr bwMode="auto">
+          <a:xfrm>
+            <a:off x="3338743" y="2229222"/>
+            <a:ext cx="5133975" cy="4332782"/>
+          </a:xfrm>
+          <a:prstGeom prst="rect">
+            <a:avLst/>
+          </a:prstGeom>
+          <a:noFill/>
+          <a:extLst>
+            <a:ext uri="{909E8E84-426E-40DD-AFC4-6F175D3DCCD1}">
+              <a14:hiddenFill xmlns:a14="http://schemas.microsoft.com/office/drawing/2010/main">
+                <a:solidFill>
+                  <a:srgbClr val="FFFFFF"/>
+                </a:solidFill>
+              </a14:hiddenFill>
+            </a:ext>
+          </a:extLst>
+        </p:spPr>
+      </p:pic>
     </p:spTree>
     <p:extLst>
       <p:ext uri="{BB962C8B-B14F-4D97-AF65-F5344CB8AC3E}">
@@ -8315,12 +8381,12 @@
 </file>
 
 <file path=customXml/item1.xml><?xml version="1.0" encoding="utf-8"?>
-<p:properties xmlns:p="http://schemas.microsoft.com/office/2006/metadata/properties" xmlns:xsi="http://www.w3.org/2001/XMLSchema-instance" xmlns:pc="http://schemas.microsoft.com/office/infopath/2007/PartnerControls">
-  <documentManagement>
-    <Status xmlns="71af3243-3dd4-4a8d-8c0d-dd76da1f02a5">Not started</Status>
-    <MediaServiceKeyPoints xmlns="71af3243-3dd4-4a8d-8c0d-dd76da1f02a5" xsi:nil="true"/>
-  </documentManagement>
-</p:properties>
+<?mso-contentType ?>
+<FormTemplates xmlns="http://schemas.microsoft.com/sharepoint/v3/contenttype/forms">
+  <Display>DocumentLibraryForm</Display>
+  <Edit>DocumentLibraryForm</Edit>
+  <New>DocumentLibraryForm</New>
+</FormTemplates>
 </file>
 
 <file path=customXml/item2.xml><?xml version="1.0" encoding="utf-8"?>
@@ -8545,27 +8611,18 @@
 </file>
 
 <file path=customXml/item3.xml><?xml version="1.0" encoding="utf-8"?>
-<?mso-contentType ?>
-<FormTemplates xmlns="http://schemas.microsoft.com/sharepoint/v3/contenttype/forms">
-  <Display>DocumentLibraryForm</Display>
-  <Edit>DocumentLibraryForm</Edit>
-  <New>DocumentLibraryForm</New>
-</FormTemplates>
+<p:properties xmlns:p="http://schemas.microsoft.com/office/2006/metadata/properties" xmlns:xsi="http://www.w3.org/2001/XMLSchema-instance" xmlns:pc="http://schemas.microsoft.com/office/infopath/2007/PartnerControls">
+  <documentManagement>
+    <Status xmlns="71af3243-3dd4-4a8d-8c0d-dd76da1f02a5">Not started</Status>
+    <MediaServiceKeyPoints xmlns="71af3243-3dd4-4a8d-8c0d-dd76da1f02a5" xsi:nil="true"/>
+  </documentManagement>
+</p:properties>
 </file>
 
 <file path=customXml/itemProps1.xml><?xml version="1.0" encoding="utf-8"?>
-<ds:datastoreItem xmlns:ds="http://schemas.openxmlformats.org/officeDocument/2006/customXml" ds:itemID="{F4E32C0B-4052-44CB-9341-8AD8B2CC4712}">
+<ds:datastoreItem xmlns:ds="http://schemas.openxmlformats.org/officeDocument/2006/customXml" ds:itemID="{EBB7C387-AFDC-4FE3-A658-984B7F35F155}">
   <ds:schemaRefs>
-    <ds:schemaRef ds:uri="http://schemas.microsoft.com/office/2006/documentManagement/types"/>
-    <ds:schemaRef ds:uri="http://schemas.openxmlformats.org/package/2006/metadata/core-properties"/>
-    <ds:schemaRef ds:uri="16c05727-aa75-4e4a-9b5f-8a80a1165891"/>
-    <ds:schemaRef ds:uri="http://purl.org/dc/elements/1.1/"/>
-    <ds:schemaRef ds:uri="http://schemas.microsoft.com/office/infopath/2007/PartnerControls"/>
-    <ds:schemaRef ds:uri="http://schemas.microsoft.com/office/2006/metadata/properties"/>
-    <ds:schemaRef ds:uri="http://purl.org/dc/terms/"/>
-    <ds:schemaRef ds:uri="71af3243-3dd4-4a8d-8c0d-dd76da1f02a5"/>
-    <ds:schemaRef ds:uri="http://www.w3.org/XML/1998/namespace"/>
-    <ds:schemaRef ds:uri="http://purl.org/dc/dcmitype/"/>
+    <ds:schemaRef ds:uri="http://schemas.microsoft.com/sharepoint/v3/contenttype/forms"/>
   </ds:schemaRefs>
 </ds:datastoreItem>
 </file>
@@ -8590,9 +8647,18 @@
 </file>
 
 <file path=customXml/itemProps3.xml><?xml version="1.0" encoding="utf-8"?>
-<ds:datastoreItem xmlns:ds="http://schemas.openxmlformats.org/officeDocument/2006/customXml" ds:itemID="{EBB7C387-AFDC-4FE3-A658-984B7F35F155}">
+<ds:datastoreItem xmlns:ds="http://schemas.openxmlformats.org/officeDocument/2006/customXml" ds:itemID="{F4E32C0B-4052-44CB-9341-8AD8B2CC4712}">
   <ds:schemaRefs>
-    <ds:schemaRef ds:uri="http://schemas.microsoft.com/sharepoint/v3/contenttype/forms"/>
+    <ds:schemaRef ds:uri="http://schemas.microsoft.com/office/2006/documentManagement/types"/>
+    <ds:schemaRef ds:uri="http://schemas.openxmlformats.org/package/2006/metadata/core-properties"/>
+    <ds:schemaRef ds:uri="16c05727-aa75-4e4a-9b5f-8a80a1165891"/>
+    <ds:schemaRef ds:uri="http://purl.org/dc/elements/1.1/"/>
+    <ds:schemaRef ds:uri="http://schemas.microsoft.com/office/infopath/2007/PartnerControls"/>
+    <ds:schemaRef ds:uri="http://schemas.microsoft.com/office/2006/metadata/properties"/>
+    <ds:schemaRef ds:uri="http://purl.org/dc/terms/"/>
+    <ds:schemaRef ds:uri="71af3243-3dd4-4a8d-8c0d-dd76da1f02a5"/>
+    <ds:schemaRef ds:uri="http://www.w3.org/XML/1998/namespace"/>
+    <ds:schemaRef ds:uri="http://purl.org/dc/dcmitype/"/>
   </ds:schemaRefs>
 </ds:datastoreItem>
 </file>